--- a/slide/week5/week5 RNN.pptx
+++ b/slide/week5/week5 RNN.pptx
@@ -5,21 +5,32 @@
     <p:sldMasterId id="2147483648" r:id="rId1"/>
   </p:sldMasterIdLst>
   <p:notesMasterIdLst>
-    <p:notesMasterId r:id="rId14"/>
+    <p:notesMasterId r:id="rId25"/>
   </p:notesMasterIdLst>
   <p:sldIdLst>
     <p:sldId id="256" r:id="rId2"/>
-    <p:sldId id="262" r:id="rId3"/>
-    <p:sldId id="264" r:id="rId4"/>
-    <p:sldId id="263" r:id="rId5"/>
-    <p:sldId id="265" r:id="rId6"/>
-    <p:sldId id="273" r:id="rId7"/>
-    <p:sldId id="282" r:id="rId8"/>
-    <p:sldId id="283" r:id="rId9"/>
-    <p:sldId id="275" r:id="rId10"/>
-    <p:sldId id="276" r:id="rId11"/>
-    <p:sldId id="278" r:id="rId12"/>
-    <p:sldId id="277" r:id="rId13"/>
+    <p:sldId id="284" r:id="rId3"/>
+    <p:sldId id="262" r:id="rId4"/>
+    <p:sldId id="285" r:id="rId5"/>
+    <p:sldId id="286" r:id="rId6"/>
+    <p:sldId id="264" r:id="rId7"/>
+    <p:sldId id="287" r:id="rId8"/>
+    <p:sldId id="288" r:id="rId9"/>
+    <p:sldId id="263" r:id="rId10"/>
+    <p:sldId id="265" r:id="rId11"/>
+    <p:sldId id="273" r:id="rId12"/>
+    <p:sldId id="282" r:id="rId13"/>
+    <p:sldId id="291" r:id="rId14"/>
+    <p:sldId id="298" r:id="rId15"/>
+    <p:sldId id="299" r:id="rId16"/>
+    <p:sldId id="300" r:id="rId17"/>
+    <p:sldId id="301" r:id="rId18"/>
+    <p:sldId id="302" r:id="rId19"/>
+    <p:sldId id="303" r:id="rId20"/>
+    <p:sldId id="304" r:id="rId21"/>
+    <p:sldId id="305" r:id="rId22"/>
+    <p:sldId id="306" r:id="rId23"/>
+    <p:sldId id="297" r:id="rId24"/>
   </p:sldIdLst>
   <p:sldSz cx="12192000" cy="6858000"/>
   <p:notesSz cx="6858000" cy="9144000"/>
@@ -208,7 +219,7 @@
           <a:p>
             <a:fld id="{51CA9FB8-3050-46C5-BCC2-01B763353D55}" type="datetimeFigureOut">
               <a:rPr lang="en-US" smtClean="0"/>
-              <a:t>3/5/2022</a:t>
+              <a:t>7/30/2022</a:t>
             </a:fld>
             <a:endParaRPr lang="en-US"/>
           </a:p>
@@ -545,7 +556,7 @@
           <a:p>
             <a:fld id="{74668BCF-21A2-461F-AAC6-16B7FF9C72B7}" type="slidenum">
               <a:rPr lang="en-US" smtClean="0"/>
-              <a:t>2</a:t>
+              <a:t>3</a:t>
             </a:fld>
             <a:endParaRPr lang="en-US"/>
           </a:p>
@@ -610,7 +621,7 @@
           <a:p>
             <a:r>
               <a:rPr lang="en-US" dirty="0" smtClean="0"/>
-              <a:t>https://d2l.ai/chapter_recurrent-modern/bi-rnn.html</a:t>
+              <a:t>https://d2l.ai/chapter_recurrent-modern/gru.html</a:t>
             </a:r>
             <a:endParaRPr lang="en-US" dirty="0"/>
           </a:p>
@@ -633,7 +644,7 @@
           <a:p>
             <a:fld id="{74668BCF-21A2-461F-AAC6-16B7FF9C72B7}" type="slidenum">
               <a:rPr lang="en-US" smtClean="0"/>
-              <a:t>5</a:t>
+              <a:t>4</a:t>
             </a:fld>
             <a:endParaRPr lang="en-US"/>
           </a:p>
@@ -642,7 +653,7 @@
     </p:spTree>
     <p:extLst>
       <p:ext uri="{BB962C8B-B14F-4D97-AF65-F5344CB8AC3E}">
-        <p14:creationId xmlns:p14="http://schemas.microsoft.com/office/powerpoint/2010/main" val="271502734"/>
+        <p14:creationId xmlns:p14="http://schemas.microsoft.com/office/powerpoint/2010/main" val="3823822506"/>
       </p:ext>
     </p:extLst>
   </p:cSld>
@@ -698,16 +709,8 @@
           <a:p>
             <a:r>
               <a:rPr lang="en-US" dirty="0" smtClean="0"/>
-              <a:t>https://towardsdatascience.com/intuitively-understanding-connectionist-temporal-classification-3797e43a86c</a:t>
-            </a:r>
-          </a:p>
-          <a:p>
-            <a:r>
-              <a:rPr lang="en-US" dirty="0" smtClean="0"/>
-              <a:t>https://towardsdatascience.com/beam-search-decoding-in-ctc-trained-neural-networks-5a889a3d85a7</a:t>
-            </a:r>
-          </a:p>
-          <a:p>
+              <a:t>https://d2l.ai/chapter_recurrent-modern/gru.html</a:t>
+            </a:r>
             <a:endParaRPr lang="en-US" dirty="0"/>
           </a:p>
         </p:txBody>
@@ -729,7 +732,7 @@
           <a:p>
             <a:fld id="{74668BCF-21A2-461F-AAC6-16B7FF9C72B7}" type="slidenum">
               <a:rPr lang="en-US" smtClean="0"/>
-              <a:t>12</a:t>
+              <a:t>5</a:t>
             </a:fld>
             <a:endParaRPr lang="en-US"/>
           </a:p>
@@ -738,7 +741,322 @@
     </p:spTree>
     <p:extLst>
       <p:ext uri="{BB962C8B-B14F-4D97-AF65-F5344CB8AC3E}">
-        <p14:creationId xmlns:p14="http://schemas.microsoft.com/office/powerpoint/2010/main" val="2286455886"/>
+        <p14:creationId xmlns:p14="http://schemas.microsoft.com/office/powerpoint/2010/main" val="1849493899"/>
+      </p:ext>
+    </p:extLst>
+  </p:cSld>
+  <p:clrMapOvr>
+    <a:masterClrMapping/>
+  </p:clrMapOvr>
+</p:notes>
+</file>
+
+<file path=ppt/notesSlides/notesSlide4.xml><?xml version="1.0" encoding="utf-8"?>
+<p:notes xmlns:a="http://schemas.openxmlformats.org/drawingml/2006/main" xmlns:r="http://schemas.openxmlformats.org/officeDocument/2006/relationships" xmlns:p="http://schemas.openxmlformats.org/presentationml/2006/main">
+  <p:cSld>
+    <p:spTree>
+      <p:nvGrpSpPr>
+        <p:cNvPr id="1" name=""/>
+        <p:cNvGrpSpPr/>
+        <p:nvPr/>
+      </p:nvGrpSpPr>
+      <p:grpSpPr>
+        <a:xfrm>
+          <a:off x="0" y="0"/>
+          <a:ext cx="0" cy="0"/>
+          <a:chOff x="0" y="0"/>
+          <a:chExt cx="0" cy="0"/>
+        </a:xfrm>
+      </p:grpSpPr>
+      <p:sp>
+        <p:nvSpPr>
+          <p:cNvPr id="2" name="Slide Image Placeholder 1"/>
+          <p:cNvSpPr>
+            <a:spLocks noGrp="1" noRot="1" noChangeAspect="1"/>
+          </p:cNvSpPr>
+          <p:nvPr>
+            <p:ph type="sldImg"/>
+          </p:nvPr>
+        </p:nvSpPr>
+        <p:spPr/>
+      </p:sp>
+      <p:sp>
+        <p:nvSpPr>
+          <p:cNvPr id="3" name="Notes Placeholder 2"/>
+          <p:cNvSpPr>
+            <a:spLocks noGrp="1"/>
+          </p:cNvSpPr>
+          <p:nvPr>
+            <p:ph type="body" idx="1"/>
+          </p:nvPr>
+        </p:nvSpPr>
+        <p:spPr/>
+        <p:txBody>
+          <a:bodyPr/>
+          <a:lstStyle/>
+          <a:p>
+            <a:r>
+              <a:rPr lang="en-US" dirty="0" smtClean="0"/>
+              <a:t>https://d2l.ai/chapter_recurrent-modern/bi-rnn.html</a:t>
+            </a:r>
+            <a:endParaRPr lang="en-US" dirty="0"/>
+          </a:p>
+        </p:txBody>
+      </p:sp>
+      <p:sp>
+        <p:nvSpPr>
+          <p:cNvPr id="4" name="Slide Number Placeholder 3"/>
+          <p:cNvSpPr>
+            <a:spLocks noGrp="1"/>
+          </p:cNvSpPr>
+          <p:nvPr>
+            <p:ph type="sldNum" sz="quarter" idx="10"/>
+          </p:nvPr>
+        </p:nvSpPr>
+        <p:spPr/>
+        <p:txBody>
+          <a:bodyPr/>
+          <a:lstStyle/>
+          <a:p>
+            <a:fld id="{74668BCF-21A2-461F-AAC6-16B7FF9C72B7}" type="slidenum">
+              <a:rPr lang="en-US" smtClean="0"/>
+              <a:t>10</a:t>
+            </a:fld>
+            <a:endParaRPr lang="en-US"/>
+          </a:p>
+        </p:txBody>
+      </p:sp>
+    </p:spTree>
+    <p:extLst>
+      <p:ext uri="{BB962C8B-B14F-4D97-AF65-F5344CB8AC3E}">
+        <p14:creationId xmlns:p14="http://schemas.microsoft.com/office/powerpoint/2010/main" val="271502734"/>
+      </p:ext>
+    </p:extLst>
+  </p:cSld>
+  <p:clrMapOvr>
+    <a:masterClrMapping/>
+  </p:clrMapOvr>
+</p:notes>
+</file>
+
+<file path=ppt/notesSlides/notesSlide5.xml><?xml version="1.0" encoding="utf-8"?>
+<p:notes xmlns:a="http://schemas.openxmlformats.org/drawingml/2006/main" xmlns:r="http://schemas.openxmlformats.org/officeDocument/2006/relationships" xmlns:p="http://schemas.openxmlformats.org/presentationml/2006/main">
+  <p:cSld>
+    <p:spTree>
+      <p:nvGrpSpPr>
+        <p:cNvPr id="1" name=""/>
+        <p:cNvGrpSpPr/>
+        <p:nvPr/>
+      </p:nvGrpSpPr>
+      <p:grpSpPr>
+        <a:xfrm>
+          <a:off x="0" y="0"/>
+          <a:ext cx="0" cy="0"/>
+          <a:chOff x="0" y="0"/>
+          <a:chExt cx="0" cy="0"/>
+        </a:xfrm>
+      </p:grpSpPr>
+      <p:sp>
+        <p:nvSpPr>
+          <p:cNvPr id="2" name="Slide Image Placeholder 1"/>
+          <p:cNvSpPr>
+            <a:spLocks noGrp="1" noRot="1" noChangeAspect="1"/>
+          </p:cNvSpPr>
+          <p:nvPr>
+            <p:ph type="sldImg"/>
+          </p:nvPr>
+        </p:nvSpPr>
+        <p:spPr/>
+      </p:sp>
+      <p:sp>
+        <p:nvSpPr>
+          <p:cNvPr id="3" name="Notes Placeholder 2"/>
+          <p:cNvSpPr>
+            <a:spLocks noGrp="1"/>
+          </p:cNvSpPr>
+          <p:nvPr>
+            <p:ph type="body" idx="1"/>
+          </p:nvPr>
+        </p:nvSpPr>
+        <p:spPr/>
+        <p:txBody>
+          <a:bodyPr/>
+          <a:lstStyle/>
+          <a:p>
+            <a:r>
+              <a:rPr lang="en-US" dirty="0" smtClean="0"/>
+              <a:t>Tung </a:t>
+            </a:r>
+            <a:r>
+              <a:rPr lang="en-US" dirty="0" err="1" smtClean="0"/>
+              <a:t>buoc</a:t>
+            </a:r>
+            <a:r>
+              <a:rPr lang="en-US" dirty="0" smtClean="0"/>
+              <a:t> inference</a:t>
+            </a:r>
+            <a:endParaRPr lang="en-US" dirty="0"/>
+          </a:p>
+        </p:txBody>
+      </p:sp>
+      <p:sp>
+        <p:nvSpPr>
+          <p:cNvPr id="4" name="Slide Number Placeholder 3"/>
+          <p:cNvSpPr>
+            <a:spLocks noGrp="1"/>
+          </p:cNvSpPr>
+          <p:nvPr>
+            <p:ph type="sldNum" sz="quarter" idx="10"/>
+          </p:nvPr>
+        </p:nvSpPr>
+        <p:spPr/>
+        <p:txBody>
+          <a:bodyPr/>
+          <a:lstStyle/>
+          <a:p>
+            <a:fld id="{74668BCF-21A2-461F-AAC6-16B7FF9C72B7}" type="slidenum">
+              <a:rPr lang="en-US" smtClean="0"/>
+              <a:t>15</a:t>
+            </a:fld>
+            <a:endParaRPr lang="en-US"/>
+          </a:p>
+        </p:txBody>
+      </p:sp>
+    </p:spTree>
+    <p:extLst>
+      <p:ext uri="{BB962C8B-B14F-4D97-AF65-F5344CB8AC3E}">
+        <p14:creationId xmlns:p14="http://schemas.microsoft.com/office/powerpoint/2010/main" val="638249512"/>
+      </p:ext>
+    </p:extLst>
+  </p:cSld>
+  <p:clrMapOvr>
+    <a:masterClrMapping/>
+  </p:clrMapOvr>
+</p:notes>
+</file>
+
+<file path=ppt/notesSlides/notesSlide6.xml><?xml version="1.0" encoding="utf-8"?>
+<p:notes xmlns:a="http://schemas.openxmlformats.org/drawingml/2006/main" xmlns:r="http://schemas.openxmlformats.org/officeDocument/2006/relationships" xmlns:p="http://schemas.openxmlformats.org/presentationml/2006/main">
+  <p:cSld>
+    <p:spTree>
+      <p:nvGrpSpPr>
+        <p:cNvPr id="1" name=""/>
+        <p:cNvGrpSpPr/>
+        <p:nvPr/>
+      </p:nvGrpSpPr>
+      <p:grpSpPr>
+        <a:xfrm>
+          <a:off x="0" y="0"/>
+          <a:ext cx="0" cy="0"/>
+          <a:chOff x="0" y="0"/>
+          <a:chExt cx="0" cy="0"/>
+        </a:xfrm>
+      </p:grpSpPr>
+      <p:sp>
+        <p:nvSpPr>
+          <p:cNvPr id="2" name="Slide Image Placeholder 1"/>
+          <p:cNvSpPr>
+            <a:spLocks noGrp="1" noRot="1" noChangeAspect="1"/>
+          </p:cNvSpPr>
+          <p:nvPr>
+            <p:ph type="sldImg"/>
+          </p:nvPr>
+        </p:nvSpPr>
+        <p:spPr/>
+      </p:sp>
+      <p:sp>
+        <p:nvSpPr>
+          <p:cNvPr id="3" name="Notes Placeholder 2"/>
+          <p:cNvSpPr>
+            <a:spLocks noGrp="1"/>
+          </p:cNvSpPr>
+          <p:nvPr>
+            <p:ph type="body" idx="1"/>
+          </p:nvPr>
+        </p:nvSpPr>
+        <p:spPr/>
+        <p:txBody>
+          <a:bodyPr/>
+          <a:lstStyle/>
+          <a:p>
+            <a:pPr marL="0" marR="0" lvl="0" indent="0" algn="l" defTabSz="914400" rtl="0" eaLnBrk="1" fontAlgn="auto" latinLnBrk="0" hangingPunct="1">
+              <a:lnSpc>
+                <a:spcPct val="100000"/>
+              </a:lnSpc>
+              <a:spcBef>
+                <a:spcPts val="0"/>
+              </a:spcBef>
+              <a:spcAft>
+                <a:spcPts val="0"/>
+              </a:spcAft>
+              <a:buClrTx/>
+              <a:buSzTx/>
+              <a:buFontTx/>
+              <a:buNone/>
+              <a:tabLst/>
+              <a:defRPr/>
+            </a:pPr>
+            <a:r>
+              <a:rPr lang="en-US" dirty="0" smtClean="0"/>
+              <a:t>https://www.kaggle.com/code/taronzakaryan/predicting-stock-price-using-lstm-model-pytorch/notebook</a:t>
+            </a:r>
+          </a:p>
+          <a:p>
+            <a:pPr marL="0" marR="0" lvl="0" indent="0" algn="l" defTabSz="914400" rtl="0" eaLnBrk="1" fontAlgn="auto" latinLnBrk="0" hangingPunct="1">
+              <a:lnSpc>
+                <a:spcPct val="100000"/>
+              </a:lnSpc>
+              <a:spcBef>
+                <a:spcPts val="0"/>
+              </a:spcBef>
+              <a:spcAft>
+                <a:spcPts val="0"/>
+              </a:spcAft>
+              <a:buClrTx/>
+              <a:buSzTx/>
+              <a:buFontTx/>
+              <a:buNone/>
+              <a:tabLst/>
+              <a:defRPr/>
+            </a:pPr>
+            <a:r>
+              <a:rPr lang="en-US" smtClean="0"/>
+              <a:t>https://jovian.ai/nagendhiran-r/predicting-stock-price-using-pytorch</a:t>
+            </a:r>
+            <a:endParaRPr lang="en-US" dirty="0" smtClean="0"/>
+          </a:p>
+          <a:p>
+            <a:endParaRPr lang="en-US" dirty="0"/>
+          </a:p>
+        </p:txBody>
+      </p:sp>
+      <p:sp>
+        <p:nvSpPr>
+          <p:cNvPr id="4" name="Slide Number Placeholder 3"/>
+          <p:cNvSpPr>
+            <a:spLocks noGrp="1"/>
+          </p:cNvSpPr>
+          <p:nvPr>
+            <p:ph type="sldNum" sz="quarter" idx="10"/>
+          </p:nvPr>
+        </p:nvSpPr>
+        <p:spPr/>
+        <p:txBody>
+          <a:bodyPr/>
+          <a:lstStyle/>
+          <a:p>
+            <a:fld id="{74668BCF-21A2-461F-AAC6-16B7FF9C72B7}" type="slidenum">
+              <a:rPr lang="en-US" smtClean="0"/>
+              <a:t>23</a:t>
+            </a:fld>
+            <a:endParaRPr lang="en-US"/>
+          </a:p>
+        </p:txBody>
+      </p:sp>
+    </p:spTree>
+    <p:extLst>
+      <p:ext uri="{BB962C8B-B14F-4D97-AF65-F5344CB8AC3E}">
+        <p14:creationId xmlns:p14="http://schemas.microsoft.com/office/powerpoint/2010/main" val="3683495671"/>
       </p:ext>
     </p:extLst>
   </p:cSld>
@@ -879,7 +1197,7 @@
           <a:p>
             <a:fld id="{605F9D8B-F268-4FDC-9177-FD3B20249225}" type="datetimeFigureOut">
               <a:rPr lang="en-US" smtClean="0"/>
-              <a:t>3/5/2022</a:t>
+              <a:t>7/30/2022</a:t>
             </a:fld>
             <a:endParaRPr lang="en-US"/>
           </a:p>
@@ -1049,7 +1367,7 @@
           <a:p>
             <a:fld id="{605F9D8B-F268-4FDC-9177-FD3B20249225}" type="datetimeFigureOut">
               <a:rPr lang="en-US" smtClean="0"/>
-              <a:t>3/5/2022</a:t>
+              <a:t>7/30/2022</a:t>
             </a:fld>
             <a:endParaRPr lang="en-US"/>
           </a:p>
@@ -1229,7 +1547,7 @@
           <a:p>
             <a:fld id="{605F9D8B-F268-4FDC-9177-FD3B20249225}" type="datetimeFigureOut">
               <a:rPr lang="en-US" smtClean="0"/>
-              <a:t>3/5/2022</a:t>
+              <a:t>7/30/2022</a:t>
             </a:fld>
             <a:endParaRPr lang="en-US"/>
           </a:p>
@@ -1399,7 +1717,7 @@
           <a:p>
             <a:fld id="{605F9D8B-F268-4FDC-9177-FD3B20249225}" type="datetimeFigureOut">
               <a:rPr lang="en-US" smtClean="0"/>
-              <a:t>3/5/2022</a:t>
+              <a:t>7/30/2022</a:t>
             </a:fld>
             <a:endParaRPr lang="en-US"/>
           </a:p>
@@ -1645,7 +1963,7 @@
           <a:p>
             <a:fld id="{605F9D8B-F268-4FDC-9177-FD3B20249225}" type="datetimeFigureOut">
               <a:rPr lang="en-US" smtClean="0"/>
-              <a:t>3/5/2022</a:t>
+              <a:t>7/30/2022</a:t>
             </a:fld>
             <a:endParaRPr lang="en-US"/>
           </a:p>
@@ -1877,7 +2195,7 @@
           <a:p>
             <a:fld id="{605F9D8B-F268-4FDC-9177-FD3B20249225}" type="datetimeFigureOut">
               <a:rPr lang="en-US" smtClean="0"/>
-              <a:t>3/5/2022</a:t>
+              <a:t>7/30/2022</a:t>
             </a:fld>
             <a:endParaRPr lang="en-US"/>
           </a:p>
@@ -2244,7 +2562,7 @@
           <a:p>
             <a:fld id="{605F9D8B-F268-4FDC-9177-FD3B20249225}" type="datetimeFigureOut">
               <a:rPr lang="en-US" smtClean="0"/>
-              <a:t>3/5/2022</a:t>
+              <a:t>7/30/2022</a:t>
             </a:fld>
             <a:endParaRPr lang="en-US"/>
           </a:p>
@@ -2362,7 +2680,7 @@
           <a:p>
             <a:fld id="{605F9D8B-F268-4FDC-9177-FD3B20249225}" type="datetimeFigureOut">
               <a:rPr lang="en-US" smtClean="0"/>
-              <a:t>3/5/2022</a:t>
+              <a:t>7/30/2022</a:t>
             </a:fld>
             <a:endParaRPr lang="en-US"/>
           </a:p>
@@ -2457,7 +2775,7 @@
           <a:p>
             <a:fld id="{605F9D8B-F268-4FDC-9177-FD3B20249225}" type="datetimeFigureOut">
               <a:rPr lang="en-US" smtClean="0"/>
-              <a:t>3/5/2022</a:t>
+              <a:t>7/30/2022</a:t>
             </a:fld>
             <a:endParaRPr lang="en-US"/>
           </a:p>
@@ -2734,7 +3052,7 @@
           <a:p>
             <a:fld id="{605F9D8B-F268-4FDC-9177-FD3B20249225}" type="datetimeFigureOut">
               <a:rPr lang="en-US" smtClean="0"/>
-              <a:t>3/5/2022</a:t>
+              <a:t>7/30/2022</a:t>
             </a:fld>
             <a:endParaRPr lang="en-US"/>
           </a:p>
@@ -2987,7 +3305,7 @@
           <a:p>
             <a:fld id="{605F9D8B-F268-4FDC-9177-FD3B20249225}" type="datetimeFigureOut">
               <a:rPr lang="en-US" smtClean="0"/>
-              <a:t>3/5/2022</a:t>
+              <a:t>7/30/2022</a:t>
             </a:fld>
             <a:endParaRPr lang="en-US"/>
           </a:p>
@@ -3200,7 +3518,7 @@
           <a:p>
             <a:fld id="{605F9D8B-F268-4FDC-9177-FD3B20249225}" type="datetimeFigureOut">
               <a:rPr lang="en-US" smtClean="0"/>
-              <a:t>3/5/2022</a:t>
+              <a:t>7/30/2022</a:t>
             </a:fld>
             <a:endParaRPr lang="en-US"/>
           </a:p>
@@ -3621,8 +3939,40 @@
           <a:lstStyle/>
           <a:p>
             <a:r>
-              <a:rPr lang="en-US" dirty="0"/>
-              <a:t>Modern RNN</a:t>
+              <a:rPr lang="en-US" dirty="0" err="1" smtClean="0"/>
+              <a:t>Các</a:t>
+            </a:r>
+            <a:r>
+              <a:rPr lang="en-US" dirty="0" smtClean="0"/>
+              <a:t> </a:t>
+            </a:r>
+            <a:r>
+              <a:rPr lang="en-US" dirty="0" err="1" smtClean="0"/>
+              <a:t>mô</a:t>
+            </a:r>
+            <a:r>
+              <a:rPr lang="en-US" dirty="0" smtClean="0"/>
+              <a:t> </a:t>
+            </a:r>
+            <a:r>
+              <a:rPr lang="en-US" dirty="0" err="1" smtClean="0"/>
+              <a:t>hình</a:t>
+            </a:r>
+            <a:r>
+              <a:rPr lang="en-US" dirty="0" smtClean="0"/>
+              <a:t> RNN </a:t>
+            </a:r>
+            <a:r>
+              <a:rPr lang="en-US" dirty="0" err="1" smtClean="0"/>
+              <a:t>hiện</a:t>
+            </a:r>
+            <a:r>
+              <a:rPr lang="en-US" dirty="0" smtClean="0"/>
+              <a:t> </a:t>
+            </a:r>
+            <a:r>
+              <a:rPr lang="en-US" dirty="0" err="1" smtClean="0"/>
+              <a:t>đại</a:t>
             </a:r>
             <a:endParaRPr lang="en-US" dirty="0"/>
           </a:p>
@@ -3694,7 +4044,7 @@
           <a:p>
             <a:r>
               <a:rPr lang="en-US" dirty="0" smtClean="0"/>
-              <a:t>Beam search</a:t>
+              <a:t>Bidirectional RNN</a:t>
             </a:r>
             <a:endParaRPr lang="en-US" dirty="0"/>
           </a:p>
@@ -3710,910 +4060,423 @@
             <p:ph idx="1"/>
           </p:nvPr>
         </p:nvSpPr>
-        <p:spPr/>
-        <p:txBody>
-          <a:bodyPr/>
-          <a:lstStyle/>
-          <a:p>
-            <a:endParaRPr lang="en-US"/>
-          </a:p>
-        </p:txBody>
-      </p:sp>
-      <p:pic>
-        <p:nvPicPr>
-          <p:cNvPr id="4" name="Picture 3"/>
-          <p:cNvPicPr>
-            <a:picLocks noChangeAspect="1"/>
-          </p:cNvPicPr>
-          <p:nvPr/>
-        </p:nvPicPr>
-        <p:blipFill>
-          <a:blip r:embed="rId2"/>
-          <a:stretch>
-            <a:fillRect/>
-          </a:stretch>
-        </p:blipFill>
         <p:spPr>
           <a:xfrm>
-            <a:off x="2924541" y="2259318"/>
-            <a:ext cx="5762625" cy="3800475"/>
+            <a:off x="838200" y="1825625"/>
+            <a:ext cx="5520070" cy="4351338"/>
           </a:xfrm>
-          <a:prstGeom prst="rect">
-            <a:avLst/>
-          </a:prstGeom>
         </p:spPr>
-      </p:pic>
-    </p:spTree>
-    <p:extLst>
-      <p:ext uri="{BB962C8B-B14F-4D97-AF65-F5344CB8AC3E}">
-        <p14:creationId xmlns:p14="http://schemas.microsoft.com/office/powerpoint/2010/main" val="3915229026"/>
-      </p:ext>
-    </p:extLst>
-  </p:cSld>
-  <p:clrMapOvr>
-    <a:masterClrMapping/>
-  </p:clrMapOvr>
-</p:sld>
-</file>
-
-<file path=ppt/slides/slide11.xml><?xml version="1.0" encoding="utf-8"?>
-<p:sld xmlns:a="http://schemas.openxmlformats.org/drawingml/2006/main" xmlns:r="http://schemas.openxmlformats.org/officeDocument/2006/relationships" xmlns:p="http://schemas.openxmlformats.org/presentationml/2006/main">
-  <p:cSld>
-    <p:spTree>
-      <p:nvGrpSpPr>
-        <p:cNvPr id="1" name=""/>
-        <p:cNvGrpSpPr/>
-        <p:nvPr/>
-      </p:nvGrpSpPr>
-      <p:grpSpPr>
-        <a:xfrm>
-          <a:off x="0" y="0"/>
-          <a:ext cx="0" cy="0"/>
-          <a:chOff x="0" y="0"/>
-          <a:chExt cx="0" cy="0"/>
-        </a:xfrm>
-      </p:grpSpPr>
-      <p:sp>
-        <p:nvSpPr>
-          <p:cNvPr id="2" name="Title 1"/>
-          <p:cNvSpPr>
-            <a:spLocks noGrp="1"/>
-          </p:cNvSpPr>
-          <p:nvPr>
-            <p:ph type="title"/>
-          </p:nvPr>
-        </p:nvSpPr>
-        <p:spPr/>
-        <p:txBody>
-          <a:bodyPr/>
+        <p:txBody>
+          <a:bodyPr>
+            <a:normAutofit lnSpcReduction="10000"/>
+          </a:bodyPr>
           <a:lstStyle/>
           <a:p>
             <a:r>
-              <a:rPr lang="en-US" dirty="0" smtClean="0"/>
-              <a:t>OCR</a:t>
-            </a:r>
-            <a:endParaRPr lang="en-US" dirty="0"/>
-          </a:p>
-        </p:txBody>
-      </p:sp>
-      <p:sp>
-        <p:nvSpPr>
-          <p:cNvPr id="3" name="Content Placeholder 2"/>
-          <p:cNvSpPr>
-            <a:spLocks noGrp="1"/>
-          </p:cNvSpPr>
-          <p:nvPr>
-            <p:ph idx="1"/>
-          </p:nvPr>
-        </p:nvSpPr>
-        <p:spPr/>
-        <p:txBody>
-          <a:bodyPr/>
-          <a:lstStyle/>
-          <a:p>
-            <a:endParaRPr lang="en-US"/>
-          </a:p>
-        </p:txBody>
-      </p:sp>
-      <p:pic>
-        <p:nvPicPr>
-          <p:cNvPr id="1026" name="Picture 2" descr="https://miro.medium.com/max/700/1*i2OG4hu9EjsyWcVMc4OOvA.png"/>
-          <p:cNvPicPr>
-            <a:picLocks noChangeAspect="1" noChangeArrowheads="1"/>
-          </p:cNvPicPr>
-          <p:nvPr/>
-        </p:nvPicPr>
-        <p:blipFill>
-          <a:blip r:embed="rId2">
-            <a:extLst>
-              <a:ext uri="{28A0092B-C50C-407E-A947-70E740481C1C}">
-                <a14:useLocalDpi xmlns:a14="http://schemas.microsoft.com/office/drawing/2010/main" val="0"/>
-              </a:ext>
-            </a:extLst>
-          </a:blip>
-          <a:srcRect/>
-          <a:stretch>
-            <a:fillRect/>
-          </a:stretch>
-        </p:blipFill>
-        <p:spPr bwMode="auto">
-          <a:xfrm>
-            <a:off x="2076066" y="2419961"/>
-            <a:ext cx="8439778" cy="3207117"/>
-          </a:xfrm>
-          <a:prstGeom prst="rect">
-            <a:avLst/>
-          </a:prstGeom>
-          <a:noFill/>
-          <a:extLst>
-            <a:ext uri="{909E8E84-426E-40DD-AFC4-6F175D3DCCD1}">
-              <a14:hiddenFill xmlns:a14="http://schemas.microsoft.com/office/drawing/2010/main">
-                <a:solidFill>
-                  <a:srgbClr val="FFFFFF"/>
-                </a:solidFill>
-              </a14:hiddenFill>
-            </a:ext>
-          </a:extLst>
-        </p:spPr>
-      </p:pic>
-    </p:spTree>
-    <p:extLst>
-      <p:ext uri="{BB962C8B-B14F-4D97-AF65-F5344CB8AC3E}">
-        <p14:creationId xmlns:p14="http://schemas.microsoft.com/office/powerpoint/2010/main" val="4262612796"/>
-      </p:ext>
-    </p:extLst>
-  </p:cSld>
-  <p:clrMapOvr>
-    <a:masterClrMapping/>
-  </p:clrMapOvr>
-</p:sld>
-</file>
-
-<file path=ppt/slides/slide12.xml><?xml version="1.0" encoding="utf-8"?>
-<p:sld xmlns:a="http://schemas.openxmlformats.org/drawingml/2006/main" xmlns:r="http://schemas.openxmlformats.org/officeDocument/2006/relationships" xmlns:p="http://schemas.openxmlformats.org/presentationml/2006/main">
-  <p:cSld>
-    <p:spTree>
-      <p:nvGrpSpPr>
-        <p:cNvPr id="1" name=""/>
-        <p:cNvGrpSpPr/>
-        <p:nvPr/>
-      </p:nvGrpSpPr>
-      <p:grpSpPr>
-        <a:xfrm>
-          <a:off x="0" y="0"/>
-          <a:ext cx="0" cy="0"/>
-          <a:chOff x="0" y="0"/>
-          <a:chExt cx="0" cy="0"/>
-        </a:xfrm>
-      </p:grpSpPr>
-      <p:sp>
-        <p:nvSpPr>
-          <p:cNvPr id="2" name="Title 1"/>
-          <p:cNvSpPr>
-            <a:spLocks noGrp="1"/>
-          </p:cNvSpPr>
-          <p:nvPr>
-            <p:ph type="title"/>
-          </p:nvPr>
-        </p:nvSpPr>
-        <p:spPr/>
-        <p:txBody>
-          <a:bodyPr/>
-          <a:lstStyle/>
-          <a:p>
-            <a:r>
-              <a:rPr lang="en-US" dirty="0" smtClean="0"/>
-              <a:t>CTC loss</a:t>
-            </a:r>
-            <a:endParaRPr lang="en-US" dirty="0"/>
-          </a:p>
-        </p:txBody>
-      </p:sp>
-      <p:sp>
-        <p:nvSpPr>
-          <p:cNvPr id="3" name="Content Placeholder 2"/>
-          <p:cNvSpPr>
-            <a:spLocks noGrp="1"/>
-          </p:cNvSpPr>
-          <p:nvPr>
-            <p:ph idx="1"/>
-          </p:nvPr>
-        </p:nvSpPr>
-        <p:spPr/>
-        <p:txBody>
-          <a:bodyPr/>
-          <a:lstStyle/>
-          <a:p>
-            <a:endParaRPr lang="en-US" dirty="0"/>
-          </a:p>
-        </p:txBody>
-      </p:sp>
-      <p:pic>
-        <p:nvPicPr>
-          <p:cNvPr id="2050" name="Picture 2" descr="https://miro.medium.com/max/400/1*BFQYgGofh6HOxnGdkJnO-w.png"/>
-          <p:cNvPicPr>
-            <a:picLocks noChangeAspect="1" noChangeArrowheads="1"/>
-          </p:cNvPicPr>
-          <p:nvPr/>
-        </p:nvPicPr>
-        <p:blipFill>
-          <a:blip r:embed="rId3">
-            <a:extLst>
-              <a:ext uri="{28A0092B-C50C-407E-A947-70E740481C1C}">
-                <a14:useLocalDpi xmlns:a14="http://schemas.microsoft.com/office/drawing/2010/main" val="0"/>
-              </a:ext>
-            </a:extLst>
-          </a:blip>
-          <a:srcRect/>
-          <a:stretch>
-            <a:fillRect/>
-          </a:stretch>
-        </p:blipFill>
-        <p:spPr bwMode="auto">
-          <a:xfrm>
-            <a:off x="1698642" y="2694720"/>
-            <a:ext cx="2265207" cy="2072665"/>
-          </a:xfrm>
-          <a:prstGeom prst="rect">
-            <a:avLst/>
-          </a:prstGeom>
-          <a:noFill/>
-          <a:extLst>
-            <a:ext uri="{909E8E84-426E-40DD-AFC4-6F175D3DCCD1}">
-              <a14:hiddenFill xmlns:a14="http://schemas.microsoft.com/office/drawing/2010/main">
-                <a:solidFill>
-                  <a:srgbClr val="FFFFFF"/>
-                </a:solidFill>
-              </a14:hiddenFill>
-            </a:ext>
-          </a:extLst>
-        </p:spPr>
-      </p:pic>
-      <p:pic>
-        <p:nvPicPr>
-          <p:cNvPr id="2052" name="Picture 4" descr="https://miro.medium.com/max/600/1*1_5KnLvaTkGUFoyat2jHcQ.png"/>
-          <p:cNvPicPr>
-            <a:picLocks noChangeAspect="1" noChangeArrowheads="1"/>
-          </p:cNvPicPr>
-          <p:nvPr/>
-        </p:nvPicPr>
-        <p:blipFill>
-          <a:blip r:embed="rId4">
-            <a:extLst>
-              <a:ext uri="{28A0092B-C50C-407E-A947-70E740481C1C}">
-                <a14:useLocalDpi xmlns:a14="http://schemas.microsoft.com/office/drawing/2010/main" val="0"/>
-              </a:ext>
-            </a:extLst>
-          </a:blip>
-          <a:srcRect/>
-          <a:stretch>
-            <a:fillRect/>
-          </a:stretch>
-        </p:blipFill>
-        <p:spPr bwMode="auto">
-          <a:xfrm>
-            <a:off x="4957515" y="2572971"/>
-            <a:ext cx="2653937" cy="1955067"/>
-          </a:xfrm>
-          <a:prstGeom prst="rect">
-            <a:avLst/>
-          </a:prstGeom>
-          <a:noFill/>
-          <a:extLst>
-            <a:ext uri="{909E8E84-426E-40DD-AFC4-6F175D3DCCD1}">
-              <a14:hiddenFill xmlns:a14="http://schemas.microsoft.com/office/drawing/2010/main">
-                <a:solidFill>
-                  <a:srgbClr val="FFFFFF"/>
-                </a:solidFill>
-              </a14:hiddenFill>
-            </a:ext>
-          </a:extLst>
-        </p:spPr>
-      </p:pic>
-    </p:spTree>
-    <p:extLst>
-      <p:ext uri="{BB962C8B-B14F-4D97-AF65-F5344CB8AC3E}">
-        <p14:creationId xmlns:p14="http://schemas.microsoft.com/office/powerpoint/2010/main" val="496263947"/>
-      </p:ext>
-    </p:extLst>
-  </p:cSld>
-  <p:clrMapOvr>
-    <a:masterClrMapping/>
-  </p:clrMapOvr>
-</p:sld>
-</file>
-
-<file path=ppt/slides/slide2.xml><?xml version="1.0" encoding="utf-8"?>
-<p:sld xmlns:a="http://schemas.openxmlformats.org/drawingml/2006/main" xmlns:r="http://schemas.openxmlformats.org/officeDocument/2006/relationships" xmlns:p="http://schemas.openxmlformats.org/presentationml/2006/main">
-  <p:cSld>
-    <p:spTree>
-      <p:nvGrpSpPr>
-        <p:cNvPr id="1" name=""/>
-        <p:cNvGrpSpPr/>
-        <p:nvPr/>
-      </p:nvGrpSpPr>
-      <p:grpSpPr>
-        <a:xfrm>
-          <a:off x="0" y="0"/>
-          <a:ext cx="0" cy="0"/>
-          <a:chOff x="0" y="0"/>
-          <a:chExt cx="0" cy="0"/>
-        </a:xfrm>
-      </p:grpSpPr>
-      <p:sp>
-        <p:nvSpPr>
-          <p:cNvPr id="4" name="Title 3"/>
-          <p:cNvSpPr>
-            <a:spLocks noGrp="1"/>
-          </p:cNvSpPr>
-          <p:nvPr>
-            <p:ph type="title"/>
-          </p:nvPr>
-        </p:nvSpPr>
-        <p:spPr/>
-        <p:txBody>
-          <a:bodyPr/>
-          <a:lstStyle/>
-          <a:p>
-            <a:r>
-              <a:rPr lang="en-US" dirty="0" smtClean="0"/>
-              <a:t>GRU</a:t>
-            </a:r>
-            <a:endParaRPr lang="en-US" dirty="0"/>
-          </a:p>
-        </p:txBody>
-      </p:sp>
-      <p:pic>
-        <p:nvPicPr>
-          <p:cNvPr id="7" name="Content Placeholder 6"/>
-          <p:cNvPicPr>
-            <a:picLocks noGrp="1" noChangeAspect="1"/>
-          </p:cNvPicPr>
-          <p:nvPr>
-            <p:ph idx="1"/>
-          </p:nvPr>
-        </p:nvPicPr>
-        <p:blipFill>
-          <a:blip r:embed="rId3"/>
-          <a:stretch>
-            <a:fillRect/>
-          </a:stretch>
-        </p:blipFill>
-        <p:spPr>
-          <a:xfrm>
-            <a:off x="2140133" y="1690688"/>
-            <a:ext cx="3152775" cy="666750"/>
-          </a:xfrm>
-          <a:prstGeom prst="rect">
-            <a:avLst/>
-          </a:prstGeom>
-        </p:spPr>
-      </p:pic>
-      <p:pic>
-        <p:nvPicPr>
-          <p:cNvPr id="6" name="Picture 5"/>
-          <p:cNvPicPr>
-            <a:picLocks noChangeAspect="1"/>
-          </p:cNvPicPr>
-          <p:nvPr/>
-        </p:nvPicPr>
-        <p:blipFill>
-          <a:blip r:embed="rId4"/>
-          <a:stretch>
-            <a:fillRect/>
-          </a:stretch>
-        </p:blipFill>
-        <p:spPr>
-          <a:xfrm>
-            <a:off x="8419453" y="207963"/>
-            <a:ext cx="3153788" cy="2149475"/>
-          </a:xfrm>
-          <a:prstGeom prst="rect">
-            <a:avLst/>
-          </a:prstGeom>
-        </p:spPr>
-      </p:pic>
-      <p:pic>
-        <p:nvPicPr>
-          <p:cNvPr id="8" name="Picture 7"/>
-          <p:cNvPicPr>
-            <a:picLocks noChangeAspect="1"/>
-          </p:cNvPicPr>
-          <p:nvPr/>
-        </p:nvPicPr>
-        <p:blipFill>
-          <a:blip r:embed="rId5"/>
-          <a:stretch>
-            <a:fillRect/>
-          </a:stretch>
-        </p:blipFill>
-        <p:spPr>
-          <a:xfrm>
-            <a:off x="8016429" y="2705827"/>
-            <a:ext cx="3826810" cy="1954348"/>
-          </a:xfrm>
-          <a:prstGeom prst="rect">
-            <a:avLst/>
-          </a:prstGeom>
-        </p:spPr>
-      </p:pic>
-      <p:pic>
-        <p:nvPicPr>
-          <p:cNvPr id="9" name="Picture 8"/>
-          <p:cNvPicPr>
-            <a:picLocks noChangeAspect="1"/>
-          </p:cNvPicPr>
-          <p:nvPr/>
-        </p:nvPicPr>
-        <p:blipFill>
-          <a:blip r:embed="rId6"/>
-          <a:stretch>
-            <a:fillRect/>
-          </a:stretch>
-        </p:blipFill>
-        <p:spPr>
-          <a:xfrm>
-            <a:off x="2405795" y="3683001"/>
-            <a:ext cx="3933825" cy="495300"/>
-          </a:xfrm>
-          <a:prstGeom prst="rect">
-            <a:avLst/>
-          </a:prstGeom>
-        </p:spPr>
-      </p:pic>
-      <p:pic>
-        <p:nvPicPr>
-          <p:cNvPr id="10" name="Picture 9"/>
-          <p:cNvPicPr>
-            <a:picLocks noChangeAspect="1"/>
-          </p:cNvPicPr>
-          <p:nvPr/>
-        </p:nvPicPr>
-        <p:blipFill>
-          <a:blip r:embed="rId7"/>
-          <a:stretch>
-            <a:fillRect/>
-          </a:stretch>
-        </p:blipFill>
-        <p:spPr>
-          <a:xfrm>
-            <a:off x="8292475" y="4855675"/>
-            <a:ext cx="3271838" cy="1681163"/>
-          </a:xfrm>
-          <a:prstGeom prst="rect">
-            <a:avLst/>
-          </a:prstGeom>
-        </p:spPr>
-      </p:pic>
-      <p:pic>
-        <p:nvPicPr>
-          <p:cNvPr id="11" name="Picture 10"/>
-          <p:cNvPicPr>
-            <a:picLocks noChangeAspect="1"/>
-          </p:cNvPicPr>
-          <p:nvPr/>
-        </p:nvPicPr>
-        <p:blipFill>
-          <a:blip r:embed="rId8"/>
-          <a:stretch>
-            <a:fillRect/>
-          </a:stretch>
-        </p:blipFill>
-        <p:spPr>
-          <a:xfrm>
-            <a:off x="2387783" y="5359278"/>
-            <a:ext cx="2905125" cy="447675"/>
-          </a:xfrm>
-          <a:prstGeom prst="rect">
-            <a:avLst/>
-          </a:prstGeom>
-        </p:spPr>
-      </p:pic>
-    </p:spTree>
-    <p:extLst>
-      <p:ext uri="{BB962C8B-B14F-4D97-AF65-F5344CB8AC3E}">
-        <p14:creationId xmlns:p14="http://schemas.microsoft.com/office/powerpoint/2010/main" val="3548871875"/>
-      </p:ext>
-    </p:extLst>
-  </p:cSld>
-  <p:clrMapOvr>
-    <a:masterClrMapping/>
-  </p:clrMapOvr>
-</p:sld>
-</file>
-
-<file path=ppt/slides/slide3.xml><?xml version="1.0" encoding="utf-8"?>
-<p:sld xmlns:a="http://schemas.openxmlformats.org/drawingml/2006/main" xmlns:r="http://schemas.openxmlformats.org/officeDocument/2006/relationships" xmlns:p="http://schemas.openxmlformats.org/presentationml/2006/main">
-  <p:cSld>
-    <p:spTree>
-      <p:nvGrpSpPr>
-        <p:cNvPr id="1" name=""/>
-        <p:cNvGrpSpPr/>
-        <p:nvPr/>
-      </p:nvGrpSpPr>
-      <p:grpSpPr>
-        <a:xfrm>
-          <a:off x="0" y="0"/>
-          <a:ext cx="0" cy="0"/>
-          <a:chOff x="0" y="0"/>
-          <a:chExt cx="0" cy="0"/>
-        </a:xfrm>
-      </p:grpSpPr>
-      <p:sp>
-        <p:nvSpPr>
-          <p:cNvPr id="2" name="Title 1"/>
-          <p:cNvSpPr>
-            <a:spLocks noGrp="1"/>
-          </p:cNvSpPr>
-          <p:nvPr>
-            <p:ph type="title"/>
-          </p:nvPr>
-        </p:nvSpPr>
-        <p:spPr/>
-        <p:txBody>
-          <a:bodyPr/>
-          <a:lstStyle/>
-          <a:p>
-            <a:r>
-              <a:rPr lang="en-US" dirty="0" smtClean="0"/>
-              <a:t>LSTM</a:t>
-            </a:r>
-            <a:endParaRPr lang="en-US" dirty="0"/>
-          </a:p>
-        </p:txBody>
-      </p:sp>
-      <p:sp>
-        <p:nvSpPr>
-          <p:cNvPr id="3" name="Content Placeholder 2"/>
-          <p:cNvSpPr>
-            <a:spLocks noGrp="1"/>
-          </p:cNvSpPr>
-          <p:nvPr>
-            <p:ph idx="1"/>
-          </p:nvPr>
-        </p:nvSpPr>
-        <p:spPr/>
-        <p:txBody>
-          <a:bodyPr/>
-          <a:lstStyle/>
-          <a:p>
-            <a:endParaRPr lang="en-US" dirty="0"/>
-          </a:p>
-        </p:txBody>
-      </p:sp>
-      <p:pic>
-        <p:nvPicPr>
-          <p:cNvPr id="7" name="Picture 6"/>
-          <p:cNvPicPr>
-            <a:picLocks noChangeAspect="1"/>
-          </p:cNvPicPr>
-          <p:nvPr/>
-        </p:nvPicPr>
-        <p:blipFill>
-          <a:blip r:embed="rId2"/>
-          <a:stretch>
-            <a:fillRect/>
-          </a:stretch>
-        </p:blipFill>
-        <p:spPr>
-          <a:xfrm>
-            <a:off x="978510" y="1825625"/>
-            <a:ext cx="3095625" cy="933450"/>
-          </a:xfrm>
-          <a:prstGeom prst="rect">
-            <a:avLst/>
-          </a:prstGeom>
-        </p:spPr>
-      </p:pic>
-      <p:pic>
-        <p:nvPicPr>
-          <p:cNvPr id="8" name="Picture 7"/>
-          <p:cNvPicPr>
-            <a:picLocks noChangeAspect="1"/>
-          </p:cNvPicPr>
-          <p:nvPr/>
-        </p:nvPicPr>
-        <p:blipFill>
-          <a:blip r:embed="rId3"/>
-          <a:stretch>
-            <a:fillRect/>
-          </a:stretch>
-        </p:blipFill>
-        <p:spPr>
-          <a:xfrm>
-            <a:off x="978510" y="3165962"/>
-            <a:ext cx="3267075" cy="447675"/>
-          </a:xfrm>
-          <a:prstGeom prst="rect">
-            <a:avLst/>
-          </a:prstGeom>
-        </p:spPr>
-      </p:pic>
-      <p:pic>
-        <p:nvPicPr>
-          <p:cNvPr id="9" name="Picture 8"/>
-          <p:cNvPicPr>
-            <a:picLocks noChangeAspect="1"/>
-          </p:cNvPicPr>
-          <p:nvPr/>
-        </p:nvPicPr>
-        <p:blipFill>
-          <a:blip r:embed="rId4"/>
-          <a:stretch>
-            <a:fillRect/>
-          </a:stretch>
-        </p:blipFill>
-        <p:spPr>
-          <a:xfrm>
-            <a:off x="6370722" y="1619189"/>
-            <a:ext cx="5342829" cy="2733003"/>
-          </a:xfrm>
-          <a:prstGeom prst="rect">
-            <a:avLst/>
-          </a:prstGeom>
-        </p:spPr>
-      </p:pic>
-      <p:pic>
-        <p:nvPicPr>
-          <p:cNvPr id="10" name="Picture 9"/>
-          <p:cNvPicPr>
-            <a:picLocks noChangeAspect="1"/>
-          </p:cNvPicPr>
-          <p:nvPr/>
-        </p:nvPicPr>
-        <p:blipFill>
-          <a:blip r:embed="rId5"/>
-          <a:stretch>
-            <a:fillRect/>
-          </a:stretch>
-        </p:blipFill>
-        <p:spPr>
-          <a:xfrm>
-            <a:off x="978510" y="3831188"/>
-            <a:ext cx="2343150" cy="419100"/>
-          </a:xfrm>
-          <a:prstGeom prst="rect">
-            <a:avLst/>
-          </a:prstGeom>
-        </p:spPr>
-      </p:pic>
-      <p:pic>
-        <p:nvPicPr>
-          <p:cNvPr id="11" name="Picture 10"/>
-          <p:cNvPicPr>
-            <a:picLocks noChangeAspect="1"/>
-          </p:cNvPicPr>
-          <p:nvPr/>
-        </p:nvPicPr>
-        <p:blipFill>
-          <a:blip r:embed="rId6"/>
-          <a:stretch>
-            <a:fillRect/>
-          </a:stretch>
-        </p:blipFill>
-        <p:spPr>
-          <a:xfrm>
-            <a:off x="978510" y="4514723"/>
-            <a:ext cx="1981200" cy="400050"/>
-          </a:xfrm>
-          <a:prstGeom prst="rect">
-            <a:avLst/>
-          </a:prstGeom>
-        </p:spPr>
-      </p:pic>
-    </p:spTree>
-    <p:extLst>
-      <p:ext uri="{BB962C8B-B14F-4D97-AF65-F5344CB8AC3E}">
-        <p14:creationId xmlns:p14="http://schemas.microsoft.com/office/powerpoint/2010/main" val="339930652"/>
-      </p:ext>
-    </p:extLst>
-  </p:cSld>
-  <p:clrMapOvr>
-    <a:masterClrMapping/>
-  </p:clrMapOvr>
-</p:sld>
-</file>
-
-<file path=ppt/slides/slide4.xml><?xml version="1.0" encoding="utf-8"?>
-<p:sld xmlns:a="http://schemas.openxmlformats.org/drawingml/2006/main" xmlns:r="http://schemas.openxmlformats.org/officeDocument/2006/relationships" xmlns:p="http://schemas.openxmlformats.org/presentationml/2006/main">
-  <p:cSld>
-    <p:spTree>
-      <p:nvGrpSpPr>
-        <p:cNvPr id="1" name=""/>
-        <p:cNvGrpSpPr/>
-        <p:nvPr/>
-      </p:nvGrpSpPr>
-      <p:grpSpPr>
-        <a:xfrm>
-          <a:off x="0" y="0"/>
-          <a:ext cx="0" cy="0"/>
-          <a:chOff x="0" y="0"/>
-          <a:chExt cx="0" cy="0"/>
-        </a:xfrm>
-      </p:grpSpPr>
-      <p:sp>
-        <p:nvSpPr>
-          <p:cNvPr id="2" name="Title 1"/>
-          <p:cNvSpPr>
-            <a:spLocks noGrp="1"/>
-          </p:cNvSpPr>
-          <p:nvPr>
-            <p:ph type="title"/>
-          </p:nvPr>
-        </p:nvSpPr>
-        <p:spPr/>
-        <p:txBody>
-          <a:bodyPr/>
-          <a:lstStyle/>
-          <a:p>
-            <a:r>
-              <a:rPr lang="en-US" dirty="0" smtClean="0"/>
-              <a:t>Deep RNN</a:t>
-            </a:r>
-            <a:endParaRPr lang="en-US" dirty="0"/>
-          </a:p>
-        </p:txBody>
-      </p:sp>
-      <p:sp>
-        <p:nvSpPr>
-          <p:cNvPr id="3" name="Content Placeholder 2"/>
-          <p:cNvSpPr>
-            <a:spLocks noGrp="1"/>
-          </p:cNvSpPr>
-          <p:nvPr>
-            <p:ph idx="1"/>
-          </p:nvPr>
-        </p:nvSpPr>
-        <p:spPr/>
-        <p:txBody>
-          <a:bodyPr/>
-          <a:lstStyle/>
-          <a:p>
-            <a:endParaRPr lang="en-US"/>
-          </a:p>
-        </p:txBody>
-      </p:sp>
-      <p:pic>
-        <p:nvPicPr>
-          <p:cNvPr id="4" name="Picture 3"/>
-          <p:cNvPicPr>
-            <a:picLocks noChangeAspect="1"/>
-          </p:cNvPicPr>
-          <p:nvPr/>
-        </p:nvPicPr>
-        <p:blipFill>
-          <a:blip r:embed="rId2"/>
-          <a:stretch>
-            <a:fillRect/>
-          </a:stretch>
-        </p:blipFill>
-        <p:spPr>
-          <a:xfrm>
-            <a:off x="7211890" y="2258157"/>
-            <a:ext cx="3219450" cy="3695700"/>
-          </a:xfrm>
-          <a:prstGeom prst="rect">
-            <a:avLst/>
-          </a:prstGeom>
-        </p:spPr>
-      </p:pic>
-      <p:pic>
-        <p:nvPicPr>
-          <p:cNvPr id="5" name="Picture 4"/>
-          <p:cNvPicPr>
-            <a:picLocks noChangeAspect="1"/>
-          </p:cNvPicPr>
-          <p:nvPr/>
-        </p:nvPicPr>
-        <p:blipFill>
-          <a:blip r:embed="rId3"/>
-          <a:stretch>
-            <a:fillRect/>
-          </a:stretch>
-        </p:blipFill>
-        <p:spPr>
-          <a:xfrm>
-            <a:off x="1395412" y="2842480"/>
-            <a:ext cx="3457575" cy="504825"/>
-          </a:xfrm>
-          <a:prstGeom prst="rect">
-            <a:avLst/>
-          </a:prstGeom>
-        </p:spPr>
-      </p:pic>
-      <p:pic>
-        <p:nvPicPr>
-          <p:cNvPr id="6" name="Picture 5"/>
-          <p:cNvPicPr>
-            <a:picLocks noChangeAspect="1"/>
-          </p:cNvPicPr>
-          <p:nvPr/>
-        </p:nvPicPr>
-        <p:blipFill>
-          <a:blip r:embed="rId4"/>
-          <a:stretch>
-            <a:fillRect/>
-          </a:stretch>
-        </p:blipFill>
-        <p:spPr>
-          <a:xfrm>
-            <a:off x="1395412" y="3482242"/>
-            <a:ext cx="1952625" cy="523875"/>
-          </a:xfrm>
-          <a:prstGeom prst="rect">
-            <a:avLst/>
-          </a:prstGeom>
-        </p:spPr>
-      </p:pic>
-    </p:spTree>
-    <p:extLst>
-      <p:ext uri="{BB962C8B-B14F-4D97-AF65-F5344CB8AC3E}">
-        <p14:creationId xmlns:p14="http://schemas.microsoft.com/office/powerpoint/2010/main" val="1671714901"/>
-      </p:ext>
-    </p:extLst>
-  </p:cSld>
-  <p:clrMapOvr>
-    <a:masterClrMapping/>
-  </p:clrMapOvr>
-</p:sld>
-</file>
-
-<file path=ppt/slides/slide5.xml><?xml version="1.0" encoding="utf-8"?>
-<p:sld xmlns:a="http://schemas.openxmlformats.org/drawingml/2006/main" xmlns:r="http://schemas.openxmlformats.org/officeDocument/2006/relationships" xmlns:p="http://schemas.openxmlformats.org/presentationml/2006/main">
-  <p:cSld>
-    <p:spTree>
-      <p:nvGrpSpPr>
-        <p:cNvPr id="1" name=""/>
-        <p:cNvGrpSpPr/>
-        <p:nvPr/>
-      </p:nvGrpSpPr>
-      <p:grpSpPr>
-        <a:xfrm>
-          <a:off x="0" y="0"/>
-          <a:ext cx="0" cy="0"/>
-          <a:chOff x="0" y="0"/>
-          <a:chExt cx="0" cy="0"/>
-        </a:xfrm>
-      </p:grpSpPr>
-      <p:sp>
-        <p:nvSpPr>
-          <p:cNvPr id="2" name="Title 1"/>
-          <p:cNvSpPr>
-            <a:spLocks noGrp="1"/>
-          </p:cNvSpPr>
-          <p:nvPr>
-            <p:ph type="title"/>
-          </p:nvPr>
-        </p:nvSpPr>
-        <p:spPr/>
-        <p:txBody>
-          <a:bodyPr/>
-          <a:lstStyle/>
-          <a:p>
-            <a:r>
-              <a:rPr lang="en-US" dirty="0" smtClean="0"/>
-              <a:t>Bidirectional RNN</a:t>
-            </a:r>
-            <a:endParaRPr lang="en-US" dirty="0"/>
-          </a:p>
-        </p:txBody>
-      </p:sp>
-      <p:sp>
-        <p:nvSpPr>
-          <p:cNvPr id="3" name="Content Placeholder 2"/>
-          <p:cNvSpPr>
-            <a:spLocks noGrp="1"/>
-          </p:cNvSpPr>
-          <p:nvPr>
-            <p:ph idx="1"/>
-          </p:nvPr>
-        </p:nvSpPr>
-        <p:spPr/>
-        <p:txBody>
-          <a:bodyPr/>
-          <a:lstStyle/>
-          <a:p>
-            <a:endParaRPr lang="en-US"/>
+              <a:rPr lang="en-US" sz="2000" dirty="0" smtClean="0"/>
+              <a:t>Input </a:t>
+            </a:r>
+            <a:r>
+              <a:rPr lang="en-US" sz="2000" dirty="0" err="1" smtClean="0"/>
+              <a:t>được</a:t>
+            </a:r>
+            <a:r>
+              <a:rPr lang="en-US" sz="2000" dirty="0" smtClean="0"/>
+              <a:t> </a:t>
+            </a:r>
+            <a:r>
+              <a:rPr lang="en-US" sz="2000" dirty="0" err="1" smtClean="0"/>
+              <a:t>nhập</a:t>
+            </a:r>
+            <a:r>
+              <a:rPr lang="en-US" sz="2000" dirty="0" smtClean="0"/>
+              <a:t> </a:t>
+            </a:r>
+            <a:r>
+              <a:rPr lang="en-US" sz="2000" dirty="0" err="1" smtClean="0"/>
+              <a:t>vào</a:t>
+            </a:r>
+            <a:r>
+              <a:rPr lang="en-US" sz="2000" dirty="0" smtClean="0"/>
+              <a:t> </a:t>
+            </a:r>
+            <a:r>
+              <a:rPr lang="en-US" sz="2000" dirty="0" err="1" smtClean="0"/>
+              <a:t>mô</a:t>
+            </a:r>
+            <a:r>
+              <a:rPr lang="en-US" sz="2000" dirty="0" smtClean="0"/>
+              <a:t> </a:t>
+            </a:r>
+            <a:r>
+              <a:rPr lang="en-US" sz="2000" dirty="0" err="1" smtClean="0"/>
+              <a:t>hình</a:t>
+            </a:r>
+            <a:r>
+              <a:rPr lang="en-US" sz="2000" dirty="0" smtClean="0"/>
+              <a:t> </a:t>
+            </a:r>
+            <a:r>
+              <a:rPr lang="en-US" sz="2000" dirty="0" err="1" smtClean="0"/>
+              <a:t>từ</a:t>
+            </a:r>
+            <a:r>
+              <a:rPr lang="en-US" sz="2000" dirty="0" smtClean="0"/>
+              <a:t> </a:t>
+            </a:r>
+            <a:r>
+              <a:rPr lang="en-US" sz="2000" dirty="0" err="1" smtClean="0"/>
+              <a:t>cả</a:t>
+            </a:r>
+            <a:r>
+              <a:rPr lang="en-US" sz="2000" dirty="0" smtClean="0"/>
+              <a:t> 2 </a:t>
+            </a:r>
+            <a:r>
+              <a:rPr lang="en-US" sz="2000" dirty="0" err="1" smtClean="0"/>
+              <a:t>chiều</a:t>
+            </a:r>
+            <a:r>
+              <a:rPr lang="en-US" sz="2000" dirty="0" smtClean="0"/>
+              <a:t>, </a:t>
+            </a:r>
+            <a:r>
+              <a:rPr lang="en-US" sz="2000" dirty="0" err="1" smtClean="0"/>
+              <a:t>suy</a:t>
+            </a:r>
+            <a:r>
+              <a:rPr lang="en-US" sz="2000" dirty="0" smtClean="0"/>
+              <a:t> </a:t>
+            </a:r>
+            <a:r>
+              <a:rPr lang="en-US" sz="2000" dirty="0" err="1" smtClean="0"/>
+              <a:t>ra</a:t>
+            </a:r>
+            <a:r>
+              <a:rPr lang="en-US" sz="2000" dirty="0" smtClean="0"/>
+              <a:t> hidden state </a:t>
+            </a:r>
+            <a:r>
+              <a:rPr lang="en-US" sz="2000" dirty="0" err="1" smtClean="0"/>
+              <a:t>của</a:t>
+            </a:r>
+            <a:r>
+              <a:rPr lang="en-US" sz="2000" dirty="0" smtClean="0"/>
+              <a:t> </a:t>
+            </a:r>
+            <a:r>
+              <a:rPr lang="en-US" sz="2000" dirty="0" err="1" smtClean="0"/>
+              <a:t>mỗi</a:t>
+            </a:r>
+            <a:r>
+              <a:rPr lang="en-US" sz="2000" dirty="0" smtClean="0"/>
+              <a:t> </a:t>
+            </a:r>
+            <a:r>
+              <a:rPr lang="en-US" sz="2000" dirty="0" err="1" smtClean="0"/>
+              <a:t>chiều</a:t>
+            </a:r>
+            <a:endParaRPr lang="en-US" sz="2000" dirty="0" smtClean="0"/>
+          </a:p>
+          <a:p>
+            <a:endParaRPr lang="en-US" sz="2000" dirty="0"/>
+          </a:p>
+          <a:p>
+            <a:endParaRPr lang="en-US" sz="2000" dirty="0" smtClean="0"/>
+          </a:p>
+          <a:p>
+            <a:endParaRPr lang="en-US" sz="2000" dirty="0" smtClean="0"/>
+          </a:p>
+          <a:p>
+            <a:r>
+              <a:rPr lang="en-US" sz="2000" dirty="0" smtClean="0"/>
+              <a:t>Hidden state </a:t>
+            </a:r>
+            <a:r>
+              <a:rPr lang="en-US" sz="2000" dirty="0" err="1" smtClean="0"/>
+              <a:t>của</a:t>
+            </a:r>
+            <a:r>
+              <a:rPr lang="en-US" sz="2000" dirty="0" smtClean="0"/>
+              <a:t> 2 </a:t>
+            </a:r>
+            <a:r>
+              <a:rPr lang="en-US" sz="2000" dirty="0" err="1" smtClean="0"/>
+              <a:t>chiều</a:t>
+            </a:r>
+            <a:r>
+              <a:rPr lang="en-US" sz="2000" dirty="0" smtClean="0"/>
+              <a:t> </a:t>
+            </a:r>
+            <a:r>
+              <a:rPr lang="en-US" sz="2000" dirty="0" err="1" smtClean="0"/>
+              <a:t>được</a:t>
+            </a:r>
+            <a:r>
+              <a:rPr lang="en-US" sz="2000" dirty="0" smtClean="0"/>
+              <a:t> </a:t>
+            </a:r>
+            <a:r>
+              <a:rPr lang="en-US" sz="2000" dirty="0" err="1" smtClean="0"/>
+              <a:t>gộp</a:t>
+            </a:r>
+            <a:r>
+              <a:rPr lang="en-US" sz="2000" dirty="0" smtClean="0"/>
+              <a:t> </a:t>
+            </a:r>
+            <a:r>
+              <a:rPr lang="en-US" sz="2000" dirty="0" err="1" smtClean="0"/>
+              <a:t>lại</a:t>
+            </a:r>
+            <a:r>
+              <a:rPr lang="en-US" sz="2000" dirty="0" smtClean="0"/>
+              <a:t> </a:t>
+            </a:r>
+            <a:r>
+              <a:rPr lang="en-US" sz="2000" dirty="0" err="1" smtClean="0"/>
+              <a:t>để</a:t>
+            </a:r>
+            <a:r>
+              <a:rPr lang="en-US" sz="2000" dirty="0" smtClean="0"/>
+              <a:t> </a:t>
+            </a:r>
+            <a:r>
+              <a:rPr lang="en-US" sz="2000" dirty="0" err="1" smtClean="0"/>
+              <a:t>tính</a:t>
+            </a:r>
+            <a:r>
+              <a:rPr lang="en-US" sz="2000" dirty="0" smtClean="0"/>
+              <a:t> output</a:t>
+            </a:r>
+          </a:p>
+          <a:p>
+            <a:endParaRPr lang="en-US" sz="2000" dirty="0"/>
+          </a:p>
+          <a:p>
+            <a:r>
+              <a:rPr lang="en-US" sz="2000" dirty="0" err="1" smtClean="0"/>
+              <a:t>Đặc</a:t>
+            </a:r>
+            <a:r>
+              <a:rPr lang="en-US" sz="2000" dirty="0" smtClean="0"/>
+              <a:t> </a:t>
+            </a:r>
+            <a:r>
+              <a:rPr lang="en-US" sz="2000" dirty="0" err="1" smtClean="0"/>
+              <a:t>tính</a:t>
+            </a:r>
+            <a:r>
+              <a:rPr lang="en-US" sz="2000" dirty="0" smtClean="0"/>
+              <a:t>:</a:t>
+            </a:r>
+          </a:p>
+          <a:p>
+            <a:pPr lvl="1"/>
+            <a:r>
+              <a:rPr lang="en-US" sz="1600" dirty="0" err="1" smtClean="0"/>
+              <a:t>Không</a:t>
+            </a:r>
+            <a:r>
+              <a:rPr lang="en-US" sz="1600" dirty="0" smtClean="0"/>
+              <a:t> dung </a:t>
+            </a:r>
+            <a:r>
+              <a:rPr lang="en-US" sz="1600" dirty="0" err="1" smtClean="0"/>
+              <a:t>được</a:t>
+            </a:r>
+            <a:r>
+              <a:rPr lang="en-US" sz="1600" dirty="0" smtClean="0"/>
+              <a:t> </a:t>
+            </a:r>
+            <a:r>
+              <a:rPr lang="en-US" sz="1600" dirty="0" err="1" smtClean="0"/>
+              <a:t>cho</a:t>
+            </a:r>
+            <a:r>
+              <a:rPr lang="en-US" sz="1600" dirty="0" smtClean="0"/>
+              <a:t> </a:t>
+            </a:r>
+            <a:r>
+              <a:rPr lang="en-US" sz="1600" dirty="0" err="1" smtClean="0"/>
+              <a:t>những</a:t>
+            </a:r>
+            <a:r>
+              <a:rPr lang="en-US" sz="1600" dirty="0" smtClean="0"/>
+              <a:t> </a:t>
+            </a:r>
+            <a:r>
+              <a:rPr lang="en-US" sz="1600" dirty="0" err="1" smtClean="0"/>
+              <a:t>ứng</a:t>
+            </a:r>
+            <a:r>
+              <a:rPr lang="en-US" sz="1600" dirty="0" smtClean="0"/>
+              <a:t> </a:t>
+            </a:r>
+            <a:r>
+              <a:rPr lang="en-US" sz="1600" dirty="0" err="1" smtClean="0"/>
+              <a:t>dụng</a:t>
+            </a:r>
+            <a:r>
+              <a:rPr lang="en-US" sz="1600" dirty="0" smtClean="0"/>
+              <a:t> </a:t>
+            </a:r>
+            <a:r>
+              <a:rPr lang="en-US" sz="1600" dirty="0" err="1" smtClean="0"/>
+              <a:t>dự</a:t>
+            </a:r>
+            <a:r>
+              <a:rPr lang="en-US" sz="1600" dirty="0" smtClean="0"/>
+              <a:t> </a:t>
+            </a:r>
+            <a:r>
+              <a:rPr lang="en-US" sz="1600" dirty="0" err="1" smtClean="0"/>
+              <a:t>đoán</a:t>
+            </a:r>
+            <a:r>
+              <a:rPr lang="en-US" sz="1600" dirty="0"/>
+              <a:t> </a:t>
+            </a:r>
+            <a:r>
+              <a:rPr lang="en-US" sz="1600" dirty="0" err="1" smtClean="0"/>
+              <a:t>các</a:t>
+            </a:r>
+            <a:r>
+              <a:rPr lang="en-US" sz="1600" dirty="0" smtClean="0"/>
+              <a:t> </a:t>
+            </a:r>
+            <a:r>
+              <a:rPr lang="en-US" sz="1600" dirty="0" err="1" smtClean="0"/>
+              <a:t>bước</a:t>
+            </a:r>
+            <a:r>
+              <a:rPr lang="en-US" sz="1600" dirty="0" smtClean="0"/>
+              <a:t> </a:t>
+            </a:r>
+            <a:r>
+              <a:rPr lang="en-US" sz="1600" dirty="0" err="1" smtClean="0"/>
+              <a:t>tiếp</a:t>
+            </a:r>
+            <a:r>
+              <a:rPr lang="en-US" sz="1600" dirty="0" smtClean="0"/>
+              <a:t> </a:t>
+            </a:r>
+            <a:r>
+              <a:rPr lang="en-US" sz="1600" dirty="0" err="1" smtClean="0"/>
+              <a:t>theo</a:t>
+            </a:r>
+            <a:endParaRPr lang="en-US" sz="1600" dirty="0" smtClean="0"/>
+          </a:p>
+          <a:p>
+            <a:pPr lvl="1"/>
+            <a:r>
+              <a:rPr lang="en-US" sz="1600" dirty="0" err="1" smtClean="0"/>
+              <a:t>Thời</a:t>
+            </a:r>
+            <a:r>
+              <a:rPr lang="en-US" sz="1600" dirty="0" smtClean="0"/>
+              <a:t> </a:t>
+            </a:r>
+            <a:r>
+              <a:rPr lang="en-US" sz="1600" dirty="0" err="1" smtClean="0"/>
+              <a:t>gian</a:t>
+            </a:r>
+            <a:r>
+              <a:rPr lang="en-US" sz="1600" dirty="0" smtClean="0"/>
+              <a:t> train </a:t>
+            </a:r>
+            <a:r>
+              <a:rPr lang="en-US" sz="1600" dirty="0" err="1" smtClean="0"/>
+              <a:t>lâu</a:t>
+            </a:r>
+            <a:endParaRPr lang="en-US" sz="1600" dirty="0" smtClean="0"/>
+          </a:p>
+          <a:p>
+            <a:pPr lvl="1"/>
+            <a:r>
+              <a:rPr lang="en-US" sz="1600" dirty="0" err="1" smtClean="0"/>
+              <a:t>Ứng</a:t>
+            </a:r>
+            <a:r>
+              <a:rPr lang="en-US" sz="1600" dirty="0" smtClean="0"/>
+              <a:t> </a:t>
+            </a:r>
+            <a:r>
+              <a:rPr lang="en-US" sz="1600" dirty="0" err="1" smtClean="0"/>
+              <a:t>dụng</a:t>
+            </a:r>
+            <a:r>
+              <a:rPr lang="en-US" sz="1600" dirty="0" smtClean="0"/>
+              <a:t> </a:t>
+            </a:r>
+            <a:r>
+              <a:rPr lang="en-US" sz="1600" dirty="0" err="1" smtClean="0"/>
+              <a:t>tiêu</a:t>
+            </a:r>
+            <a:r>
+              <a:rPr lang="en-US" sz="1600" dirty="0" smtClean="0"/>
+              <a:t> </a:t>
+            </a:r>
+            <a:r>
+              <a:rPr lang="en-US" sz="1600" dirty="0" err="1" smtClean="0"/>
+              <a:t>biểu</a:t>
+            </a:r>
+            <a:r>
+              <a:rPr lang="en-US" sz="1600" dirty="0" smtClean="0"/>
+              <a:t>: </a:t>
+            </a:r>
+            <a:r>
+              <a:rPr lang="en-US" sz="1600" dirty="0" err="1" smtClean="0"/>
+              <a:t>điền</a:t>
+            </a:r>
+            <a:r>
+              <a:rPr lang="en-US" sz="1600" dirty="0" smtClean="0"/>
+              <a:t> </a:t>
+            </a:r>
+            <a:r>
+              <a:rPr lang="en-US" sz="1600" dirty="0" err="1" smtClean="0"/>
+              <a:t>vào</a:t>
+            </a:r>
+            <a:r>
+              <a:rPr lang="en-US" sz="1600" dirty="0" smtClean="0"/>
+              <a:t> </a:t>
+            </a:r>
+            <a:r>
+              <a:rPr lang="en-US" sz="1600" dirty="0" err="1" smtClean="0"/>
+              <a:t>chỗ</a:t>
+            </a:r>
+            <a:r>
+              <a:rPr lang="en-US" sz="1600" dirty="0" smtClean="0"/>
+              <a:t> </a:t>
+            </a:r>
+            <a:r>
+              <a:rPr lang="en-US" sz="1600" dirty="0" err="1" smtClean="0"/>
+              <a:t>trống</a:t>
+            </a:r>
+            <a:r>
+              <a:rPr lang="en-US" sz="1600" dirty="0" smtClean="0"/>
+              <a:t>, encode </a:t>
+            </a:r>
+            <a:r>
+              <a:rPr lang="en-US" sz="1600" dirty="0" err="1" smtClean="0"/>
+              <a:t>một</a:t>
+            </a:r>
+            <a:r>
+              <a:rPr lang="en-US" sz="1600" dirty="0" smtClean="0"/>
+              <a:t> </a:t>
+            </a:r>
+            <a:r>
+              <a:rPr lang="en-US" sz="1600" dirty="0" err="1" smtClean="0"/>
+              <a:t>chuỗi</a:t>
+            </a:r>
+            <a:r>
+              <a:rPr lang="en-US" sz="1600" dirty="0" smtClean="0"/>
+              <a:t>, </a:t>
+            </a:r>
+            <a:r>
+              <a:rPr lang="en-US" sz="1600" dirty="0" err="1" smtClean="0"/>
+              <a:t>etc</a:t>
+            </a:r>
+            <a:endParaRPr lang="en-US" sz="1600" dirty="0"/>
           </a:p>
         </p:txBody>
       </p:sp>
@@ -4657,7 +4520,7 @@
         </p:blipFill>
         <p:spPr>
           <a:xfrm>
-            <a:off x="1703143" y="2082677"/>
+            <a:off x="2109588" y="2599739"/>
             <a:ext cx="3228975" cy="828675"/>
           </a:xfrm>
           <a:prstGeom prst="rect">
@@ -4681,7 +4544,7 @@
         </p:blipFill>
         <p:spPr>
           <a:xfrm>
-            <a:off x="1703143" y="3448050"/>
+            <a:off x="2109588" y="4383588"/>
             <a:ext cx="1771650" cy="419100"/>
           </a:xfrm>
           <a:prstGeom prst="rect">
@@ -4702,7 +4565,7 @@
 </p:sld>
 </file>
 
-<file path=ppt/slides/slide6.xml><?xml version="1.0" encoding="utf-8"?>
+<file path=ppt/slides/slide11.xml><?xml version="1.0" encoding="utf-8"?>
 <p:sld xmlns:a="http://schemas.openxmlformats.org/drawingml/2006/main" xmlns:r="http://schemas.openxmlformats.org/officeDocument/2006/relationships" xmlns:p="http://schemas.openxmlformats.org/presentationml/2006/main">
   <p:cSld>
     <p:spTree>
@@ -4735,31 +4598,20 @@
           <a:lstStyle/>
           <a:p>
             <a:r>
-              <a:rPr lang="en-US" dirty="0" smtClean="0"/>
-              <a:t>Sequence to sequence model</a:t>
-            </a:r>
-            <a:endParaRPr lang="en-US" dirty="0"/>
-          </a:p>
-        </p:txBody>
-      </p:sp>
-      <p:sp>
-        <p:nvSpPr>
-          <p:cNvPr id="3" name="Content Placeholder 2"/>
-          <p:cNvSpPr>
-            <a:spLocks noGrp="1"/>
-          </p:cNvSpPr>
-          <p:nvPr>
-            <p:ph idx="1"/>
-          </p:nvPr>
-        </p:nvSpPr>
-        <p:spPr/>
-        <p:txBody>
-          <a:bodyPr/>
-          <a:lstStyle/>
-          <a:p>
-            <a:r>
-              <a:rPr lang="en-US" dirty="0" smtClean="0"/>
-              <a:t>Code example</a:t>
+              <a:rPr lang="en-US" dirty="0" err="1" smtClean="0"/>
+              <a:t>Mô</a:t>
+            </a:r>
+            <a:r>
+              <a:rPr lang="en-US" dirty="0" smtClean="0"/>
+              <a:t> </a:t>
+            </a:r>
+            <a:r>
+              <a:rPr lang="en-US" dirty="0" err="1" smtClean="0"/>
+              <a:t>hình</a:t>
+            </a:r>
+            <a:r>
+              <a:rPr lang="en-US" dirty="0" smtClean="0"/>
+              <a:t> encoder-decoder</a:t>
             </a:r>
             <a:endParaRPr lang="en-US" dirty="0"/>
           </a:p>
@@ -4781,8 +4633,355 @@
         </p:blipFill>
         <p:spPr>
           <a:xfrm>
-            <a:off x="5780575" y="1825625"/>
+            <a:off x="5258354" y="3367346"/>
             <a:ext cx="5800725" cy="1704975"/>
+          </a:xfrm>
+          <a:prstGeom prst="rect">
+            <a:avLst/>
+          </a:prstGeom>
+        </p:spPr>
+      </p:pic>
+      <p:sp>
+        <p:nvSpPr>
+          <p:cNvPr id="5" name="Content Placeholder 4"/>
+          <p:cNvSpPr>
+            <a:spLocks noGrp="1"/>
+          </p:cNvSpPr>
+          <p:nvPr>
+            <p:ph idx="1"/>
+          </p:nvPr>
+        </p:nvSpPr>
+        <p:spPr>
+          <a:xfrm>
+            <a:off x="838200" y="1825625"/>
+            <a:ext cx="4063409" cy="4351338"/>
+          </a:xfrm>
+        </p:spPr>
+        <p:txBody>
+          <a:bodyPr>
+            <a:normAutofit/>
+          </a:bodyPr>
+          <a:lstStyle/>
+          <a:p>
+            <a:r>
+              <a:rPr lang="en-US" sz="2000" dirty="0" err="1" smtClean="0"/>
+              <a:t>Mô</a:t>
+            </a:r>
+            <a:r>
+              <a:rPr lang="en-US" sz="2000" dirty="0" smtClean="0"/>
+              <a:t> </a:t>
+            </a:r>
+            <a:r>
+              <a:rPr lang="en-US" sz="2000" dirty="0" err="1" smtClean="0"/>
+              <a:t>hình</a:t>
+            </a:r>
+            <a:r>
+              <a:rPr lang="en-US" sz="2000" dirty="0" smtClean="0"/>
+              <a:t> </a:t>
+            </a:r>
+            <a:r>
+              <a:rPr lang="en-US" sz="2000" dirty="0" err="1" smtClean="0"/>
+              <a:t>này</a:t>
+            </a:r>
+            <a:r>
+              <a:rPr lang="en-US" sz="2000" dirty="0" smtClean="0"/>
+              <a:t> </a:t>
+            </a:r>
+            <a:r>
+              <a:rPr lang="en-US" sz="2000" dirty="0" err="1" smtClean="0"/>
+              <a:t>áp</a:t>
+            </a:r>
+            <a:r>
+              <a:rPr lang="en-US" sz="2000" dirty="0" smtClean="0"/>
+              <a:t> </a:t>
+            </a:r>
+            <a:r>
+              <a:rPr lang="en-US" sz="2000" dirty="0" err="1" smtClean="0"/>
+              <a:t>dụng</a:t>
+            </a:r>
+            <a:r>
+              <a:rPr lang="en-US" sz="2000" dirty="0" smtClean="0"/>
+              <a:t> </a:t>
+            </a:r>
+            <a:r>
+              <a:rPr lang="en-US" sz="2000" dirty="0" err="1" smtClean="0"/>
+              <a:t>được</a:t>
+            </a:r>
+            <a:r>
+              <a:rPr lang="en-US" sz="2000" dirty="0" smtClean="0"/>
+              <a:t> </a:t>
+            </a:r>
+            <a:r>
+              <a:rPr lang="en-US" sz="2000" dirty="0" err="1" smtClean="0"/>
+              <a:t>cho</a:t>
+            </a:r>
+            <a:r>
+              <a:rPr lang="en-US" sz="2000" dirty="0" smtClean="0"/>
+              <a:t> </a:t>
+            </a:r>
+            <a:r>
+              <a:rPr lang="en-US" sz="2000" dirty="0" err="1" smtClean="0"/>
+              <a:t>dữ</a:t>
+            </a:r>
+            <a:r>
+              <a:rPr lang="en-US" sz="2000" dirty="0" smtClean="0"/>
+              <a:t> </a:t>
+            </a:r>
+            <a:r>
+              <a:rPr lang="en-US" sz="2000" dirty="0" err="1" smtClean="0"/>
+              <a:t>liệu</a:t>
+            </a:r>
+            <a:r>
+              <a:rPr lang="en-US" sz="2000" dirty="0" smtClean="0"/>
+              <a:t> </a:t>
+            </a:r>
+            <a:r>
+              <a:rPr lang="en-US" sz="2000" dirty="0" err="1" smtClean="0"/>
+              <a:t>có</a:t>
+            </a:r>
+            <a:r>
+              <a:rPr lang="en-US" sz="2000" dirty="0" smtClean="0"/>
+              <a:t> </a:t>
+            </a:r>
+            <a:r>
+              <a:rPr lang="en-US" sz="2000" dirty="0" err="1" smtClean="0"/>
+              <a:t>chiều</a:t>
+            </a:r>
+            <a:r>
+              <a:rPr lang="en-US" sz="2000" dirty="0" smtClean="0"/>
+              <a:t> </a:t>
+            </a:r>
+            <a:r>
+              <a:rPr lang="en-US" sz="2000" dirty="0" err="1" smtClean="0"/>
+              <a:t>dài</a:t>
+            </a:r>
+            <a:r>
+              <a:rPr lang="en-US" sz="2000" dirty="0" smtClean="0"/>
+              <a:t> input </a:t>
+            </a:r>
+            <a:r>
+              <a:rPr lang="en-US" sz="2000" dirty="0" err="1" smtClean="0"/>
+              <a:t>và</a:t>
+            </a:r>
+            <a:r>
+              <a:rPr lang="en-US" sz="2000" dirty="0" smtClean="0"/>
+              <a:t> output </a:t>
+            </a:r>
+            <a:r>
+              <a:rPr lang="en-US" sz="2000" dirty="0" err="1" smtClean="0"/>
+              <a:t>khác</a:t>
+            </a:r>
+            <a:r>
+              <a:rPr lang="en-US" sz="2000" dirty="0" smtClean="0"/>
+              <a:t> </a:t>
+            </a:r>
+            <a:r>
+              <a:rPr lang="en-US" sz="2000" dirty="0" err="1" smtClean="0"/>
+              <a:t>nhau</a:t>
+            </a:r>
+            <a:endParaRPr lang="en-US" sz="2000" dirty="0" smtClean="0"/>
+          </a:p>
+          <a:p>
+            <a:r>
+              <a:rPr lang="en-US" sz="2000" dirty="0" smtClean="0"/>
+              <a:t>Encoder </a:t>
+            </a:r>
+            <a:r>
+              <a:rPr lang="en-US" sz="2000" dirty="0" err="1" smtClean="0"/>
+              <a:t>chuyển</a:t>
+            </a:r>
+            <a:r>
+              <a:rPr lang="en-US" sz="2000" dirty="0" smtClean="0"/>
+              <a:t> </a:t>
+            </a:r>
+            <a:r>
+              <a:rPr lang="en-US" sz="2000" dirty="0" err="1" smtClean="0"/>
+              <a:t>chuỗi</a:t>
+            </a:r>
+            <a:r>
+              <a:rPr lang="en-US" sz="2000" dirty="0" smtClean="0"/>
+              <a:t> input </a:t>
+            </a:r>
+            <a:r>
+              <a:rPr lang="en-US" sz="2000" dirty="0" err="1" smtClean="0"/>
+              <a:t>thành</a:t>
+            </a:r>
+            <a:r>
+              <a:rPr lang="en-US" sz="2000" dirty="0" smtClean="0"/>
+              <a:t> </a:t>
+            </a:r>
+            <a:r>
+              <a:rPr lang="en-US" sz="2000" dirty="0" err="1" smtClean="0"/>
+              <a:t>một</a:t>
+            </a:r>
+            <a:r>
+              <a:rPr lang="en-US" sz="2000" dirty="0" smtClean="0"/>
+              <a:t> </a:t>
+            </a:r>
+            <a:r>
+              <a:rPr lang="en-US" sz="2000" dirty="0" err="1" smtClean="0"/>
+              <a:t>dạng</a:t>
+            </a:r>
+            <a:r>
+              <a:rPr lang="en-US" sz="2000" dirty="0" smtClean="0"/>
+              <a:t> </a:t>
+            </a:r>
+            <a:r>
+              <a:rPr lang="en-US" sz="2000" dirty="0" err="1" smtClean="0"/>
+              <a:t>dữ</a:t>
+            </a:r>
+            <a:r>
+              <a:rPr lang="en-US" sz="2000" dirty="0" smtClean="0"/>
+              <a:t> </a:t>
+            </a:r>
+            <a:r>
+              <a:rPr lang="en-US" sz="2000" dirty="0" err="1" smtClean="0"/>
+              <a:t>liệu</a:t>
+            </a:r>
+            <a:r>
+              <a:rPr lang="en-US" sz="2000" dirty="0" smtClean="0"/>
+              <a:t> </a:t>
+            </a:r>
+            <a:r>
+              <a:rPr lang="en-US" sz="2000" dirty="0" err="1" smtClean="0"/>
+              <a:t>nén</a:t>
+            </a:r>
+            <a:r>
+              <a:rPr lang="en-US" sz="2000" dirty="0" smtClean="0"/>
+              <a:t> (state) </a:t>
+            </a:r>
+            <a:r>
+              <a:rPr lang="en-US" sz="2000" dirty="0" err="1" smtClean="0"/>
+              <a:t>với</a:t>
+            </a:r>
+            <a:r>
+              <a:rPr lang="en-US" sz="2000" dirty="0" smtClean="0"/>
+              <a:t> </a:t>
+            </a:r>
+            <a:r>
+              <a:rPr lang="en-US" sz="2000" dirty="0" err="1" smtClean="0"/>
+              <a:t>kích</a:t>
+            </a:r>
+            <a:r>
+              <a:rPr lang="en-US" sz="2000" dirty="0" smtClean="0"/>
+              <a:t> </a:t>
+            </a:r>
+            <a:r>
+              <a:rPr lang="en-US" sz="2000" dirty="0" err="1" smtClean="0"/>
+              <a:t>thước</a:t>
+            </a:r>
+            <a:r>
+              <a:rPr lang="en-US" sz="2000" dirty="0" smtClean="0"/>
+              <a:t> </a:t>
+            </a:r>
+            <a:r>
+              <a:rPr lang="en-US" sz="2000" dirty="0" err="1" smtClean="0"/>
+              <a:t>cố</a:t>
+            </a:r>
+            <a:r>
+              <a:rPr lang="en-US" sz="2000" dirty="0" smtClean="0"/>
+              <a:t> </a:t>
+            </a:r>
+            <a:r>
+              <a:rPr lang="en-US" sz="2000" dirty="0" err="1" smtClean="0"/>
+              <a:t>định</a:t>
+            </a:r>
+            <a:endParaRPr lang="en-US" sz="2000" dirty="0" smtClean="0"/>
+          </a:p>
+          <a:p>
+            <a:r>
+              <a:rPr lang="en-US" sz="2000" dirty="0" err="1" smtClean="0"/>
+              <a:t>Một</a:t>
+            </a:r>
+            <a:r>
+              <a:rPr lang="en-US" sz="2000" dirty="0" smtClean="0"/>
+              <a:t> </a:t>
+            </a:r>
+            <a:r>
+              <a:rPr lang="en-US" sz="2000" dirty="0" err="1" smtClean="0"/>
+              <a:t>ứng</a:t>
+            </a:r>
+            <a:r>
+              <a:rPr lang="en-US" sz="2000" dirty="0" smtClean="0"/>
+              <a:t> </a:t>
+            </a:r>
+            <a:r>
+              <a:rPr lang="en-US" sz="2000" dirty="0" err="1" smtClean="0"/>
+              <a:t>dụng</a:t>
+            </a:r>
+            <a:r>
+              <a:rPr lang="en-US" sz="2000" dirty="0" smtClean="0"/>
+              <a:t> </a:t>
+            </a:r>
+            <a:r>
+              <a:rPr lang="en-US" sz="2000" dirty="0" err="1" smtClean="0"/>
+              <a:t>phổ</a:t>
+            </a:r>
+            <a:r>
+              <a:rPr lang="en-US" sz="2000" dirty="0" smtClean="0"/>
+              <a:t> </a:t>
+            </a:r>
+            <a:r>
+              <a:rPr lang="en-US" sz="2000" dirty="0" err="1" smtClean="0"/>
+              <a:t>biến</a:t>
+            </a:r>
+            <a:r>
+              <a:rPr lang="en-US" sz="2000" dirty="0" smtClean="0"/>
+              <a:t> </a:t>
+            </a:r>
+            <a:r>
+              <a:rPr lang="en-US" sz="2000" dirty="0" err="1" smtClean="0"/>
+              <a:t>là</a:t>
+            </a:r>
+            <a:r>
+              <a:rPr lang="en-US" sz="2000" dirty="0" smtClean="0"/>
+              <a:t> </a:t>
+            </a:r>
+            <a:r>
+              <a:rPr lang="en-US" sz="2000" dirty="0" err="1" smtClean="0"/>
+              <a:t>dịch</a:t>
+            </a:r>
+            <a:r>
+              <a:rPr lang="en-US" sz="2000" dirty="0" smtClean="0"/>
+              <a:t> </a:t>
+            </a:r>
+            <a:r>
+              <a:rPr lang="en-US" sz="2000" dirty="0" err="1" smtClean="0"/>
+              <a:t>ngôn</a:t>
+            </a:r>
+            <a:r>
+              <a:rPr lang="en-US" sz="2000" dirty="0" smtClean="0"/>
+              <a:t> </a:t>
+            </a:r>
+            <a:r>
+              <a:rPr lang="en-US" sz="2000" dirty="0" err="1" smtClean="0"/>
+              <a:t>ngữ</a:t>
+            </a:r>
+            <a:endParaRPr lang="en-US" sz="2000" dirty="0" smtClean="0"/>
+          </a:p>
+          <a:p>
+            <a:endParaRPr lang="en-US" sz="2000" dirty="0"/>
+          </a:p>
+        </p:txBody>
+      </p:sp>
+      <p:pic>
+        <p:nvPicPr>
+          <p:cNvPr id="6" name="Picture 5"/>
+          <p:cNvPicPr>
+            <a:picLocks noChangeAspect="1"/>
+          </p:cNvPicPr>
+          <p:nvPr/>
+        </p:nvPicPr>
+        <p:blipFill>
+          <a:blip r:embed="rId3"/>
+          <a:stretch>
+            <a:fillRect/>
+          </a:stretch>
+        </p:blipFill>
+        <p:spPr>
+          <a:xfrm>
+            <a:off x="5739366" y="1976567"/>
+            <a:ext cx="4838700" cy="647700"/>
           </a:xfrm>
           <a:prstGeom prst="rect">
             <a:avLst/>
@@ -4802,7 +5001,7 @@
 </p:sld>
 </file>
 
-<file path=ppt/slides/slide7.xml><?xml version="1.0" encoding="utf-8"?>
+<file path=ppt/slides/slide12.xml><?xml version="1.0" encoding="utf-8"?>
 <p:sld xmlns:a="http://schemas.openxmlformats.org/drawingml/2006/main" xmlns:r="http://schemas.openxmlformats.org/officeDocument/2006/relationships" xmlns:p="http://schemas.openxmlformats.org/presentationml/2006/main">
   <p:cSld>
     <p:spTree>
@@ -4836,51 +5035,431 @@
           <a:p>
             <a:r>
               <a:rPr lang="en-US" dirty="0" smtClean="0"/>
-              <a:t>Sequence to sequence model</a:t>
+              <a:t>Encoder</a:t>
             </a:r>
             <a:endParaRPr lang="en-US" dirty="0"/>
           </a:p>
         </p:txBody>
       </p:sp>
-      <p:pic>
-        <p:nvPicPr>
-          <p:cNvPr id="2050" name="Picture 2" descr="https://lena-voita.github.io/resources/lectures/seq2seq/general/enc_dec_simple_rnn-min.png"/>
-          <p:cNvPicPr>
-            <a:picLocks noChangeAspect="1" noChangeArrowheads="1"/>
-          </p:cNvPicPr>
+      <p:sp>
+        <p:nvSpPr>
+          <p:cNvPr id="3" name="TextBox 2"/>
+          <p:cNvSpPr txBox="1"/>
           <p:nvPr/>
-        </p:nvPicPr>
-        <p:blipFill>
-          <a:blip r:embed="rId2" cstate="print">
-            <a:extLst>
-              <a:ext uri="{28A0092B-C50C-407E-A947-70E740481C1C}">
-                <a14:useLocalDpi xmlns:a14="http://schemas.microsoft.com/office/drawing/2010/main" val="0"/>
-              </a:ext>
-            </a:extLst>
-          </a:blip>
-          <a:srcRect/>
-          <a:stretch>
-            <a:fillRect/>
-          </a:stretch>
-        </p:blipFill>
-        <p:spPr bwMode="auto">
+        </p:nvSpPr>
+        <p:spPr>
           <a:xfrm>
-            <a:off x="2245638" y="2258001"/>
-            <a:ext cx="8219456" cy="2845627"/>
+            <a:off x="1063256" y="1901071"/>
+            <a:ext cx="9186874" cy="2308324"/>
           </a:xfrm>
           <a:prstGeom prst="rect">
             <a:avLst/>
           </a:prstGeom>
           <a:noFill/>
-          <a:extLst>
-            <a:ext uri="{909E8E84-426E-40DD-AFC4-6F175D3DCCD1}">
-              <a14:hiddenFill xmlns:a14="http://schemas.microsoft.com/office/drawing/2010/main">
-                <a:solidFill>
-                  <a:srgbClr val="FFFFFF"/>
-                </a:solidFill>
-              </a14:hiddenFill>
-            </a:ext>
-          </a:extLst>
+        </p:spPr>
+        <p:txBody>
+          <a:bodyPr wrap="none" rtlCol="0">
+            <a:spAutoFit/>
+          </a:bodyPr>
+          <a:lstStyle/>
+          <a:p>
+            <a:r>
+              <a:rPr lang="en-US" dirty="0" smtClean="0"/>
+              <a:t>Encoder </a:t>
+            </a:r>
+            <a:r>
+              <a:rPr lang="en-US" dirty="0" err="1" smtClean="0"/>
+              <a:t>chuyển</a:t>
+            </a:r>
+            <a:r>
+              <a:rPr lang="en-US" dirty="0" smtClean="0"/>
+              <a:t> </a:t>
+            </a:r>
+            <a:r>
+              <a:rPr lang="en-US" dirty="0" err="1" smtClean="0"/>
+              <a:t>đổi</a:t>
+            </a:r>
+            <a:r>
+              <a:rPr lang="en-US" dirty="0" smtClean="0"/>
+              <a:t> </a:t>
+            </a:r>
+            <a:r>
+              <a:rPr lang="en-US" dirty="0" err="1" smtClean="0"/>
+              <a:t>một</a:t>
+            </a:r>
+            <a:r>
+              <a:rPr lang="en-US" dirty="0" smtClean="0"/>
+              <a:t> </a:t>
+            </a:r>
+            <a:r>
+              <a:rPr lang="en-US" dirty="0" err="1" smtClean="0"/>
+              <a:t>chuỗi</a:t>
+            </a:r>
+            <a:r>
+              <a:rPr lang="en-US" dirty="0" smtClean="0"/>
+              <a:t> </a:t>
+            </a:r>
+            <a:r>
+              <a:rPr lang="en-US" dirty="0" err="1" smtClean="0"/>
+              <a:t>có</a:t>
+            </a:r>
+            <a:r>
+              <a:rPr lang="en-US" dirty="0" smtClean="0"/>
+              <a:t> </a:t>
+            </a:r>
+            <a:r>
+              <a:rPr lang="en-US" dirty="0" err="1" smtClean="0"/>
+              <a:t>chiều</a:t>
+            </a:r>
+            <a:r>
+              <a:rPr lang="en-US" dirty="0" smtClean="0"/>
+              <a:t> </a:t>
+            </a:r>
+            <a:r>
+              <a:rPr lang="en-US" dirty="0" err="1" smtClean="0"/>
+              <a:t>dài</a:t>
+            </a:r>
+            <a:r>
+              <a:rPr lang="en-US" dirty="0" smtClean="0"/>
+              <a:t> </a:t>
+            </a:r>
+            <a:r>
+              <a:rPr lang="en-US" dirty="0" err="1" smtClean="0"/>
+              <a:t>tuỳ</a:t>
+            </a:r>
+            <a:r>
+              <a:rPr lang="en-US" dirty="0" smtClean="0"/>
+              <a:t> ý </a:t>
+            </a:r>
+            <a:r>
+              <a:rPr lang="en-US" dirty="0" err="1" smtClean="0"/>
+              <a:t>thành</a:t>
+            </a:r>
+            <a:r>
+              <a:rPr lang="en-US" dirty="0" smtClean="0"/>
+              <a:t> </a:t>
+            </a:r>
+            <a:r>
+              <a:rPr lang="en-US" dirty="0" err="1" smtClean="0"/>
+              <a:t>một</a:t>
+            </a:r>
+            <a:r>
+              <a:rPr lang="en-US" dirty="0" smtClean="0"/>
+              <a:t> vector context </a:t>
+            </a:r>
+            <a:r>
+              <a:rPr lang="en-US" dirty="0" err="1" smtClean="0"/>
+              <a:t>có</a:t>
+            </a:r>
+            <a:r>
+              <a:rPr lang="en-US" dirty="0" smtClean="0"/>
+              <a:t> </a:t>
+            </a:r>
+            <a:r>
+              <a:rPr lang="en-US" dirty="0" err="1" smtClean="0"/>
+              <a:t>kích</a:t>
+            </a:r>
+            <a:r>
+              <a:rPr lang="en-US" dirty="0" smtClean="0"/>
+              <a:t> </a:t>
+            </a:r>
+            <a:r>
+              <a:rPr lang="en-US" dirty="0" err="1" smtClean="0"/>
+              <a:t>thước</a:t>
+            </a:r>
+            <a:r>
+              <a:rPr lang="en-US" dirty="0" smtClean="0"/>
+              <a:t> </a:t>
+            </a:r>
+            <a:r>
+              <a:rPr lang="en-US" dirty="0" err="1" smtClean="0"/>
+              <a:t>cố</a:t>
+            </a:r>
+            <a:r>
+              <a:rPr lang="en-US" dirty="0" smtClean="0"/>
+              <a:t> </a:t>
+            </a:r>
+            <a:r>
+              <a:rPr lang="en-US" dirty="0" err="1" smtClean="0"/>
+              <a:t>định</a:t>
+            </a:r>
+            <a:endParaRPr lang="en-US" dirty="0" smtClean="0"/>
+          </a:p>
+          <a:p>
+            <a:endParaRPr lang="en-US" dirty="0"/>
+          </a:p>
+          <a:p>
+            <a:r>
+              <a:rPr lang="en-US" dirty="0" err="1" smtClean="0"/>
+              <a:t>Trạng</a:t>
+            </a:r>
+            <a:r>
+              <a:rPr lang="en-US" dirty="0" smtClean="0"/>
+              <a:t> </a:t>
+            </a:r>
+            <a:r>
+              <a:rPr lang="en-US" dirty="0" err="1" smtClean="0"/>
+              <a:t>thái</a:t>
+            </a:r>
+            <a:r>
+              <a:rPr lang="en-US" dirty="0" smtClean="0"/>
+              <a:t> </a:t>
+            </a:r>
+            <a:r>
+              <a:rPr lang="en-US" dirty="0" err="1" smtClean="0"/>
+              <a:t>ẩn</a:t>
+            </a:r>
+            <a:r>
+              <a:rPr lang="en-US" dirty="0" smtClean="0"/>
+              <a:t> </a:t>
+            </a:r>
+            <a:r>
+              <a:rPr lang="en-US" dirty="0" err="1" smtClean="0"/>
+              <a:t>của</a:t>
+            </a:r>
+            <a:r>
+              <a:rPr lang="en-US" dirty="0" smtClean="0"/>
+              <a:t> </a:t>
+            </a:r>
+            <a:r>
+              <a:rPr lang="en-US" dirty="0" err="1" smtClean="0"/>
+              <a:t>từng</a:t>
+            </a:r>
+            <a:r>
+              <a:rPr lang="en-US" dirty="0" smtClean="0"/>
+              <a:t> </a:t>
+            </a:r>
+            <a:r>
+              <a:rPr lang="en-US" dirty="0" err="1" smtClean="0"/>
+              <a:t>thời</a:t>
+            </a:r>
+            <a:r>
+              <a:rPr lang="en-US" dirty="0" smtClean="0"/>
+              <a:t> </a:t>
+            </a:r>
+            <a:r>
+              <a:rPr lang="en-US" dirty="0" err="1" smtClean="0"/>
+              <a:t>điểm</a:t>
+            </a:r>
+            <a:r>
+              <a:rPr lang="en-US" dirty="0" smtClean="0"/>
+              <a:t> </a:t>
+            </a:r>
+            <a:r>
+              <a:rPr lang="en-US" dirty="0" err="1" smtClean="0"/>
+              <a:t>được</a:t>
+            </a:r>
+            <a:r>
+              <a:rPr lang="en-US" dirty="0" smtClean="0"/>
+              <a:t> </a:t>
+            </a:r>
+            <a:r>
+              <a:rPr lang="en-US" dirty="0" err="1" smtClean="0"/>
+              <a:t>tính</a:t>
+            </a:r>
+            <a:r>
+              <a:rPr lang="en-US" dirty="0" smtClean="0"/>
+              <a:t> </a:t>
+            </a:r>
+            <a:r>
+              <a:rPr lang="en-US" dirty="0" err="1" smtClean="0"/>
+              <a:t>theo</a:t>
+            </a:r>
+            <a:r>
+              <a:rPr lang="en-US" dirty="0" smtClean="0"/>
+              <a:t> </a:t>
+            </a:r>
+            <a:r>
+              <a:rPr lang="en-US" dirty="0" err="1" smtClean="0"/>
+              <a:t>công</a:t>
+            </a:r>
+            <a:r>
+              <a:rPr lang="en-US" dirty="0" smtClean="0"/>
+              <a:t> </a:t>
+            </a:r>
+            <a:r>
+              <a:rPr lang="en-US" dirty="0" err="1" smtClean="0"/>
+              <a:t>thức</a:t>
+            </a:r>
+            <a:r>
+              <a:rPr lang="en-US" dirty="0" smtClean="0"/>
+              <a:t>:</a:t>
+            </a:r>
+          </a:p>
+          <a:p>
+            <a:endParaRPr lang="en-US" dirty="0"/>
+          </a:p>
+          <a:p>
+            <a:endParaRPr lang="en-US" dirty="0" smtClean="0"/>
+          </a:p>
+          <a:p>
+            <a:r>
+              <a:rPr lang="en-US" dirty="0" err="1" smtClean="0"/>
+              <a:t>Với</a:t>
+            </a:r>
+            <a:r>
+              <a:rPr lang="en-US" dirty="0" smtClean="0"/>
+              <a:t> f </a:t>
+            </a:r>
+            <a:r>
+              <a:rPr lang="en-US" dirty="0" err="1" smtClean="0"/>
+              <a:t>có</a:t>
+            </a:r>
+            <a:r>
+              <a:rPr lang="en-US" dirty="0" smtClean="0"/>
+              <a:t> </a:t>
+            </a:r>
+            <a:r>
+              <a:rPr lang="en-US" dirty="0" err="1" smtClean="0"/>
+              <a:t>thể</a:t>
+            </a:r>
+            <a:r>
+              <a:rPr lang="en-US" dirty="0" smtClean="0"/>
+              <a:t> </a:t>
+            </a:r>
+            <a:r>
+              <a:rPr lang="en-US" dirty="0" err="1" smtClean="0"/>
+              <a:t>là</a:t>
+            </a:r>
+            <a:r>
+              <a:rPr lang="en-US" dirty="0" smtClean="0"/>
+              <a:t> RNN, LSTM</a:t>
+            </a:r>
+          </a:p>
+          <a:p>
+            <a:endParaRPr lang="en-US" dirty="0"/>
+          </a:p>
+          <a:p>
+            <a:r>
+              <a:rPr lang="en-US" dirty="0" smtClean="0"/>
+              <a:t>Vector </a:t>
+            </a:r>
+            <a:r>
+              <a:rPr lang="en-US" dirty="0" err="1" smtClean="0"/>
+              <a:t>trạng</a:t>
+            </a:r>
+            <a:r>
+              <a:rPr lang="en-US" dirty="0" smtClean="0"/>
+              <a:t> </a:t>
+            </a:r>
+            <a:r>
+              <a:rPr lang="en-US" dirty="0" err="1" smtClean="0"/>
+              <a:t>thái</a:t>
+            </a:r>
+            <a:r>
+              <a:rPr lang="en-US" dirty="0" smtClean="0"/>
+              <a:t> </a:t>
+            </a:r>
+            <a:r>
+              <a:rPr lang="en-US" dirty="0" err="1" smtClean="0"/>
+              <a:t>được</a:t>
+            </a:r>
+            <a:r>
+              <a:rPr lang="en-US" dirty="0" smtClean="0"/>
+              <a:t> </a:t>
+            </a:r>
+            <a:r>
+              <a:rPr lang="en-US" dirty="0" err="1" smtClean="0"/>
+              <a:t>tính</a:t>
+            </a:r>
+            <a:r>
+              <a:rPr lang="en-US" dirty="0" smtClean="0"/>
+              <a:t> </a:t>
+            </a:r>
+            <a:r>
+              <a:rPr lang="en-US" dirty="0" err="1" smtClean="0"/>
+              <a:t>dựa</a:t>
+            </a:r>
+            <a:r>
+              <a:rPr lang="en-US" dirty="0" smtClean="0"/>
+              <a:t> </a:t>
+            </a:r>
+            <a:r>
+              <a:rPr lang="en-US" dirty="0" err="1" smtClean="0"/>
+              <a:t>trên</a:t>
+            </a:r>
+            <a:r>
+              <a:rPr lang="en-US" dirty="0" smtClean="0"/>
+              <a:t> </a:t>
+            </a:r>
+            <a:r>
+              <a:rPr lang="en-US" dirty="0" err="1" smtClean="0"/>
+              <a:t>các</a:t>
+            </a:r>
+            <a:r>
+              <a:rPr lang="en-US" dirty="0" smtClean="0"/>
+              <a:t> </a:t>
+            </a:r>
+            <a:r>
+              <a:rPr lang="en-US" dirty="0" err="1" smtClean="0"/>
+              <a:t>trạng</a:t>
+            </a:r>
+            <a:r>
+              <a:rPr lang="en-US" dirty="0" smtClean="0"/>
+              <a:t> </a:t>
+            </a:r>
+            <a:r>
+              <a:rPr lang="en-US" dirty="0" err="1" smtClean="0"/>
+              <a:t>thái</a:t>
+            </a:r>
+            <a:r>
+              <a:rPr lang="en-US" dirty="0" smtClean="0"/>
+              <a:t> </a:t>
+            </a:r>
+            <a:r>
+              <a:rPr lang="en-US" dirty="0" err="1" smtClean="0"/>
+              <a:t>ẩn</a:t>
+            </a:r>
+            <a:endParaRPr lang="en-US" dirty="0"/>
+          </a:p>
+        </p:txBody>
+      </p:sp>
+      <p:pic>
+        <p:nvPicPr>
+          <p:cNvPr id="4" name="Picture 3"/>
+          <p:cNvPicPr>
+            <a:picLocks noChangeAspect="1"/>
+          </p:cNvPicPr>
+          <p:nvPr/>
+        </p:nvPicPr>
+        <p:blipFill>
+          <a:blip r:embed="rId2"/>
+          <a:stretch>
+            <a:fillRect/>
+          </a:stretch>
+        </p:blipFill>
+        <p:spPr>
+          <a:xfrm>
+            <a:off x="4512744" y="2825234"/>
+            <a:ext cx="1476375" cy="419100"/>
+          </a:xfrm>
+          <a:prstGeom prst="rect">
+            <a:avLst/>
+          </a:prstGeom>
+        </p:spPr>
+      </p:pic>
+      <p:pic>
+        <p:nvPicPr>
+          <p:cNvPr id="5" name="Picture 4"/>
+          <p:cNvPicPr>
+            <a:picLocks noChangeAspect="1"/>
+          </p:cNvPicPr>
+          <p:nvPr/>
+        </p:nvPicPr>
+        <p:blipFill>
+          <a:blip r:embed="rId3"/>
+          <a:stretch>
+            <a:fillRect/>
+          </a:stretch>
+        </p:blipFill>
+        <p:spPr>
+          <a:xfrm>
+            <a:off x="4294999" y="4349025"/>
+            <a:ext cx="1571625" cy="342900"/>
+          </a:xfrm>
+          <a:prstGeom prst="rect">
+            <a:avLst/>
+          </a:prstGeom>
         </p:spPr>
       </p:pic>
     </p:spTree>
@@ -4896,7 +5475,7 @@
 </p:sld>
 </file>
 
-<file path=ppt/slides/slide8.xml><?xml version="1.0" encoding="utf-8"?>
+<file path=ppt/slides/slide13.xml><?xml version="1.0" encoding="utf-8"?>
 <p:sld xmlns:a="http://schemas.openxmlformats.org/drawingml/2006/main" xmlns:r="http://schemas.openxmlformats.org/officeDocument/2006/relationships" xmlns:p="http://schemas.openxmlformats.org/presentationml/2006/main">
   <p:cSld>
     <p:spTree>
@@ -4930,53 +5509,494 @@
           <a:p>
             <a:r>
               <a:rPr lang="en-US" dirty="0" smtClean="0"/>
-              <a:t>Sequence to sequence model (training)</a:t>
+              <a:t>Decoder</a:t>
             </a:r>
             <a:endParaRPr lang="en-US" dirty="0"/>
+          </a:p>
+        </p:txBody>
+      </p:sp>
+      <p:sp>
+        <p:nvSpPr>
+          <p:cNvPr id="3" name="Content Placeholder 2"/>
+          <p:cNvSpPr>
+            <a:spLocks noGrp="1"/>
+          </p:cNvSpPr>
+          <p:nvPr>
+            <p:ph idx="1"/>
+          </p:nvPr>
+        </p:nvSpPr>
+        <p:spPr/>
+        <p:txBody>
+          <a:bodyPr>
+            <a:normAutofit/>
+          </a:bodyPr>
+          <a:lstStyle/>
+          <a:p>
+            <a:r>
+              <a:rPr lang="en-US" sz="1800" dirty="0" smtClean="0"/>
+              <a:t>Decoder </a:t>
+            </a:r>
+            <a:r>
+              <a:rPr lang="en-US" sz="1800" dirty="0" err="1" smtClean="0"/>
+              <a:t>chuyển</a:t>
+            </a:r>
+            <a:r>
+              <a:rPr lang="en-US" sz="1800" dirty="0" smtClean="0"/>
+              <a:t> vector context </a:t>
+            </a:r>
+            <a:r>
+              <a:rPr lang="en-US" sz="1800" dirty="0" err="1" smtClean="0"/>
+              <a:t>thành</a:t>
+            </a:r>
+            <a:r>
+              <a:rPr lang="en-US" sz="1800" dirty="0" smtClean="0"/>
+              <a:t> </a:t>
+            </a:r>
+            <a:r>
+              <a:rPr lang="en-US" sz="1800" dirty="0" err="1" smtClean="0"/>
+              <a:t>một</a:t>
+            </a:r>
+            <a:r>
+              <a:rPr lang="en-US" sz="1800" dirty="0" smtClean="0"/>
+              <a:t> </a:t>
+            </a:r>
+            <a:r>
+              <a:rPr lang="en-US" sz="1800" dirty="0" err="1" smtClean="0"/>
+              <a:t>chuỗi</a:t>
+            </a:r>
+            <a:endParaRPr lang="en-US" sz="1800" dirty="0" smtClean="0"/>
+          </a:p>
+          <a:p>
+            <a:r>
+              <a:rPr lang="en-US" sz="1800" dirty="0" err="1" smtClean="0"/>
+              <a:t>Mô</a:t>
+            </a:r>
+            <a:r>
+              <a:rPr lang="en-US" sz="1800" dirty="0" smtClean="0"/>
+              <a:t> </a:t>
+            </a:r>
+            <a:r>
+              <a:rPr lang="en-US" sz="1800" dirty="0" err="1" smtClean="0"/>
+              <a:t>hình</a:t>
+            </a:r>
+            <a:r>
+              <a:rPr lang="en-US" sz="1800" dirty="0" smtClean="0"/>
+              <a:t> </a:t>
+            </a:r>
+            <a:r>
+              <a:rPr lang="en-US" sz="1800" dirty="0" err="1" smtClean="0"/>
+              <a:t>của</a:t>
+            </a:r>
+            <a:r>
+              <a:rPr lang="en-US" sz="1800" dirty="0" smtClean="0"/>
+              <a:t> decoder </a:t>
+            </a:r>
+            <a:r>
+              <a:rPr lang="en-US" sz="1800" dirty="0" err="1" smtClean="0"/>
+              <a:t>có</a:t>
+            </a:r>
+            <a:r>
+              <a:rPr lang="en-US" sz="1800" dirty="0" smtClean="0"/>
+              <a:t> </a:t>
+            </a:r>
+            <a:r>
+              <a:rPr lang="en-US" sz="1800" dirty="0" err="1" smtClean="0"/>
+              <a:t>thể</a:t>
+            </a:r>
+            <a:r>
+              <a:rPr lang="en-US" sz="1800" dirty="0" smtClean="0"/>
+              <a:t> </a:t>
+            </a:r>
+            <a:r>
+              <a:rPr lang="en-US" sz="1800" dirty="0" err="1" smtClean="0"/>
+              <a:t>là</a:t>
+            </a:r>
+            <a:r>
+              <a:rPr lang="en-US" sz="1800" dirty="0" smtClean="0"/>
+              <a:t> </a:t>
+            </a:r>
+            <a:r>
+              <a:rPr lang="en-US" sz="1800" dirty="0" err="1" smtClean="0"/>
+              <a:t>một</a:t>
+            </a:r>
+            <a:r>
+              <a:rPr lang="en-US" sz="1800" dirty="0" smtClean="0"/>
+              <a:t> RNN, LSTM </a:t>
+            </a:r>
+          </a:p>
+          <a:p>
+            <a:r>
+              <a:rPr lang="en-US" sz="1800" dirty="0" err="1" smtClean="0"/>
+              <a:t>Tại</a:t>
+            </a:r>
+            <a:r>
+              <a:rPr lang="en-US" sz="1800" dirty="0" smtClean="0"/>
+              <a:t> </a:t>
+            </a:r>
+            <a:r>
+              <a:rPr lang="en-US" sz="1800" dirty="0" err="1" smtClean="0"/>
+              <a:t>mỗi</a:t>
+            </a:r>
+            <a:r>
+              <a:rPr lang="en-US" sz="1800" dirty="0" smtClean="0"/>
+              <a:t> </a:t>
+            </a:r>
+            <a:r>
+              <a:rPr lang="en-US" sz="1800" dirty="0" err="1" smtClean="0"/>
+              <a:t>thời</a:t>
+            </a:r>
+            <a:r>
+              <a:rPr lang="en-US" sz="1800" dirty="0" smtClean="0"/>
+              <a:t> </a:t>
+            </a:r>
+            <a:r>
+              <a:rPr lang="en-US" sz="1800" dirty="0" err="1" smtClean="0"/>
+              <a:t>điểm</a:t>
+            </a:r>
+            <a:r>
+              <a:rPr lang="en-US" sz="1800" dirty="0" smtClean="0"/>
+              <a:t>, </a:t>
+            </a:r>
+            <a:r>
+              <a:rPr lang="en-US" sz="1800" dirty="0" err="1" smtClean="0"/>
+              <a:t>trạng</a:t>
+            </a:r>
+            <a:r>
+              <a:rPr lang="en-US" sz="1800" dirty="0" smtClean="0"/>
+              <a:t> </a:t>
+            </a:r>
+            <a:r>
+              <a:rPr lang="en-US" sz="1800" dirty="0" err="1" smtClean="0"/>
+              <a:t>thái</a:t>
+            </a:r>
+            <a:r>
+              <a:rPr lang="en-US" sz="1800" dirty="0" smtClean="0"/>
+              <a:t> </a:t>
+            </a:r>
+            <a:r>
+              <a:rPr lang="en-US" sz="1800" dirty="0" err="1" smtClean="0"/>
+              <a:t>ẩn</a:t>
+            </a:r>
+            <a:r>
+              <a:rPr lang="en-US" sz="1800" dirty="0" smtClean="0"/>
+              <a:t> s </a:t>
+            </a:r>
+            <a:r>
+              <a:rPr lang="en-US" sz="1800" dirty="0" err="1" smtClean="0"/>
+              <a:t>được</a:t>
+            </a:r>
+            <a:r>
+              <a:rPr lang="en-US" sz="1800" dirty="0" smtClean="0"/>
+              <a:t> </a:t>
+            </a:r>
+            <a:r>
+              <a:rPr lang="en-US" sz="1800" dirty="0" err="1" smtClean="0"/>
+              <a:t>tính</a:t>
+            </a:r>
+            <a:r>
+              <a:rPr lang="en-US" sz="1800" dirty="0" smtClean="0"/>
+              <a:t> </a:t>
+            </a:r>
+            <a:r>
+              <a:rPr lang="en-US" sz="1800" dirty="0" err="1" smtClean="0"/>
+              <a:t>dựa</a:t>
+            </a:r>
+            <a:r>
+              <a:rPr lang="en-US" sz="1800" dirty="0" smtClean="0"/>
+              <a:t> </a:t>
+            </a:r>
+            <a:r>
+              <a:rPr lang="en-US" sz="1800" dirty="0" err="1" smtClean="0"/>
+              <a:t>trên</a:t>
+            </a:r>
+            <a:r>
+              <a:rPr lang="en-US" sz="1800" dirty="0" smtClean="0"/>
+              <a:t> </a:t>
+            </a:r>
+            <a:r>
+              <a:rPr lang="en-US" sz="1800" dirty="0" err="1" smtClean="0"/>
+              <a:t>đầu</a:t>
+            </a:r>
+            <a:r>
+              <a:rPr lang="en-US" sz="1800" dirty="0" smtClean="0"/>
+              <a:t> </a:t>
+            </a:r>
+            <a:r>
+              <a:rPr lang="en-US" sz="1800" dirty="0" err="1" smtClean="0"/>
+              <a:t>ra</a:t>
+            </a:r>
+            <a:r>
+              <a:rPr lang="en-US" sz="1800" dirty="0" smtClean="0"/>
+              <a:t> </a:t>
+            </a:r>
+            <a:r>
+              <a:rPr lang="en-US" sz="1800" dirty="0" err="1" smtClean="0"/>
+              <a:t>và</a:t>
+            </a:r>
+            <a:r>
+              <a:rPr lang="en-US" sz="1800" dirty="0" smtClean="0"/>
+              <a:t> </a:t>
+            </a:r>
+            <a:r>
+              <a:rPr lang="en-US" sz="1800" dirty="0" err="1" smtClean="0"/>
+              <a:t>trạng</a:t>
+            </a:r>
+            <a:r>
+              <a:rPr lang="en-US" sz="1800" dirty="0" smtClean="0"/>
+              <a:t> </a:t>
+            </a:r>
+            <a:r>
+              <a:rPr lang="en-US" sz="1800" dirty="0" err="1" smtClean="0"/>
+              <a:t>thái</a:t>
+            </a:r>
+            <a:r>
+              <a:rPr lang="en-US" sz="1800" dirty="0" smtClean="0"/>
+              <a:t> </a:t>
+            </a:r>
+            <a:r>
+              <a:rPr lang="en-US" sz="1800" dirty="0" err="1" smtClean="0"/>
+              <a:t>ẩn</a:t>
+            </a:r>
+            <a:r>
+              <a:rPr lang="en-US" sz="1800" dirty="0" smtClean="0"/>
+              <a:t> </a:t>
+            </a:r>
+            <a:r>
+              <a:rPr lang="en-US" sz="1800" dirty="0" err="1" smtClean="0"/>
+              <a:t>của</a:t>
+            </a:r>
+            <a:r>
+              <a:rPr lang="en-US" sz="1800" dirty="0" smtClean="0"/>
+              <a:t> </a:t>
+            </a:r>
+            <a:r>
+              <a:rPr lang="en-US" sz="1800" dirty="0" err="1" smtClean="0"/>
+              <a:t>thời</a:t>
+            </a:r>
+            <a:r>
+              <a:rPr lang="en-US" sz="1800" dirty="0" smtClean="0"/>
+              <a:t> </a:t>
+            </a:r>
+            <a:r>
+              <a:rPr lang="en-US" sz="1800" dirty="0" err="1" smtClean="0"/>
+              <a:t>điểm</a:t>
+            </a:r>
+            <a:r>
+              <a:rPr lang="en-US" sz="1800" dirty="0" smtClean="0"/>
+              <a:t> </a:t>
+            </a:r>
+            <a:r>
+              <a:rPr lang="en-US" sz="1800" dirty="0" err="1" smtClean="0"/>
+              <a:t>trước</a:t>
+            </a:r>
+            <a:r>
+              <a:rPr lang="en-US" sz="1800" dirty="0"/>
+              <a:t> </a:t>
+            </a:r>
+            <a:r>
+              <a:rPr lang="en-US" sz="1800" dirty="0" err="1" smtClean="0"/>
+              <a:t>và</a:t>
+            </a:r>
+            <a:r>
+              <a:rPr lang="en-US" sz="1800" dirty="0" smtClean="0"/>
+              <a:t> vector </a:t>
+            </a:r>
+            <a:r>
+              <a:rPr lang="en-US" sz="1800" dirty="0" err="1" smtClean="0"/>
+              <a:t>contex</a:t>
+            </a:r>
+            <a:r>
+              <a:rPr lang="en-US" sz="1800" dirty="0" smtClean="0"/>
+              <a:t>. </a:t>
+            </a:r>
+            <a:endParaRPr lang="en-US" sz="1800" dirty="0"/>
           </a:p>
         </p:txBody>
       </p:sp>
       <p:pic>
         <p:nvPicPr>
-          <p:cNvPr id="3074" name="Picture 2" descr="https://lena-voita.github.io/resources/lectures/seq2seq/general/one_step_loss_intuition-min.png"/>
+          <p:cNvPr id="4" name="Picture 3"/>
           <p:cNvPicPr>
-            <a:picLocks noChangeAspect="1" noChangeArrowheads="1"/>
+            <a:picLocks noChangeAspect="1"/>
           </p:cNvPicPr>
           <p:nvPr/>
         </p:nvPicPr>
         <p:blipFill>
-          <a:blip r:embed="rId4" cstate="print">
-            <a:extLst>
-              <a:ext uri="{28A0092B-C50C-407E-A947-70E740481C1C}">
-                <a14:useLocalDpi xmlns:a14="http://schemas.microsoft.com/office/drawing/2010/main" val="0"/>
-              </a:ext>
-            </a:extLst>
-          </a:blip>
-          <a:srcRect/>
+          <a:blip r:embed="rId2"/>
           <a:stretch>
             <a:fillRect/>
           </a:stretch>
         </p:blipFill>
-        <p:spPr bwMode="auto">
+        <p:spPr>
           <a:xfrm>
-            <a:off x="1471133" y="1481181"/>
-            <a:ext cx="7654925" cy="3086057"/>
+            <a:off x="4886435" y="3825081"/>
+            <a:ext cx="2431531" cy="481105"/>
           </a:xfrm>
           <a:prstGeom prst="rect">
             <a:avLst/>
           </a:prstGeom>
-          <a:noFill/>
-          <a:extLst>
-            <a:ext uri="{909E8E84-426E-40DD-AFC4-6F175D3DCCD1}">
-              <a14:hiddenFill xmlns:a14="http://schemas.microsoft.com/office/drawing/2010/main">
-                <a:solidFill>
-                  <a:srgbClr val="FFFFFF"/>
-                </a:solidFill>
-              </a14:hiddenFill>
-            </a:ext>
-          </a:extLst>
         </p:spPr>
       </p:pic>
+    </p:spTree>
+    <p:extLst>
+      <p:ext uri="{BB962C8B-B14F-4D97-AF65-F5344CB8AC3E}">
+        <p14:creationId xmlns:p14="http://schemas.microsoft.com/office/powerpoint/2010/main" val="409169651"/>
+      </p:ext>
+    </p:extLst>
+  </p:cSld>
+  <p:clrMapOvr>
+    <a:masterClrMapping/>
+  </p:clrMapOvr>
+</p:sld>
+</file>
+
+<file path=ppt/slides/slide14.xml><?xml version="1.0" encoding="utf-8"?>
+<p:sld xmlns:a="http://schemas.openxmlformats.org/drawingml/2006/main" xmlns:r="http://schemas.openxmlformats.org/officeDocument/2006/relationships" xmlns:p="http://schemas.openxmlformats.org/presentationml/2006/main">
+  <p:cSld>
+    <p:spTree>
+      <p:nvGrpSpPr>
+        <p:cNvPr id="1" name=""/>
+        <p:cNvGrpSpPr/>
+        <p:nvPr/>
+      </p:nvGrpSpPr>
+      <p:grpSpPr>
+        <a:xfrm>
+          <a:off x="0" y="0"/>
+          <a:ext cx="0" cy="0"/>
+          <a:chOff x="0" y="0"/>
+          <a:chExt cx="0" cy="0"/>
+        </a:xfrm>
+      </p:grpSpPr>
+      <p:sp>
+        <p:nvSpPr>
+          <p:cNvPr id="2" name="Title 1"/>
+          <p:cNvSpPr>
+            <a:spLocks noGrp="1"/>
+          </p:cNvSpPr>
+          <p:nvPr>
+            <p:ph type="title"/>
+          </p:nvPr>
+        </p:nvSpPr>
+        <p:spPr/>
+        <p:txBody>
+          <a:bodyPr/>
+          <a:lstStyle/>
+          <a:p>
+            <a:r>
+              <a:rPr lang="en-US" dirty="0"/>
+              <a:t>Seq2seq </a:t>
+            </a:r>
+            <a:r>
+              <a:rPr lang="en-US" dirty="0" err="1"/>
+              <a:t>cho</a:t>
+            </a:r>
+            <a:r>
+              <a:rPr lang="en-US" dirty="0"/>
+              <a:t> NLP</a:t>
+            </a:r>
+          </a:p>
+        </p:txBody>
+      </p:sp>
+      <p:sp>
+        <p:nvSpPr>
+          <p:cNvPr id="3" name="Text Placeholder 2"/>
+          <p:cNvSpPr>
+            <a:spLocks noGrp="1"/>
+          </p:cNvSpPr>
+          <p:nvPr>
+            <p:ph type="body" idx="1"/>
+          </p:nvPr>
+        </p:nvSpPr>
+        <p:spPr/>
+        <p:txBody>
+          <a:bodyPr/>
+          <a:lstStyle/>
+          <a:p>
+            <a:endParaRPr lang="en-US"/>
+          </a:p>
+        </p:txBody>
+      </p:sp>
+    </p:spTree>
+    <p:extLst>
+      <p:ext uri="{BB962C8B-B14F-4D97-AF65-F5344CB8AC3E}">
+        <p14:creationId xmlns:p14="http://schemas.microsoft.com/office/powerpoint/2010/main" val="853602941"/>
+      </p:ext>
+    </p:extLst>
+  </p:cSld>
+  <p:clrMapOvr>
+    <a:masterClrMapping/>
+  </p:clrMapOvr>
+</p:sld>
+</file>
+
+<file path=ppt/slides/slide15.xml><?xml version="1.0" encoding="utf-8"?>
+<p:sld xmlns:a="http://schemas.openxmlformats.org/drawingml/2006/main" xmlns:r="http://schemas.openxmlformats.org/officeDocument/2006/relationships" xmlns:p="http://schemas.openxmlformats.org/presentationml/2006/main">
+  <p:cSld>
+    <p:spTree>
+      <p:nvGrpSpPr>
+        <p:cNvPr id="1" name=""/>
+        <p:cNvGrpSpPr/>
+        <p:nvPr/>
+      </p:nvGrpSpPr>
+      <p:grpSpPr>
+        <a:xfrm>
+          <a:off x="0" y="0"/>
+          <a:ext cx="0" cy="0"/>
+          <a:chOff x="0" y="0"/>
+          <a:chExt cx="0" cy="0"/>
+        </a:xfrm>
+      </p:grpSpPr>
+      <p:sp>
+        <p:nvSpPr>
+          <p:cNvPr id="2" name="Title 1"/>
+          <p:cNvSpPr>
+            <a:spLocks noGrp="1"/>
+          </p:cNvSpPr>
+          <p:nvPr>
+            <p:ph type="title"/>
+          </p:nvPr>
+        </p:nvSpPr>
+        <p:spPr/>
+        <p:txBody>
+          <a:bodyPr/>
+          <a:lstStyle/>
+          <a:p>
+            <a:r>
+              <a:rPr lang="en-US" dirty="0" err="1" smtClean="0"/>
+              <a:t>Huấn</a:t>
+            </a:r>
+            <a:r>
+              <a:rPr lang="en-US" dirty="0" smtClean="0"/>
+              <a:t> </a:t>
+            </a:r>
+            <a:r>
+              <a:rPr lang="en-US" dirty="0" err="1" smtClean="0"/>
+              <a:t>luyện</a:t>
+            </a:r>
+            <a:r>
+              <a:rPr lang="en-US" dirty="0" smtClean="0"/>
+              <a:t> </a:t>
+            </a:r>
+            <a:r>
+              <a:rPr lang="en-US" dirty="0" err="1" smtClean="0"/>
+              <a:t>mô</a:t>
+            </a:r>
+            <a:r>
+              <a:rPr lang="en-US" dirty="0" smtClean="0"/>
+              <a:t> </a:t>
+            </a:r>
+            <a:r>
+              <a:rPr lang="en-US" dirty="0" err="1" smtClean="0"/>
+              <a:t>hình</a:t>
+            </a:r>
+            <a:r>
+              <a:rPr lang="en-US" dirty="0" smtClean="0"/>
+              <a:t> seq2seq</a:t>
+            </a:r>
+            <a:endParaRPr lang="en-US" dirty="0"/>
+          </a:p>
+        </p:txBody>
+      </p:sp>
       <p:pic>
         <p:nvPicPr>
           <p:cNvPr id="3" name="seq2seq_training_with_target">
@@ -5002,7 +6022,7 @@
         </p:blipFill>
         <p:spPr>
           <a:xfrm>
-            <a:off x="4316819" y="2148682"/>
+            <a:off x="2577509" y="1861603"/>
             <a:ext cx="7036981" cy="3925072"/>
           </a:xfrm>
           <a:prstGeom prst="rect">
@@ -5013,7 +6033,7 @@
     </p:spTree>
     <p:extLst>
       <p:ext uri="{BB962C8B-B14F-4D97-AF65-F5344CB8AC3E}">
-        <p14:creationId xmlns:p14="http://schemas.microsoft.com/office/powerpoint/2010/main" val="4010866294"/>
+        <p14:creationId xmlns:p14="http://schemas.microsoft.com/office/powerpoint/2010/main" val="1584570189"/>
       </p:ext>
     </p:extLst>
   </p:cSld>
@@ -5103,6 +6123,4726 @@
 </p:sld>
 </file>
 
+<file path=ppt/slides/slide16.xml><?xml version="1.0" encoding="utf-8"?>
+<p:sld xmlns:a="http://schemas.openxmlformats.org/drawingml/2006/main" xmlns:r="http://schemas.openxmlformats.org/officeDocument/2006/relationships" xmlns:p="http://schemas.openxmlformats.org/presentationml/2006/main">
+  <p:cSld>
+    <p:spTree>
+      <p:nvGrpSpPr>
+        <p:cNvPr id="1" name=""/>
+        <p:cNvGrpSpPr/>
+        <p:nvPr/>
+      </p:nvGrpSpPr>
+      <p:grpSpPr>
+        <a:xfrm>
+          <a:off x="0" y="0"/>
+          <a:ext cx="0" cy="0"/>
+          <a:chOff x="0" y="0"/>
+          <a:chExt cx="0" cy="0"/>
+        </a:xfrm>
+      </p:grpSpPr>
+      <p:sp>
+        <p:nvSpPr>
+          <p:cNvPr id="2" name="Title 1"/>
+          <p:cNvSpPr>
+            <a:spLocks noGrp="1"/>
+          </p:cNvSpPr>
+          <p:nvPr>
+            <p:ph type="title"/>
+          </p:nvPr>
+        </p:nvSpPr>
+        <p:spPr/>
+        <p:txBody>
+          <a:bodyPr/>
+          <a:lstStyle/>
+          <a:p>
+            <a:r>
+              <a:rPr lang="en-US" dirty="0" err="1" smtClean="0"/>
+              <a:t>Hàm</a:t>
+            </a:r>
+            <a:r>
+              <a:rPr lang="en-US" dirty="0" smtClean="0"/>
+              <a:t> loss</a:t>
+            </a:r>
+            <a:endParaRPr lang="en-US" dirty="0"/>
+          </a:p>
+        </p:txBody>
+      </p:sp>
+      <p:sp>
+        <p:nvSpPr>
+          <p:cNvPr id="3" name="Content Placeholder 2"/>
+          <p:cNvSpPr>
+            <a:spLocks noGrp="1"/>
+          </p:cNvSpPr>
+          <p:nvPr>
+            <p:ph idx="1"/>
+          </p:nvPr>
+        </p:nvSpPr>
+        <p:spPr/>
+        <p:txBody>
+          <a:bodyPr/>
+          <a:lstStyle/>
+          <a:p>
+            <a:r>
+              <a:rPr lang="en-US" dirty="0" err="1" smtClean="0"/>
+              <a:t>Tại</a:t>
+            </a:r>
+            <a:r>
+              <a:rPr lang="en-US" dirty="0" smtClean="0"/>
+              <a:t> </a:t>
+            </a:r>
+            <a:r>
+              <a:rPr lang="en-US" dirty="0" err="1" smtClean="0"/>
+              <a:t>mỗi</a:t>
+            </a:r>
+            <a:r>
+              <a:rPr lang="en-US" dirty="0" smtClean="0"/>
+              <a:t> </a:t>
+            </a:r>
+            <a:r>
+              <a:rPr lang="en-US" dirty="0" err="1" smtClean="0"/>
+              <a:t>thời</a:t>
+            </a:r>
+            <a:r>
+              <a:rPr lang="en-US" dirty="0" smtClean="0"/>
+              <a:t> </a:t>
+            </a:r>
+            <a:r>
+              <a:rPr lang="en-US" dirty="0" err="1" smtClean="0"/>
+              <a:t>điểm</a:t>
+            </a:r>
+            <a:r>
+              <a:rPr lang="en-US" dirty="0" smtClean="0"/>
+              <a:t>, decoder </a:t>
+            </a:r>
+            <a:r>
+              <a:rPr lang="en-US" dirty="0" err="1" smtClean="0"/>
+              <a:t>dự</a:t>
+            </a:r>
+            <a:r>
+              <a:rPr lang="en-US" dirty="0" smtClean="0"/>
+              <a:t> </a:t>
+            </a:r>
+            <a:r>
+              <a:rPr lang="en-US" dirty="0" err="1" smtClean="0"/>
+              <a:t>đoán</a:t>
+            </a:r>
+            <a:r>
+              <a:rPr lang="en-US" dirty="0" smtClean="0"/>
+              <a:t> </a:t>
+            </a:r>
+            <a:r>
+              <a:rPr lang="en-US" dirty="0" err="1" smtClean="0"/>
+              <a:t>xác</a:t>
+            </a:r>
+            <a:r>
+              <a:rPr lang="en-US" dirty="0" smtClean="0"/>
+              <a:t> </a:t>
+            </a:r>
+            <a:r>
+              <a:rPr lang="en-US" dirty="0" err="1" smtClean="0"/>
+              <a:t>suất</a:t>
+            </a:r>
+            <a:r>
+              <a:rPr lang="en-US" dirty="0" smtClean="0"/>
+              <a:t> </a:t>
+            </a:r>
+            <a:r>
+              <a:rPr lang="en-US" dirty="0" err="1" smtClean="0"/>
+              <a:t>của</a:t>
+            </a:r>
+            <a:r>
+              <a:rPr lang="en-US" dirty="0" smtClean="0"/>
+              <a:t> </a:t>
+            </a:r>
+            <a:r>
+              <a:rPr lang="en-US" dirty="0" err="1" smtClean="0"/>
+              <a:t>đầu</a:t>
+            </a:r>
+            <a:r>
+              <a:rPr lang="en-US" dirty="0" smtClean="0"/>
+              <a:t> </a:t>
+            </a:r>
+            <a:r>
+              <a:rPr lang="en-US" dirty="0" err="1" smtClean="0"/>
+              <a:t>ra.</a:t>
+            </a:r>
+            <a:r>
+              <a:rPr lang="en-US" dirty="0" smtClean="0"/>
+              <a:t> Ta </a:t>
+            </a:r>
+            <a:r>
+              <a:rPr lang="en-US" dirty="0" err="1" smtClean="0"/>
+              <a:t>có</a:t>
+            </a:r>
+            <a:r>
+              <a:rPr lang="en-US" dirty="0" smtClean="0"/>
+              <a:t> </a:t>
+            </a:r>
+            <a:r>
+              <a:rPr lang="en-US" dirty="0" err="1" smtClean="0"/>
+              <a:t>thể</a:t>
+            </a:r>
+            <a:r>
+              <a:rPr lang="en-US" dirty="0" smtClean="0"/>
+              <a:t> dung </a:t>
+            </a:r>
+            <a:r>
+              <a:rPr lang="en-US" dirty="0" err="1" smtClean="0"/>
+              <a:t>softmax</a:t>
+            </a:r>
+            <a:r>
+              <a:rPr lang="en-US" dirty="0" smtClean="0"/>
+              <a:t> </a:t>
+            </a:r>
+            <a:r>
+              <a:rPr lang="en-US" dirty="0" err="1" smtClean="0"/>
+              <a:t>để</a:t>
+            </a:r>
+            <a:r>
+              <a:rPr lang="en-US" dirty="0" smtClean="0"/>
+              <a:t> </a:t>
+            </a:r>
+            <a:r>
+              <a:rPr lang="en-US" dirty="0" err="1" smtClean="0"/>
+              <a:t>tính</a:t>
+            </a:r>
+            <a:r>
+              <a:rPr lang="en-US" dirty="0" smtClean="0"/>
+              <a:t> </a:t>
+            </a:r>
+            <a:r>
+              <a:rPr lang="en-US" dirty="0" err="1" smtClean="0"/>
+              <a:t>xác</a:t>
+            </a:r>
+            <a:r>
+              <a:rPr lang="en-US" dirty="0" smtClean="0"/>
+              <a:t> </a:t>
+            </a:r>
+            <a:r>
+              <a:rPr lang="en-US" dirty="0" err="1" smtClean="0"/>
+              <a:t>suất</a:t>
+            </a:r>
+            <a:r>
+              <a:rPr lang="en-US" dirty="0" smtClean="0"/>
+              <a:t> </a:t>
+            </a:r>
+            <a:r>
+              <a:rPr lang="en-US" dirty="0" err="1" smtClean="0"/>
+              <a:t>này</a:t>
+            </a:r>
+            <a:r>
+              <a:rPr lang="en-US" dirty="0" smtClean="0"/>
+              <a:t> </a:t>
+            </a:r>
+            <a:r>
+              <a:rPr lang="en-US" dirty="0" err="1" smtClean="0"/>
+              <a:t>và</a:t>
+            </a:r>
+            <a:r>
+              <a:rPr lang="en-US" dirty="0" smtClean="0"/>
+              <a:t> dung cross entropy loss </a:t>
+            </a:r>
+            <a:r>
+              <a:rPr lang="en-US" dirty="0" err="1" smtClean="0"/>
+              <a:t>để</a:t>
+            </a:r>
+            <a:r>
+              <a:rPr lang="en-US" dirty="0" smtClean="0"/>
+              <a:t> </a:t>
+            </a:r>
+            <a:r>
+              <a:rPr lang="en-US" dirty="0" err="1" smtClean="0"/>
+              <a:t>huấn</a:t>
+            </a:r>
+            <a:r>
+              <a:rPr lang="en-US" dirty="0" smtClean="0"/>
+              <a:t> </a:t>
+            </a:r>
+            <a:r>
+              <a:rPr lang="en-US" dirty="0" err="1" smtClean="0"/>
+              <a:t>luyện</a:t>
+            </a:r>
+            <a:r>
+              <a:rPr lang="en-US" dirty="0" smtClean="0"/>
+              <a:t> </a:t>
+            </a:r>
+            <a:r>
+              <a:rPr lang="en-US" dirty="0" err="1" smtClean="0"/>
+              <a:t>mô</a:t>
+            </a:r>
+            <a:r>
+              <a:rPr lang="en-US" dirty="0" smtClean="0"/>
+              <a:t> </a:t>
+            </a:r>
+            <a:r>
+              <a:rPr lang="en-US" dirty="0" err="1" smtClean="0"/>
+              <a:t>hình</a:t>
+            </a:r>
+            <a:endParaRPr lang="en-US" dirty="0" smtClean="0"/>
+          </a:p>
+          <a:p>
+            <a:r>
+              <a:rPr lang="en-US" dirty="0" smtClean="0"/>
+              <a:t>Ta </a:t>
+            </a:r>
+            <a:r>
+              <a:rPr lang="en-US" dirty="0" err="1" smtClean="0"/>
+              <a:t>cần</a:t>
+            </a:r>
+            <a:r>
+              <a:rPr lang="en-US" dirty="0" smtClean="0"/>
+              <a:t> </a:t>
+            </a:r>
+            <a:r>
+              <a:rPr lang="en-US" dirty="0" err="1" smtClean="0"/>
+              <a:t>phải</a:t>
+            </a:r>
+            <a:r>
+              <a:rPr lang="en-US" dirty="0" smtClean="0"/>
+              <a:t> </a:t>
+            </a:r>
+            <a:r>
+              <a:rPr lang="en-US" dirty="0" err="1" smtClean="0"/>
+              <a:t>che</a:t>
+            </a:r>
+            <a:r>
+              <a:rPr lang="en-US" dirty="0" smtClean="0"/>
+              <a:t> (mask) </a:t>
+            </a:r>
+            <a:r>
+              <a:rPr lang="en-US" dirty="0" err="1" smtClean="0"/>
+              <a:t>những</a:t>
+            </a:r>
+            <a:r>
+              <a:rPr lang="en-US" dirty="0" smtClean="0"/>
+              <a:t> </a:t>
+            </a:r>
+            <a:r>
+              <a:rPr lang="en-US" dirty="0" err="1" smtClean="0"/>
+              <a:t>phần</a:t>
+            </a:r>
+            <a:r>
+              <a:rPr lang="en-US" dirty="0" smtClean="0"/>
+              <a:t> </a:t>
+            </a:r>
+            <a:r>
+              <a:rPr lang="en-US" dirty="0" err="1" smtClean="0"/>
+              <a:t>không</a:t>
+            </a:r>
+            <a:r>
+              <a:rPr lang="en-US" dirty="0" smtClean="0"/>
+              <a:t> </a:t>
+            </a:r>
+            <a:r>
+              <a:rPr lang="en-US" dirty="0" err="1" smtClean="0"/>
+              <a:t>liên</a:t>
+            </a:r>
+            <a:r>
+              <a:rPr lang="en-US" dirty="0" smtClean="0"/>
+              <a:t> </a:t>
+            </a:r>
+            <a:r>
+              <a:rPr lang="en-US" dirty="0" err="1" smtClean="0"/>
+              <a:t>quan</a:t>
+            </a:r>
+            <a:r>
+              <a:rPr lang="en-US" dirty="0" smtClean="0"/>
+              <a:t> </a:t>
+            </a:r>
+            <a:r>
+              <a:rPr lang="en-US" dirty="0" err="1" smtClean="0"/>
+              <a:t>trong</a:t>
+            </a:r>
+            <a:r>
+              <a:rPr lang="en-US" dirty="0" smtClean="0"/>
+              <a:t> </a:t>
+            </a:r>
+            <a:r>
+              <a:rPr lang="en-US" dirty="0" err="1" smtClean="0"/>
+              <a:t>quá</a:t>
+            </a:r>
+            <a:r>
+              <a:rPr lang="en-US" dirty="0" smtClean="0"/>
+              <a:t> </a:t>
+            </a:r>
+            <a:r>
+              <a:rPr lang="en-US" dirty="0" err="1" smtClean="0"/>
+              <a:t>trình</a:t>
+            </a:r>
+            <a:r>
+              <a:rPr lang="en-US" dirty="0" smtClean="0"/>
+              <a:t> </a:t>
+            </a:r>
+            <a:r>
+              <a:rPr lang="en-US" dirty="0" err="1" smtClean="0"/>
+              <a:t>tính</a:t>
+            </a:r>
+            <a:r>
+              <a:rPr lang="en-US" dirty="0" smtClean="0"/>
+              <a:t> loss</a:t>
+            </a:r>
+            <a:endParaRPr lang="en-US" dirty="0"/>
+          </a:p>
+        </p:txBody>
+      </p:sp>
+    </p:spTree>
+    <p:extLst>
+      <p:ext uri="{BB962C8B-B14F-4D97-AF65-F5344CB8AC3E}">
+        <p14:creationId xmlns:p14="http://schemas.microsoft.com/office/powerpoint/2010/main" val="2324716332"/>
+      </p:ext>
+    </p:extLst>
+  </p:cSld>
+  <p:clrMapOvr>
+    <a:masterClrMapping/>
+  </p:clrMapOvr>
+</p:sld>
+</file>
+
+<file path=ppt/slides/slide17.xml><?xml version="1.0" encoding="utf-8"?>
+<p:sld xmlns:a="http://schemas.openxmlformats.org/drawingml/2006/main" xmlns:r="http://schemas.openxmlformats.org/officeDocument/2006/relationships" xmlns:p="http://schemas.openxmlformats.org/presentationml/2006/main">
+  <p:cSld>
+    <p:spTree>
+      <p:nvGrpSpPr>
+        <p:cNvPr id="1" name=""/>
+        <p:cNvGrpSpPr/>
+        <p:nvPr/>
+      </p:nvGrpSpPr>
+      <p:grpSpPr>
+        <a:xfrm>
+          <a:off x="0" y="0"/>
+          <a:ext cx="0" cy="0"/>
+          <a:chOff x="0" y="0"/>
+          <a:chExt cx="0" cy="0"/>
+        </a:xfrm>
+      </p:grpSpPr>
+      <p:sp>
+        <p:nvSpPr>
+          <p:cNvPr id="2" name="Title 1"/>
+          <p:cNvSpPr>
+            <a:spLocks noGrp="1"/>
+          </p:cNvSpPr>
+          <p:nvPr>
+            <p:ph type="title"/>
+          </p:nvPr>
+        </p:nvSpPr>
+        <p:spPr/>
+        <p:txBody>
+          <a:bodyPr/>
+          <a:lstStyle/>
+          <a:p>
+            <a:r>
+              <a:rPr lang="en-US" dirty="0" err="1"/>
+              <a:t>Cách</a:t>
+            </a:r>
+            <a:r>
+              <a:rPr lang="en-US" dirty="0"/>
+              <a:t> </a:t>
+            </a:r>
+            <a:r>
+              <a:rPr lang="en-US" dirty="0" err="1"/>
+              <a:t>tính</a:t>
+            </a:r>
+            <a:r>
+              <a:rPr lang="en-US" dirty="0"/>
+              <a:t> loss </a:t>
+            </a:r>
+            <a:r>
+              <a:rPr lang="en-US" dirty="0" err="1"/>
+              <a:t>tại</a:t>
+            </a:r>
+            <a:r>
+              <a:rPr lang="en-US" dirty="0"/>
+              <a:t> </a:t>
+            </a:r>
+            <a:r>
+              <a:rPr lang="en-US" dirty="0" err="1"/>
+              <a:t>từng</a:t>
+            </a:r>
+            <a:r>
+              <a:rPr lang="en-US" dirty="0"/>
+              <a:t> </a:t>
+            </a:r>
+            <a:r>
+              <a:rPr lang="en-US" dirty="0" err="1"/>
+              <a:t>thời</a:t>
+            </a:r>
+            <a:r>
+              <a:rPr lang="en-US" dirty="0"/>
+              <a:t> </a:t>
+            </a:r>
+            <a:r>
+              <a:rPr lang="en-US" dirty="0" err="1"/>
+              <a:t>điểm</a:t>
+            </a:r>
+            <a:endParaRPr lang="en-US" dirty="0"/>
+          </a:p>
+        </p:txBody>
+      </p:sp>
+      <p:pic>
+        <p:nvPicPr>
+          <p:cNvPr id="3074" name="Picture 2" descr="https://lena-voita.github.io/resources/lectures/seq2seq/general/one_step_loss_intuition-min.png"/>
+          <p:cNvPicPr>
+            <a:picLocks noChangeAspect="1" noChangeArrowheads="1"/>
+          </p:cNvPicPr>
+          <p:nvPr/>
+        </p:nvPicPr>
+        <p:blipFill>
+          <a:blip r:embed="rId2" cstate="print">
+            <a:extLst>
+              <a:ext uri="{28A0092B-C50C-407E-A947-70E740481C1C}">
+                <a14:useLocalDpi xmlns:a14="http://schemas.microsoft.com/office/drawing/2010/main" val="0"/>
+              </a:ext>
+            </a:extLst>
+          </a:blip>
+          <a:srcRect/>
+          <a:stretch>
+            <a:fillRect/>
+          </a:stretch>
+        </p:blipFill>
+        <p:spPr bwMode="auto">
+          <a:xfrm>
+            <a:off x="1471133" y="1481181"/>
+            <a:ext cx="7654925" cy="3086057"/>
+          </a:xfrm>
+          <a:prstGeom prst="rect">
+            <a:avLst/>
+          </a:prstGeom>
+          <a:noFill/>
+          <a:extLst>
+            <a:ext uri="{909E8E84-426E-40DD-AFC4-6F175D3DCCD1}">
+              <a14:hiddenFill xmlns:a14="http://schemas.microsoft.com/office/drawing/2010/main">
+                <a:solidFill>
+                  <a:srgbClr val="FFFFFF"/>
+                </a:solidFill>
+              </a14:hiddenFill>
+            </a:ext>
+          </a:extLst>
+        </p:spPr>
+      </p:pic>
+    </p:spTree>
+    <p:extLst>
+      <p:ext uri="{BB962C8B-B14F-4D97-AF65-F5344CB8AC3E}">
+        <p14:creationId xmlns:p14="http://schemas.microsoft.com/office/powerpoint/2010/main" val="1153419694"/>
+      </p:ext>
+    </p:extLst>
+  </p:cSld>
+  <p:clrMapOvr>
+    <a:masterClrMapping/>
+  </p:clrMapOvr>
+  <p:timing>
+    <p:tnLst>
+      <p:par>
+        <p:cTn id="1" dur="indefinite" restart="never" nodeType="tmRoot"/>
+      </p:par>
+    </p:tnLst>
+  </p:timing>
+</p:sld>
+</file>
+
+<file path=ppt/slides/slide18.xml><?xml version="1.0" encoding="utf-8"?>
+<p:sld xmlns:a="http://schemas.openxmlformats.org/drawingml/2006/main" xmlns:r="http://schemas.openxmlformats.org/officeDocument/2006/relationships" xmlns:p="http://schemas.openxmlformats.org/presentationml/2006/main">
+  <p:cSld>
+    <p:spTree>
+      <p:nvGrpSpPr>
+        <p:cNvPr id="1" name=""/>
+        <p:cNvGrpSpPr/>
+        <p:nvPr/>
+      </p:nvGrpSpPr>
+      <p:grpSpPr>
+        <a:xfrm>
+          <a:off x="0" y="0"/>
+          <a:ext cx="0" cy="0"/>
+          <a:chOff x="0" y="0"/>
+          <a:chExt cx="0" cy="0"/>
+        </a:xfrm>
+      </p:grpSpPr>
+      <p:sp>
+        <p:nvSpPr>
+          <p:cNvPr id="2" name="Title 1"/>
+          <p:cNvSpPr>
+            <a:spLocks noGrp="1"/>
+          </p:cNvSpPr>
+          <p:nvPr>
+            <p:ph type="title"/>
+          </p:nvPr>
+        </p:nvSpPr>
+        <p:spPr/>
+        <p:txBody>
+          <a:bodyPr/>
+          <a:lstStyle/>
+          <a:p>
+            <a:r>
+              <a:rPr lang="en-US" dirty="0" err="1" smtClean="0"/>
+              <a:t>Cách</a:t>
+            </a:r>
+            <a:r>
+              <a:rPr lang="en-US" dirty="0" smtClean="0"/>
+              <a:t> </a:t>
+            </a:r>
+            <a:r>
+              <a:rPr lang="en-US" dirty="0" err="1" smtClean="0"/>
+              <a:t>tính</a:t>
+            </a:r>
+            <a:r>
+              <a:rPr lang="en-US" dirty="0" smtClean="0"/>
+              <a:t> loss </a:t>
+            </a:r>
+            <a:r>
+              <a:rPr lang="en-US" dirty="0" err="1" smtClean="0"/>
+              <a:t>tại</a:t>
+            </a:r>
+            <a:r>
+              <a:rPr lang="en-US" dirty="0" smtClean="0"/>
+              <a:t> </a:t>
+            </a:r>
+            <a:r>
+              <a:rPr lang="en-US" dirty="0" err="1" smtClean="0"/>
+              <a:t>từng</a:t>
+            </a:r>
+            <a:r>
+              <a:rPr lang="en-US" dirty="0" smtClean="0"/>
+              <a:t> </a:t>
+            </a:r>
+            <a:r>
+              <a:rPr lang="en-US" dirty="0" err="1" smtClean="0"/>
+              <a:t>thời</a:t>
+            </a:r>
+            <a:r>
+              <a:rPr lang="en-US" dirty="0" smtClean="0"/>
+              <a:t> </a:t>
+            </a:r>
+            <a:r>
+              <a:rPr lang="en-US" dirty="0" err="1" smtClean="0"/>
+              <a:t>điểm</a:t>
+            </a:r>
+            <a:endParaRPr lang="en-US" dirty="0"/>
+          </a:p>
+        </p:txBody>
+      </p:sp>
+      <p:pic>
+        <p:nvPicPr>
+          <p:cNvPr id="4" name="Picture 3"/>
+          <p:cNvPicPr>
+            <a:picLocks noChangeAspect="1"/>
+          </p:cNvPicPr>
+          <p:nvPr/>
+        </p:nvPicPr>
+        <p:blipFill>
+          <a:blip r:embed="rId2" cstate="print">
+            <a:extLst>
+              <a:ext uri="{28A0092B-C50C-407E-A947-70E740481C1C}">
+                <a14:useLocalDpi xmlns:a14="http://schemas.microsoft.com/office/drawing/2010/main" val="0"/>
+              </a:ext>
+            </a:extLst>
+          </a:blip>
+          <a:stretch>
+            <a:fillRect/>
+          </a:stretch>
+        </p:blipFill>
+        <p:spPr>
+          <a:xfrm>
+            <a:off x="2518144" y="2155797"/>
+            <a:ext cx="7155712" cy="3427964"/>
+          </a:xfrm>
+          <a:prstGeom prst="rect">
+            <a:avLst/>
+          </a:prstGeom>
+        </p:spPr>
+      </p:pic>
+    </p:spTree>
+    <p:extLst>
+      <p:ext uri="{BB962C8B-B14F-4D97-AF65-F5344CB8AC3E}">
+        <p14:creationId xmlns:p14="http://schemas.microsoft.com/office/powerpoint/2010/main" val="2961102076"/>
+      </p:ext>
+    </p:extLst>
+  </p:cSld>
+  <p:clrMapOvr>
+    <a:masterClrMapping/>
+  </p:clrMapOvr>
+  <p:timing>
+    <p:tnLst>
+      <p:par>
+        <p:cTn id="1" dur="indefinite" restart="never" nodeType="tmRoot"/>
+      </p:par>
+    </p:tnLst>
+  </p:timing>
+</p:sld>
+</file>
+
+<file path=ppt/slides/slide19.xml><?xml version="1.0" encoding="utf-8"?>
+<p:sld xmlns:a="http://schemas.openxmlformats.org/drawingml/2006/main" xmlns:r="http://schemas.openxmlformats.org/officeDocument/2006/relationships" xmlns:p="http://schemas.openxmlformats.org/presentationml/2006/main">
+  <p:cSld>
+    <p:spTree>
+      <p:nvGrpSpPr>
+        <p:cNvPr id="1" name=""/>
+        <p:cNvGrpSpPr/>
+        <p:nvPr/>
+      </p:nvGrpSpPr>
+      <p:grpSpPr>
+        <a:xfrm>
+          <a:off x="0" y="0"/>
+          <a:ext cx="0" cy="0"/>
+          <a:chOff x="0" y="0"/>
+          <a:chExt cx="0" cy="0"/>
+        </a:xfrm>
+      </p:grpSpPr>
+      <p:sp>
+        <p:nvSpPr>
+          <p:cNvPr id="2" name="Title 1"/>
+          <p:cNvSpPr>
+            <a:spLocks noGrp="1"/>
+          </p:cNvSpPr>
+          <p:nvPr>
+            <p:ph type="title"/>
+          </p:nvPr>
+        </p:nvSpPr>
+        <p:spPr/>
+        <p:txBody>
+          <a:bodyPr/>
+          <a:lstStyle/>
+          <a:p>
+            <a:r>
+              <a:rPr lang="en-US" dirty="0" err="1" smtClean="0"/>
+              <a:t>Huấn</a:t>
+            </a:r>
+            <a:r>
+              <a:rPr lang="en-US" dirty="0" smtClean="0"/>
+              <a:t> </a:t>
+            </a:r>
+            <a:r>
+              <a:rPr lang="en-US" dirty="0" err="1" smtClean="0"/>
+              <a:t>luyện</a:t>
+            </a:r>
+            <a:r>
+              <a:rPr lang="en-US" dirty="0" smtClean="0"/>
+              <a:t> </a:t>
+            </a:r>
+            <a:r>
+              <a:rPr lang="en-US" dirty="0" err="1" smtClean="0"/>
+              <a:t>mô</a:t>
+            </a:r>
+            <a:r>
+              <a:rPr lang="en-US" dirty="0" smtClean="0"/>
+              <a:t> </a:t>
+            </a:r>
+            <a:r>
+              <a:rPr lang="en-US" dirty="0" err="1" smtClean="0"/>
+              <a:t>hình</a:t>
+            </a:r>
+            <a:r>
+              <a:rPr lang="en-US" dirty="0" smtClean="0"/>
+              <a:t> seq2seq</a:t>
+            </a:r>
+            <a:endParaRPr lang="en-US" dirty="0"/>
+          </a:p>
+        </p:txBody>
+      </p:sp>
+      <p:pic>
+        <p:nvPicPr>
+          <p:cNvPr id="3074" name="Picture 2" descr="https://lena-voita.github.io/resources/lectures/seq2seq/general/one_step_loss_intuition-min.png"/>
+          <p:cNvPicPr>
+            <a:picLocks noChangeAspect="1" noChangeArrowheads="1"/>
+          </p:cNvPicPr>
+          <p:nvPr/>
+        </p:nvPicPr>
+        <p:blipFill>
+          <a:blip r:embed="rId4" cstate="print">
+            <a:extLst>
+              <a:ext uri="{28A0092B-C50C-407E-A947-70E740481C1C}">
+                <a14:useLocalDpi xmlns:a14="http://schemas.microsoft.com/office/drawing/2010/main" val="0"/>
+              </a:ext>
+            </a:extLst>
+          </a:blip>
+          <a:srcRect/>
+          <a:stretch>
+            <a:fillRect/>
+          </a:stretch>
+        </p:blipFill>
+        <p:spPr bwMode="auto">
+          <a:xfrm>
+            <a:off x="1471133" y="1481181"/>
+            <a:ext cx="7654925" cy="3086057"/>
+          </a:xfrm>
+          <a:prstGeom prst="rect">
+            <a:avLst/>
+          </a:prstGeom>
+          <a:noFill/>
+          <a:extLst>
+            <a:ext uri="{909E8E84-426E-40DD-AFC4-6F175D3DCCD1}">
+              <a14:hiddenFill xmlns:a14="http://schemas.microsoft.com/office/drawing/2010/main">
+                <a:solidFill>
+                  <a:srgbClr val="FFFFFF"/>
+                </a:solidFill>
+              </a14:hiddenFill>
+            </a:ext>
+          </a:extLst>
+        </p:spPr>
+      </p:pic>
+      <p:pic>
+        <p:nvPicPr>
+          <p:cNvPr id="3" name="seq2seq_training_with_target">
+            <a:hlinkClick r:id="" action="ppaction://media"/>
+          </p:cNvPr>
+          <p:cNvPicPr>
+            <a:picLocks noChangeAspect="1"/>
+          </p:cNvPicPr>
+          <p:nvPr>
+            <a:videoFile r:link="rId2"/>
+            <p:extLst>
+              <p:ext uri="{DAA4B4D4-6D71-4841-9C94-3DE7FCFB9230}">
+                <p14:media xmlns:p14="http://schemas.microsoft.com/office/powerpoint/2010/main" r:embed="rId1"/>
+              </p:ext>
+            </p:extLst>
+          </p:nvPr>
+        </p:nvPicPr>
+        <p:blipFill>
+          <a:blip r:embed="rId5"/>
+          <a:stretch>
+            <a:fillRect/>
+          </a:stretch>
+        </p:blipFill>
+        <p:spPr>
+          <a:xfrm>
+            <a:off x="4316819" y="2148682"/>
+            <a:ext cx="7036981" cy="3925072"/>
+          </a:xfrm>
+          <a:prstGeom prst="rect">
+            <a:avLst/>
+          </a:prstGeom>
+        </p:spPr>
+      </p:pic>
+    </p:spTree>
+    <p:extLst>
+      <p:ext uri="{BB962C8B-B14F-4D97-AF65-F5344CB8AC3E}">
+        <p14:creationId xmlns:p14="http://schemas.microsoft.com/office/powerpoint/2010/main" val="1746315927"/>
+      </p:ext>
+    </p:extLst>
+  </p:cSld>
+  <p:clrMapOvr>
+    <a:masterClrMapping/>
+  </p:clrMapOvr>
+  <p:timing>
+    <p:tnLst>
+      <p:par>
+        <p:cTn id="1" dur="indefinite" restart="never" nodeType="tmRoot">
+          <p:childTnLst>
+            <p:seq concurrent="1" nextAc="seek">
+              <p:cTn id="2" restart="whenNotActive" fill="hold" evtFilter="cancelBubble" nodeType="interactiveSeq">
+                <p:stCondLst>
+                  <p:cond evt="onClick" delay="0">
+                    <p:tgtEl>
+                      <p:spTgt spid="3"/>
+                    </p:tgtEl>
+                  </p:cond>
+                </p:stCondLst>
+                <p:endSync evt="end" delay="0">
+                  <p:rtn val="all"/>
+                </p:endSync>
+                <p:childTnLst>
+                  <p:par>
+                    <p:cTn id="3" fill="hold">
+                      <p:stCondLst>
+                        <p:cond delay="0"/>
+                      </p:stCondLst>
+                      <p:childTnLst>
+                        <p:par>
+                          <p:cTn id="4" fill="hold">
+                            <p:stCondLst>
+                              <p:cond delay="0"/>
+                            </p:stCondLst>
+                            <p:childTnLst>
+                              <p:par>
+                                <p:cTn id="5" presetID="2" presetClass="mediacall" presetSubtype="0" fill="hold" nodeType="clickEffect">
+                                  <p:stCondLst>
+                                    <p:cond delay="0"/>
+                                  </p:stCondLst>
+                                  <p:childTnLst>
+                                    <p:cmd type="call" cmd="togglePause">
+                                      <p:cBhvr>
+                                        <p:cTn id="6" dur="1" fill="hold"/>
+                                        <p:tgtEl>
+                                          <p:spTgt spid="3"/>
+                                        </p:tgtEl>
+                                      </p:cBhvr>
+                                    </p:cmd>
+                                  </p:childTnLst>
+                                </p:cTn>
+                              </p:par>
+                            </p:childTnLst>
+                          </p:cTn>
+                        </p:par>
+                      </p:childTnLst>
+                    </p:cTn>
+                  </p:par>
+                </p:childTnLst>
+              </p:cTn>
+              <p:nextCondLst>
+                <p:cond evt="onClick" delay="0">
+                  <p:tgtEl>
+                    <p:spTgt spid="3"/>
+                  </p:tgtEl>
+                </p:cond>
+              </p:nextCondLst>
+            </p:seq>
+            <p:video>
+              <p:cMediaNode vol="80000">
+                <p:cTn id="7" fill="hold" display="0">
+                  <p:stCondLst>
+                    <p:cond delay="indefinite"/>
+                  </p:stCondLst>
+                </p:cTn>
+                <p:tgtEl>
+                  <p:spTgt spid="3"/>
+                </p:tgtEl>
+              </p:cMediaNode>
+            </p:video>
+          </p:childTnLst>
+        </p:cTn>
+      </p:par>
+    </p:tnLst>
+  </p:timing>
+</p:sld>
+</file>
+
+<file path=ppt/slides/slide2.xml><?xml version="1.0" encoding="utf-8"?>
+<p:sld xmlns:a="http://schemas.openxmlformats.org/drawingml/2006/main" xmlns:r="http://schemas.openxmlformats.org/officeDocument/2006/relationships" xmlns:p="http://schemas.openxmlformats.org/presentationml/2006/main">
+  <p:cSld>
+    <p:spTree>
+      <p:nvGrpSpPr>
+        <p:cNvPr id="1" name=""/>
+        <p:cNvGrpSpPr/>
+        <p:nvPr/>
+      </p:nvGrpSpPr>
+      <p:grpSpPr>
+        <a:xfrm>
+          <a:off x="0" y="0"/>
+          <a:ext cx="0" cy="0"/>
+          <a:chOff x="0" y="0"/>
+          <a:chExt cx="0" cy="0"/>
+        </a:xfrm>
+      </p:grpSpPr>
+      <p:sp>
+        <p:nvSpPr>
+          <p:cNvPr id="2" name="Title 1"/>
+          <p:cNvSpPr>
+            <a:spLocks noGrp="1"/>
+          </p:cNvSpPr>
+          <p:nvPr>
+            <p:ph type="title"/>
+          </p:nvPr>
+        </p:nvSpPr>
+        <p:spPr/>
+        <p:txBody>
+          <a:bodyPr/>
+          <a:lstStyle/>
+          <a:p>
+            <a:r>
+              <a:rPr lang="en-US" dirty="0" err="1" smtClean="0"/>
+              <a:t>Các</a:t>
+            </a:r>
+            <a:r>
+              <a:rPr lang="en-US" dirty="0" smtClean="0"/>
+              <a:t> </a:t>
+            </a:r>
+            <a:r>
+              <a:rPr lang="en-US" dirty="0" err="1" smtClean="0"/>
+              <a:t>vấn</a:t>
+            </a:r>
+            <a:r>
+              <a:rPr lang="en-US" dirty="0" smtClean="0"/>
+              <a:t> </a:t>
+            </a:r>
+            <a:r>
+              <a:rPr lang="en-US" dirty="0" err="1" smtClean="0"/>
+              <a:t>đề</a:t>
+            </a:r>
+            <a:r>
+              <a:rPr lang="en-US" dirty="0" smtClean="0"/>
+              <a:t> </a:t>
+            </a:r>
+            <a:r>
+              <a:rPr lang="en-US" dirty="0" err="1" smtClean="0"/>
+              <a:t>với</a:t>
+            </a:r>
+            <a:r>
+              <a:rPr lang="en-US" dirty="0" smtClean="0"/>
+              <a:t> RNN</a:t>
+            </a:r>
+            <a:endParaRPr lang="en-US" dirty="0"/>
+          </a:p>
+        </p:txBody>
+      </p:sp>
+      <p:sp>
+        <p:nvSpPr>
+          <p:cNvPr id="3" name="Content Placeholder 2"/>
+          <p:cNvSpPr>
+            <a:spLocks noGrp="1"/>
+          </p:cNvSpPr>
+          <p:nvPr>
+            <p:ph idx="1"/>
+          </p:nvPr>
+        </p:nvSpPr>
+        <p:spPr/>
+        <p:txBody>
+          <a:bodyPr/>
+          <a:lstStyle/>
+          <a:p>
+            <a:r>
+              <a:rPr lang="en-US" dirty="0" err="1" smtClean="0"/>
+              <a:t>Có</a:t>
+            </a:r>
+            <a:r>
+              <a:rPr lang="en-US" dirty="0" smtClean="0"/>
+              <a:t> </a:t>
+            </a:r>
+            <a:r>
+              <a:rPr lang="en-US" dirty="0" err="1" smtClean="0"/>
+              <a:t>những</a:t>
+            </a:r>
+            <a:r>
+              <a:rPr lang="en-US" dirty="0" smtClean="0"/>
+              <a:t> </a:t>
+            </a:r>
+            <a:r>
+              <a:rPr lang="en-US" dirty="0" err="1" smtClean="0"/>
+              <a:t>chuỗi</a:t>
+            </a:r>
+            <a:r>
+              <a:rPr lang="en-US" dirty="0" smtClean="0"/>
+              <a:t> </a:t>
+            </a:r>
+            <a:r>
+              <a:rPr lang="en-US" dirty="0" err="1" smtClean="0"/>
+              <a:t>mà</a:t>
+            </a:r>
+            <a:r>
+              <a:rPr lang="en-US" dirty="0" smtClean="0"/>
+              <a:t> </a:t>
+            </a:r>
+            <a:r>
+              <a:rPr lang="en-US" dirty="0" err="1" smtClean="0"/>
+              <a:t>phần</a:t>
+            </a:r>
+            <a:r>
+              <a:rPr lang="en-US" dirty="0" smtClean="0"/>
+              <a:t> </a:t>
+            </a:r>
+            <a:r>
+              <a:rPr lang="en-US" dirty="0" err="1" smtClean="0"/>
+              <a:t>đầu</a:t>
+            </a:r>
+            <a:r>
+              <a:rPr lang="en-US" dirty="0" smtClean="0"/>
+              <a:t> </a:t>
+            </a:r>
+            <a:r>
+              <a:rPr lang="en-US" dirty="0" err="1" smtClean="0"/>
+              <a:t>ảnh</a:t>
+            </a:r>
+            <a:r>
+              <a:rPr lang="en-US" dirty="0" smtClean="0"/>
+              <a:t> </a:t>
+            </a:r>
+            <a:r>
+              <a:rPr lang="en-US" dirty="0" err="1" smtClean="0"/>
+              <a:t>hưởng</a:t>
+            </a:r>
+            <a:r>
+              <a:rPr lang="en-US" dirty="0" smtClean="0"/>
+              <a:t> </a:t>
+            </a:r>
+            <a:r>
+              <a:rPr lang="en-US" dirty="0" err="1" smtClean="0"/>
+              <a:t>đến</a:t>
+            </a:r>
+            <a:r>
+              <a:rPr lang="en-US" dirty="0" smtClean="0"/>
+              <a:t> </a:t>
+            </a:r>
+            <a:r>
+              <a:rPr lang="en-US" dirty="0" err="1" smtClean="0"/>
+              <a:t>dự</a:t>
+            </a:r>
+            <a:r>
+              <a:rPr lang="en-US" dirty="0" smtClean="0"/>
+              <a:t> </a:t>
+            </a:r>
+            <a:r>
+              <a:rPr lang="en-US" dirty="0" err="1" smtClean="0"/>
+              <a:t>đoán</a:t>
+            </a:r>
+            <a:r>
+              <a:rPr lang="en-US" dirty="0" smtClean="0"/>
+              <a:t> </a:t>
+            </a:r>
+            <a:r>
+              <a:rPr lang="en-US" dirty="0" err="1" smtClean="0"/>
+              <a:t>cả</a:t>
+            </a:r>
+            <a:r>
+              <a:rPr lang="en-US" dirty="0" smtClean="0"/>
+              <a:t> </a:t>
+            </a:r>
+            <a:r>
+              <a:rPr lang="en-US" dirty="0" err="1" smtClean="0"/>
+              <a:t>chuỗi</a:t>
+            </a:r>
+            <a:r>
+              <a:rPr lang="en-US" dirty="0" smtClean="0"/>
+              <a:t>, </a:t>
+            </a:r>
+            <a:r>
+              <a:rPr lang="en-US" dirty="0" err="1" smtClean="0"/>
+              <a:t>dẫn</a:t>
+            </a:r>
+            <a:r>
+              <a:rPr lang="en-US" dirty="0" smtClean="0"/>
+              <a:t> </a:t>
+            </a:r>
+            <a:r>
+              <a:rPr lang="en-US" dirty="0" err="1" smtClean="0"/>
+              <a:t>đến</a:t>
+            </a:r>
+            <a:r>
+              <a:rPr lang="en-US" dirty="0" smtClean="0"/>
+              <a:t> ý </a:t>
+            </a:r>
+            <a:r>
+              <a:rPr lang="en-US" dirty="0" err="1" smtClean="0"/>
+              <a:t>tưởng</a:t>
+            </a:r>
+            <a:r>
+              <a:rPr lang="en-US" dirty="0" smtClean="0"/>
+              <a:t> </a:t>
+            </a:r>
+            <a:r>
+              <a:rPr lang="en-US" dirty="0" err="1" smtClean="0"/>
+              <a:t>một</a:t>
+            </a:r>
+            <a:r>
+              <a:rPr lang="en-US" dirty="0" smtClean="0"/>
+              <a:t> memory cell </a:t>
+            </a:r>
+            <a:r>
+              <a:rPr lang="en-US" dirty="0" err="1" smtClean="0"/>
+              <a:t>được</a:t>
+            </a:r>
+            <a:r>
+              <a:rPr lang="en-US" dirty="0" smtClean="0"/>
+              <a:t> </a:t>
+            </a:r>
+            <a:r>
+              <a:rPr lang="en-US" dirty="0" err="1" smtClean="0"/>
+              <a:t>áp</a:t>
+            </a:r>
+            <a:r>
+              <a:rPr lang="en-US" dirty="0" smtClean="0"/>
+              <a:t> </a:t>
+            </a:r>
+            <a:r>
+              <a:rPr lang="en-US" dirty="0" err="1" smtClean="0"/>
+              <a:t>dụng</a:t>
+            </a:r>
+            <a:r>
+              <a:rPr lang="en-US" dirty="0" smtClean="0"/>
+              <a:t> </a:t>
+            </a:r>
+            <a:r>
+              <a:rPr lang="en-US" dirty="0" err="1" smtClean="0"/>
+              <a:t>để</a:t>
+            </a:r>
+            <a:r>
+              <a:rPr lang="en-US" dirty="0" smtClean="0"/>
+              <a:t> </a:t>
+            </a:r>
+            <a:r>
+              <a:rPr lang="en-US" dirty="0" err="1" smtClean="0"/>
+              <a:t>ghi</a:t>
+            </a:r>
+            <a:r>
+              <a:rPr lang="en-US" dirty="0" smtClean="0"/>
+              <a:t> </a:t>
+            </a:r>
+            <a:r>
+              <a:rPr lang="en-US" dirty="0" err="1" smtClean="0"/>
+              <a:t>nhớ</a:t>
+            </a:r>
+            <a:r>
+              <a:rPr lang="en-US" dirty="0" smtClean="0"/>
+              <a:t> </a:t>
+            </a:r>
+            <a:r>
+              <a:rPr lang="en-US" dirty="0" err="1" smtClean="0"/>
+              <a:t>những</a:t>
+            </a:r>
+            <a:r>
+              <a:rPr lang="en-US" dirty="0" smtClean="0"/>
+              <a:t> </a:t>
+            </a:r>
+            <a:r>
+              <a:rPr lang="en-US" dirty="0" err="1" smtClean="0"/>
+              <a:t>phần</a:t>
+            </a:r>
+            <a:r>
+              <a:rPr lang="en-US" dirty="0" smtClean="0"/>
+              <a:t> </a:t>
+            </a:r>
+            <a:r>
+              <a:rPr lang="en-US" dirty="0" err="1" smtClean="0"/>
+              <a:t>tử</a:t>
+            </a:r>
+            <a:r>
+              <a:rPr lang="en-US" dirty="0" smtClean="0"/>
+              <a:t> </a:t>
+            </a:r>
+            <a:r>
+              <a:rPr lang="en-US" dirty="0" err="1" smtClean="0"/>
+              <a:t>xảy</a:t>
+            </a:r>
+            <a:r>
+              <a:rPr lang="en-US" dirty="0" smtClean="0"/>
+              <a:t> </a:t>
+            </a:r>
+            <a:r>
+              <a:rPr lang="en-US" dirty="0" err="1" smtClean="0"/>
+              <a:t>ra</a:t>
+            </a:r>
+            <a:r>
+              <a:rPr lang="en-US" dirty="0" smtClean="0"/>
+              <a:t> </a:t>
+            </a:r>
+            <a:r>
+              <a:rPr lang="en-US" dirty="0" err="1" smtClean="0"/>
+              <a:t>từ</a:t>
+            </a:r>
+            <a:r>
+              <a:rPr lang="en-US" dirty="0" smtClean="0"/>
+              <a:t> </a:t>
+            </a:r>
+            <a:r>
+              <a:rPr lang="en-US" dirty="0" err="1" smtClean="0"/>
+              <a:t>lâu</a:t>
+            </a:r>
+            <a:r>
+              <a:rPr lang="en-US" dirty="0" smtClean="0"/>
+              <a:t>.</a:t>
+            </a:r>
+          </a:p>
+          <a:p>
+            <a:r>
+              <a:rPr lang="en-US" dirty="0" err="1" smtClean="0"/>
+              <a:t>Có</a:t>
+            </a:r>
+            <a:r>
+              <a:rPr lang="en-US" dirty="0" smtClean="0"/>
+              <a:t> </a:t>
+            </a:r>
+            <a:r>
+              <a:rPr lang="en-US" dirty="0" err="1" smtClean="0"/>
+              <a:t>những</a:t>
+            </a:r>
+            <a:r>
+              <a:rPr lang="en-US" dirty="0" smtClean="0"/>
+              <a:t> </a:t>
+            </a:r>
+            <a:r>
+              <a:rPr lang="en-US" dirty="0" err="1" smtClean="0"/>
+              <a:t>phần</a:t>
+            </a:r>
+            <a:r>
+              <a:rPr lang="en-US" dirty="0" smtClean="0"/>
+              <a:t> </a:t>
+            </a:r>
+            <a:r>
+              <a:rPr lang="en-US" dirty="0" err="1" smtClean="0"/>
+              <a:t>tử</a:t>
+            </a:r>
+            <a:r>
+              <a:rPr lang="en-US" dirty="0" smtClean="0"/>
+              <a:t> </a:t>
+            </a:r>
+            <a:r>
+              <a:rPr lang="en-US" dirty="0" err="1" smtClean="0"/>
+              <a:t>không</a:t>
+            </a:r>
+            <a:r>
+              <a:rPr lang="en-US" dirty="0" smtClean="0"/>
+              <a:t> </a:t>
+            </a:r>
+            <a:r>
+              <a:rPr lang="en-US" dirty="0" err="1" smtClean="0"/>
+              <a:t>quan</a:t>
+            </a:r>
+            <a:r>
+              <a:rPr lang="en-US" dirty="0" smtClean="0"/>
+              <a:t> </a:t>
+            </a:r>
+            <a:r>
+              <a:rPr lang="en-US" dirty="0" err="1" smtClean="0"/>
+              <a:t>trọng</a:t>
+            </a:r>
+            <a:r>
+              <a:rPr lang="en-US" dirty="0" smtClean="0"/>
+              <a:t> </a:t>
+            </a:r>
+            <a:r>
+              <a:rPr lang="en-US" dirty="0" err="1" smtClean="0"/>
+              <a:t>trong</a:t>
+            </a:r>
+            <a:r>
+              <a:rPr lang="en-US" dirty="0" smtClean="0"/>
+              <a:t> </a:t>
+            </a:r>
+            <a:r>
+              <a:rPr lang="en-US" dirty="0" err="1" smtClean="0"/>
+              <a:t>dự</a:t>
+            </a:r>
+            <a:r>
+              <a:rPr lang="en-US" dirty="0" smtClean="0"/>
+              <a:t> </a:t>
+            </a:r>
+            <a:r>
+              <a:rPr lang="en-US" dirty="0" err="1" smtClean="0"/>
+              <a:t>đoán</a:t>
+            </a:r>
+            <a:r>
+              <a:rPr lang="en-US" dirty="0" smtClean="0"/>
+              <a:t> </a:t>
+            </a:r>
+            <a:r>
+              <a:rPr lang="en-US" dirty="0" err="1" smtClean="0"/>
+              <a:t>chuỗi</a:t>
+            </a:r>
+            <a:r>
+              <a:rPr lang="en-US" dirty="0" smtClean="0"/>
+              <a:t>, </a:t>
+            </a:r>
+            <a:r>
+              <a:rPr lang="en-US" dirty="0" err="1" smtClean="0"/>
+              <a:t>và</a:t>
+            </a:r>
+            <a:r>
+              <a:rPr lang="en-US" dirty="0" smtClean="0"/>
+              <a:t> </a:t>
+            </a:r>
+            <a:r>
+              <a:rPr lang="en-US" dirty="0" err="1" smtClean="0"/>
+              <a:t>cần</a:t>
+            </a:r>
+            <a:r>
+              <a:rPr lang="en-US" dirty="0" smtClean="0"/>
+              <a:t> </a:t>
+            </a:r>
+            <a:r>
+              <a:rPr lang="en-US" dirty="0" err="1" smtClean="0"/>
+              <a:t>phải</a:t>
+            </a:r>
+            <a:r>
+              <a:rPr lang="en-US" dirty="0" smtClean="0"/>
+              <a:t> </a:t>
+            </a:r>
+            <a:r>
+              <a:rPr lang="en-US" dirty="0" err="1" smtClean="0"/>
+              <a:t>bỏ</a:t>
+            </a:r>
+            <a:r>
+              <a:rPr lang="en-US" dirty="0" smtClean="0"/>
+              <a:t> qua </a:t>
+            </a:r>
+            <a:r>
+              <a:rPr lang="en-US" dirty="0" err="1" smtClean="0"/>
+              <a:t>những</a:t>
+            </a:r>
+            <a:r>
+              <a:rPr lang="en-US" dirty="0" smtClean="0"/>
+              <a:t> </a:t>
+            </a:r>
+            <a:r>
+              <a:rPr lang="en-US" dirty="0" err="1" smtClean="0"/>
+              <a:t>phần</a:t>
+            </a:r>
+            <a:r>
+              <a:rPr lang="en-US" dirty="0" smtClean="0"/>
+              <a:t> </a:t>
+            </a:r>
+            <a:r>
+              <a:rPr lang="en-US" dirty="0" err="1" smtClean="0"/>
+              <a:t>này</a:t>
+            </a:r>
+            <a:r>
+              <a:rPr lang="en-US" dirty="0" smtClean="0"/>
+              <a:t>.</a:t>
+            </a:r>
+          </a:p>
+          <a:p>
+            <a:r>
+              <a:rPr lang="en-US" dirty="0" err="1" smtClean="0"/>
+              <a:t>Khi</a:t>
+            </a:r>
+            <a:r>
+              <a:rPr lang="en-US" dirty="0" smtClean="0"/>
+              <a:t> </a:t>
+            </a:r>
+            <a:r>
+              <a:rPr lang="en-US" dirty="0" err="1" smtClean="0"/>
+              <a:t>chuỗi</a:t>
+            </a:r>
+            <a:r>
+              <a:rPr lang="en-US" dirty="0" smtClean="0"/>
+              <a:t> </a:t>
+            </a:r>
+            <a:r>
+              <a:rPr lang="en-US" dirty="0" err="1" smtClean="0"/>
+              <a:t>chuyển</a:t>
+            </a:r>
+            <a:r>
+              <a:rPr lang="en-US" dirty="0" smtClean="0"/>
+              <a:t> </a:t>
+            </a:r>
+            <a:r>
+              <a:rPr lang="en-US" dirty="0" err="1" smtClean="0"/>
+              <a:t>xu</a:t>
+            </a:r>
+            <a:r>
+              <a:rPr lang="en-US" dirty="0" smtClean="0"/>
+              <a:t> </a:t>
+            </a:r>
+            <a:r>
+              <a:rPr lang="en-US" dirty="0" err="1" smtClean="0"/>
+              <a:t>hướng</a:t>
+            </a:r>
+            <a:r>
+              <a:rPr lang="en-US" dirty="0" smtClean="0"/>
+              <a:t>, </a:t>
+            </a:r>
+            <a:r>
+              <a:rPr lang="en-US" dirty="0" err="1" smtClean="0"/>
+              <a:t>ví</a:t>
+            </a:r>
+            <a:r>
+              <a:rPr lang="en-US" dirty="0" smtClean="0"/>
+              <a:t> </a:t>
+            </a:r>
+            <a:r>
+              <a:rPr lang="en-US" dirty="0" err="1" smtClean="0"/>
+              <a:t>dụ</a:t>
+            </a:r>
+            <a:r>
+              <a:rPr lang="en-US" dirty="0" smtClean="0"/>
+              <a:t> </a:t>
+            </a:r>
+            <a:r>
+              <a:rPr lang="en-US" dirty="0" err="1" smtClean="0"/>
+              <a:t>như</a:t>
+            </a:r>
+            <a:r>
+              <a:rPr lang="en-US" dirty="0" smtClean="0"/>
+              <a:t> </a:t>
+            </a:r>
+            <a:r>
+              <a:rPr lang="en-US" dirty="0" err="1" smtClean="0"/>
+              <a:t>thị</a:t>
+            </a:r>
+            <a:r>
+              <a:rPr lang="en-US" dirty="0" smtClean="0"/>
+              <a:t> </a:t>
+            </a:r>
+            <a:r>
+              <a:rPr lang="en-US" dirty="0" err="1" smtClean="0"/>
+              <a:t>trường</a:t>
+            </a:r>
+            <a:r>
+              <a:rPr lang="en-US" dirty="0" smtClean="0"/>
+              <a:t> </a:t>
+            </a:r>
+            <a:r>
+              <a:rPr lang="en-US" dirty="0" err="1" smtClean="0"/>
+              <a:t>bò</a:t>
+            </a:r>
+            <a:r>
+              <a:rPr lang="en-US" dirty="0" smtClean="0"/>
+              <a:t> </a:t>
+            </a:r>
+            <a:r>
+              <a:rPr lang="en-US" dirty="0" err="1" smtClean="0"/>
+              <a:t>tót</a:t>
+            </a:r>
+            <a:r>
+              <a:rPr lang="en-US" dirty="0" smtClean="0"/>
+              <a:t> </a:t>
+            </a:r>
+            <a:r>
+              <a:rPr lang="en-US" dirty="0" err="1" smtClean="0"/>
+              <a:t>chuyển</a:t>
+            </a:r>
+            <a:r>
+              <a:rPr lang="en-US" dirty="0" smtClean="0"/>
+              <a:t> sang </a:t>
+            </a:r>
+            <a:r>
+              <a:rPr lang="en-US" dirty="0" err="1" smtClean="0"/>
+              <a:t>thị</a:t>
+            </a:r>
+            <a:r>
+              <a:rPr lang="en-US" dirty="0" smtClean="0"/>
+              <a:t> </a:t>
+            </a:r>
+            <a:r>
+              <a:rPr lang="en-US" dirty="0" err="1" smtClean="0"/>
+              <a:t>trường</a:t>
+            </a:r>
+            <a:r>
+              <a:rPr lang="en-US" dirty="0" smtClean="0"/>
+              <a:t> </a:t>
+            </a:r>
+            <a:r>
+              <a:rPr lang="en-US" dirty="0" err="1" smtClean="0"/>
+              <a:t>gấu</a:t>
+            </a:r>
+            <a:r>
+              <a:rPr lang="en-US" dirty="0" smtClean="0"/>
+              <a:t>, </a:t>
+            </a:r>
+            <a:r>
+              <a:rPr lang="en-US" dirty="0" err="1" smtClean="0"/>
+              <a:t>thì</a:t>
+            </a:r>
+            <a:r>
+              <a:rPr lang="en-US" dirty="0" smtClean="0"/>
+              <a:t> </a:t>
+            </a:r>
+            <a:r>
+              <a:rPr lang="en-US" dirty="0" err="1" smtClean="0"/>
+              <a:t>cần</a:t>
+            </a:r>
+            <a:r>
+              <a:rPr lang="en-US" dirty="0" smtClean="0"/>
+              <a:t> </a:t>
+            </a:r>
+            <a:r>
+              <a:rPr lang="en-US" dirty="0" err="1" smtClean="0"/>
+              <a:t>một</a:t>
+            </a:r>
+            <a:r>
+              <a:rPr lang="en-US" dirty="0" smtClean="0"/>
+              <a:t> </a:t>
+            </a:r>
+            <a:r>
+              <a:rPr lang="en-US" dirty="0" err="1" smtClean="0"/>
+              <a:t>dấu</a:t>
+            </a:r>
+            <a:r>
+              <a:rPr lang="en-US" dirty="0" smtClean="0"/>
+              <a:t> </a:t>
+            </a:r>
+            <a:r>
+              <a:rPr lang="en-US" dirty="0" err="1" smtClean="0"/>
+              <a:t>hiệu</a:t>
+            </a:r>
+            <a:r>
+              <a:rPr lang="en-US" dirty="0" smtClean="0"/>
+              <a:t> </a:t>
+            </a:r>
+            <a:r>
+              <a:rPr lang="en-US" dirty="0" err="1" smtClean="0"/>
+              <a:t>để</a:t>
+            </a:r>
+            <a:r>
+              <a:rPr lang="en-US" dirty="0" smtClean="0"/>
+              <a:t> reset </a:t>
+            </a:r>
+            <a:r>
+              <a:rPr lang="en-US" dirty="0" err="1" smtClean="0"/>
+              <a:t>trạng</a:t>
+            </a:r>
+            <a:r>
+              <a:rPr lang="en-US" dirty="0" smtClean="0"/>
+              <a:t> </a:t>
+            </a:r>
+            <a:r>
+              <a:rPr lang="en-US" dirty="0" err="1" smtClean="0"/>
+              <a:t>thái</a:t>
+            </a:r>
+            <a:r>
+              <a:rPr lang="en-US" dirty="0" smtClean="0"/>
+              <a:t> </a:t>
+            </a:r>
+            <a:r>
+              <a:rPr lang="en-US" dirty="0" err="1" smtClean="0"/>
+              <a:t>của</a:t>
+            </a:r>
+            <a:r>
+              <a:rPr lang="en-US" dirty="0" smtClean="0"/>
+              <a:t> </a:t>
+            </a:r>
+            <a:r>
+              <a:rPr lang="en-US" dirty="0" err="1" smtClean="0"/>
+              <a:t>mô</a:t>
+            </a:r>
+            <a:r>
+              <a:rPr lang="en-US" dirty="0" smtClean="0"/>
+              <a:t> </a:t>
+            </a:r>
+            <a:r>
+              <a:rPr lang="en-US" dirty="0" err="1" smtClean="0"/>
+              <a:t>hình</a:t>
+            </a:r>
+            <a:endParaRPr lang="en-US" dirty="0"/>
+          </a:p>
+        </p:txBody>
+      </p:sp>
+    </p:spTree>
+    <p:extLst>
+      <p:ext uri="{BB962C8B-B14F-4D97-AF65-F5344CB8AC3E}">
+        <p14:creationId xmlns:p14="http://schemas.microsoft.com/office/powerpoint/2010/main" val="3478736274"/>
+      </p:ext>
+    </p:extLst>
+  </p:cSld>
+  <p:clrMapOvr>
+    <a:masterClrMapping/>
+  </p:clrMapOvr>
+</p:sld>
+</file>
+
+<file path=ppt/slides/slide20.xml><?xml version="1.0" encoding="utf-8"?>
+<p:sld xmlns:a="http://schemas.openxmlformats.org/drawingml/2006/main" xmlns:r="http://schemas.openxmlformats.org/officeDocument/2006/relationships" xmlns:p="http://schemas.openxmlformats.org/presentationml/2006/main">
+  <p:cSld>
+    <p:spTree>
+      <p:nvGrpSpPr>
+        <p:cNvPr id="1" name=""/>
+        <p:cNvGrpSpPr/>
+        <p:nvPr/>
+      </p:nvGrpSpPr>
+      <p:grpSpPr>
+        <a:xfrm>
+          <a:off x="0" y="0"/>
+          <a:ext cx="0" cy="0"/>
+          <a:chOff x="0" y="0"/>
+          <a:chExt cx="0" cy="0"/>
+        </a:xfrm>
+      </p:grpSpPr>
+      <p:sp>
+        <p:nvSpPr>
+          <p:cNvPr id="2" name="Title 1"/>
+          <p:cNvSpPr>
+            <a:spLocks noGrp="1"/>
+          </p:cNvSpPr>
+          <p:nvPr>
+            <p:ph type="title"/>
+          </p:nvPr>
+        </p:nvSpPr>
+        <p:spPr/>
+        <p:txBody>
+          <a:bodyPr/>
+          <a:lstStyle/>
+          <a:p>
+            <a:r>
+              <a:rPr lang="en-US" dirty="0" err="1" smtClean="0"/>
+              <a:t>Sử</a:t>
+            </a:r>
+            <a:r>
+              <a:rPr lang="en-US" dirty="0" smtClean="0"/>
+              <a:t> </a:t>
+            </a:r>
+            <a:r>
+              <a:rPr lang="en-US" dirty="0" err="1" smtClean="0"/>
+              <a:t>dụng</a:t>
+            </a:r>
+            <a:r>
+              <a:rPr lang="en-US" dirty="0" smtClean="0"/>
+              <a:t> </a:t>
+            </a:r>
+            <a:r>
+              <a:rPr lang="en-US" dirty="0" err="1" smtClean="0"/>
+              <a:t>mô</a:t>
+            </a:r>
+            <a:r>
+              <a:rPr lang="en-US" dirty="0" smtClean="0"/>
+              <a:t> </a:t>
+            </a:r>
+            <a:r>
+              <a:rPr lang="en-US" dirty="0" err="1" smtClean="0"/>
+              <a:t>hình</a:t>
+            </a:r>
+            <a:r>
+              <a:rPr lang="en-US" dirty="0" smtClean="0"/>
+              <a:t> seq2seq</a:t>
+            </a:r>
+            <a:endParaRPr lang="en-US" dirty="0"/>
+          </a:p>
+        </p:txBody>
+      </p:sp>
+      <mc:AlternateContent xmlns:mc="http://schemas.openxmlformats.org/markup-compatibility/2006" xmlns:a14="http://schemas.microsoft.com/office/drawing/2010/main">
+        <mc:Choice Requires="a14">
+          <p:sp>
+            <p:nvSpPr>
+              <p:cNvPr id="3" name="Content Placeholder 2"/>
+              <p:cNvSpPr>
+                <a:spLocks noGrp="1"/>
+              </p:cNvSpPr>
+              <p:nvPr>
+                <p:ph idx="1"/>
+              </p:nvPr>
+            </p:nvSpPr>
+            <p:spPr/>
+            <p:txBody>
+              <a:bodyPr/>
+              <a:lstStyle/>
+              <a:p>
+                <a:r>
+                  <a:rPr lang="en-US" dirty="0" smtClean="0"/>
+                  <a:t>Mô </a:t>
+                </a:r>
+                <a:r>
+                  <a:rPr lang="en-US" dirty="0" err="1" smtClean="0"/>
+                  <a:t>hình</a:t>
+                </a:r>
+                <a:r>
+                  <a:rPr lang="en-US" dirty="0" smtClean="0"/>
+                  <a:t> </a:t>
+                </a:r>
+                <a:r>
+                  <a:rPr lang="en-US" dirty="0" err="1" smtClean="0"/>
+                  <a:t>toán</a:t>
+                </a:r>
+                <a:r>
+                  <a:rPr lang="en-US" dirty="0" smtClean="0"/>
+                  <a:t> </a:t>
+                </a:r>
+                <a:r>
+                  <a:rPr lang="en-US" dirty="0" err="1" smtClean="0"/>
+                  <a:t>để</a:t>
+                </a:r>
+                <a:r>
+                  <a:rPr lang="en-US" dirty="0" smtClean="0"/>
+                  <a:t> </a:t>
+                </a:r>
+                <a:r>
+                  <a:rPr lang="en-US" dirty="0" err="1" smtClean="0"/>
+                  <a:t>thực</a:t>
+                </a:r>
+                <a:r>
+                  <a:rPr lang="en-US" dirty="0" smtClean="0"/>
+                  <a:t> </a:t>
+                </a:r>
+                <a:r>
+                  <a:rPr lang="en-US" dirty="0" err="1" smtClean="0"/>
+                  <a:t>hiện</a:t>
+                </a:r>
+                <a:r>
+                  <a:rPr lang="en-US" dirty="0" smtClean="0"/>
+                  <a:t> </a:t>
+                </a:r>
+                <a:r>
+                  <a:rPr lang="en-US" dirty="0" err="1" smtClean="0"/>
+                  <a:t>dự</a:t>
+                </a:r>
+                <a:r>
+                  <a:rPr lang="en-US" dirty="0" smtClean="0"/>
+                  <a:t> </a:t>
+                </a:r>
+                <a:r>
+                  <a:rPr lang="en-US" dirty="0" err="1" smtClean="0"/>
+                  <a:t>đoán</a:t>
+                </a:r>
+                <a:r>
+                  <a:rPr lang="en-US" dirty="0" smtClean="0"/>
+                  <a:t> (inference):</a:t>
+                </a:r>
+              </a:p>
+              <a:p>
+                <a:endParaRPr lang="en-US" dirty="0"/>
+              </a:p>
+              <a:p>
+                <a:endParaRPr lang="en-US" dirty="0" smtClean="0"/>
+              </a:p>
+              <a:p>
+                <a:r>
+                  <a:rPr lang="en-US" dirty="0" err="1" smtClean="0"/>
+                  <a:t>Đáp</a:t>
+                </a:r>
+                <a:r>
+                  <a:rPr lang="en-US" dirty="0" smtClean="0"/>
+                  <a:t> </a:t>
+                </a:r>
+                <a:r>
+                  <a:rPr lang="en-US" dirty="0" err="1" smtClean="0"/>
+                  <a:t>án</a:t>
+                </a:r>
+                <a:r>
+                  <a:rPr lang="en-US" dirty="0" smtClean="0"/>
+                  <a:t> </a:t>
+                </a:r>
+                <a:r>
+                  <a:rPr lang="en-US" dirty="0" err="1" smtClean="0"/>
+                  <a:t>cuối</a:t>
+                </a:r>
+                <a:r>
+                  <a:rPr lang="en-US" dirty="0" smtClean="0"/>
+                  <a:t> </a:t>
+                </a:r>
+                <a:r>
+                  <a:rPr lang="en-US" dirty="0" err="1" smtClean="0"/>
+                  <a:t>cùng</a:t>
+                </a:r>
+                <a:r>
+                  <a:rPr lang="en-US" dirty="0" smtClean="0"/>
+                  <a:t> </a:t>
+                </a:r>
+                <a:r>
+                  <a:rPr lang="en-US" dirty="0" err="1" smtClean="0"/>
+                  <a:t>chỉ</a:t>
+                </a:r>
+                <a:r>
+                  <a:rPr lang="en-US" dirty="0" smtClean="0"/>
+                  <a:t> </a:t>
+                </a:r>
+                <a:r>
+                  <a:rPr lang="en-US" dirty="0" err="1" smtClean="0"/>
+                  <a:t>có</a:t>
+                </a:r>
+                <a:r>
+                  <a:rPr lang="en-US" dirty="0" smtClean="0"/>
+                  <a:t> 1 </a:t>
+                </a:r>
+                <a:r>
+                  <a:rPr lang="en-US" dirty="0" err="1" smtClean="0"/>
+                  <a:t>chuỗi</a:t>
+                </a:r>
+                <a:r>
+                  <a:rPr lang="en-US" dirty="0" smtClean="0"/>
+                  <a:t>, </a:t>
+                </a:r>
+                <a:r>
+                  <a:rPr lang="en-US" dirty="0" err="1" smtClean="0"/>
+                  <a:t>nhưng</a:t>
+                </a:r>
+                <a:r>
+                  <a:rPr lang="en-US" dirty="0" smtClean="0"/>
+                  <a:t> ta </a:t>
+                </a:r>
+                <a:r>
+                  <a:rPr lang="en-US" dirty="0" err="1" smtClean="0"/>
+                  <a:t>có</a:t>
+                </a:r>
+                <a:r>
+                  <a:rPr lang="en-US" dirty="0" smtClean="0"/>
+                  <a:t> </a:t>
+                </a:r>
+                <a14:m>
+                  <m:oMath xmlns:m="http://schemas.openxmlformats.org/officeDocument/2006/math">
+                    <m:sSup>
+                      <m:sSupPr>
+                        <m:ctrlPr>
+                          <a:rPr lang="en-US" i="1" smtClean="0">
+                            <a:latin typeface="Cambria Math" panose="02040503050406030204" pitchFamily="18" charset="0"/>
+                          </a:rPr>
+                        </m:ctrlPr>
+                      </m:sSupPr>
+                      <m:e>
+                        <m:r>
+                          <a:rPr lang="en-US" b="0" i="1" smtClean="0">
+                            <a:latin typeface="Cambria Math" panose="02040503050406030204" pitchFamily="18" charset="0"/>
+                          </a:rPr>
+                          <m:t>𝑉</m:t>
+                        </m:r>
+                      </m:e>
+                      <m:sup>
+                        <m:r>
+                          <a:rPr lang="en-US" b="0" i="1" smtClean="0">
+                            <a:latin typeface="Cambria Math" panose="02040503050406030204" pitchFamily="18" charset="0"/>
+                          </a:rPr>
+                          <m:t>𝑛</m:t>
+                        </m:r>
+                      </m:sup>
+                    </m:sSup>
+                  </m:oMath>
+                </a14:m>
+                <a:r>
+                  <a:rPr lang="en-US" dirty="0" smtClean="0"/>
+                  <a:t> </a:t>
+                </a:r>
+                <a:r>
+                  <a:rPr lang="en-US" dirty="0" err="1" smtClean="0"/>
+                  <a:t>chuỗi</a:t>
+                </a:r>
+                <a:r>
+                  <a:rPr lang="en-US" dirty="0" smtClean="0"/>
+                  <a:t> </a:t>
+                </a:r>
+                <a:r>
+                  <a:rPr lang="en-US" dirty="0" err="1" smtClean="0"/>
+                  <a:t>được</a:t>
+                </a:r>
+                <a:r>
+                  <a:rPr lang="en-US" dirty="0" smtClean="0"/>
+                  <a:t> </a:t>
+                </a:r>
+                <a:r>
+                  <a:rPr lang="en-US" dirty="0" err="1" smtClean="0"/>
+                  <a:t>đề</a:t>
+                </a:r>
+                <a:r>
+                  <a:rPr lang="en-US" dirty="0" smtClean="0"/>
+                  <a:t> </a:t>
+                </a:r>
+                <a:r>
+                  <a:rPr lang="en-US" dirty="0" err="1" smtClean="0"/>
+                  <a:t>nghị</a:t>
+                </a:r>
+                <a:endParaRPr lang="en-US" dirty="0" smtClean="0"/>
+              </a:p>
+              <a:p>
+                <a:r>
+                  <a:rPr lang="en-US" dirty="0" err="1" smtClean="0"/>
+                  <a:t>Những</a:t>
+                </a:r>
+                <a:r>
+                  <a:rPr lang="en-US" dirty="0" smtClean="0"/>
+                  <a:t> </a:t>
+                </a:r>
+                <a:r>
+                  <a:rPr lang="en-US" dirty="0" err="1" smtClean="0"/>
+                  <a:t>thuật</a:t>
+                </a:r>
+                <a:r>
+                  <a:rPr lang="en-US" dirty="0" smtClean="0"/>
+                  <a:t> </a:t>
+                </a:r>
+                <a:r>
+                  <a:rPr lang="en-US" dirty="0" err="1" smtClean="0"/>
+                  <a:t>toán</a:t>
+                </a:r>
+                <a:r>
+                  <a:rPr lang="en-US" dirty="0" smtClean="0"/>
+                  <a:t> </a:t>
+                </a:r>
+                <a:r>
+                  <a:rPr lang="en-US" dirty="0" err="1" smtClean="0"/>
+                  <a:t>thường</a:t>
+                </a:r>
+                <a:r>
+                  <a:rPr lang="en-US" dirty="0" smtClean="0"/>
+                  <a:t> </a:t>
+                </a:r>
+                <a:r>
+                  <a:rPr lang="en-US" dirty="0" err="1" smtClean="0"/>
+                  <a:t>được</a:t>
+                </a:r>
+                <a:r>
+                  <a:rPr lang="en-US" dirty="0" smtClean="0"/>
+                  <a:t> </a:t>
+                </a:r>
+                <a:r>
+                  <a:rPr lang="en-US" dirty="0" err="1" smtClean="0"/>
+                  <a:t>sử</a:t>
+                </a:r>
+                <a:r>
+                  <a:rPr lang="en-US" dirty="0" smtClean="0"/>
+                  <a:t> </a:t>
+                </a:r>
+                <a:r>
+                  <a:rPr lang="en-US" dirty="0" err="1" smtClean="0"/>
+                  <a:t>dụng</a:t>
+                </a:r>
+                <a:r>
+                  <a:rPr lang="en-US" dirty="0" smtClean="0"/>
+                  <a:t> </a:t>
+                </a:r>
+                <a:r>
+                  <a:rPr lang="en-US" dirty="0" err="1" smtClean="0"/>
+                  <a:t>để</a:t>
+                </a:r>
+                <a:r>
+                  <a:rPr lang="en-US" dirty="0" smtClean="0"/>
+                  <a:t> </a:t>
+                </a:r>
+                <a:r>
+                  <a:rPr lang="en-US" dirty="0" err="1" smtClean="0"/>
+                  <a:t>chọn</a:t>
+                </a:r>
+                <a:r>
+                  <a:rPr lang="en-US" dirty="0" smtClean="0"/>
+                  <a:t> </a:t>
+                </a:r>
+                <a:r>
+                  <a:rPr lang="en-US" dirty="0" err="1" smtClean="0"/>
+                  <a:t>ra</a:t>
+                </a:r>
+                <a:r>
+                  <a:rPr lang="en-US" dirty="0" smtClean="0"/>
+                  <a:t> </a:t>
+                </a:r>
+                <a:r>
+                  <a:rPr lang="en-US" dirty="0" err="1" smtClean="0"/>
+                  <a:t>chuỗi</a:t>
+                </a:r>
+                <a:r>
+                  <a:rPr lang="en-US" dirty="0" smtClean="0"/>
+                  <a:t> </a:t>
+                </a:r>
+                <a:r>
+                  <a:rPr lang="en-US" dirty="0" err="1" smtClean="0"/>
+                  <a:t>dự</a:t>
+                </a:r>
+                <a:r>
+                  <a:rPr lang="en-US" dirty="0" smtClean="0"/>
+                  <a:t> </a:t>
+                </a:r>
+                <a:r>
+                  <a:rPr lang="en-US" dirty="0" err="1" smtClean="0"/>
+                  <a:t>đoán</a:t>
+                </a:r>
+                <a:r>
+                  <a:rPr lang="en-US" dirty="0" smtClean="0"/>
+                  <a:t>:</a:t>
+                </a:r>
+              </a:p>
+              <a:p>
+                <a:pPr lvl="1"/>
+                <a:r>
+                  <a:rPr lang="en-US" dirty="0" smtClean="0"/>
+                  <a:t>Greedy search</a:t>
+                </a:r>
+              </a:p>
+              <a:p>
+                <a:pPr lvl="1"/>
+                <a:r>
+                  <a:rPr lang="en-US" dirty="0" smtClean="0"/>
+                  <a:t>Beam search </a:t>
+                </a:r>
+                <a:endParaRPr lang="en-US" dirty="0"/>
+              </a:p>
+            </p:txBody>
+          </p:sp>
+        </mc:Choice>
+        <mc:Fallback xmlns="">
+          <p:sp>
+            <p:nvSpPr>
+              <p:cNvPr id="3" name="Content Placeholder 2"/>
+              <p:cNvSpPr>
+                <a:spLocks noGrp="1" noRot="1" noChangeAspect="1" noMove="1" noResize="1" noEditPoints="1" noAdjustHandles="1" noChangeArrowheads="1" noChangeShapeType="1" noTextEdit="1"/>
+              </p:cNvSpPr>
+              <p:nvPr>
+                <p:ph idx="1"/>
+              </p:nvPr>
+            </p:nvSpPr>
+            <p:spPr>
+              <a:blipFill>
+                <a:blip r:embed="rId2"/>
+                <a:stretch>
+                  <a:fillRect l="-1043" t="-2241"/>
+                </a:stretch>
+              </a:blipFill>
+            </p:spPr>
+            <p:txBody>
+              <a:bodyPr/>
+              <a:lstStyle/>
+              <a:p>
+                <a:r>
+                  <a:rPr lang="en-US">
+                    <a:noFill/>
+                  </a:rPr>
+                  <a:t> </a:t>
+                </a:r>
+              </a:p>
+            </p:txBody>
+          </p:sp>
+        </mc:Fallback>
+      </mc:AlternateContent>
+      <p:pic>
+        <p:nvPicPr>
+          <p:cNvPr id="1026" name="Picture 2" descr="https://lena-voita.github.io/resources/lectures/seq2seq/general/inference_formula-min.png"/>
+          <p:cNvPicPr>
+            <a:picLocks noChangeAspect="1" noChangeArrowheads="1"/>
+          </p:cNvPicPr>
+          <p:nvPr/>
+        </p:nvPicPr>
+        <p:blipFill rotWithShape="1">
+          <a:blip r:embed="rId3" cstate="print">
+            <a:extLst>
+              <a:ext uri="{28A0092B-C50C-407E-A947-70E740481C1C}">
+                <a14:useLocalDpi xmlns:a14="http://schemas.microsoft.com/office/drawing/2010/main" val="0"/>
+              </a:ext>
+            </a:extLst>
+          </a:blip>
+          <a:srcRect r="36716"/>
+          <a:stretch/>
+        </p:blipFill>
+        <p:spPr bwMode="auto">
+          <a:xfrm>
+            <a:off x="3961456" y="2275441"/>
+            <a:ext cx="4269088" cy="712962"/>
+          </a:xfrm>
+          <a:prstGeom prst="rect">
+            <a:avLst/>
+          </a:prstGeom>
+          <a:noFill/>
+          <a:extLst>
+            <a:ext uri="{909E8E84-426E-40DD-AFC4-6F175D3DCCD1}">
+              <a14:hiddenFill xmlns:a14="http://schemas.microsoft.com/office/drawing/2010/main">
+                <a:solidFill>
+                  <a:srgbClr val="FFFFFF"/>
+                </a:solidFill>
+              </a14:hiddenFill>
+            </a:ext>
+          </a:extLst>
+        </p:spPr>
+      </p:pic>
+    </p:spTree>
+    <p:extLst>
+      <p:ext uri="{BB962C8B-B14F-4D97-AF65-F5344CB8AC3E}">
+        <p14:creationId xmlns:p14="http://schemas.microsoft.com/office/powerpoint/2010/main" val="1722078465"/>
+      </p:ext>
+    </p:extLst>
+  </p:cSld>
+  <p:clrMapOvr>
+    <a:masterClrMapping/>
+  </p:clrMapOvr>
+</p:sld>
+</file>
+
+<file path=ppt/slides/slide21.xml><?xml version="1.0" encoding="utf-8"?>
+<p:sld xmlns:a="http://schemas.openxmlformats.org/drawingml/2006/main" xmlns:r="http://schemas.openxmlformats.org/officeDocument/2006/relationships" xmlns:p="http://schemas.openxmlformats.org/presentationml/2006/main">
+  <p:cSld>
+    <p:spTree>
+      <p:nvGrpSpPr>
+        <p:cNvPr id="1" name=""/>
+        <p:cNvGrpSpPr/>
+        <p:nvPr/>
+      </p:nvGrpSpPr>
+      <p:grpSpPr>
+        <a:xfrm>
+          <a:off x="0" y="0"/>
+          <a:ext cx="0" cy="0"/>
+          <a:chOff x="0" y="0"/>
+          <a:chExt cx="0" cy="0"/>
+        </a:xfrm>
+      </p:grpSpPr>
+      <p:sp>
+        <p:nvSpPr>
+          <p:cNvPr id="2" name="Title 1"/>
+          <p:cNvSpPr>
+            <a:spLocks noGrp="1"/>
+          </p:cNvSpPr>
+          <p:nvPr>
+            <p:ph type="title"/>
+          </p:nvPr>
+        </p:nvSpPr>
+        <p:spPr/>
+        <p:txBody>
+          <a:bodyPr/>
+          <a:lstStyle/>
+          <a:p>
+            <a:r>
+              <a:rPr lang="en-US" dirty="0" smtClean="0"/>
+              <a:t>Greedy search</a:t>
+            </a:r>
+            <a:endParaRPr lang="en-US" dirty="0"/>
+          </a:p>
+        </p:txBody>
+      </p:sp>
+      <p:sp>
+        <p:nvSpPr>
+          <p:cNvPr id="3" name="Content Placeholder 2"/>
+          <p:cNvSpPr>
+            <a:spLocks noGrp="1"/>
+          </p:cNvSpPr>
+          <p:nvPr>
+            <p:ph idx="1"/>
+          </p:nvPr>
+        </p:nvSpPr>
+        <p:spPr/>
+        <p:txBody>
+          <a:bodyPr/>
+          <a:lstStyle/>
+          <a:p>
+            <a:r>
+              <a:rPr lang="en-US" dirty="0" err="1" smtClean="0"/>
+              <a:t>Chọn</a:t>
+            </a:r>
+            <a:r>
+              <a:rPr lang="en-US" dirty="0" smtClean="0"/>
+              <a:t> </a:t>
+            </a:r>
+            <a:r>
+              <a:rPr lang="en-US" dirty="0" err="1" smtClean="0"/>
+              <a:t>phần</a:t>
+            </a:r>
+            <a:r>
+              <a:rPr lang="en-US" dirty="0" smtClean="0"/>
+              <a:t> </a:t>
+            </a:r>
+            <a:r>
+              <a:rPr lang="en-US" dirty="0" err="1" smtClean="0"/>
+              <a:t>tử</a:t>
+            </a:r>
+            <a:r>
+              <a:rPr lang="en-US" dirty="0" smtClean="0"/>
+              <a:t> </a:t>
+            </a:r>
+            <a:r>
+              <a:rPr lang="en-US" dirty="0" err="1" smtClean="0"/>
+              <a:t>có</a:t>
+            </a:r>
+            <a:r>
+              <a:rPr lang="en-US" dirty="0" smtClean="0"/>
+              <a:t> </a:t>
+            </a:r>
+            <a:r>
+              <a:rPr lang="en-US" dirty="0" err="1" smtClean="0"/>
+              <a:t>xác</a:t>
+            </a:r>
+            <a:r>
+              <a:rPr lang="en-US" dirty="0" smtClean="0"/>
+              <a:t> </a:t>
+            </a:r>
+            <a:r>
+              <a:rPr lang="en-US" dirty="0" err="1" smtClean="0"/>
+              <a:t>suất</a:t>
+            </a:r>
+            <a:r>
+              <a:rPr lang="en-US" dirty="0" smtClean="0"/>
+              <a:t> </a:t>
+            </a:r>
+            <a:r>
+              <a:rPr lang="en-US" dirty="0" err="1" smtClean="0"/>
+              <a:t>lớn</a:t>
+            </a:r>
+            <a:r>
+              <a:rPr lang="en-US" dirty="0" smtClean="0"/>
+              <a:t> </a:t>
+            </a:r>
+            <a:r>
+              <a:rPr lang="en-US" dirty="0" err="1" smtClean="0"/>
+              <a:t>nhất</a:t>
+            </a:r>
+            <a:r>
+              <a:rPr lang="en-US" dirty="0" smtClean="0"/>
+              <a:t> ở </a:t>
+            </a:r>
+            <a:r>
+              <a:rPr lang="en-US" dirty="0" err="1" smtClean="0"/>
+              <a:t>mỗi</a:t>
+            </a:r>
+            <a:r>
+              <a:rPr lang="en-US" dirty="0" smtClean="0"/>
+              <a:t> </a:t>
+            </a:r>
+            <a:r>
+              <a:rPr lang="en-US" dirty="0" err="1" smtClean="0"/>
+              <a:t>thời</a:t>
+            </a:r>
+            <a:r>
+              <a:rPr lang="en-US" dirty="0" smtClean="0"/>
+              <a:t> </a:t>
+            </a:r>
+            <a:r>
+              <a:rPr lang="en-US" dirty="0" err="1" smtClean="0"/>
+              <a:t>điểm</a:t>
+            </a:r>
+            <a:endParaRPr lang="en-US" dirty="0"/>
+          </a:p>
+        </p:txBody>
+      </p:sp>
+      <p:pic>
+        <p:nvPicPr>
+          <p:cNvPr id="4" name="Picture 3"/>
+          <p:cNvPicPr>
+            <a:picLocks noChangeAspect="1"/>
+          </p:cNvPicPr>
+          <p:nvPr/>
+        </p:nvPicPr>
+        <p:blipFill>
+          <a:blip r:embed="rId2"/>
+          <a:stretch>
+            <a:fillRect/>
+          </a:stretch>
+        </p:blipFill>
+        <p:spPr>
+          <a:xfrm>
+            <a:off x="4895850" y="2947973"/>
+            <a:ext cx="2400300" cy="1495425"/>
+          </a:xfrm>
+          <a:prstGeom prst="rect">
+            <a:avLst/>
+          </a:prstGeom>
+        </p:spPr>
+      </p:pic>
+    </p:spTree>
+    <p:extLst>
+      <p:ext uri="{BB962C8B-B14F-4D97-AF65-F5344CB8AC3E}">
+        <p14:creationId xmlns:p14="http://schemas.microsoft.com/office/powerpoint/2010/main" val="2999883456"/>
+      </p:ext>
+    </p:extLst>
+  </p:cSld>
+  <p:clrMapOvr>
+    <a:masterClrMapping/>
+  </p:clrMapOvr>
+  <p:timing>
+    <p:tnLst>
+      <p:par>
+        <p:cTn id="1" dur="indefinite" restart="never" nodeType="tmRoot"/>
+      </p:par>
+    </p:tnLst>
+  </p:timing>
+</p:sld>
+</file>
+
+<file path=ppt/slides/slide22.xml><?xml version="1.0" encoding="utf-8"?>
+<p:sld xmlns:a="http://schemas.openxmlformats.org/drawingml/2006/main" xmlns:r="http://schemas.openxmlformats.org/officeDocument/2006/relationships" xmlns:p="http://schemas.openxmlformats.org/presentationml/2006/main">
+  <p:cSld>
+    <p:spTree>
+      <p:nvGrpSpPr>
+        <p:cNvPr id="1" name=""/>
+        <p:cNvGrpSpPr/>
+        <p:nvPr/>
+      </p:nvGrpSpPr>
+      <p:grpSpPr>
+        <a:xfrm>
+          <a:off x="0" y="0"/>
+          <a:ext cx="0" cy="0"/>
+          <a:chOff x="0" y="0"/>
+          <a:chExt cx="0" cy="0"/>
+        </a:xfrm>
+      </p:grpSpPr>
+      <p:sp>
+        <p:nvSpPr>
+          <p:cNvPr id="2" name="Title 1"/>
+          <p:cNvSpPr>
+            <a:spLocks noGrp="1"/>
+          </p:cNvSpPr>
+          <p:nvPr>
+            <p:ph type="title"/>
+          </p:nvPr>
+        </p:nvSpPr>
+        <p:spPr/>
+        <p:txBody>
+          <a:bodyPr/>
+          <a:lstStyle/>
+          <a:p>
+            <a:r>
+              <a:rPr lang="en-US" dirty="0" smtClean="0"/>
+              <a:t>Beam search</a:t>
+            </a:r>
+            <a:endParaRPr lang="en-US" dirty="0"/>
+          </a:p>
+        </p:txBody>
+      </p:sp>
+      <p:sp>
+        <p:nvSpPr>
+          <p:cNvPr id="3" name="Content Placeholder 2"/>
+          <p:cNvSpPr>
+            <a:spLocks noGrp="1"/>
+          </p:cNvSpPr>
+          <p:nvPr>
+            <p:ph idx="1"/>
+          </p:nvPr>
+        </p:nvSpPr>
+        <p:spPr>
+          <a:xfrm>
+            <a:off x="838200" y="1825625"/>
+            <a:ext cx="10515600" cy="619863"/>
+          </a:xfrm>
+        </p:spPr>
+        <p:txBody>
+          <a:bodyPr/>
+          <a:lstStyle/>
+          <a:p>
+            <a:r>
+              <a:rPr lang="en-US" dirty="0" err="1" smtClean="0"/>
+              <a:t>Tại</a:t>
+            </a:r>
+            <a:r>
+              <a:rPr lang="en-US" dirty="0" smtClean="0"/>
+              <a:t> </a:t>
+            </a:r>
+            <a:r>
+              <a:rPr lang="en-US" dirty="0" err="1" smtClean="0"/>
+              <a:t>mỗi</a:t>
+            </a:r>
+            <a:r>
+              <a:rPr lang="en-US" dirty="0" smtClean="0"/>
+              <a:t> </a:t>
+            </a:r>
+            <a:r>
+              <a:rPr lang="en-US" dirty="0" err="1" smtClean="0"/>
+              <a:t>thời</a:t>
+            </a:r>
+            <a:r>
+              <a:rPr lang="en-US" dirty="0" smtClean="0"/>
+              <a:t> </a:t>
+            </a:r>
+            <a:r>
+              <a:rPr lang="en-US" dirty="0" err="1" smtClean="0"/>
+              <a:t>điểm</a:t>
+            </a:r>
+            <a:r>
+              <a:rPr lang="en-US" dirty="0" smtClean="0"/>
+              <a:t>, </a:t>
+            </a:r>
+            <a:r>
+              <a:rPr lang="en-US" dirty="0" err="1" smtClean="0"/>
+              <a:t>chọn</a:t>
+            </a:r>
+            <a:r>
+              <a:rPr lang="en-US" dirty="0" smtClean="0"/>
+              <a:t> N </a:t>
+            </a:r>
+            <a:r>
+              <a:rPr lang="en-US" dirty="0" err="1" smtClean="0"/>
+              <a:t>phần</a:t>
+            </a:r>
+            <a:r>
+              <a:rPr lang="en-US" dirty="0" smtClean="0"/>
+              <a:t> </a:t>
+            </a:r>
+            <a:r>
+              <a:rPr lang="en-US" dirty="0" err="1" smtClean="0"/>
+              <a:t>tử</a:t>
+            </a:r>
+            <a:r>
+              <a:rPr lang="en-US" dirty="0" smtClean="0"/>
+              <a:t> </a:t>
+            </a:r>
+            <a:r>
+              <a:rPr lang="en-US" dirty="0" err="1" smtClean="0"/>
+              <a:t>có</a:t>
+            </a:r>
+            <a:r>
+              <a:rPr lang="en-US" dirty="0" smtClean="0"/>
+              <a:t> </a:t>
+            </a:r>
+            <a:r>
+              <a:rPr lang="en-US" dirty="0" err="1" smtClean="0"/>
+              <a:t>xác</a:t>
+            </a:r>
+            <a:r>
+              <a:rPr lang="en-US" dirty="0" smtClean="0"/>
+              <a:t> </a:t>
+            </a:r>
+            <a:r>
+              <a:rPr lang="en-US" dirty="0" err="1" smtClean="0"/>
+              <a:t>suất</a:t>
+            </a:r>
+            <a:r>
+              <a:rPr lang="en-US" dirty="0" smtClean="0"/>
+              <a:t> </a:t>
+            </a:r>
+            <a:r>
+              <a:rPr lang="en-US" dirty="0" err="1" smtClean="0"/>
+              <a:t>cao</a:t>
+            </a:r>
+            <a:r>
+              <a:rPr lang="en-US" dirty="0" smtClean="0"/>
+              <a:t> </a:t>
+            </a:r>
+            <a:r>
+              <a:rPr lang="en-US" dirty="0" err="1" smtClean="0"/>
+              <a:t>nhất</a:t>
+            </a:r>
+            <a:endParaRPr lang="en-US" dirty="0" smtClean="0"/>
+          </a:p>
+          <a:p>
+            <a:endParaRPr lang="en-US" dirty="0"/>
+          </a:p>
+        </p:txBody>
+      </p:sp>
+      <p:pic>
+        <p:nvPicPr>
+          <p:cNvPr id="5" name="beam_search">
+            <a:hlinkClick r:id="" action="ppaction://media"/>
+          </p:cNvPr>
+          <p:cNvPicPr>
+            <a:picLocks noChangeAspect="1"/>
+          </p:cNvPicPr>
+          <p:nvPr>
+            <a:videoFile r:link="rId2"/>
+            <p:extLst>
+              <p:ext uri="{DAA4B4D4-6D71-4841-9C94-3DE7FCFB9230}">
+                <p14:media xmlns:p14="http://schemas.microsoft.com/office/powerpoint/2010/main" r:embed="rId1"/>
+              </p:ext>
+            </p:extLst>
+          </p:nvPr>
+        </p:nvPicPr>
+        <p:blipFill>
+          <a:blip r:embed="rId4"/>
+          <a:stretch>
+            <a:fillRect/>
+          </a:stretch>
+        </p:blipFill>
+        <p:spPr>
+          <a:xfrm>
+            <a:off x="2470520" y="2580425"/>
+            <a:ext cx="8032424" cy="3661144"/>
+          </a:xfrm>
+          <a:prstGeom prst="rect">
+            <a:avLst/>
+          </a:prstGeom>
+        </p:spPr>
+      </p:pic>
+    </p:spTree>
+    <p:extLst>
+      <p:ext uri="{BB962C8B-B14F-4D97-AF65-F5344CB8AC3E}">
+        <p14:creationId xmlns:p14="http://schemas.microsoft.com/office/powerpoint/2010/main" val="958277523"/>
+      </p:ext>
+    </p:extLst>
+  </p:cSld>
+  <p:clrMapOvr>
+    <a:masterClrMapping/>
+  </p:clrMapOvr>
+  <p:timing>
+    <p:tnLst>
+      <p:par>
+        <p:cTn id="1" dur="indefinite" restart="never" nodeType="tmRoot">
+          <p:childTnLst>
+            <p:seq concurrent="1" nextAc="seek">
+              <p:cTn id="2" restart="whenNotActive" fill="hold" evtFilter="cancelBubble" nodeType="interactiveSeq">
+                <p:stCondLst>
+                  <p:cond evt="onClick" delay="0">
+                    <p:tgtEl>
+                      <p:spTgt spid="5"/>
+                    </p:tgtEl>
+                  </p:cond>
+                </p:stCondLst>
+                <p:endSync evt="end" delay="0">
+                  <p:rtn val="all"/>
+                </p:endSync>
+                <p:childTnLst>
+                  <p:par>
+                    <p:cTn id="3" fill="hold">
+                      <p:stCondLst>
+                        <p:cond delay="0"/>
+                      </p:stCondLst>
+                      <p:childTnLst>
+                        <p:par>
+                          <p:cTn id="4" fill="hold">
+                            <p:stCondLst>
+                              <p:cond delay="0"/>
+                            </p:stCondLst>
+                            <p:childTnLst>
+                              <p:par>
+                                <p:cTn id="5" presetID="2" presetClass="mediacall" presetSubtype="0" fill="hold" nodeType="clickEffect">
+                                  <p:stCondLst>
+                                    <p:cond delay="0"/>
+                                  </p:stCondLst>
+                                  <p:childTnLst>
+                                    <p:cmd type="call" cmd="togglePause">
+                                      <p:cBhvr>
+                                        <p:cTn id="6" dur="1" fill="hold"/>
+                                        <p:tgtEl>
+                                          <p:spTgt spid="5"/>
+                                        </p:tgtEl>
+                                      </p:cBhvr>
+                                    </p:cmd>
+                                  </p:childTnLst>
+                                </p:cTn>
+                              </p:par>
+                            </p:childTnLst>
+                          </p:cTn>
+                        </p:par>
+                      </p:childTnLst>
+                    </p:cTn>
+                  </p:par>
+                </p:childTnLst>
+              </p:cTn>
+              <p:nextCondLst>
+                <p:cond evt="onClick" delay="0">
+                  <p:tgtEl>
+                    <p:spTgt spid="5"/>
+                  </p:tgtEl>
+                </p:cond>
+              </p:nextCondLst>
+            </p:seq>
+            <p:video>
+              <p:cMediaNode vol="80000">
+                <p:cTn id="7" fill="hold" display="0">
+                  <p:stCondLst>
+                    <p:cond delay="indefinite"/>
+                  </p:stCondLst>
+                </p:cTn>
+                <p:tgtEl>
+                  <p:spTgt spid="5"/>
+                </p:tgtEl>
+              </p:cMediaNode>
+            </p:video>
+          </p:childTnLst>
+        </p:cTn>
+      </p:par>
+    </p:tnLst>
+  </p:timing>
+</p:sld>
+</file>
+
+<file path=ppt/slides/slide23.xml><?xml version="1.0" encoding="utf-8"?>
+<p:sld xmlns:a="http://schemas.openxmlformats.org/drawingml/2006/main" xmlns:r="http://schemas.openxmlformats.org/officeDocument/2006/relationships" xmlns:p="http://schemas.openxmlformats.org/presentationml/2006/main">
+  <p:cSld>
+    <p:spTree>
+      <p:nvGrpSpPr>
+        <p:cNvPr id="1" name=""/>
+        <p:cNvGrpSpPr/>
+        <p:nvPr/>
+      </p:nvGrpSpPr>
+      <p:grpSpPr>
+        <a:xfrm>
+          <a:off x="0" y="0"/>
+          <a:ext cx="0" cy="0"/>
+          <a:chOff x="0" y="0"/>
+          <a:chExt cx="0" cy="0"/>
+        </a:xfrm>
+      </p:grpSpPr>
+      <p:sp>
+        <p:nvSpPr>
+          <p:cNvPr id="2" name="Title 1"/>
+          <p:cNvSpPr>
+            <a:spLocks noGrp="1"/>
+          </p:cNvSpPr>
+          <p:nvPr>
+            <p:ph type="title"/>
+          </p:nvPr>
+        </p:nvSpPr>
+        <p:spPr/>
+        <p:txBody>
+          <a:bodyPr/>
+          <a:lstStyle/>
+          <a:p>
+            <a:r>
+              <a:rPr lang="en-US" dirty="0" smtClean="0"/>
+              <a:t>Practice</a:t>
+            </a:r>
+            <a:endParaRPr lang="en-US" dirty="0"/>
+          </a:p>
+        </p:txBody>
+      </p:sp>
+      <p:sp>
+        <p:nvSpPr>
+          <p:cNvPr id="3" name="Content Placeholder 2"/>
+          <p:cNvSpPr>
+            <a:spLocks noGrp="1"/>
+          </p:cNvSpPr>
+          <p:nvPr>
+            <p:ph idx="1"/>
+          </p:nvPr>
+        </p:nvSpPr>
+        <p:spPr/>
+        <p:txBody>
+          <a:bodyPr/>
+          <a:lstStyle/>
+          <a:p>
+            <a:r>
+              <a:rPr lang="fr-FR" dirty="0" err="1" smtClean="0"/>
+              <a:t>Xây</a:t>
+            </a:r>
+            <a:r>
+              <a:rPr lang="fr-FR" dirty="0" smtClean="0"/>
+              <a:t> </a:t>
+            </a:r>
+            <a:r>
+              <a:rPr lang="fr-FR" dirty="0" err="1"/>
+              <a:t>dựng</a:t>
+            </a:r>
+            <a:r>
+              <a:rPr lang="fr-FR" dirty="0"/>
+              <a:t> </a:t>
+            </a:r>
+            <a:r>
+              <a:rPr lang="fr-FR" dirty="0" err="1"/>
+              <a:t>mô</a:t>
+            </a:r>
+            <a:r>
+              <a:rPr lang="fr-FR" dirty="0"/>
+              <a:t> </a:t>
+            </a:r>
+            <a:r>
+              <a:rPr lang="fr-FR" dirty="0" err="1"/>
+              <a:t>hình</a:t>
+            </a:r>
+            <a:r>
+              <a:rPr lang="fr-FR" dirty="0"/>
+              <a:t> Seq2seq </a:t>
+            </a:r>
+            <a:r>
+              <a:rPr lang="fr-FR" dirty="0" err="1"/>
+              <a:t>cho</a:t>
+            </a:r>
+            <a:r>
+              <a:rPr lang="fr-FR" dirty="0"/>
+              <a:t> machine translation, </a:t>
+            </a:r>
+            <a:r>
+              <a:rPr lang="fr-FR" dirty="0" err="1"/>
+              <a:t>có</a:t>
+            </a:r>
+            <a:r>
+              <a:rPr lang="fr-FR" dirty="0"/>
+              <a:t> </a:t>
+            </a:r>
+            <a:r>
+              <a:rPr lang="fr-FR" dirty="0" err="1"/>
+              <a:t>và</a:t>
+            </a:r>
+            <a:r>
+              <a:rPr lang="fr-FR" dirty="0"/>
+              <a:t> </a:t>
+            </a:r>
+            <a:r>
+              <a:rPr lang="fr-FR" dirty="0" err="1"/>
+              <a:t>không</a:t>
+            </a:r>
+            <a:r>
+              <a:rPr lang="fr-FR" dirty="0"/>
+              <a:t> </a:t>
+            </a:r>
+            <a:r>
+              <a:rPr lang="fr-FR" dirty="0" err="1"/>
+              <a:t>có</a:t>
+            </a:r>
+            <a:r>
+              <a:rPr lang="fr-FR" dirty="0"/>
+              <a:t> attention</a:t>
+            </a:r>
+          </a:p>
+          <a:p>
+            <a:endParaRPr lang="en-US" dirty="0" smtClean="0"/>
+          </a:p>
+        </p:txBody>
+      </p:sp>
+    </p:spTree>
+    <p:extLst>
+      <p:ext uri="{BB962C8B-B14F-4D97-AF65-F5344CB8AC3E}">
+        <p14:creationId xmlns:p14="http://schemas.microsoft.com/office/powerpoint/2010/main" val="1581438724"/>
+      </p:ext>
+    </p:extLst>
+  </p:cSld>
+  <p:clrMapOvr>
+    <a:masterClrMapping/>
+  </p:clrMapOvr>
+</p:sld>
+</file>
+
+<file path=ppt/slides/slide3.xml><?xml version="1.0" encoding="utf-8"?>
+<p:sld xmlns:a="http://schemas.openxmlformats.org/drawingml/2006/main" xmlns:r="http://schemas.openxmlformats.org/officeDocument/2006/relationships" xmlns:p="http://schemas.openxmlformats.org/presentationml/2006/main">
+  <p:cSld>
+    <p:spTree>
+      <p:nvGrpSpPr>
+        <p:cNvPr id="1" name=""/>
+        <p:cNvGrpSpPr/>
+        <p:nvPr/>
+      </p:nvGrpSpPr>
+      <p:grpSpPr>
+        <a:xfrm>
+          <a:off x="0" y="0"/>
+          <a:ext cx="0" cy="0"/>
+          <a:chOff x="0" y="0"/>
+          <a:chExt cx="0" cy="0"/>
+        </a:xfrm>
+      </p:grpSpPr>
+      <p:sp>
+        <p:nvSpPr>
+          <p:cNvPr id="4" name="Title 3"/>
+          <p:cNvSpPr>
+            <a:spLocks noGrp="1"/>
+          </p:cNvSpPr>
+          <p:nvPr>
+            <p:ph type="title"/>
+          </p:nvPr>
+        </p:nvSpPr>
+        <p:spPr/>
+        <p:txBody>
+          <a:bodyPr/>
+          <a:lstStyle/>
+          <a:p>
+            <a:r>
+              <a:rPr lang="en-US" dirty="0" smtClean="0"/>
+              <a:t>Gate Hidden State (GRU)</a:t>
+            </a:r>
+            <a:endParaRPr lang="en-US" dirty="0"/>
+          </a:p>
+        </p:txBody>
+      </p:sp>
+      <p:pic>
+        <p:nvPicPr>
+          <p:cNvPr id="7" name="Content Placeholder 6"/>
+          <p:cNvPicPr>
+            <a:picLocks noGrp="1" noChangeAspect="1"/>
+          </p:cNvPicPr>
+          <p:nvPr>
+            <p:ph idx="1"/>
+          </p:nvPr>
+        </p:nvPicPr>
+        <p:blipFill>
+          <a:blip r:embed="rId3"/>
+          <a:stretch>
+            <a:fillRect/>
+          </a:stretch>
+        </p:blipFill>
+        <p:spPr>
+          <a:xfrm>
+            <a:off x="3381375" y="2938340"/>
+            <a:ext cx="3152775" cy="666750"/>
+          </a:xfrm>
+          <a:prstGeom prst="rect">
+            <a:avLst/>
+          </a:prstGeom>
+        </p:spPr>
+      </p:pic>
+      <p:pic>
+        <p:nvPicPr>
+          <p:cNvPr id="6" name="Picture 5"/>
+          <p:cNvPicPr>
+            <a:picLocks noChangeAspect="1"/>
+          </p:cNvPicPr>
+          <p:nvPr/>
+        </p:nvPicPr>
+        <p:blipFill>
+          <a:blip r:embed="rId4"/>
+          <a:stretch>
+            <a:fillRect/>
+          </a:stretch>
+        </p:blipFill>
+        <p:spPr>
+          <a:xfrm>
+            <a:off x="7782161" y="2036763"/>
+            <a:ext cx="4153030" cy="2830512"/>
+          </a:xfrm>
+          <a:prstGeom prst="rect">
+            <a:avLst/>
+          </a:prstGeom>
+        </p:spPr>
+      </p:pic>
+      <p:sp>
+        <p:nvSpPr>
+          <p:cNvPr id="2" name="TextBox 1"/>
+          <p:cNvSpPr txBox="1"/>
+          <p:nvPr/>
+        </p:nvSpPr>
+        <p:spPr>
+          <a:xfrm>
+            <a:off x="1091654" y="1933575"/>
+            <a:ext cx="6332183" cy="646331"/>
+          </a:xfrm>
+          <a:prstGeom prst="rect">
+            <a:avLst/>
+          </a:prstGeom>
+          <a:noFill/>
+        </p:spPr>
+        <p:txBody>
+          <a:bodyPr wrap="none" rtlCol="0">
+            <a:spAutoFit/>
+          </a:bodyPr>
+          <a:lstStyle/>
+          <a:p>
+            <a:pPr marL="171450" indent="-171450">
+              <a:buFont typeface="Arial" panose="020B0604020202020204" pitchFamily="34" charset="0"/>
+              <a:buChar char="•"/>
+            </a:pPr>
+            <a:r>
+              <a:rPr lang="en-US" sz="1200" dirty="0" err="1" smtClean="0"/>
+              <a:t>Khác</a:t>
+            </a:r>
+            <a:r>
+              <a:rPr lang="en-US" sz="1200" dirty="0" smtClean="0"/>
+              <a:t> </a:t>
+            </a:r>
+            <a:r>
+              <a:rPr lang="en-US" sz="1200" dirty="0" err="1" smtClean="0"/>
+              <a:t>biệt</a:t>
+            </a:r>
+            <a:r>
+              <a:rPr lang="en-US" sz="1200" dirty="0" smtClean="0"/>
+              <a:t> </a:t>
+            </a:r>
+            <a:r>
+              <a:rPr lang="en-US" sz="1200" dirty="0" err="1" smtClean="0"/>
+              <a:t>giữa</a:t>
+            </a:r>
+            <a:r>
+              <a:rPr lang="en-US" sz="1200" dirty="0" smtClean="0"/>
+              <a:t> RNN </a:t>
+            </a:r>
+            <a:r>
+              <a:rPr lang="en-US" sz="1200" dirty="0" err="1" smtClean="0"/>
+              <a:t>và</a:t>
+            </a:r>
+            <a:r>
+              <a:rPr lang="en-US" sz="1200" dirty="0" smtClean="0"/>
+              <a:t> GRU </a:t>
+            </a:r>
+            <a:r>
+              <a:rPr lang="en-US" sz="1200" dirty="0" err="1" smtClean="0"/>
+              <a:t>là</a:t>
+            </a:r>
+            <a:r>
+              <a:rPr lang="en-US" sz="1200" dirty="0" smtClean="0"/>
+              <a:t> GRU </a:t>
+            </a:r>
+            <a:r>
+              <a:rPr lang="en-US" sz="1200" dirty="0" err="1" smtClean="0"/>
+              <a:t>hỗ</a:t>
+            </a:r>
+            <a:r>
+              <a:rPr lang="en-US" sz="1200" dirty="0" smtClean="0"/>
+              <a:t> </a:t>
+            </a:r>
+            <a:r>
+              <a:rPr lang="en-US" sz="1200" dirty="0" err="1" smtClean="0"/>
+              <a:t>trợ</a:t>
+            </a:r>
+            <a:r>
+              <a:rPr lang="en-US" sz="1200" dirty="0" smtClean="0"/>
+              <a:t> </a:t>
+            </a:r>
+            <a:r>
+              <a:rPr lang="en-US" sz="1200" dirty="0" err="1" smtClean="0"/>
+              <a:t>cổng</a:t>
+            </a:r>
+            <a:r>
+              <a:rPr lang="en-US" sz="1200" dirty="0" smtClean="0"/>
+              <a:t> (gate) ở </a:t>
+            </a:r>
+            <a:r>
+              <a:rPr lang="en-US" sz="1200" dirty="0" err="1" smtClean="0"/>
+              <a:t>bên</a:t>
+            </a:r>
+            <a:r>
+              <a:rPr lang="en-US" sz="1200" dirty="0" smtClean="0"/>
+              <a:t> </a:t>
+            </a:r>
+            <a:r>
+              <a:rPr lang="en-US" sz="1200" dirty="0" err="1" smtClean="0"/>
+              <a:t>trong</a:t>
+            </a:r>
+            <a:r>
+              <a:rPr lang="en-US" sz="1200" dirty="0" smtClean="0"/>
+              <a:t> </a:t>
+            </a:r>
+            <a:r>
+              <a:rPr lang="en-US" sz="1200" dirty="0" err="1" smtClean="0"/>
+              <a:t>mô</a:t>
+            </a:r>
+            <a:r>
+              <a:rPr lang="en-US" sz="1200" dirty="0" smtClean="0"/>
+              <a:t> </a:t>
+            </a:r>
+            <a:r>
+              <a:rPr lang="en-US" sz="1200" dirty="0" err="1" smtClean="0"/>
+              <a:t>hình</a:t>
+            </a:r>
+            <a:endParaRPr lang="en-US" sz="1200" dirty="0"/>
+          </a:p>
+          <a:p>
+            <a:pPr marL="171450" indent="-171450">
+              <a:buFont typeface="Arial" panose="020B0604020202020204" pitchFamily="34" charset="0"/>
+              <a:buChar char="•"/>
+            </a:pPr>
+            <a:r>
+              <a:rPr lang="en-US" sz="1200" dirty="0" smtClean="0"/>
+              <a:t>Hai </a:t>
+            </a:r>
+            <a:r>
+              <a:rPr lang="en-US" sz="1200" dirty="0" err="1" smtClean="0"/>
+              <a:t>cổng</a:t>
+            </a:r>
+            <a:r>
+              <a:rPr lang="en-US" sz="1200" dirty="0" smtClean="0"/>
+              <a:t> </a:t>
+            </a:r>
+            <a:r>
+              <a:rPr lang="en-US" sz="1200" dirty="0" err="1" smtClean="0"/>
+              <a:t>trong</a:t>
+            </a:r>
+            <a:r>
+              <a:rPr lang="en-US" sz="1200" dirty="0" smtClean="0"/>
+              <a:t> GRU </a:t>
+            </a:r>
+            <a:r>
+              <a:rPr lang="en-US" sz="1200" dirty="0" err="1" smtClean="0"/>
+              <a:t>là</a:t>
+            </a:r>
+            <a:r>
+              <a:rPr lang="en-US" sz="1200" dirty="0" smtClean="0"/>
+              <a:t> </a:t>
+            </a:r>
+            <a:r>
+              <a:rPr lang="en-US" sz="1200" dirty="0" err="1" smtClean="0"/>
+              <a:t>cổng</a:t>
+            </a:r>
+            <a:r>
+              <a:rPr lang="en-US" sz="1200" dirty="0" smtClean="0"/>
+              <a:t> reset </a:t>
+            </a:r>
+            <a:r>
+              <a:rPr lang="en-US" sz="1200" dirty="0" err="1" smtClean="0"/>
+              <a:t>và</a:t>
+            </a:r>
+            <a:r>
+              <a:rPr lang="en-US" sz="1200" dirty="0" smtClean="0"/>
+              <a:t> </a:t>
+            </a:r>
+            <a:r>
+              <a:rPr lang="en-US" sz="1200" dirty="0" err="1" smtClean="0"/>
+              <a:t>cổng</a:t>
+            </a:r>
+            <a:r>
+              <a:rPr lang="en-US" sz="1200" dirty="0" smtClean="0"/>
+              <a:t> update, </a:t>
+            </a:r>
+            <a:r>
+              <a:rPr lang="en-US" sz="1200" dirty="0" err="1" smtClean="0"/>
+              <a:t>đầu</a:t>
+            </a:r>
+            <a:r>
+              <a:rPr lang="en-US" sz="1200" dirty="0" smtClean="0"/>
+              <a:t> </a:t>
+            </a:r>
+            <a:r>
+              <a:rPr lang="en-US" sz="1200" dirty="0" err="1" smtClean="0"/>
+              <a:t>ra</a:t>
+            </a:r>
+            <a:r>
+              <a:rPr lang="en-US" sz="1200" dirty="0" smtClean="0"/>
+              <a:t> 2 </a:t>
+            </a:r>
+            <a:r>
+              <a:rPr lang="en-US" sz="1200" dirty="0" err="1" smtClean="0"/>
+              <a:t>cổng</a:t>
+            </a:r>
+            <a:r>
+              <a:rPr lang="en-US" sz="1200" dirty="0" smtClean="0"/>
+              <a:t> </a:t>
+            </a:r>
+            <a:r>
+              <a:rPr lang="en-US" sz="1200" dirty="0" err="1" smtClean="0"/>
+              <a:t>này</a:t>
+            </a:r>
+            <a:r>
+              <a:rPr lang="en-US" sz="1200" dirty="0" smtClean="0"/>
+              <a:t> </a:t>
+            </a:r>
+            <a:r>
+              <a:rPr lang="en-US" sz="1200" dirty="0" err="1" smtClean="0"/>
+              <a:t>có</a:t>
+            </a:r>
+            <a:r>
+              <a:rPr lang="en-US" sz="1200" dirty="0" smtClean="0"/>
+              <a:t> </a:t>
+            </a:r>
+            <a:r>
+              <a:rPr lang="en-US" sz="1200" dirty="0" err="1" smtClean="0"/>
+              <a:t>giá</a:t>
+            </a:r>
+            <a:r>
+              <a:rPr lang="en-US" sz="1200" dirty="0" smtClean="0"/>
+              <a:t> </a:t>
+            </a:r>
+            <a:r>
+              <a:rPr lang="en-US" sz="1200" dirty="0" err="1" smtClean="0"/>
+              <a:t>trị</a:t>
+            </a:r>
+            <a:r>
+              <a:rPr lang="en-US" sz="1200" dirty="0" smtClean="0"/>
+              <a:t> </a:t>
+            </a:r>
+            <a:r>
+              <a:rPr lang="en-US" sz="1200" dirty="0" err="1" smtClean="0"/>
+              <a:t>trong</a:t>
+            </a:r>
+            <a:r>
+              <a:rPr lang="en-US" sz="1200" dirty="0" smtClean="0"/>
+              <a:t> </a:t>
+            </a:r>
+            <a:r>
+              <a:rPr lang="en-US" sz="1200" dirty="0" err="1" smtClean="0"/>
+              <a:t>khoảng</a:t>
+            </a:r>
+            <a:r>
+              <a:rPr lang="en-US" sz="1200" dirty="0" smtClean="0"/>
+              <a:t> (0,1)</a:t>
+            </a:r>
+          </a:p>
+          <a:p>
+            <a:pPr marL="171450" indent="-171450">
+              <a:buFont typeface="Arial" panose="020B0604020202020204" pitchFamily="34" charset="0"/>
+              <a:buChar char="•"/>
+            </a:pPr>
+            <a:r>
+              <a:rPr lang="en-US" sz="1200" dirty="0" err="1" smtClean="0"/>
+              <a:t>Cách</a:t>
+            </a:r>
+            <a:r>
+              <a:rPr lang="en-US" sz="1200" dirty="0" smtClean="0"/>
+              <a:t> </a:t>
+            </a:r>
+            <a:r>
+              <a:rPr lang="en-US" sz="1200" dirty="0" err="1" smtClean="0"/>
+              <a:t>tính</a:t>
+            </a:r>
+            <a:r>
+              <a:rPr lang="en-US" sz="1200" dirty="0" smtClean="0"/>
+              <a:t> </a:t>
+            </a:r>
+            <a:r>
+              <a:rPr lang="en-US" sz="1200" dirty="0" err="1" smtClean="0"/>
+              <a:t>đầu</a:t>
+            </a:r>
+            <a:r>
+              <a:rPr lang="en-US" sz="1200" dirty="0" smtClean="0"/>
+              <a:t> </a:t>
+            </a:r>
+            <a:r>
+              <a:rPr lang="en-US" sz="1200" dirty="0" err="1" smtClean="0"/>
+              <a:t>ra</a:t>
+            </a:r>
+            <a:r>
+              <a:rPr lang="en-US" sz="1200" dirty="0" smtClean="0"/>
+              <a:t> </a:t>
+            </a:r>
+            <a:r>
+              <a:rPr lang="en-US" sz="1200" dirty="0" err="1" smtClean="0"/>
+              <a:t>của</a:t>
+            </a:r>
+            <a:r>
+              <a:rPr lang="en-US" sz="1200" dirty="0" smtClean="0"/>
+              <a:t> 2 </a:t>
+            </a:r>
+            <a:r>
+              <a:rPr lang="en-US" sz="1200" dirty="0" err="1" smtClean="0"/>
+              <a:t>cổng</a:t>
+            </a:r>
+            <a:r>
+              <a:rPr lang="en-US" sz="1200" dirty="0" smtClean="0"/>
+              <a:t> </a:t>
+            </a:r>
+            <a:r>
+              <a:rPr lang="en-US" sz="1200" dirty="0" err="1" smtClean="0"/>
+              <a:t>được</a:t>
+            </a:r>
+            <a:r>
+              <a:rPr lang="en-US" sz="1200" dirty="0" smtClean="0"/>
+              <a:t> </a:t>
+            </a:r>
+            <a:r>
+              <a:rPr lang="en-US" sz="1200" dirty="0" err="1" smtClean="0"/>
+              <a:t>cho</a:t>
+            </a:r>
+            <a:r>
+              <a:rPr lang="en-US" sz="1200" dirty="0" smtClean="0"/>
+              <a:t> </a:t>
+            </a:r>
+            <a:r>
+              <a:rPr lang="en-US" sz="1200" dirty="0" err="1" smtClean="0"/>
+              <a:t>bởi</a:t>
+            </a:r>
+            <a:r>
+              <a:rPr lang="en-US" sz="1200" dirty="0" smtClean="0"/>
+              <a:t> </a:t>
+            </a:r>
+            <a:r>
+              <a:rPr lang="en-US" sz="1200" dirty="0" err="1" smtClean="0"/>
+              <a:t>công</a:t>
+            </a:r>
+            <a:r>
+              <a:rPr lang="en-US" sz="1200" dirty="0" smtClean="0"/>
+              <a:t> </a:t>
+            </a:r>
+            <a:r>
+              <a:rPr lang="en-US" sz="1200" dirty="0" err="1" smtClean="0"/>
+              <a:t>thức</a:t>
+            </a:r>
+            <a:r>
+              <a:rPr lang="en-US" sz="1200" dirty="0" smtClean="0"/>
+              <a:t>:</a:t>
+            </a:r>
+            <a:endParaRPr lang="en-US" sz="1200" dirty="0"/>
+          </a:p>
+        </p:txBody>
+      </p:sp>
+    </p:spTree>
+    <p:extLst>
+      <p:ext uri="{BB962C8B-B14F-4D97-AF65-F5344CB8AC3E}">
+        <p14:creationId xmlns:p14="http://schemas.microsoft.com/office/powerpoint/2010/main" val="3548871875"/>
+      </p:ext>
+    </p:extLst>
+  </p:cSld>
+  <p:clrMapOvr>
+    <a:masterClrMapping/>
+  </p:clrMapOvr>
+</p:sld>
+</file>
+
+<file path=ppt/slides/slide4.xml><?xml version="1.0" encoding="utf-8"?>
+<p:sld xmlns:a="http://schemas.openxmlformats.org/drawingml/2006/main" xmlns:r="http://schemas.openxmlformats.org/officeDocument/2006/relationships" xmlns:p="http://schemas.openxmlformats.org/presentationml/2006/main">
+  <p:cSld>
+    <p:spTree>
+      <p:nvGrpSpPr>
+        <p:cNvPr id="1" name=""/>
+        <p:cNvGrpSpPr/>
+        <p:nvPr/>
+      </p:nvGrpSpPr>
+      <p:grpSpPr>
+        <a:xfrm>
+          <a:off x="0" y="0"/>
+          <a:ext cx="0" cy="0"/>
+          <a:chOff x="0" y="0"/>
+          <a:chExt cx="0" cy="0"/>
+        </a:xfrm>
+      </p:grpSpPr>
+      <p:sp>
+        <p:nvSpPr>
+          <p:cNvPr id="4" name="Title 3"/>
+          <p:cNvSpPr>
+            <a:spLocks noGrp="1"/>
+          </p:cNvSpPr>
+          <p:nvPr>
+            <p:ph type="title"/>
+          </p:nvPr>
+        </p:nvSpPr>
+        <p:spPr/>
+        <p:txBody>
+          <a:bodyPr/>
+          <a:lstStyle/>
+          <a:p>
+            <a:r>
+              <a:rPr lang="en-US" dirty="0"/>
+              <a:t>Gate Hidden State (GRU)</a:t>
+            </a:r>
+          </a:p>
+        </p:txBody>
+      </p:sp>
+      <p:pic>
+        <p:nvPicPr>
+          <p:cNvPr id="8" name="Picture 7"/>
+          <p:cNvPicPr>
+            <a:picLocks noChangeAspect="1"/>
+          </p:cNvPicPr>
+          <p:nvPr/>
+        </p:nvPicPr>
+        <p:blipFill>
+          <a:blip r:embed="rId3"/>
+          <a:stretch>
+            <a:fillRect/>
+          </a:stretch>
+        </p:blipFill>
+        <p:spPr>
+          <a:xfrm>
+            <a:off x="6463832" y="1690688"/>
+            <a:ext cx="5360335" cy="2737518"/>
+          </a:xfrm>
+          <a:prstGeom prst="rect">
+            <a:avLst/>
+          </a:prstGeom>
+        </p:spPr>
+      </p:pic>
+      <p:pic>
+        <p:nvPicPr>
+          <p:cNvPr id="9" name="Picture 8"/>
+          <p:cNvPicPr>
+            <a:picLocks noChangeAspect="1"/>
+          </p:cNvPicPr>
+          <p:nvPr/>
+        </p:nvPicPr>
+        <p:blipFill>
+          <a:blip r:embed="rId4"/>
+          <a:stretch>
+            <a:fillRect/>
+          </a:stretch>
+        </p:blipFill>
+        <p:spPr>
+          <a:xfrm>
+            <a:off x="2977295" y="2540001"/>
+            <a:ext cx="3933825" cy="495300"/>
+          </a:xfrm>
+          <a:prstGeom prst="rect">
+            <a:avLst/>
+          </a:prstGeom>
+        </p:spPr>
+      </p:pic>
+      <p:sp>
+        <p:nvSpPr>
+          <p:cNvPr id="2" name="Content Placeholder 1"/>
+          <p:cNvSpPr>
+            <a:spLocks noGrp="1"/>
+          </p:cNvSpPr>
+          <p:nvPr>
+            <p:ph idx="1"/>
+          </p:nvPr>
+        </p:nvSpPr>
+        <p:spPr>
+          <a:xfrm>
+            <a:off x="838200" y="1825625"/>
+            <a:ext cx="6315075" cy="4351338"/>
+          </a:xfrm>
+        </p:spPr>
+        <p:txBody>
+          <a:bodyPr/>
+          <a:lstStyle/>
+          <a:p>
+            <a:r>
+              <a:rPr lang="en-US" dirty="0" err="1" smtClean="0"/>
+              <a:t>Tính</a:t>
+            </a:r>
+            <a:r>
+              <a:rPr lang="en-US" dirty="0" smtClean="0"/>
+              <a:t> </a:t>
+            </a:r>
+            <a:r>
+              <a:rPr lang="en-US" dirty="0" err="1" smtClean="0"/>
+              <a:t>trạng</a:t>
+            </a:r>
+            <a:r>
+              <a:rPr lang="en-US" dirty="0" smtClean="0"/>
+              <a:t> </a:t>
+            </a:r>
+            <a:r>
+              <a:rPr lang="en-US" dirty="0" err="1" smtClean="0"/>
+              <a:t>thái</a:t>
+            </a:r>
+            <a:r>
+              <a:rPr lang="en-US" dirty="0" smtClean="0"/>
+              <a:t> </a:t>
+            </a:r>
+            <a:r>
+              <a:rPr lang="en-US" dirty="0" err="1" smtClean="0"/>
+              <a:t>ẩn</a:t>
+            </a:r>
+            <a:r>
+              <a:rPr lang="en-US" dirty="0" smtClean="0"/>
+              <a:t> </a:t>
+            </a:r>
+            <a:r>
+              <a:rPr lang="en-US" dirty="0" err="1" smtClean="0"/>
+              <a:t>đề</a:t>
+            </a:r>
+            <a:r>
+              <a:rPr lang="en-US" dirty="0" smtClean="0"/>
+              <a:t> </a:t>
+            </a:r>
+            <a:r>
+              <a:rPr lang="en-US" dirty="0" err="1" smtClean="0"/>
+              <a:t>nghị</a:t>
+            </a:r>
+            <a:r>
+              <a:rPr lang="en-US" dirty="0" smtClean="0"/>
+              <a:t> (candidate hidden state):</a:t>
+            </a:r>
+          </a:p>
+          <a:p>
+            <a:endParaRPr lang="en-US" dirty="0"/>
+          </a:p>
+          <a:p>
+            <a:endParaRPr lang="en-US" dirty="0" smtClean="0"/>
+          </a:p>
+          <a:p>
+            <a:r>
+              <a:rPr lang="en-US" dirty="0" err="1" smtClean="0"/>
+              <a:t>Hàm</a:t>
+            </a:r>
+            <a:r>
+              <a:rPr lang="en-US" dirty="0" smtClean="0"/>
+              <a:t> </a:t>
+            </a:r>
+            <a:r>
+              <a:rPr lang="en-US" dirty="0" err="1" smtClean="0"/>
+              <a:t>tanh</a:t>
+            </a:r>
+            <a:r>
+              <a:rPr lang="en-US" dirty="0" smtClean="0"/>
+              <a:t> </a:t>
+            </a:r>
+            <a:r>
+              <a:rPr lang="en-US" dirty="0" err="1" smtClean="0"/>
+              <a:t>được</a:t>
+            </a:r>
+            <a:r>
+              <a:rPr lang="en-US" dirty="0" smtClean="0"/>
+              <a:t> </a:t>
+            </a:r>
+            <a:r>
+              <a:rPr lang="en-US" dirty="0" err="1" smtClean="0"/>
+              <a:t>sử</a:t>
+            </a:r>
+            <a:r>
+              <a:rPr lang="en-US" dirty="0" smtClean="0"/>
+              <a:t> </a:t>
+            </a:r>
+            <a:r>
+              <a:rPr lang="en-US" dirty="0" err="1" smtClean="0"/>
+              <a:t>dụng</a:t>
+            </a:r>
+            <a:r>
+              <a:rPr lang="en-US" dirty="0" smtClean="0"/>
+              <a:t> </a:t>
+            </a:r>
+            <a:r>
+              <a:rPr lang="en-US" dirty="0" err="1" smtClean="0"/>
+              <a:t>để</a:t>
+            </a:r>
+            <a:r>
+              <a:rPr lang="en-US" dirty="0" smtClean="0"/>
+              <a:t> </a:t>
+            </a:r>
+            <a:r>
+              <a:rPr lang="en-US" dirty="0" err="1" smtClean="0"/>
+              <a:t>đưa</a:t>
+            </a:r>
+            <a:r>
+              <a:rPr lang="en-US" dirty="0" smtClean="0"/>
+              <a:t> H </a:t>
+            </a:r>
+            <a:r>
+              <a:rPr lang="en-US" dirty="0" err="1" smtClean="0"/>
+              <a:t>về</a:t>
+            </a:r>
+            <a:r>
+              <a:rPr lang="en-US" dirty="0" smtClean="0"/>
+              <a:t> </a:t>
+            </a:r>
+            <a:r>
+              <a:rPr lang="en-US" dirty="0" err="1" smtClean="0"/>
+              <a:t>khoảng</a:t>
+            </a:r>
+            <a:r>
+              <a:rPr lang="en-US" dirty="0" smtClean="0"/>
+              <a:t> </a:t>
+            </a:r>
+            <a:r>
+              <a:rPr lang="en-US" dirty="0" err="1" smtClean="0"/>
+              <a:t>giá</a:t>
+            </a:r>
+            <a:r>
+              <a:rPr lang="en-US" dirty="0" smtClean="0"/>
+              <a:t> </a:t>
+            </a:r>
+            <a:r>
+              <a:rPr lang="en-US" dirty="0" err="1" smtClean="0"/>
+              <a:t>trị</a:t>
+            </a:r>
+            <a:r>
+              <a:rPr lang="en-US" dirty="0" smtClean="0"/>
+              <a:t> (-1,1)</a:t>
+            </a:r>
+            <a:endParaRPr lang="en-US" dirty="0"/>
+          </a:p>
+        </p:txBody>
+      </p:sp>
+    </p:spTree>
+    <p:extLst>
+      <p:ext uri="{BB962C8B-B14F-4D97-AF65-F5344CB8AC3E}">
+        <p14:creationId xmlns:p14="http://schemas.microsoft.com/office/powerpoint/2010/main" val="2991619177"/>
+      </p:ext>
+    </p:extLst>
+  </p:cSld>
+  <p:clrMapOvr>
+    <a:masterClrMapping/>
+  </p:clrMapOvr>
+</p:sld>
+</file>
+
+<file path=ppt/slides/slide5.xml><?xml version="1.0" encoding="utf-8"?>
+<p:sld xmlns:a="http://schemas.openxmlformats.org/drawingml/2006/main" xmlns:r="http://schemas.openxmlformats.org/officeDocument/2006/relationships" xmlns:p="http://schemas.openxmlformats.org/presentationml/2006/main">
+  <p:cSld>
+    <p:spTree>
+      <p:nvGrpSpPr>
+        <p:cNvPr id="1" name=""/>
+        <p:cNvGrpSpPr/>
+        <p:nvPr/>
+      </p:nvGrpSpPr>
+      <p:grpSpPr>
+        <a:xfrm>
+          <a:off x="0" y="0"/>
+          <a:ext cx="0" cy="0"/>
+          <a:chOff x="0" y="0"/>
+          <a:chExt cx="0" cy="0"/>
+        </a:xfrm>
+      </p:grpSpPr>
+      <p:sp>
+        <p:nvSpPr>
+          <p:cNvPr id="4" name="Title 3"/>
+          <p:cNvSpPr>
+            <a:spLocks noGrp="1"/>
+          </p:cNvSpPr>
+          <p:nvPr>
+            <p:ph type="title"/>
+          </p:nvPr>
+        </p:nvSpPr>
+        <p:spPr/>
+        <p:txBody>
+          <a:bodyPr/>
+          <a:lstStyle/>
+          <a:p>
+            <a:r>
+              <a:rPr lang="en-US" dirty="0"/>
+              <a:t>Gate Hidden State (GRU)</a:t>
+            </a:r>
+          </a:p>
+        </p:txBody>
+      </p:sp>
+      <p:pic>
+        <p:nvPicPr>
+          <p:cNvPr id="10" name="Picture 9"/>
+          <p:cNvPicPr>
+            <a:picLocks noChangeAspect="1"/>
+          </p:cNvPicPr>
+          <p:nvPr/>
+        </p:nvPicPr>
+        <p:blipFill>
+          <a:blip r:embed="rId3"/>
+          <a:stretch>
+            <a:fillRect/>
+          </a:stretch>
+        </p:blipFill>
+        <p:spPr>
+          <a:xfrm>
+            <a:off x="6870055" y="1821656"/>
+            <a:ext cx="4740920" cy="2436019"/>
+          </a:xfrm>
+          <a:prstGeom prst="rect">
+            <a:avLst/>
+          </a:prstGeom>
+        </p:spPr>
+      </p:pic>
+      <p:pic>
+        <p:nvPicPr>
+          <p:cNvPr id="11" name="Picture 10"/>
+          <p:cNvPicPr>
+            <a:picLocks noChangeAspect="1"/>
+          </p:cNvPicPr>
+          <p:nvPr/>
+        </p:nvPicPr>
+        <p:blipFill>
+          <a:blip r:embed="rId4"/>
+          <a:stretch>
+            <a:fillRect/>
+          </a:stretch>
+        </p:blipFill>
+        <p:spPr>
+          <a:xfrm>
+            <a:off x="3798844" y="2214563"/>
+            <a:ext cx="2905125" cy="447675"/>
+          </a:xfrm>
+          <a:prstGeom prst="rect">
+            <a:avLst/>
+          </a:prstGeom>
+        </p:spPr>
+      </p:pic>
+      <p:sp>
+        <p:nvSpPr>
+          <p:cNvPr id="2" name="Content Placeholder 1"/>
+          <p:cNvSpPr>
+            <a:spLocks noGrp="1"/>
+          </p:cNvSpPr>
+          <p:nvPr>
+            <p:ph idx="1"/>
+          </p:nvPr>
+        </p:nvSpPr>
+        <p:spPr>
+          <a:xfrm>
+            <a:off x="1386170" y="1690688"/>
+            <a:ext cx="5831058" cy="4351338"/>
+          </a:xfrm>
+        </p:spPr>
+        <p:txBody>
+          <a:bodyPr>
+            <a:normAutofit/>
+          </a:bodyPr>
+          <a:lstStyle/>
+          <a:p>
+            <a:r>
+              <a:rPr lang="en-US" sz="1800" dirty="0" err="1" smtClean="0"/>
+              <a:t>Tính</a:t>
+            </a:r>
+            <a:r>
+              <a:rPr lang="en-US" sz="1800" dirty="0" smtClean="0"/>
+              <a:t> </a:t>
+            </a:r>
+            <a:r>
+              <a:rPr lang="en-US" sz="1800" dirty="0" err="1" smtClean="0"/>
+              <a:t>trạng</a:t>
+            </a:r>
+            <a:r>
+              <a:rPr lang="en-US" sz="1800" dirty="0" smtClean="0"/>
+              <a:t> </a:t>
+            </a:r>
+            <a:r>
+              <a:rPr lang="en-US" sz="1800" dirty="0" err="1" smtClean="0"/>
+              <a:t>thái</a:t>
+            </a:r>
+            <a:r>
+              <a:rPr lang="en-US" sz="1800" dirty="0" smtClean="0"/>
+              <a:t> </a:t>
+            </a:r>
+            <a:r>
+              <a:rPr lang="en-US" sz="1800" dirty="0" err="1" smtClean="0"/>
+              <a:t>ẩn</a:t>
+            </a:r>
+            <a:r>
+              <a:rPr lang="en-US" sz="1800" dirty="0" smtClean="0"/>
+              <a:t> </a:t>
+            </a:r>
+            <a:r>
+              <a:rPr lang="en-US" sz="1800" dirty="0" err="1" smtClean="0"/>
+              <a:t>cuối</a:t>
+            </a:r>
+            <a:r>
+              <a:rPr lang="en-US" sz="1800" dirty="0" smtClean="0"/>
+              <a:t> </a:t>
+            </a:r>
+            <a:r>
+              <a:rPr lang="en-US" sz="1800" dirty="0" err="1" smtClean="0"/>
+              <a:t>cùng</a:t>
+            </a:r>
+            <a:r>
+              <a:rPr lang="en-US" sz="1800" dirty="0" smtClean="0"/>
+              <a:t>:</a:t>
+            </a:r>
+          </a:p>
+          <a:p>
+            <a:endParaRPr lang="en-US" sz="1800" dirty="0"/>
+          </a:p>
+          <a:p>
+            <a:endParaRPr lang="en-US" sz="1800" dirty="0" smtClean="0"/>
+          </a:p>
+          <a:p>
+            <a:r>
+              <a:rPr lang="en-US" sz="1800" dirty="0" err="1" smtClean="0"/>
+              <a:t>Với</a:t>
+            </a:r>
+            <a:r>
+              <a:rPr lang="en-US" sz="1800" dirty="0" smtClean="0"/>
+              <a:t> </a:t>
+            </a:r>
+            <a:r>
+              <a:rPr lang="en-US" sz="1800" dirty="0" err="1" smtClean="0"/>
+              <a:t>công</a:t>
+            </a:r>
+            <a:r>
+              <a:rPr lang="en-US" sz="1800" dirty="0" smtClean="0"/>
+              <a:t> </a:t>
+            </a:r>
+            <a:r>
+              <a:rPr lang="en-US" sz="1800" dirty="0" err="1" smtClean="0"/>
+              <a:t>thức</a:t>
+            </a:r>
+            <a:r>
+              <a:rPr lang="en-US" sz="1800" dirty="0" smtClean="0"/>
+              <a:t> </a:t>
+            </a:r>
+            <a:r>
+              <a:rPr lang="en-US" sz="1800" dirty="0" err="1" smtClean="0"/>
+              <a:t>này</a:t>
+            </a:r>
+            <a:r>
+              <a:rPr lang="en-US" sz="1800" dirty="0" smtClean="0"/>
+              <a:t>, ta </a:t>
+            </a:r>
+            <a:r>
+              <a:rPr lang="en-US" sz="1800" dirty="0" err="1" smtClean="0"/>
+              <a:t>xác</a:t>
+            </a:r>
+            <a:r>
+              <a:rPr lang="en-US" sz="1800" dirty="0" smtClean="0"/>
+              <a:t> </a:t>
+            </a:r>
+            <a:r>
+              <a:rPr lang="en-US" sz="1800" dirty="0" err="1" smtClean="0"/>
+              <a:t>định</a:t>
+            </a:r>
+            <a:r>
+              <a:rPr lang="en-US" sz="1800" dirty="0" smtClean="0"/>
+              <a:t>:</a:t>
+            </a:r>
+          </a:p>
+          <a:p>
+            <a:pPr lvl="1"/>
+            <a:r>
+              <a:rPr lang="en-US" sz="1600" dirty="0" err="1" smtClean="0"/>
+              <a:t>Bao</a:t>
+            </a:r>
+            <a:r>
+              <a:rPr lang="en-US" sz="1600" dirty="0" smtClean="0"/>
+              <a:t> </a:t>
+            </a:r>
+            <a:r>
+              <a:rPr lang="en-US" sz="1600" dirty="0" err="1" smtClean="0"/>
+              <a:t>nhiêu</a:t>
+            </a:r>
+            <a:r>
+              <a:rPr lang="en-US" sz="1600" dirty="0" smtClean="0"/>
+              <a:t> </a:t>
+            </a:r>
+            <a:r>
+              <a:rPr lang="en-US" sz="1600" dirty="0" err="1" smtClean="0"/>
+              <a:t>trạng</a:t>
+            </a:r>
+            <a:r>
+              <a:rPr lang="en-US" sz="1600" dirty="0" smtClean="0"/>
+              <a:t> </a:t>
+            </a:r>
+            <a:r>
+              <a:rPr lang="en-US" sz="1600" dirty="0" err="1" smtClean="0"/>
+              <a:t>thái</a:t>
+            </a:r>
+            <a:r>
+              <a:rPr lang="en-US" sz="1600" dirty="0" smtClean="0"/>
+              <a:t> </a:t>
+            </a:r>
+            <a:r>
+              <a:rPr lang="en-US" sz="1600" dirty="0" err="1" smtClean="0"/>
+              <a:t>ẩn</a:t>
+            </a:r>
+            <a:r>
+              <a:rPr lang="en-US" sz="1600" dirty="0" smtClean="0"/>
+              <a:t> </a:t>
+            </a:r>
+            <a:r>
+              <a:rPr lang="en-US" sz="1600" dirty="0" err="1" smtClean="0"/>
+              <a:t>của</a:t>
+            </a:r>
+            <a:r>
+              <a:rPr lang="en-US" sz="1600" dirty="0" smtClean="0"/>
+              <a:t> </a:t>
+            </a:r>
+            <a:r>
+              <a:rPr lang="en-US" sz="1600" dirty="0" err="1" smtClean="0"/>
+              <a:t>bước</a:t>
+            </a:r>
+            <a:r>
+              <a:rPr lang="en-US" sz="1600" dirty="0" smtClean="0"/>
+              <a:t> </a:t>
+            </a:r>
+            <a:r>
+              <a:rPr lang="en-US" sz="1600" dirty="0" err="1" smtClean="0"/>
+              <a:t>trước</a:t>
+            </a:r>
+            <a:r>
+              <a:rPr lang="en-US" sz="1600" dirty="0" smtClean="0"/>
+              <a:t> </a:t>
+            </a:r>
+            <a:r>
+              <a:rPr lang="en-US" sz="1600" dirty="0" err="1" smtClean="0"/>
+              <a:t>sẽ</a:t>
+            </a:r>
+            <a:r>
+              <a:rPr lang="en-US" sz="1600" dirty="0" smtClean="0"/>
+              <a:t> </a:t>
+            </a:r>
+            <a:r>
+              <a:rPr lang="en-US" sz="1600" dirty="0" err="1" smtClean="0"/>
+              <a:t>được</a:t>
+            </a:r>
+            <a:r>
+              <a:rPr lang="en-US" sz="1600" dirty="0" smtClean="0"/>
+              <a:t> dung </a:t>
+            </a:r>
+            <a:r>
+              <a:rPr lang="en-US" sz="1600" dirty="0" err="1" smtClean="0"/>
+              <a:t>để</a:t>
+            </a:r>
+            <a:r>
+              <a:rPr lang="en-US" sz="1600" dirty="0" smtClean="0"/>
+              <a:t> </a:t>
+            </a:r>
+            <a:r>
+              <a:rPr lang="en-US" sz="1600" dirty="0" err="1" smtClean="0"/>
+              <a:t>cập</a:t>
+            </a:r>
+            <a:r>
+              <a:rPr lang="en-US" sz="1600" dirty="0" smtClean="0"/>
+              <a:t> </a:t>
+            </a:r>
+            <a:r>
+              <a:rPr lang="en-US" sz="1600" dirty="0" err="1" smtClean="0"/>
+              <a:t>nhật</a:t>
+            </a:r>
+            <a:r>
+              <a:rPr lang="en-US" sz="1600" dirty="0" smtClean="0"/>
+              <a:t> </a:t>
+            </a:r>
+            <a:r>
+              <a:rPr lang="en-US" sz="1600" dirty="0" err="1" smtClean="0"/>
+              <a:t>trạng</a:t>
+            </a:r>
+            <a:r>
+              <a:rPr lang="en-US" sz="1600" dirty="0" smtClean="0"/>
+              <a:t> </a:t>
+            </a:r>
+            <a:r>
+              <a:rPr lang="en-US" sz="1600" dirty="0" err="1" smtClean="0"/>
+              <a:t>thái</a:t>
+            </a:r>
+            <a:r>
+              <a:rPr lang="en-US" sz="1600" dirty="0" smtClean="0"/>
+              <a:t> </a:t>
+            </a:r>
+            <a:r>
+              <a:rPr lang="en-US" sz="1600" dirty="0" err="1" smtClean="0"/>
+              <a:t>ẩn</a:t>
+            </a:r>
+            <a:r>
+              <a:rPr lang="en-US" sz="1600" dirty="0" smtClean="0"/>
+              <a:t> </a:t>
+            </a:r>
+            <a:r>
+              <a:rPr lang="en-US" sz="1600" dirty="0" err="1" smtClean="0"/>
+              <a:t>của</a:t>
+            </a:r>
+            <a:r>
+              <a:rPr lang="en-US" sz="1600" dirty="0" smtClean="0"/>
+              <a:t> </a:t>
+            </a:r>
+            <a:r>
+              <a:rPr lang="en-US" sz="1600" dirty="0" err="1" smtClean="0"/>
+              <a:t>bước</a:t>
+            </a:r>
+            <a:r>
+              <a:rPr lang="en-US" sz="1600" dirty="0" smtClean="0"/>
+              <a:t> </a:t>
+            </a:r>
+            <a:r>
+              <a:rPr lang="en-US" sz="1600" dirty="0" err="1" smtClean="0"/>
+              <a:t>hiện</a:t>
+            </a:r>
+            <a:r>
+              <a:rPr lang="en-US" sz="1600" dirty="0" smtClean="0"/>
+              <a:t> </a:t>
+            </a:r>
+            <a:r>
+              <a:rPr lang="en-US" sz="1600" dirty="0" err="1" smtClean="0"/>
+              <a:t>tại</a:t>
+            </a:r>
+            <a:endParaRPr lang="en-US" sz="1600" dirty="0" smtClean="0"/>
+          </a:p>
+          <a:p>
+            <a:pPr lvl="1"/>
+            <a:endParaRPr lang="en-US" sz="1600" dirty="0"/>
+          </a:p>
+          <a:p>
+            <a:r>
+              <a:rPr lang="en-US" sz="2000" dirty="0" err="1" smtClean="0"/>
+              <a:t>Trong</a:t>
+            </a:r>
+            <a:r>
+              <a:rPr lang="en-US" sz="2000" dirty="0" smtClean="0"/>
+              <a:t> GRU:</a:t>
+            </a:r>
+          </a:p>
+          <a:p>
+            <a:pPr lvl="1"/>
+            <a:r>
+              <a:rPr lang="en-US" sz="1600" dirty="0" err="1" smtClean="0"/>
+              <a:t>Cổng</a:t>
+            </a:r>
+            <a:r>
+              <a:rPr lang="en-US" sz="1600" dirty="0" smtClean="0"/>
+              <a:t> reset </a:t>
+            </a:r>
+            <a:r>
+              <a:rPr lang="en-US" sz="1600" dirty="0" err="1" smtClean="0"/>
+              <a:t>dùng</a:t>
+            </a:r>
+            <a:r>
+              <a:rPr lang="en-US" sz="1600" dirty="0" smtClean="0"/>
+              <a:t> </a:t>
+            </a:r>
+            <a:r>
+              <a:rPr lang="en-US" sz="1600" dirty="0" err="1" smtClean="0"/>
+              <a:t>để</a:t>
+            </a:r>
+            <a:r>
+              <a:rPr lang="en-US" sz="1600" dirty="0" smtClean="0"/>
+              <a:t> </a:t>
+            </a:r>
+            <a:r>
+              <a:rPr lang="en-US" sz="1600" dirty="0" err="1" smtClean="0"/>
+              <a:t>lưu</a:t>
+            </a:r>
+            <a:r>
+              <a:rPr lang="en-US" sz="1600" dirty="0" smtClean="0"/>
+              <a:t> </a:t>
+            </a:r>
+            <a:r>
+              <a:rPr lang="en-US" sz="1600" dirty="0" err="1" smtClean="0"/>
+              <a:t>lại</a:t>
+            </a:r>
+            <a:r>
+              <a:rPr lang="en-US" sz="1600" dirty="0" smtClean="0"/>
+              <a:t> </a:t>
+            </a:r>
+            <a:r>
+              <a:rPr lang="en-US" sz="1600" dirty="0" err="1" smtClean="0"/>
+              <a:t>sự</a:t>
+            </a:r>
+            <a:r>
+              <a:rPr lang="en-US" sz="1600" dirty="0" smtClean="0"/>
+              <a:t> </a:t>
+            </a:r>
+            <a:r>
+              <a:rPr lang="en-US" sz="1600" dirty="0" err="1" smtClean="0"/>
+              <a:t>phụ</a:t>
+            </a:r>
+            <a:r>
+              <a:rPr lang="en-US" sz="1600" dirty="0" smtClean="0"/>
+              <a:t> </a:t>
+            </a:r>
+            <a:r>
+              <a:rPr lang="en-US" sz="1600" dirty="0" err="1" smtClean="0"/>
+              <a:t>thuộc</a:t>
+            </a:r>
+            <a:r>
+              <a:rPr lang="en-US" sz="1600" dirty="0" smtClean="0"/>
+              <a:t> </a:t>
+            </a:r>
+            <a:r>
+              <a:rPr lang="en-US" sz="1600" dirty="0" err="1" smtClean="0"/>
+              <a:t>trong</a:t>
+            </a:r>
+            <a:r>
+              <a:rPr lang="en-US" sz="1600" dirty="0" smtClean="0"/>
+              <a:t> </a:t>
+            </a:r>
+            <a:r>
+              <a:rPr lang="en-US" sz="1600" dirty="0" err="1" smtClean="0"/>
+              <a:t>ngắn</a:t>
+            </a:r>
+            <a:r>
+              <a:rPr lang="en-US" sz="1600" dirty="0" smtClean="0"/>
+              <a:t> </a:t>
+            </a:r>
+            <a:r>
+              <a:rPr lang="en-US" sz="1600" dirty="0" err="1" smtClean="0"/>
+              <a:t>hạn</a:t>
+            </a:r>
+            <a:endParaRPr lang="en-US" sz="1600" dirty="0" smtClean="0"/>
+          </a:p>
+          <a:p>
+            <a:pPr lvl="1"/>
+            <a:r>
+              <a:rPr lang="en-US" sz="1600" dirty="0" err="1" smtClean="0"/>
+              <a:t>Cổng</a:t>
+            </a:r>
+            <a:r>
+              <a:rPr lang="en-US" sz="1600" dirty="0"/>
+              <a:t> </a:t>
+            </a:r>
+            <a:r>
+              <a:rPr lang="en-US" sz="1600" dirty="0" smtClean="0"/>
+              <a:t>update dung </a:t>
+            </a:r>
+            <a:r>
+              <a:rPr lang="en-US" sz="1600" dirty="0" err="1" smtClean="0"/>
+              <a:t>để</a:t>
+            </a:r>
+            <a:r>
+              <a:rPr lang="en-US" sz="1600" dirty="0" smtClean="0"/>
+              <a:t> </a:t>
+            </a:r>
+            <a:r>
+              <a:rPr lang="en-US" sz="1600" dirty="0" err="1" smtClean="0"/>
+              <a:t>lưu</a:t>
+            </a:r>
+            <a:r>
+              <a:rPr lang="en-US" sz="1600" dirty="0" smtClean="0"/>
+              <a:t> </a:t>
+            </a:r>
+            <a:r>
+              <a:rPr lang="en-US" sz="1600" dirty="0" err="1" smtClean="0"/>
+              <a:t>lại</a:t>
+            </a:r>
+            <a:r>
+              <a:rPr lang="en-US" sz="1600" dirty="0" smtClean="0"/>
+              <a:t> </a:t>
+            </a:r>
+            <a:r>
+              <a:rPr lang="en-US" sz="1600" dirty="0" err="1" smtClean="0"/>
+              <a:t>sự</a:t>
+            </a:r>
+            <a:r>
+              <a:rPr lang="en-US" sz="1600" dirty="0" smtClean="0"/>
+              <a:t> </a:t>
+            </a:r>
+            <a:r>
+              <a:rPr lang="en-US" sz="1600" dirty="0" err="1" smtClean="0"/>
+              <a:t>phụ</a:t>
+            </a:r>
+            <a:r>
+              <a:rPr lang="en-US" sz="1600" dirty="0" smtClean="0"/>
+              <a:t> </a:t>
+            </a:r>
+            <a:r>
+              <a:rPr lang="en-US" sz="1600" dirty="0" err="1" smtClean="0"/>
+              <a:t>thuộc</a:t>
+            </a:r>
+            <a:r>
+              <a:rPr lang="en-US" sz="1600" dirty="0" smtClean="0"/>
+              <a:t> </a:t>
+            </a:r>
+            <a:r>
+              <a:rPr lang="en-US" sz="1600" dirty="0" err="1" smtClean="0"/>
+              <a:t>trong</a:t>
+            </a:r>
+            <a:r>
+              <a:rPr lang="en-US" sz="1600" dirty="0" smtClean="0"/>
+              <a:t> </a:t>
+            </a:r>
+            <a:r>
+              <a:rPr lang="en-US" sz="1600" dirty="0" err="1" smtClean="0"/>
+              <a:t>dài</a:t>
+            </a:r>
+            <a:r>
+              <a:rPr lang="en-US" sz="1600" dirty="0" smtClean="0"/>
+              <a:t> </a:t>
+            </a:r>
+            <a:r>
+              <a:rPr lang="en-US" sz="1600" dirty="0" err="1" smtClean="0"/>
+              <a:t>hạn</a:t>
+            </a:r>
+            <a:endParaRPr lang="en-US" sz="1600" dirty="0"/>
+          </a:p>
+        </p:txBody>
+      </p:sp>
+    </p:spTree>
+    <p:extLst>
+      <p:ext uri="{BB962C8B-B14F-4D97-AF65-F5344CB8AC3E}">
+        <p14:creationId xmlns:p14="http://schemas.microsoft.com/office/powerpoint/2010/main" val="3515621815"/>
+      </p:ext>
+    </p:extLst>
+  </p:cSld>
+  <p:clrMapOvr>
+    <a:masterClrMapping/>
+  </p:clrMapOvr>
+</p:sld>
+</file>
+
+<file path=ppt/slides/slide6.xml><?xml version="1.0" encoding="utf-8"?>
+<p:sld xmlns:a="http://schemas.openxmlformats.org/drawingml/2006/main" xmlns:r="http://schemas.openxmlformats.org/officeDocument/2006/relationships" xmlns:p="http://schemas.openxmlformats.org/presentationml/2006/main">
+  <p:cSld>
+    <p:spTree>
+      <p:nvGrpSpPr>
+        <p:cNvPr id="1" name=""/>
+        <p:cNvGrpSpPr/>
+        <p:nvPr/>
+      </p:nvGrpSpPr>
+      <p:grpSpPr>
+        <a:xfrm>
+          <a:off x="0" y="0"/>
+          <a:ext cx="0" cy="0"/>
+          <a:chOff x="0" y="0"/>
+          <a:chExt cx="0" cy="0"/>
+        </a:xfrm>
+      </p:grpSpPr>
+      <p:sp>
+        <p:nvSpPr>
+          <p:cNvPr id="2" name="Title 1"/>
+          <p:cNvSpPr>
+            <a:spLocks noGrp="1"/>
+          </p:cNvSpPr>
+          <p:nvPr>
+            <p:ph type="title"/>
+          </p:nvPr>
+        </p:nvSpPr>
+        <p:spPr/>
+        <p:txBody>
+          <a:bodyPr/>
+          <a:lstStyle/>
+          <a:p>
+            <a:r>
+              <a:rPr lang="en-US" dirty="0" smtClean="0"/>
+              <a:t>Long Short Term Memory (LSTM)</a:t>
+            </a:r>
+            <a:endParaRPr lang="en-US" dirty="0"/>
+          </a:p>
+        </p:txBody>
+      </p:sp>
+      <p:sp>
+        <p:nvSpPr>
+          <p:cNvPr id="3" name="Content Placeholder 2"/>
+          <p:cNvSpPr>
+            <a:spLocks noGrp="1"/>
+          </p:cNvSpPr>
+          <p:nvPr>
+            <p:ph idx="1"/>
+          </p:nvPr>
+        </p:nvSpPr>
+        <p:spPr>
+          <a:xfrm>
+            <a:off x="838200" y="1825625"/>
+            <a:ext cx="5438775" cy="4351338"/>
+          </a:xfrm>
+        </p:spPr>
+        <p:txBody>
+          <a:bodyPr>
+            <a:normAutofit/>
+          </a:bodyPr>
+          <a:lstStyle/>
+          <a:p>
+            <a:r>
+              <a:rPr lang="en-US" sz="2000" dirty="0" smtClean="0"/>
+              <a:t>LSTM </a:t>
+            </a:r>
+            <a:r>
+              <a:rPr lang="en-US" sz="2000" dirty="0" err="1" smtClean="0"/>
+              <a:t>sử</a:t>
+            </a:r>
+            <a:r>
+              <a:rPr lang="en-US" sz="2000" dirty="0" smtClean="0"/>
+              <a:t> </a:t>
+            </a:r>
+            <a:r>
+              <a:rPr lang="en-US" sz="2000" dirty="0" err="1" smtClean="0"/>
+              <a:t>dụng</a:t>
+            </a:r>
+            <a:r>
+              <a:rPr lang="en-US" sz="2000" dirty="0" smtClean="0"/>
+              <a:t> 3 </a:t>
+            </a:r>
+            <a:r>
+              <a:rPr lang="en-US" sz="2000" dirty="0" err="1" smtClean="0"/>
+              <a:t>cổng</a:t>
+            </a:r>
+            <a:r>
+              <a:rPr lang="en-US" sz="2000" dirty="0" smtClean="0"/>
+              <a:t>:</a:t>
+            </a:r>
+          </a:p>
+          <a:p>
+            <a:pPr lvl="1"/>
+            <a:r>
+              <a:rPr lang="en-US" sz="1800" dirty="0" err="1" smtClean="0"/>
+              <a:t>Cổng</a:t>
+            </a:r>
+            <a:r>
+              <a:rPr lang="en-US" sz="1800" dirty="0" smtClean="0"/>
+              <a:t> </a:t>
+            </a:r>
+            <a:r>
+              <a:rPr lang="en-US" sz="1800" dirty="0" err="1" smtClean="0"/>
+              <a:t>quên</a:t>
+            </a:r>
+            <a:r>
+              <a:rPr lang="en-US" sz="1800" dirty="0" smtClean="0"/>
+              <a:t>: </a:t>
+            </a:r>
+            <a:r>
+              <a:rPr lang="en-US" sz="1800" dirty="0" err="1" smtClean="0"/>
+              <a:t>quyết</a:t>
+            </a:r>
+            <a:r>
+              <a:rPr lang="en-US" sz="1800" dirty="0" smtClean="0"/>
+              <a:t> </a:t>
+            </a:r>
+            <a:r>
+              <a:rPr lang="en-US" sz="1800" dirty="0" err="1" smtClean="0"/>
+              <a:t>định</a:t>
+            </a:r>
+            <a:r>
+              <a:rPr lang="en-US" sz="1800" dirty="0" smtClean="0"/>
+              <a:t> </a:t>
+            </a:r>
+            <a:r>
+              <a:rPr lang="en-US" sz="1800" dirty="0" err="1" smtClean="0"/>
+              <a:t>khi</a:t>
+            </a:r>
+            <a:r>
+              <a:rPr lang="en-US" sz="1800" dirty="0" smtClean="0"/>
+              <a:t> </a:t>
+            </a:r>
+            <a:r>
+              <a:rPr lang="en-US" sz="1800" dirty="0" err="1" smtClean="0"/>
+              <a:t>nào</a:t>
+            </a:r>
+            <a:r>
+              <a:rPr lang="en-US" sz="1800" dirty="0" smtClean="0"/>
+              <a:t> reset </a:t>
+            </a:r>
+            <a:r>
+              <a:rPr lang="en-US" sz="1800" dirty="0" err="1" smtClean="0"/>
+              <a:t>giá</a:t>
+            </a:r>
+            <a:r>
+              <a:rPr lang="en-US" sz="1800" dirty="0" smtClean="0"/>
+              <a:t> </a:t>
+            </a:r>
+            <a:r>
+              <a:rPr lang="en-US" sz="1800" dirty="0" err="1" smtClean="0"/>
+              <a:t>trị</a:t>
+            </a:r>
+            <a:r>
+              <a:rPr lang="en-US" sz="1800" dirty="0" smtClean="0"/>
+              <a:t> </a:t>
+            </a:r>
+            <a:r>
+              <a:rPr lang="en-US" sz="1800" dirty="0" err="1" smtClean="0"/>
+              <a:t>mô</a:t>
+            </a:r>
+            <a:r>
+              <a:rPr lang="en-US" sz="1800" dirty="0" smtClean="0"/>
+              <a:t> </a:t>
+            </a:r>
+            <a:r>
+              <a:rPr lang="en-US" sz="1800" dirty="0" err="1" smtClean="0"/>
+              <a:t>hình</a:t>
+            </a:r>
+            <a:endParaRPr lang="en-US" sz="1800" dirty="0" smtClean="0"/>
+          </a:p>
+          <a:p>
+            <a:pPr lvl="1"/>
+            <a:r>
+              <a:rPr lang="en-US" sz="1800" dirty="0" err="1" smtClean="0"/>
+              <a:t>Cổng</a:t>
+            </a:r>
+            <a:r>
+              <a:rPr lang="en-US" sz="1800" dirty="0" smtClean="0"/>
+              <a:t> input: </a:t>
+            </a:r>
+            <a:r>
+              <a:rPr lang="en-US" sz="1800" dirty="0" err="1" smtClean="0"/>
+              <a:t>quyết</a:t>
+            </a:r>
+            <a:r>
+              <a:rPr lang="en-US" sz="1800" dirty="0" smtClean="0"/>
+              <a:t> </a:t>
+            </a:r>
+            <a:r>
+              <a:rPr lang="en-US" sz="1800" dirty="0" err="1" smtClean="0"/>
+              <a:t>định</a:t>
+            </a:r>
+            <a:r>
+              <a:rPr lang="en-US" sz="1800" dirty="0" smtClean="0"/>
+              <a:t> </a:t>
+            </a:r>
+            <a:r>
+              <a:rPr lang="en-US" sz="1800" dirty="0" err="1" smtClean="0"/>
+              <a:t>khi</a:t>
+            </a:r>
+            <a:r>
+              <a:rPr lang="en-US" sz="1800" dirty="0" smtClean="0"/>
+              <a:t> </a:t>
+            </a:r>
+            <a:r>
+              <a:rPr lang="en-US" sz="1800" dirty="0" err="1" smtClean="0"/>
+              <a:t>nào</a:t>
+            </a:r>
+            <a:r>
+              <a:rPr lang="en-US" sz="1800" dirty="0" smtClean="0"/>
+              <a:t> </a:t>
+            </a:r>
+            <a:r>
+              <a:rPr lang="en-US" sz="1800" dirty="0" err="1" smtClean="0"/>
+              <a:t>thì</a:t>
+            </a:r>
+            <a:r>
+              <a:rPr lang="en-US" sz="1800" dirty="0" smtClean="0"/>
+              <a:t> </a:t>
+            </a:r>
+            <a:r>
+              <a:rPr lang="en-US" sz="1800" dirty="0" err="1" smtClean="0"/>
+              <a:t>đọc</a:t>
+            </a:r>
+            <a:r>
+              <a:rPr lang="en-US" sz="1800" dirty="0" smtClean="0"/>
+              <a:t> input</a:t>
+            </a:r>
+          </a:p>
+          <a:p>
+            <a:pPr lvl="1"/>
+            <a:r>
+              <a:rPr lang="en-US" sz="1800" dirty="0" err="1" smtClean="0"/>
+              <a:t>Cổng</a:t>
+            </a:r>
+            <a:r>
+              <a:rPr lang="en-US" sz="1800" dirty="0" smtClean="0"/>
+              <a:t> output: </a:t>
+            </a:r>
+            <a:r>
+              <a:rPr lang="en-US" sz="1800" dirty="0" err="1" smtClean="0"/>
+              <a:t>tính</a:t>
+            </a:r>
+            <a:r>
+              <a:rPr lang="en-US" sz="1800" dirty="0" smtClean="0"/>
+              <a:t> output </a:t>
+            </a:r>
+            <a:r>
+              <a:rPr lang="en-US" sz="1800" dirty="0" err="1" smtClean="0"/>
+              <a:t>từ</a:t>
+            </a:r>
+            <a:r>
+              <a:rPr lang="en-US" sz="1800" dirty="0" smtClean="0"/>
+              <a:t> </a:t>
+            </a:r>
+            <a:r>
+              <a:rPr lang="en-US" sz="1800" dirty="0" err="1" smtClean="0"/>
+              <a:t>mô</a:t>
+            </a:r>
+            <a:r>
+              <a:rPr lang="en-US" sz="1800" dirty="0" smtClean="0"/>
+              <a:t> </a:t>
+            </a:r>
+            <a:r>
+              <a:rPr lang="en-US" sz="1800" dirty="0" err="1" smtClean="0"/>
+              <a:t>hình</a:t>
+            </a:r>
+            <a:endParaRPr lang="en-US" sz="1800" dirty="0" smtClean="0"/>
+          </a:p>
+          <a:p>
+            <a:r>
+              <a:rPr lang="en-US" sz="2000" dirty="0" err="1" smtClean="0"/>
+              <a:t>Cách</a:t>
+            </a:r>
+            <a:r>
+              <a:rPr lang="en-US" sz="2000" dirty="0" smtClean="0"/>
+              <a:t> </a:t>
+            </a:r>
+            <a:r>
+              <a:rPr lang="en-US" sz="2000" dirty="0" err="1" smtClean="0"/>
+              <a:t>tính</a:t>
+            </a:r>
+            <a:r>
+              <a:rPr lang="en-US" sz="2000" dirty="0" smtClean="0"/>
+              <a:t> 3 </a:t>
+            </a:r>
+            <a:r>
+              <a:rPr lang="en-US" sz="2000" dirty="0" err="1" smtClean="0"/>
+              <a:t>cổng</a:t>
+            </a:r>
+            <a:r>
+              <a:rPr lang="en-US" sz="2000" dirty="0" smtClean="0"/>
+              <a:t> </a:t>
+            </a:r>
+            <a:r>
+              <a:rPr lang="en-US" sz="2000" dirty="0" err="1" smtClean="0"/>
+              <a:t>theo</a:t>
+            </a:r>
+            <a:r>
+              <a:rPr lang="en-US" sz="2000" dirty="0" smtClean="0"/>
+              <a:t> </a:t>
+            </a:r>
+            <a:r>
+              <a:rPr lang="en-US" sz="2000" dirty="0" err="1" smtClean="0"/>
+              <a:t>công</a:t>
+            </a:r>
+            <a:r>
+              <a:rPr lang="en-US" sz="2000" dirty="0" smtClean="0"/>
+              <a:t> </a:t>
+            </a:r>
+            <a:r>
+              <a:rPr lang="en-US" sz="2000" dirty="0" err="1" smtClean="0"/>
+              <a:t>thức</a:t>
+            </a:r>
+            <a:r>
+              <a:rPr lang="en-US" sz="2000" dirty="0" smtClean="0"/>
+              <a:t> </a:t>
+            </a:r>
+            <a:r>
+              <a:rPr lang="en-US" sz="2000" dirty="0" err="1" smtClean="0"/>
+              <a:t>sau</a:t>
+            </a:r>
+            <a:r>
+              <a:rPr lang="en-US" sz="2000" dirty="0" smtClean="0"/>
+              <a:t>:</a:t>
+            </a:r>
+            <a:endParaRPr lang="en-US" sz="2000" dirty="0"/>
+          </a:p>
+        </p:txBody>
+      </p:sp>
+      <p:pic>
+        <p:nvPicPr>
+          <p:cNvPr id="7" name="Picture 6"/>
+          <p:cNvPicPr>
+            <a:picLocks noChangeAspect="1"/>
+          </p:cNvPicPr>
+          <p:nvPr/>
+        </p:nvPicPr>
+        <p:blipFill>
+          <a:blip r:embed="rId2"/>
+          <a:stretch>
+            <a:fillRect/>
+          </a:stretch>
+        </p:blipFill>
+        <p:spPr>
+          <a:xfrm>
+            <a:off x="3000375" y="3883025"/>
+            <a:ext cx="3095625" cy="933450"/>
+          </a:xfrm>
+          <a:prstGeom prst="rect">
+            <a:avLst/>
+          </a:prstGeom>
+        </p:spPr>
+      </p:pic>
+      <p:pic>
+        <p:nvPicPr>
+          <p:cNvPr id="4" name="Picture 3"/>
+          <p:cNvPicPr>
+            <a:picLocks noChangeAspect="1"/>
+          </p:cNvPicPr>
+          <p:nvPr/>
+        </p:nvPicPr>
+        <p:blipFill>
+          <a:blip r:embed="rId3"/>
+          <a:stretch>
+            <a:fillRect/>
+          </a:stretch>
+        </p:blipFill>
+        <p:spPr>
+          <a:xfrm>
+            <a:off x="6400800" y="2082800"/>
+            <a:ext cx="5219700" cy="3286125"/>
+          </a:xfrm>
+          <a:prstGeom prst="rect">
+            <a:avLst/>
+          </a:prstGeom>
+        </p:spPr>
+      </p:pic>
+    </p:spTree>
+    <p:extLst>
+      <p:ext uri="{BB962C8B-B14F-4D97-AF65-F5344CB8AC3E}">
+        <p14:creationId xmlns:p14="http://schemas.microsoft.com/office/powerpoint/2010/main" val="339930652"/>
+      </p:ext>
+    </p:extLst>
+  </p:cSld>
+  <p:clrMapOvr>
+    <a:masterClrMapping/>
+  </p:clrMapOvr>
+</p:sld>
+</file>
+
+<file path=ppt/slides/slide7.xml><?xml version="1.0" encoding="utf-8"?>
+<p:sld xmlns:a="http://schemas.openxmlformats.org/drawingml/2006/main" xmlns:r="http://schemas.openxmlformats.org/officeDocument/2006/relationships" xmlns:p="http://schemas.openxmlformats.org/presentationml/2006/main">
+  <p:cSld>
+    <p:spTree>
+      <p:nvGrpSpPr>
+        <p:cNvPr id="1" name=""/>
+        <p:cNvGrpSpPr/>
+        <p:nvPr/>
+      </p:nvGrpSpPr>
+      <p:grpSpPr>
+        <a:xfrm>
+          <a:off x="0" y="0"/>
+          <a:ext cx="0" cy="0"/>
+          <a:chOff x="0" y="0"/>
+          <a:chExt cx="0" cy="0"/>
+        </a:xfrm>
+      </p:grpSpPr>
+      <p:sp>
+        <p:nvSpPr>
+          <p:cNvPr id="2" name="Title 1"/>
+          <p:cNvSpPr>
+            <a:spLocks noGrp="1"/>
+          </p:cNvSpPr>
+          <p:nvPr>
+            <p:ph type="title"/>
+          </p:nvPr>
+        </p:nvSpPr>
+        <p:spPr/>
+        <p:txBody>
+          <a:bodyPr/>
+          <a:lstStyle/>
+          <a:p>
+            <a:r>
+              <a:rPr lang="en-US" dirty="0"/>
+              <a:t>Long Short Term Memory (LSTM)</a:t>
+            </a:r>
+          </a:p>
+        </p:txBody>
+      </p:sp>
+      <p:sp>
+        <p:nvSpPr>
+          <p:cNvPr id="3" name="Content Placeholder 2"/>
+          <p:cNvSpPr>
+            <a:spLocks noGrp="1"/>
+          </p:cNvSpPr>
+          <p:nvPr>
+            <p:ph idx="1"/>
+          </p:nvPr>
+        </p:nvSpPr>
+        <p:spPr>
+          <a:xfrm>
+            <a:off x="838200" y="1825625"/>
+            <a:ext cx="4895850" cy="4351338"/>
+          </a:xfrm>
+        </p:spPr>
+        <p:txBody>
+          <a:bodyPr>
+            <a:normAutofit/>
+          </a:bodyPr>
+          <a:lstStyle/>
+          <a:p>
+            <a:r>
+              <a:rPr lang="en-US" sz="2000" dirty="0" err="1" smtClean="0"/>
+              <a:t>Cổng</a:t>
+            </a:r>
+            <a:r>
+              <a:rPr lang="en-US" sz="2000" dirty="0" smtClean="0"/>
+              <a:t> </a:t>
+            </a:r>
+            <a:r>
+              <a:rPr lang="en-US" sz="2000" dirty="0" err="1" smtClean="0"/>
+              <a:t>nhớ</a:t>
+            </a:r>
+            <a:r>
+              <a:rPr lang="en-US" sz="2000" dirty="0" smtClean="0"/>
+              <a:t> (memory cell)</a:t>
+            </a:r>
+            <a:r>
+              <a:rPr lang="vi-VN" sz="2000" dirty="0" smtClean="0"/>
+              <a:t> đề nghị:</a:t>
+            </a:r>
+            <a:endParaRPr lang="en-US" sz="2000" dirty="0"/>
+          </a:p>
+        </p:txBody>
+      </p:sp>
+      <p:pic>
+        <p:nvPicPr>
+          <p:cNvPr id="8" name="Picture 7"/>
+          <p:cNvPicPr>
+            <a:picLocks noChangeAspect="1"/>
+          </p:cNvPicPr>
+          <p:nvPr/>
+        </p:nvPicPr>
+        <p:blipFill>
+          <a:blip r:embed="rId2"/>
+          <a:stretch>
+            <a:fillRect/>
+          </a:stretch>
+        </p:blipFill>
+        <p:spPr>
+          <a:xfrm>
+            <a:off x="1403498" y="2252227"/>
+            <a:ext cx="4172044" cy="571679"/>
+          </a:xfrm>
+          <a:prstGeom prst="rect">
+            <a:avLst/>
+          </a:prstGeom>
+        </p:spPr>
+      </p:pic>
+      <p:pic>
+        <p:nvPicPr>
+          <p:cNvPr id="4" name="Picture 3"/>
+          <p:cNvPicPr>
+            <a:picLocks noChangeAspect="1"/>
+          </p:cNvPicPr>
+          <p:nvPr/>
+        </p:nvPicPr>
+        <p:blipFill>
+          <a:blip r:embed="rId3"/>
+          <a:stretch>
+            <a:fillRect/>
+          </a:stretch>
+        </p:blipFill>
+        <p:spPr>
+          <a:xfrm>
+            <a:off x="6096000" y="1825625"/>
+            <a:ext cx="5181600" cy="3276600"/>
+          </a:xfrm>
+          <a:prstGeom prst="rect">
+            <a:avLst/>
+          </a:prstGeom>
+        </p:spPr>
+      </p:pic>
+    </p:spTree>
+    <p:extLst>
+      <p:ext uri="{BB962C8B-B14F-4D97-AF65-F5344CB8AC3E}">
+        <p14:creationId xmlns:p14="http://schemas.microsoft.com/office/powerpoint/2010/main" val="1020784851"/>
+      </p:ext>
+    </p:extLst>
+  </p:cSld>
+  <p:clrMapOvr>
+    <a:masterClrMapping/>
+  </p:clrMapOvr>
+</p:sld>
+</file>
+
+<file path=ppt/slides/slide8.xml><?xml version="1.0" encoding="utf-8"?>
+<p:sld xmlns:a="http://schemas.openxmlformats.org/drawingml/2006/main" xmlns:r="http://schemas.openxmlformats.org/officeDocument/2006/relationships" xmlns:p="http://schemas.openxmlformats.org/presentationml/2006/main">
+  <p:cSld>
+    <p:spTree>
+      <p:nvGrpSpPr>
+        <p:cNvPr id="1" name=""/>
+        <p:cNvGrpSpPr/>
+        <p:nvPr/>
+      </p:nvGrpSpPr>
+      <p:grpSpPr>
+        <a:xfrm>
+          <a:off x="0" y="0"/>
+          <a:ext cx="0" cy="0"/>
+          <a:chOff x="0" y="0"/>
+          <a:chExt cx="0" cy="0"/>
+        </a:xfrm>
+      </p:grpSpPr>
+      <p:sp>
+        <p:nvSpPr>
+          <p:cNvPr id="2" name="Title 1"/>
+          <p:cNvSpPr>
+            <a:spLocks noGrp="1"/>
+          </p:cNvSpPr>
+          <p:nvPr>
+            <p:ph type="title"/>
+          </p:nvPr>
+        </p:nvSpPr>
+        <p:spPr/>
+        <p:txBody>
+          <a:bodyPr/>
+          <a:lstStyle/>
+          <a:p>
+            <a:r>
+              <a:rPr lang="en-US" dirty="0"/>
+              <a:t>Long Short Term Memory (LSTM)</a:t>
+            </a:r>
+          </a:p>
+        </p:txBody>
+      </p:sp>
+      <p:sp>
+        <p:nvSpPr>
+          <p:cNvPr id="3" name="Content Placeholder 2"/>
+          <p:cNvSpPr>
+            <a:spLocks noGrp="1"/>
+          </p:cNvSpPr>
+          <p:nvPr>
+            <p:ph idx="1"/>
+          </p:nvPr>
+        </p:nvSpPr>
+        <p:spPr>
+          <a:xfrm>
+            <a:off x="838200" y="1825625"/>
+            <a:ext cx="5052237" cy="4351338"/>
+          </a:xfrm>
+        </p:spPr>
+        <p:txBody>
+          <a:bodyPr>
+            <a:normAutofit/>
+          </a:bodyPr>
+          <a:lstStyle/>
+          <a:p>
+            <a:r>
+              <a:rPr lang="vi-VN" sz="2000" dirty="0" smtClean="0"/>
+              <a:t>Cổng nhớ và trạng thái ẩn:</a:t>
+            </a:r>
+          </a:p>
+          <a:p>
+            <a:endParaRPr lang="vi-VN" sz="2000" dirty="0"/>
+          </a:p>
+          <a:p>
+            <a:endParaRPr lang="vi-VN" sz="2000" dirty="0" smtClean="0"/>
+          </a:p>
+          <a:p>
+            <a:endParaRPr lang="vi-VN" sz="2000" dirty="0"/>
+          </a:p>
+          <a:p>
+            <a:r>
+              <a:rPr lang="vi-VN" sz="2000" dirty="0" smtClean="0"/>
+              <a:t>Tóm tắt:</a:t>
+            </a:r>
+          </a:p>
+          <a:p>
+            <a:pPr lvl="1"/>
+            <a:r>
+              <a:rPr lang="vi-VN" sz="1600" dirty="0" smtClean="0"/>
+              <a:t>Cổng input để tính sự ảnh hưởng của input tại thời điểm hiện tại thông qua phép tính C~</a:t>
+            </a:r>
+          </a:p>
+          <a:p>
+            <a:pPr lvl="1"/>
+            <a:r>
+              <a:rPr lang="vi-VN" sz="1600" dirty="0" smtClean="0"/>
+              <a:t>Cổng quên F quyết định nên giữ lại bao nhiêu từ cổng nhớ thời điểm trước, từ đó tính toán C của mô hình</a:t>
+            </a:r>
+          </a:p>
+          <a:p>
+            <a:pPr lvl="1"/>
+            <a:r>
+              <a:rPr lang="vi-VN" sz="1600" dirty="0" smtClean="0"/>
+              <a:t>H được tính bằng cổng output</a:t>
+            </a:r>
+          </a:p>
+          <a:p>
+            <a:endParaRPr lang="en-US" sz="2000" dirty="0"/>
+          </a:p>
+        </p:txBody>
+      </p:sp>
+      <p:pic>
+        <p:nvPicPr>
+          <p:cNvPr id="9" name="Picture 8"/>
+          <p:cNvPicPr>
+            <a:picLocks noChangeAspect="1"/>
+          </p:cNvPicPr>
+          <p:nvPr/>
+        </p:nvPicPr>
+        <p:blipFill>
+          <a:blip r:embed="rId2"/>
+          <a:stretch>
+            <a:fillRect/>
+          </a:stretch>
+        </p:blipFill>
+        <p:spPr>
+          <a:xfrm>
+            <a:off x="6370722" y="1619189"/>
+            <a:ext cx="5342829" cy="2733003"/>
+          </a:xfrm>
+          <a:prstGeom prst="rect">
+            <a:avLst/>
+          </a:prstGeom>
+        </p:spPr>
+      </p:pic>
+      <p:pic>
+        <p:nvPicPr>
+          <p:cNvPr id="10" name="Picture 9"/>
+          <p:cNvPicPr>
+            <a:picLocks noChangeAspect="1"/>
+          </p:cNvPicPr>
+          <p:nvPr/>
+        </p:nvPicPr>
+        <p:blipFill>
+          <a:blip r:embed="rId3"/>
+          <a:stretch>
+            <a:fillRect/>
+          </a:stretch>
+        </p:blipFill>
+        <p:spPr>
+          <a:xfrm>
+            <a:off x="2048097" y="2181935"/>
+            <a:ext cx="2343150" cy="419100"/>
+          </a:xfrm>
+          <a:prstGeom prst="rect">
+            <a:avLst/>
+          </a:prstGeom>
+        </p:spPr>
+      </p:pic>
+      <p:pic>
+        <p:nvPicPr>
+          <p:cNvPr id="11" name="Picture 10"/>
+          <p:cNvPicPr>
+            <a:picLocks noChangeAspect="1"/>
+          </p:cNvPicPr>
+          <p:nvPr/>
+        </p:nvPicPr>
+        <p:blipFill>
+          <a:blip r:embed="rId4"/>
+          <a:stretch>
+            <a:fillRect/>
+          </a:stretch>
+        </p:blipFill>
+        <p:spPr>
+          <a:xfrm>
+            <a:off x="2048097" y="2865470"/>
+            <a:ext cx="1981200" cy="400050"/>
+          </a:xfrm>
+          <a:prstGeom prst="rect">
+            <a:avLst/>
+          </a:prstGeom>
+        </p:spPr>
+      </p:pic>
+    </p:spTree>
+    <p:extLst>
+      <p:ext uri="{BB962C8B-B14F-4D97-AF65-F5344CB8AC3E}">
+        <p14:creationId xmlns:p14="http://schemas.microsoft.com/office/powerpoint/2010/main" val="1338627760"/>
+      </p:ext>
+    </p:extLst>
+  </p:cSld>
+  <p:clrMapOvr>
+    <a:masterClrMapping/>
+  </p:clrMapOvr>
+</p:sld>
+</file>
+
 <file path=ppt/slides/slide9.xml><?xml version="1.0" encoding="utf-8"?>
 <p:sld xmlns:a="http://schemas.openxmlformats.org/drawingml/2006/main" xmlns:r="http://schemas.openxmlformats.org/officeDocument/2006/relationships" xmlns:p="http://schemas.openxmlformats.org/presentationml/2006/main">
   <p:cSld>
@@ -5137,7 +10877,7 @@
           <a:p>
             <a:r>
               <a:rPr lang="en-US" dirty="0" smtClean="0"/>
-              <a:t>Greedy search</a:t>
+              <a:t>Deep RNN</a:t>
             </a:r>
             <a:endParaRPr lang="en-US" dirty="0"/>
           </a:p>
@@ -5153,12 +10893,29 @@
             <p:ph idx="1"/>
           </p:nvPr>
         </p:nvSpPr>
-        <p:spPr/>
-        <p:txBody>
-          <a:bodyPr/>
+        <p:spPr>
+          <a:xfrm>
+            <a:off x="838200" y="1825625"/>
+            <a:ext cx="5573233" cy="4351338"/>
+          </a:xfrm>
+        </p:spPr>
+        <p:txBody>
+          <a:bodyPr>
+            <a:normAutofit/>
+          </a:bodyPr>
           <a:lstStyle/>
           <a:p>
-            <a:endParaRPr lang="en-US"/>
+            <a:r>
+              <a:rPr lang="vi-VN" sz="1800" dirty="0" smtClean="0"/>
+              <a:t>Ta có thể chồng nhiều lớp RNN hoặc LSTM, GRU bằng cách lấy trạng thái ẩn của lớp trước làm input cho lớp sau và input cho thời điểm sau cùng lúc</a:t>
+            </a:r>
+          </a:p>
+          <a:p>
+            <a:r>
+              <a:rPr lang="vi-VN" sz="1800" dirty="0" smtClean="0"/>
+              <a:t>Cách tính toán trạng thái ẩn và out put của mô hình:</a:t>
+            </a:r>
+            <a:endParaRPr lang="en-US" sz="1800" dirty="0"/>
           </a:p>
         </p:txBody>
       </p:sp>
@@ -5178,8 +10935,8 @@
         </p:blipFill>
         <p:spPr>
           <a:xfrm>
-            <a:off x="2565888" y="2660894"/>
-            <a:ext cx="2400300" cy="1495425"/>
+            <a:off x="7211890" y="2258157"/>
+            <a:ext cx="3219450" cy="3695700"/>
           </a:xfrm>
           <a:prstGeom prst="rect">
             <a:avLst/>
@@ -5202,8 +10959,32 @@
         </p:blipFill>
         <p:spPr>
           <a:xfrm>
-            <a:off x="7098688" y="2708518"/>
-            <a:ext cx="2390775" cy="1400175"/>
+            <a:off x="1703756" y="3671819"/>
+            <a:ext cx="3457575" cy="504825"/>
+          </a:xfrm>
+          <a:prstGeom prst="rect">
+            <a:avLst/>
+          </a:prstGeom>
+        </p:spPr>
+      </p:pic>
+      <p:pic>
+        <p:nvPicPr>
+          <p:cNvPr id="6" name="Picture 5"/>
+          <p:cNvPicPr>
+            <a:picLocks noChangeAspect="1"/>
+          </p:cNvPicPr>
+          <p:nvPr/>
+        </p:nvPicPr>
+        <p:blipFill>
+          <a:blip r:embed="rId4"/>
+          <a:stretch>
+            <a:fillRect/>
+          </a:stretch>
+        </p:blipFill>
+        <p:spPr>
+          <a:xfrm>
+            <a:off x="1703756" y="4311581"/>
+            <a:ext cx="1952625" cy="523875"/>
           </a:xfrm>
           <a:prstGeom prst="rect">
             <a:avLst/>
@@ -5213,7 +10994,7 @@
     </p:spTree>
     <p:extLst>
       <p:ext uri="{BB962C8B-B14F-4D97-AF65-F5344CB8AC3E}">
-        <p14:creationId xmlns:p14="http://schemas.microsoft.com/office/powerpoint/2010/main" val="2046263806"/>
+        <p14:creationId xmlns:p14="http://schemas.microsoft.com/office/powerpoint/2010/main" val="1671714901"/>
       </p:ext>
     </p:extLst>
   </p:cSld>

--- a/slide/week5/week5 RNN.pptx
+++ b/slide/week5/week5 RNN.pptx
@@ -219,7 +219,7 @@
           <a:p>
             <a:fld id="{51CA9FB8-3050-46C5-BCC2-01B763353D55}" type="datetimeFigureOut">
               <a:rPr lang="en-US" smtClean="0"/>
-              <a:t>7/30/2022</a:t>
+              <a:t>10/28/2022</a:t>
             </a:fld>
             <a:endParaRPr lang="en-US"/>
           </a:p>
@@ -283,38 +283,37 @@
           <a:p>
             <a:pPr lvl="0"/>
             <a:r>
-              <a:rPr lang="en-US" smtClean="0"/>
+              <a:rPr lang="en-US"/>
               <a:t>Edit Master text styles</a:t>
             </a:r>
           </a:p>
           <a:p>
             <a:pPr lvl="1"/>
             <a:r>
-              <a:rPr lang="en-US" smtClean="0"/>
+              <a:rPr lang="en-US"/>
               <a:t>Second level</a:t>
             </a:r>
           </a:p>
           <a:p>
             <a:pPr lvl="2"/>
             <a:r>
-              <a:rPr lang="en-US" smtClean="0"/>
+              <a:rPr lang="en-US"/>
               <a:t>Third level</a:t>
             </a:r>
           </a:p>
           <a:p>
             <a:pPr lvl="3"/>
             <a:r>
-              <a:rPr lang="en-US" smtClean="0"/>
+              <a:rPr lang="en-US"/>
               <a:t>Fourth level</a:t>
             </a:r>
           </a:p>
           <a:p>
             <a:pPr lvl="4"/>
             <a:r>
-              <a:rPr lang="en-US" smtClean="0"/>
+              <a:rPr lang="en-US"/>
               <a:t>Fifth level</a:t>
             </a:r>
-            <a:endParaRPr lang="en-US"/>
           </a:p>
         </p:txBody>
       </p:sp>
@@ -532,10 +531,9 @@
           <a:lstStyle/>
           <a:p>
             <a:r>
-              <a:rPr lang="en-US" dirty="0" smtClean="0"/>
+              <a:rPr lang="en-US" dirty="0"/>
               <a:t>https://d2l.ai/chapter_recurrent-modern/gru.html</a:t>
             </a:r>
-            <a:endParaRPr lang="en-US" dirty="0"/>
           </a:p>
         </p:txBody>
       </p:sp>
@@ -620,10 +618,9 @@
           <a:lstStyle/>
           <a:p>
             <a:r>
-              <a:rPr lang="en-US" dirty="0" smtClean="0"/>
+              <a:rPr lang="en-US" dirty="0"/>
               <a:t>https://d2l.ai/chapter_recurrent-modern/gru.html</a:t>
             </a:r>
-            <a:endParaRPr lang="en-US" dirty="0"/>
           </a:p>
         </p:txBody>
       </p:sp>
@@ -708,10 +705,9 @@
           <a:lstStyle/>
           <a:p>
             <a:r>
-              <a:rPr lang="en-US" dirty="0" smtClean="0"/>
+              <a:rPr lang="en-US" dirty="0"/>
               <a:t>https://d2l.ai/chapter_recurrent-modern/gru.html</a:t>
             </a:r>
-            <a:endParaRPr lang="en-US" dirty="0"/>
           </a:p>
         </p:txBody>
       </p:sp>
@@ -796,10 +792,9 @@
           <a:lstStyle/>
           <a:p>
             <a:r>
-              <a:rPr lang="en-US" dirty="0" smtClean="0"/>
+              <a:rPr lang="en-US" dirty="0"/>
               <a:t>https://d2l.ai/chapter_recurrent-modern/bi-rnn.html</a:t>
             </a:r>
-            <a:endParaRPr lang="en-US" dirty="0"/>
           </a:p>
         </p:txBody>
       </p:sp>
@@ -884,18 +879,17 @@
           <a:lstStyle/>
           <a:p>
             <a:r>
-              <a:rPr lang="en-US" dirty="0" smtClean="0"/>
+              <a:rPr lang="en-US" dirty="0"/>
               <a:t>Tung </a:t>
             </a:r>
             <a:r>
-              <a:rPr lang="en-US" dirty="0" err="1" smtClean="0"/>
+              <a:rPr lang="en-US" dirty="0" err="1"/>
               <a:t>buoc</a:t>
             </a:r>
             <a:r>
-              <a:rPr lang="en-US" dirty="0" smtClean="0"/>
+              <a:rPr lang="en-US" dirty="0"/>
               <a:t> inference</a:t>
             </a:r>
-            <a:endParaRPr lang="en-US" dirty="0"/>
           </a:p>
         </p:txBody>
       </p:sp>
@@ -997,7 +991,7 @@
               <a:defRPr/>
             </a:pPr>
             <a:r>
-              <a:rPr lang="en-US" dirty="0" smtClean="0"/>
+              <a:rPr lang="en-US" dirty="0"/>
               <a:t>https://www.kaggle.com/code/taronzakaryan/predicting-stock-price-using-lstm-model-pytorch/notebook</a:t>
             </a:r>
           </a:p>
@@ -1020,10 +1014,10 @@
               <a:defRPr/>
             </a:pPr>
             <a:r>
-              <a:rPr lang="en-US" smtClean="0"/>
+              <a:rPr lang="en-US"/>
               <a:t>https://jovian.ai/nagendhiran-r/predicting-stock-price-using-pytorch</a:t>
             </a:r>
-            <a:endParaRPr lang="en-US" dirty="0" smtClean="0"/>
+            <a:endParaRPr lang="en-US" dirty="0"/>
           </a:p>
           <a:p>
             <a:endParaRPr lang="en-US" dirty="0"/>
@@ -1108,10 +1102,9 @@
           </a:lstStyle>
           <a:p>
             <a:r>
-              <a:rPr lang="en-US" smtClean="0"/>
+              <a:rPr lang="en-US"/>
               <a:t>Click to edit Master title style</a:t>
             </a:r>
-            <a:endParaRPr lang="en-US"/>
           </a:p>
         </p:txBody>
       </p:sp>
@@ -1173,10 +1166,9 @@
           </a:lstStyle>
           <a:p>
             <a:r>
-              <a:rPr lang="en-US" smtClean="0"/>
+              <a:rPr lang="en-US"/>
               <a:t>Click to edit Master subtitle style</a:t>
             </a:r>
-            <a:endParaRPr lang="en-US"/>
           </a:p>
         </p:txBody>
       </p:sp>
@@ -1197,7 +1189,7 @@
           <a:p>
             <a:fld id="{605F9D8B-F268-4FDC-9177-FD3B20249225}" type="datetimeFigureOut">
               <a:rPr lang="en-US" smtClean="0"/>
-              <a:t>7/30/2022</a:t>
+              <a:t>10/28/2022</a:t>
             </a:fld>
             <a:endParaRPr lang="en-US"/>
           </a:p>
@@ -1291,10 +1283,9 @@
           <a:lstStyle/>
           <a:p>
             <a:r>
-              <a:rPr lang="en-US" smtClean="0"/>
+              <a:rPr lang="en-US"/>
               <a:t>Click to edit Master title style</a:t>
             </a:r>
-            <a:endParaRPr lang="en-US"/>
           </a:p>
         </p:txBody>
       </p:sp>
@@ -1315,38 +1306,37 @@
           <a:p>
             <a:pPr lvl="0"/>
             <a:r>
-              <a:rPr lang="en-US" smtClean="0"/>
+              <a:rPr lang="en-US"/>
               <a:t>Edit Master text styles</a:t>
             </a:r>
           </a:p>
           <a:p>
             <a:pPr lvl="1"/>
             <a:r>
-              <a:rPr lang="en-US" smtClean="0"/>
+              <a:rPr lang="en-US"/>
               <a:t>Second level</a:t>
             </a:r>
           </a:p>
           <a:p>
             <a:pPr lvl="2"/>
             <a:r>
-              <a:rPr lang="en-US" smtClean="0"/>
+              <a:rPr lang="en-US"/>
               <a:t>Third level</a:t>
             </a:r>
           </a:p>
           <a:p>
             <a:pPr lvl="3"/>
             <a:r>
-              <a:rPr lang="en-US" smtClean="0"/>
+              <a:rPr lang="en-US"/>
               <a:t>Fourth level</a:t>
             </a:r>
           </a:p>
           <a:p>
             <a:pPr lvl="4"/>
             <a:r>
-              <a:rPr lang="en-US" smtClean="0"/>
+              <a:rPr lang="en-US"/>
               <a:t>Fifth level</a:t>
             </a:r>
-            <a:endParaRPr lang="en-US"/>
           </a:p>
         </p:txBody>
       </p:sp>
@@ -1367,7 +1357,7 @@
           <a:p>
             <a:fld id="{605F9D8B-F268-4FDC-9177-FD3B20249225}" type="datetimeFigureOut">
               <a:rPr lang="en-US" smtClean="0"/>
-              <a:t>7/30/2022</a:t>
+              <a:t>10/28/2022</a:t>
             </a:fld>
             <a:endParaRPr lang="en-US"/>
           </a:p>
@@ -1466,10 +1456,9 @@
           <a:lstStyle/>
           <a:p>
             <a:r>
-              <a:rPr lang="en-US" smtClean="0"/>
+              <a:rPr lang="en-US"/>
               <a:t>Click to edit Master title style</a:t>
             </a:r>
-            <a:endParaRPr lang="en-US"/>
           </a:p>
         </p:txBody>
       </p:sp>
@@ -1495,38 +1484,37 @@
           <a:p>
             <a:pPr lvl="0"/>
             <a:r>
-              <a:rPr lang="en-US" smtClean="0"/>
+              <a:rPr lang="en-US"/>
               <a:t>Edit Master text styles</a:t>
             </a:r>
           </a:p>
           <a:p>
             <a:pPr lvl="1"/>
             <a:r>
-              <a:rPr lang="en-US" smtClean="0"/>
+              <a:rPr lang="en-US"/>
               <a:t>Second level</a:t>
             </a:r>
           </a:p>
           <a:p>
             <a:pPr lvl="2"/>
             <a:r>
-              <a:rPr lang="en-US" smtClean="0"/>
+              <a:rPr lang="en-US"/>
               <a:t>Third level</a:t>
             </a:r>
           </a:p>
           <a:p>
             <a:pPr lvl="3"/>
             <a:r>
-              <a:rPr lang="en-US" smtClean="0"/>
+              <a:rPr lang="en-US"/>
               <a:t>Fourth level</a:t>
             </a:r>
           </a:p>
           <a:p>
             <a:pPr lvl="4"/>
             <a:r>
-              <a:rPr lang="en-US" smtClean="0"/>
+              <a:rPr lang="en-US"/>
               <a:t>Fifth level</a:t>
             </a:r>
-            <a:endParaRPr lang="en-US"/>
           </a:p>
         </p:txBody>
       </p:sp>
@@ -1547,7 +1535,7 @@
           <a:p>
             <a:fld id="{605F9D8B-F268-4FDC-9177-FD3B20249225}" type="datetimeFigureOut">
               <a:rPr lang="en-US" smtClean="0"/>
-              <a:t>7/30/2022</a:t>
+              <a:t>10/28/2022</a:t>
             </a:fld>
             <a:endParaRPr lang="en-US"/>
           </a:p>
@@ -1641,10 +1629,9 @@
           <a:lstStyle/>
           <a:p>
             <a:r>
-              <a:rPr lang="en-US" smtClean="0"/>
+              <a:rPr lang="en-US"/>
               <a:t>Click to edit Master title style</a:t>
             </a:r>
-            <a:endParaRPr lang="en-US"/>
           </a:p>
         </p:txBody>
       </p:sp>
@@ -1665,38 +1652,37 @@
           <a:p>
             <a:pPr lvl="0"/>
             <a:r>
-              <a:rPr lang="en-US" smtClean="0"/>
+              <a:rPr lang="en-US"/>
               <a:t>Edit Master text styles</a:t>
             </a:r>
           </a:p>
           <a:p>
             <a:pPr lvl="1"/>
             <a:r>
-              <a:rPr lang="en-US" smtClean="0"/>
+              <a:rPr lang="en-US"/>
               <a:t>Second level</a:t>
             </a:r>
           </a:p>
           <a:p>
             <a:pPr lvl="2"/>
             <a:r>
-              <a:rPr lang="en-US" smtClean="0"/>
+              <a:rPr lang="en-US"/>
               <a:t>Third level</a:t>
             </a:r>
           </a:p>
           <a:p>
             <a:pPr lvl="3"/>
             <a:r>
-              <a:rPr lang="en-US" smtClean="0"/>
+              <a:rPr lang="en-US"/>
               <a:t>Fourth level</a:t>
             </a:r>
           </a:p>
           <a:p>
             <a:pPr lvl="4"/>
             <a:r>
-              <a:rPr lang="en-US" smtClean="0"/>
+              <a:rPr lang="en-US"/>
               <a:t>Fifth level</a:t>
             </a:r>
-            <a:endParaRPr lang="en-US"/>
           </a:p>
         </p:txBody>
       </p:sp>
@@ -1717,7 +1703,7 @@
           <a:p>
             <a:fld id="{605F9D8B-F268-4FDC-9177-FD3B20249225}" type="datetimeFigureOut">
               <a:rPr lang="en-US" smtClean="0"/>
-              <a:t>7/30/2022</a:t>
+              <a:t>10/28/2022</a:t>
             </a:fld>
             <a:endParaRPr lang="en-US"/>
           </a:p>
@@ -1820,10 +1806,9 @@
           </a:lstStyle>
           <a:p>
             <a:r>
-              <a:rPr lang="en-US" smtClean="0"/>
+              <a:rPr lang="en-US"/>
               <a:t>Click to edit Master title style</a:t>
             </a:r>
-            <a:endParaRPr lang="en-US"/>
           </a:p>
         </p:txBody>
       </p:sp>
@@ -1940,7 +1925,7 @@
           <a:p>
             <a:pPr lvl="0"/>
             <a:r>
-              <a:rPr lang="en-US" smtClean="0"/>
+              <a:rPr lang="en-US"/>
               <a:t>Edit Master text styles</a:t>
             </a:r>
           </a:p>
@@ -1963,7 +1948,7 @@
           <a:p>
             <a:fld id="{605F9D8B-F268-4FDC-9177-FD3B20249225}" type="datetimeFigureOut">
               <a:rPr lang="en-US" smtClean="0"/>
-              <a:t>7/30/2022</a:t>
+              <a:t>10/28/2022</a:t>
             </a:fld>
             <a:endParaRPr lang="en-US"/>
           </a:p>
@@ -2057,10 +2042,9 @@
           <a:lstStyle/>
           <a:p>
             <a:r>
-              <a:rPr lang="en-US" smtClean="0"/>
+              <a:rPr lang="en-US"/>
               <a:t>Click to edit Master title style</a:t>
             </a:r>
-            <a:endParaRPr lang="en-US"/>
           </a:p>
         </p:txBody>
       </p:sp>
@@ -2086,38 +2070,37 @@
           <a:p>
             <a:pPr lvl="0"/>
             <a:r>
-              <a:rPr lang="en-US" smtClean="0"/>
+              <a:rPr lang="en-US"/>
               <a:t>Edit Master text styles</a:t>
             </a:r>
           </a:p>
           <a:p>
             <a:pPr lvl="1"/>
             <a:r>
-              <a:rPr lang="en-US" smtClean="0"/>
+              <a:rPr lang="en-US"/>
               <a:t>Second level</a:t>
             </a:r>
           </a:p>
           <a:p>
             <a:pPr lvl="2"/>
             <a:r>
-              <a:rPr lang="en-US" smtClean="0"/>
+              <a:rPr lang="en-US"/>
               <a:t>Third level</a:t>
             </a:r>
           </a:p>
           <a:p>
             <a:pPr lvl="3"/>
             <a:r>
-              <a:rPr lang="en-US" smtClean="0"/>
+              <a:rPr lang="en-US"/>
               <a:t>Fourth level</a:t>
             </a:r>
           </a:p>
           <a:p>
             <a:pPr lvl="4"/>
             <a:r>
-              <a:rPr lang="en-US" smtClean="0"/>
+              <a:rPr lang="en-US"/>
               <a:t>Fifth level</a:t>
             </a:r>
-            <a:endParaRPr lang="en-US"/>
           </a:p>
         </p:txBody>
       </p:sp>
@@ -2143,38 +2126,37 @@
           <a:p>
             <a:pPr lvl="0"/>
             <a:r>
-              <a:rPr lang="en-US" smtClean="0"/>
+              <a:rPr lang="en-US"/>
               <a:t>Edit Master text styles</a:t>
             </a:r>
           </a:p>
           <a:p>
             <a:pPr lvl="1"/>
             <a:r>
-              <a:rPr lang="en-US" smtClean="0"/>
+              <a:rPr lang="en-US"/>
               <a:t>Second level</a:t>
             </a:r>
           </a:p>
           <a:p>
             <a:pPr lvl="2"/>
             <a:r>
-              <a:rPr lang="en-US" smtClean="0"/>
+              <a:rPr lang="en-US"/>
               <a:t>Third level</a:t>
             </a:r>
           </a:p>
           <a:p>
             <a:pPr lvl="3"/>
             <a:r>
-              <a:rPr lang="en-US" smtClean="0"/>
+              <a:rPr lang="en-US"/>
               <a:t>Fourth level</a:t>
             </a:r>
           </a:p>
           <a:p>
             <a:pPr lvl="4"/>
             <a:r>
-              <a:rPr lang="en-US" smtClean="0"/>
+              <a:rPr lang="en-US"/>
               <a:t>Fifth level</a:t>
             </a:r>
-            <a:endParaRPr lang="en-US"/>
           </a:p>
         </p:txBody>
       </p:sp>
@@ -2195,7 +2177,7 @@
           <a:p>
             <a:fld id="{605F9D8B-F268-4FDC-9177-FD3B20249225}" type="datetimeFigureOut">
               <a:rPr lang="en-US" smtClean="0"/>
-              <a:t>7/30/2022</a:t>
+              <a:t>10/28/2022</a:t>
             </a:fld>
             <a:endParaRPr lang="en-US"/>
           </a:p>
@@ -2294,10 +2276,9 @@
           <a:lstStyle/>
           <a:p>
             <a:r>
-              <a:rPr lang="en-US" smtClean="0"/>
+              <a:rPr lang="en-US"/>
               <a:t>Click to edit Master title style</a:t>
             </a:r>
-            <a:endParaRPr lang="en-US"/>
           </a:p>
         </p:txBody>
       </p:sp>
@@ -2360,7 +2341,7 @@
           <a:p>
             <a:pPr lvl="0"/>
             <a:r>
-              <a:rPr lang="en-US" smtClean="0"/>
+              <a:rPr lang="en-US"/>
               <a:t>Edit Master text styles</a:t>
             </a:r>
           </a:p>
@@ -2388,38 +2369,37 @@
           <a:p>
             <a:pPr lvl="0"/>
             <a:r>
-              <a:rPr lang="en-US" smtClean="0"/>
+              <a:rPr lang="en-US"/>
               <a:t>Edit Master text styles</a:t>
             </a:r>
           </a:p>
           <a:p>
             <a:pPr lvl="1"/>
             <a:r>
-              <a:rPr lang="en-US" smtClean="0"/>
+              <a:rPr lang="en-US"/>
               <a:t>Second level</a:t>
             </a:r>
           </a:p>
           <a:p>
             <a:pPr lvl="2"/>
             <a:r>
-              <a:rPr lang="en-US" smtClean="0"/>
+              <a:rPr lang="en-US"/>
               <a:t>Third level</a:t>
             </a:r>
           </a:p>
           <a:p>
             <a:pPr lvl="3"/>
             <a:r>
-              <a:rPr lang="en-US" smtClean="0"/>
+              <a:rPr lang="en-US"/>
               <a:t>Fourth level</a:t>
             </a:r>
           </a:p>
           <a:p>
             <a:pPr lvl="4"/>
             <a:r>
-              <a:rPr lang="en-US" smtClean="0"/>
+              <a:rPr lang="en-US"/>
               <a:t>Fifth level</a:t>
             </a:r>
-            <a:endParaRPr lang="en-US"/>
           </a:p>
         </p:txBody>
       </p:sp>
@@ -2482,7 +2462,7 @@
           <a:p>
             <a:pPr lvl="0"/>
             <a:r>
-              <a:rPr lang="en-US" smtClean="0"/>
+              <a:rPr lang="en-US"/>
               <a:t>Edit Master text styles</a:t>
             </a:r>
           </a:p>
@@ -2510,38 +2490,37 @@
           <a:p>
             <a:pPr lvl="0"/>
             <a:r>
-              <a:rPr lang="en-US" smtClean="0"/>
+              <a:rPr lang="en-US"/>
               <a:t>Edit Master text styles</a:t>
             </a:r>
           </a:p>
           <a:p>
             <a:pPr lvl="1"/>
             <a:r>
-              <a:rPr lang="en-US" smtClean="0"/>
+              <a:rPr lang="en-US"/>
               <a:t>Second level</a:t>
             </a:r>
           </a:p>
           <a:p>
             <a:pPr lvl="2"/>
             <a:r>
-              <a:rPr lang="en-US" smtClean="0"/>
+              <a:rPr lang="en-US"/>
               <a:t>Third level</a:t>
             </a:r>
           </a:p>
           <a:p>
             <a:pPr lvl="3"/>
             <a:r>
-              <a:rPr lang="en-US" smtClean="0"/>
+              <a:rPr lang="en-US"/>
               <a:t>Fourth level</a:t>
             </a:r>
           </a:p>
           <a:p>
             <a:pPr lvl="4"/>
             <a:r>
-              <a:rPr lang="en-US" smtClean="0"/>
+              <a:rPr lang="en-US"/>
               <a:t>Fifth level</a:t>
             </a:r>
-            <a:endParaRPr lang="en-US"/>
           </a:p>
         </p:txBody>
       </p:sp>
@@ -2562,7 +2541,7 @@
           <a:p>
             <a:fld id="{605F9D8B-F268-4FDC-9177-FD3B20249225}" type="datetimeFigureOut">
               <a:rPr lang="en-US" smtClean="0"/>
-              <a:t>7/30/2022</a:t>
+              <a:t>10/28/2022</a:t>
             </a:fld>
             <a:endParaRPr lang="en-US"/>
           </a:p>
@@ -2656,10 +2635,9 @@
           <a:lstStyle/>
           <a:p>
             <a:r>
-              <a:rPr lang="en-US" smtClean="0"/>
+              <a:rPr lang="en-US"/>
               <a:t>Click to edit Master title style</a:t>
             </a:r>
-            <a:endParaRPr lang="en-US"/>
           </a:p>
         </p:txBody>
       </p:sp>
@@ -2680,7 +2658,7 @@
           <a:p>
             <a:fld id="{605F9D8B-F268-4FDC-9177-FD3B20249225}" type="datetimeFigureOut">
               <a:rPr lang="en-US" smtClean="0"/>
-              <a:t>7/30/2022</a:t>
+              <a:t>10/28/2022</a:t>
             </a:fld>
             <a:endParaRPr lang="en-US"/>
           </a:p>
@@ -2775,7 +2753,7 @@
           <a:p>
             <a:fld id="{605F9D8B-F268-4FDC-9177-FD3B20249225}" type="datetimeFigureOut">
               <a:rPr lang="en-US" smtClean="0"/>
-              <a:t>7/30/2022</a:t>
+              <a:t>10/28/2022</a:t>
             </a:fld>
             <a:endParaRPr lang="en-US"/>
           </a:p>
@@ -2878,10 +2856,9 @@
           </a:lstStyle>
           <a:p>
             <a:r>
-              <a:rPr lang="en-US" smtClean="0"/>
+              <a:rPr lang="en-US"/>
               <a:t>Click to edit Master title style</a:t>
             </a:r>
-            <a:endParaRPr lang="en-US"/>
           </a:p>
         </p:txBody>
       </p:sp>
@@ -2935,38 +2912,37 @@
           <a:p>
             <a:pPr lvl="0"/>
             <a:r>
-              <a:rPr lang="en-US" smtClean="0"/>
+              <a:rPr lang="en-US"/>
               <a:t>Edit Master text styles</a:t>
             </a:r>
           </a:p>
           <a:p>
             <a:pPr lvl="1"/>
             <a:r>
-              <a:rPr lang="en-US" smtClean="0"/>
+              <a:rPr lang="en-US"/>
               <a:t>Second level</a:t>
             </a:r>
           </a:p>
           <a:p>
             <a:pPr lvl="2"/>
             <a:r>
-              <a:rPr lang="en-US" smtClean="0"/>
+              <a:rPr lang="en-US"/>
               <a:t>Third level</a:t>
             </a:r>
           </a:p>
           <a:p>
             <a:pPr lvl="3"/>
             <a:r>
-              <a:rPr lang="en-US" smtClean="0"/>
+              <a:rPr lang="en-US"/>
               <a:t>Fourth level</a:t>
             </a:r>
           </a:p>
           <a:p>
             <a:pPr lvl="4"/>
             <a:r>
-              <a:rPr lang="en-US" smtClean="0"/>
+              <a:rPr lang="en-US"/>
               <a:t>Fifth level</a:t>
             </a:r>
-            <a:endParaRPr lang="en-US"/>
           </a:p>
         </p:txBody>
       </p:sp>
@@ -3029,7 +3005,7 @@
           <a:p>
             <a:pPr lvl="0"/>
             <a:r>
-              <a:rPr lang="en-US" smtClean="0"/>
+              <a:rPr lang="en-US"/>
               <a:t>Edit Master text styles</a:t>
             </a:r>
           </a:p>
@@ -3052,7 +3028,7 @@
           <a:p>
             <a:fld id="{605F9D8B-F268-4FDC-9177-FD3B20249225}" type="datetimeFigureOut">
               <a:rPr lang="en-US" smtClean="0"/>
-              <a:t>7/30/2022</a:t>
+              <a:t>10/28/2022</a:t>
             </a:fld>
             <a:endParaRPr lang="en-US"/>
           </a:p>
@@ -3155,10 +3131,9 @@
           </a:lstStyle>
           <a:p>
             <a:r>
-              <a:rPr lang="en-US" smtClean="0"/>
+              <a:rPr lang="en-US"/>
               <a:t>Click to edit Master title style</a:t>
             </a:r>
-            <a:endParaRPr lang="en-US"/>
           </a:p>
         </p:txBody>
       </p:sp>
@@ -3282,7 +3257,7 @@
           <a:p>
             <a:pPr lvl="0"/>
             <a:r>
-              <a:rPr lang="en-US" smtClean="0"/>
+              <a:rPr lang="en-US"/>
               <a:t>Edit Master text styles</a:t>
             </a:r>
           </a:p>
@@ -3305,7 +3280,7 @@
           <a:p>
             <a:fld id="{605F9D8B-F268-4FDC-9177-FD3B20249225}" type="datetimeFigureOut">
               <a:rPr lang="en-US" smtClean="0"/>
-              <a:t>7/30/2022</a:t>
+              <a:t>10/28/2022</a:t>
             </a:fld>
             <a:endParaRPr lang="en-US"/>
           </a:p>
@@ -3414,10 +3389,9 @@
           <a:lstStyle/>
           <a:p>
             <a:r>
-              <a:rPr lang="en-US" smtClean="0"/>
+              <a:rPr lang="en-US"/>
               <a:t>Click to edit Master title style</a:t>
             </a:r>
-            <a:endParaRPr lang="en-US"/>
           </a:p>
         </p:txBody>
       </p:sp>
@@ -3448,38 +3422,37 @@
           <a:p>
             <a:pPr lvl="0"/>
             <a:r>
-              <a:rPr lang="en-US" smtClean="0"/>
+              <a:rPr lang="en-US"/>
               <a:t>Edit Master text styles</a:t>
             </a:r>
           </a:p>
           <a:p>
             <a:pPr lvl="1"/>
             <a:r>
-              <a:rPr lang="en-US" smtClean="0"/>
+              <a:rPr lang="en-US"/>
               <a:t>Second level</a:t>
             </a:r>
           </a:p>
           <a:p>
             <a:pPr lvl="2"/>
             <a:r>
-              <a:rPr lang="en-US" smtClean="0"/>
+              <a:rPr lang="en-US"/>
               <a:t>Third level</a:t>
             </a:r>
           </a:p>
           <a:p>
             <a:pPr lvl="3"/>
             <a:r>
-              <a:rPr lang="en-US" smtClean="0"/>
+              <a:rPr lang="en-US"/>
               <a:t>Fourth level</a:t>
             </a:r>
           </a:p>
           <a:p>
             <a:pPr lvl="4"/>
             <a:r>
-              <a:rPr lang="en-US" smtClean="0"/>
+              <a:rPr lang="en-US"/>
               <a:t>Fifth level</a:t>
             </a:r>
-            <a:endParaRPr lang="en-US"/>
           </a:p>
         </p:txBody>
       </p:sp>
@@ -3518,7 +3491,7 @@
           <a:p>
             <a:fld id="{605F9D8B-F268-4FDC-9177-FD3B20249225}" type="datetimeFigureOut">
               <a:rPr lang="en-US" smtClean="0"/>
-              <a:t>7/30/2022</a:t>
+              <a:t>10/28/2022</a:t>
             </a:fld>
             <a:endParaRPr lang="en-US"/>
           </a:p>
@@ -3939,39 +3912,39 @@
           <a:lstStyle/>
           <a:p>
             <a:r>
-              <a:rPr lang="en-US" dirty="0" err="1" smtClean="0"/>
+              <a:rPr lang="en-US" dirty="0" err="1"/>
               <a:t>Các</a:t>
             </a:r>
             <a:r>
-              <a:rPr lang="en-US" dirty="0" smtClean="0"/>
-              <a:t> </a:t>
-            </a:r>
-            <a:r>
-              <a:rPr lang="en-US" dirty="0" err="1" smtClean="0"/>
+              <a:rPr lang="en-US" dirty="0"/>
+              <a:t> </a:t>
+            </a:r>
+            <a:r>
+              <a:rPr lang="en-US" dirty="0" err="1"/>
               <a:t>mô</a:t>
             </a:r>
             <a:r>
-              <a:rPr lang="en-US" dirty="0" smtClean="0"/>
-              <a:t> </a:t>
-            </a:r>
-            <a:r>
-              <a:rPr lang="en-US" dirty="0" err="1" smtClean="0"/>
+              <a:rPr lang="en-US" dirty="0"/>
+              <a:t> </a:t>
+            </a:r>
+            <a:r>
+              <a:rPr lang="en-US" dirty="0" err="1"/>
               <a:t>hình</a:t>
             </a:r>
             <a:r>
-              <a:rPr lang="en-US" dirty="0" smtClean="0"/>
+              <a:rPr lang="en-US" dirty="0"/>
               <a:t> RNN </a:t>
             </a:r>
             <a:r>
-              <a:rPr lang="en-US" dirty="0" err="1" smtClean="0"/>
+              <a:rPr lang="en-US" dirty="0" err="1"/>
               <a:t>hiện</a:t>
             </a:r>
             <a:r>
-              <a:rPr lang="en-US" dirty="0" smtClean="0"/>
-              <a:t> </a:t>
-            </a:r>
-            <a:r>
-              <a:rPr lang="en-US" dirty="0" err="1" smtClean="0"/>
+              <a:rPr lang="en-US" dirty="0"/>
+              <a:t> </a:t>
+            </a:r>
+            <a:r>
+              <a:rPr lang="en-US" dirty="0" err="1"/>
               <a:t>đại</a:t>
             </a:r>
             <a:endParaRPr lang="en-US" dirty="0"/>
@@ -4043,10 +4016,9 @@
           <a:lstStyle/>
           <a:p>
             <a:r>
-              <a:rPr lang="en-US" dirty="0" smtClean="0"/>
+              <a:rPr lang="en-US" dirty="0"/>
               <a:t>Bidirectional RNN</a:t>
             </a:r>
-            <a:endParaRPr lang="en-US" dirty="0"/>
           </a:p>
         </p:txBody>
       </p:sp>
@@ -4073,179 +4045,179 @@
           <a:lstStyle/>
           <a:p>
             <a:r>
-              <a:rPr lang="en-US" sz="2000" dirty="0" smtClean="0"/>
+              <a:rPr lang="en-US" sz="2000" dirty="0"/>
               <a:t>Input </a:t>
             </a:r>
             <a:r>
-              <a:rPr lang="en-US" sz="2000" dirty="0" err="1" smtClean="0"/>
+              <a:rPr lang="en-US" sz="2000" dirty="0" err="1"/>
               <a:t>được</a:t>
             </a:r>
             <a:r>
-              <a:rPr lang="en-US" sz="2000" dirty="0" smtClean="0"/>
-              <a:t> </a:t>
-            </a:r>
-            <a:r>
-              <a:rPr lang="en-US" sz="2000" dirty="0" err="1" smtClean="0"/>
+              <a:rPr lang="en-US" sz="2000" dirty="0"/>
+              <a:t> </a:t>
+            </a:r>
+            <a:r>
+              <a:rPr lang="en-US" sz="2000" dirty="0" err="1"/>
               <a:t>nhập</a:t>
             </a:r>
             <a:r>
-              <a:rPr lang="en-US" sz="2000" dirty="0" smtClean="0"/>
-              <a:t> </a:t>
-            </a:r>
-            <a:r>
-              <a:rPr lang="en-US" sz="2000" dirty="0" err="1" smtClean="0"/>
+              <a:rPr lang="en-US" sz="2000" dirty="0"/>
+              <a:t> </a:t>
+            </a:r>
+            <a:r>
+              <a:rPr lang="en-US" sz="2000" dirty="0" err="1"/>
               <a:t>vào</a:t>
             </a:r>
             <a:r>
-              <a:rPr lang="en-US" sz="2000" dirty="0" smtClean="0"/>
-              <a:t> </a:t>
-            </a:r>
-            <a:r>
-              <a:rPr lang="en-US" sz="2000" dirty="0" err="1" smtClean="0"/>
+              <a:rPr lang="en-US" sz="2000" dirty="0"/>
+              <a:t> </a:t>
+            </a:r>
+            <a:r>
+              <a:rPr lang="en-US" sz="2000" dirty="0" err="1"/>
               <a:t>mô</a:t>
             </a:r>
             <a:r>
-              <a:rPr lang="en-US" sz="2000" dirty="0" smtClean="0"/>
-              <a:t> </a:t>
-            </a:r>
-            <a:r>
-              <a:rPr lang="en-US" sz="2000" dirty="0" err="1" smtClean="0"/>
+              <a:rPr lang="en-US" sz="2000" dirty="0"/>
+              <a:t> </a:t>
+            </a:r>
+            <a:r>
+              <a:rPr lang="en-US" sz="2000" dirty="0" err="1"/>
               <a:t>hình</a:t>
             </a:r>
             <a:r>
-              <a:rPr lang="en-US" sz="2000" dirty="0" smtClean="0"/>
-              <a:t> </a:t>
-            </a:r>
-            <a:r>
-              <a:rPr lang="en-US" sz="2000" dirty="0" err="1" smtClean="0"/>
+              <a:rPr lang="en-US" sz="2000" dirty="0"/>
+              <a:t> </a:t>
+            </a:r>
+            <a:r>
+              <a:rPr lang="en-US" sz="2000" dirty="0" err="1"/>
               <a:t>từ</a:t>
             </a:r>
             <a:r>
-              <a:rPr lang="en-US" sz="2000" dirty="0" smtClean="0"/>
-              <a:t> </a:t>
-            </a:r>
-            <a:r>
-              <a:rPr lang="en-US" sz="2000" dirty="0" err="1" smtClean="0"/>
+              <a:rPr lang="en-US" sz="2000" dirty="0"/>
+              <a:t> </a:t>
+            </a:r>
+            <a:r>
+              <a:rPr lang="en-US" sz="2000" dirty="0" err="1"/>
               <a:t>cả</a:t>
             </a:r>
             <a:r>
-              <a:rPr lang="en-US" sz="2000" dirty="0" smtClean="0"/>
+              <a:rPr lang="en-US" sz="2000" dirty="0"/>
               <a:t> 2 </a:t>
             </a:r>
             <a:r>
-              <a:rPr lang="en-US" sz="2000" dirty="0" err="1" smtClean="0"/>
+              <a:rPr lang="en-US" sz="2000" dirty="0" err="1"/>
               <a:t>chiều</a:t>
             </a:r>
             <a:r>
-              <a:rPr lang="en-US" sz="2000" dirty="0" smtClean="0"/>
+              <a:rPr lang="en-US" sz="2000" dirty="0"/>
               <a:t>, </a:t>
             </a:r>
             <a:r>
-              <a:rPr lang="en-US" sz="2000" dirty="0" err="1" smtClean="0"/>
+              <a:rPr lang="en-US" sz="2000" dirty="0" err="1"/>
               <a:t>suy</a:t>
             </a:r>
             <a:r>
-              <a:rPr lang="en-US" sz="2000" dirty="0" smtClean="0"/>
-              <a:t> </a:t>
-            </a:r>
-            <a:r>
-              <a:rPr lang="en-US" sz="2000" dirty="0" err="1" smtClean="0"/>
+              <a:rPr lang="en-US" sz="2000" dirty="0"/>
+              <a:t> </a:t>
+            </a:r>
+            <a:r>
+              <a:rPr lang="en-US" sz="2000" dirty="0" err="1"/>
               <a:t>ra</a:t>
             </a:r>
             <a:r>
-              <a:rPr lang="en-US" sz="2000" dirty="0" smtClean="0"/>
+              <a:rPr lang="en-US" sz="2000" dirty="0"/>
               <a:t> hidden state </a:t>
             </a:r>
             <a:r>
-              <a:rPr lang="en-US" sz="2000" dirty="0" err="1" smtClean="0"/>
+              <a:rPr lang="en-US" sz="2000" dirty="0" err="1"/>
               <a:t>của</a:t>
             </a:r>
             <a:r>
-              <a:rPr lang="en-US" sz="2000" dirty="0" smtClean="0"/>
-              <a:t> </a:t>
-            </a:r>
-            <a:r>
-              <a:rPr lang="en-US" sz="2000" dirty="0" err="1" smtClean="0"/>
+              <a:rPr lang="en-US" sz="2000" dirty="0"/>
+              <a:t> </a:t>
+            </a:r>
+            <a:r>
+              <a:rPr lang="en-US" sz="2000" dirty="0" err="1"/>
               <a:t>mỗi</a:t>
             </a:r>
             <a:r>
-              <a:rPr lang="en-US" sz="2000" dirty="0" smtClean="0"/>
-              <a:t> </a:t>
-            </a:r>
-            <a:r>
-              <a:rPr lang="en-US" sz="2000" dirty="0" err="1" smtClean="0"/>
+              <a:rPr lang="en-US" sz="2000" dirty="0"/>
+              <a:t> </a:t>
+            </a:r>
+            <a:r>
+              <a:rPr lang="en-US" sz="2000" dirty="0" err="1"/>
               <a:t>chiều</a:t>
             </a:r>
-            <a:endParaRPr lang="en-US" sz="2000" dirty="0" smtClean="0"/>
-          </a:p>
-          <a:p>
             <a:endParaRPr lang="en-US" sz="2000" dirty="0"/>
           </a:p>
           <a:p>
-            <a:endParaRPr lang="en-US" sz="2000" dirty="0" smtClean="0"/>
-          </a:p>
-          <a:p>
-            <a:endParaRPr lang="en-US" sz="2000" dirty="0" smtClean="0"/>
-          </a:p>
-          <a:p>
-            <a:r>
-              <a:rPr lang="en-US" sz="2000" dirty="0" smtClean="0"/>
+            <a:endParaRPr lang="en-US" sz="2000" dirty="0"/>
+          </a:p>
+          <a:p>
+            <a:endParaRPr lang="en-US" sz="2000" dirty="0"/>
+          </a:p>
+          <a:p>
+            <a:endParaRPr lang="en-US" sz="2000" dirty="0"/>
+          </a:p>
+          <a:p>
+            <a:r>
+              <a:rPr lang="en-US" sz="2000" dirty="0"/>
               <a:t>Hidden state </a:t>
             </a:r>
             <a:r>
-              <a:rPr lang="en-US" sz="2000" dirty="0" err="1" smtClean="0"/>
+              <a:rPr lang="en-US" sz="2000" dirty="0" err="1"/>
               <a:t>của</a:t>
             </a:r>
             <a:r>
-              <a:rPr lang="en-US" sz="2000" dirty="0" smtClean="0"/>
+              <a:rPr lang="en-US" sz="2000" dirty="0"/>
               <a:t> 2 </a:t>
             </a:r>
             <a:r>
-              <a:rPr lang="en-US" sz="2000" dirty="0" err="1" smtClean="0"/>
+              <a:rPr lang="en-US" sz="2000" dirty="0" err="1"/>
               <a:t>chiều</a:t>
             </a:r>
             <a:r>
-              <a:rPr lang="en-US" sz="2000" dirty="0" smtClean="0"/>
-              <a:t> </a:t>
-            </a:r>
-            <a:r>
-              <a:rPr lang="en-US" sz="2000" dirty="0" err="1" smtClean="0"/>
+              <a:rPr lang="en-US" sz="2000" dirty="0"/>
+              <a:t> </a:t>
+            </a:r>
+            <a:r>
+              <a:rPr lang="en-US" sz="2000" dirty="0" err="1"/>
               <a:t>được</a:t>
             </a:r>
             <a:r>
-              <a:rPr lang="en-US" sz="2000" dirty="0" smtClean="0"/>
-              <a:t> </a:t>
-            </a:r>
-            <a:r>
-              <a:rPr lang="en-US" sz="2000" dirty="0" err="1" smtClean="0"/>
+              <a:rPr lang="en-US" sz="2000" dirty="0"/>
+              <a:t> </a:t>
+            </a:r>
+            <a:r>
+              <a:rPr lang="en-US" sz="2000" dirty="0" err="1"/>
               <a:t>gộp</a:t>
             </a:r>
             <a:r>
-              <a:rPr lang="en-US" sz="2000" dirty="0" smtClean="0"/>
-              <a:t> </a:t>
-            </a:r>
-            <a:r>
-              <a:rPr lang="en-US" sz="2000" dirty="0" err="1" smtClean="0"/>
+              <a:rPr lang="en-US" sz="2000" dirty="0"/>
+              <a:t> </a:t>
+            </a:r>
+            <a:r>
+              <a:rPr lang="en-US" sz="2000" dirty="0" err="1"/>
               <a:t>lại</a:t>
             </a:r>
             <a:r>
-              <a:rPr lang="en-US" sz="2000" dirty="0" smtClean="0"/>
-              <a:t> </a:t>
-            </a:r>
-            <a:r>
-              <a:rPr lang="en-US" sz="2000" dirty="0" err="1" smtClean="0"/>
+              <a:rPr lang="en-US" sz="2000" dirty="0"/>
+              <a:t> </a:t>
+            </a:r>
+            <a:r>
+              <a:rPr lang="en-US" sz="2000" dirty="0" err="1"/>
               <a:t>để</a:t>
             </a:r>
             <a:r>
-              <a:rPr lang="en-US" sz="2000" dirty="0" smtClean="0"/>
-              <a:t> </a:t>
-            </a:r>
-            <a:r>
-              <a:rPr lang="en-US" sz="2000" dirty="0" err="1" smtClean="0"/>
+              <a:rPr lang="en-US" sz="2000" dirty="0"/>
+              <a:t> </a:t>
+            </a:r>
+            <a:r>
+              <a:rPr lang="en-US" sz="2000" dirty="0" err="1"/>
               <a:t>tính</a:t>
             </a:r>
             <a:r>
-              <a:rPr lang="en-US" sz="2000" dirty="0" smtClean="0"/>
+              <a:rPr lang="en-US" sz="2000" dirty="0"/>
               <a:t> output</a:t>
             </a:r>
           </a:p>
@@ -4254,82 +4226,82 @@
           </a:p>
           <a:p>
             <a:r>
-              <a:rPr lang="en-US" sz="2000" dirty="0" err="1" smtClean="0"/>
+              <a:rPr lang="en-US" sz="2000" dirty="0" err="1"/>
               <a:t>Đặc</a:t>
             </a:r>
             <a:r>
-              <a:rPr lang="en-US" sz="2000" dirty="0" smtClean="0"/>
-              <a:t> </a:t>
-            </a:r>
-            <a:r>
-              <a:rPr lang="en-US" sz="2000" dirty="0" err="1" smtClean="0"/>
+              <a:rPr lang="en-US" sz="2000" dirty="0"/>
+              <a:t> </a:t>
+            </a:r>
+            <a:r>
+              <a:rPr lang="en-US" sz="2000" dirty="0" err="1"/>
               <a:t>tính</a:t>
             </a:r>
             <a:r>
-              <a:rPr lang="en-US" sz="2000" dirty="0" smtClean="0"/>
+              <a:rPr lang="en-US" sz="2000" dirty="0"/>
               <a:t>:</a:t>
             </a:r>
           </a:p>
           <a:p>
             <a:pPr lvl="1"/>
             <a:r>
-              <a:rPr lang="en-US" sz="1600" dirty="0" err="1" smtClean="0"/>
+              <a:rPr lang="en-US" sz="1600" dirty="0" err="1"/>
               <a:t>Không</a:t>
             </a:r>
             <a:r>
-              <a:rPr lang="en-US" sz="1600" dirty="0" smtClean="0"/>
+              <a:rPr lang="en-US" sz="1600" dirty="0"/>
               <a:t> dung </a:t>
             </a:r>
             <a:r>
-              <a:rPr lang="en-US" sz="1600" dirty="0" err="1" smtClean="0"/>
+              <a:rPr lang="en-US" sz="1600" dirty="0" err="1"/>
               <a:t>được</a:t>
             </a:r>
             <a:r>
-              <a:rPr lang="en-US" sz="1600" dirty="0" smtClean="0"/>
-              <a:t> </a:t>
-            </a:r>
-            <a:r>
-              <a:rPr lang="en-US" sz="1600" dirty="0" err="1" smtClean="0"/>
+              <a:rPr lang="en-US" sz="1600" dirty="0"/>
+              <a:t> </a:t>
+            </a:r>
+            <a:r>
+              <a:rPr lang="en-US" sz="1600" dirty="0" err="1"/>
               <a:t>cho</a:t>
             </a:r>
             <a:r>
-              <a:rPr lang="en-US" sz="1600" dirty="0" smtClean="0"/>
-              <a:t> </a:t>
-            </a:r>
-            <a:r>
-              <a:rPr lang="en-US" sz="1600" dirty="0" err="1" smtClean="0"/>
+              <a:rPr lang="en-US" sz="1600" dirty="0"/>
+              <a:t> </a:t>
+            </a:r>
+            <a:r>
+              <a:rPr lang="en-US" sz="1600" dirty="0" err="1"/>
               <a:t>những</a:t>
             </a:r>
             <a:r>
-              <a:rPr lang="en-US" sz="1600" dirty="0" smtClean="0"/>
-              <a:t> </a:t>
-            </a:r>
-            <a:r>
-              <a:rPr lang="en-US" sz="1600" dirty="0" err="1" smtClean="0"/>
+              <a:rPr lang="en-US" sz="1600" dirty="0"/>
+              <a:t> </a:t>
+            </a:r>
+            <a:r>
+              <a:rPr lang="en-US" sz="1600" dirty="0" err="1"/>
               <a:t>ứng</a:t>
             </a:r>
             <a:r>
-              <a:rPr lang="en-US" sz="1600" dirty="0" smtClean="0"/>
-              <a:t> </a:t>
-            </a:r>
-            <a:r>
-              <a:rPr lang="en-US" sz="1600" dirty="0" err="1" smtClean="0"/>
+              <a:rPr lang="en-US" sz="1600" dirty="0"/>
+              <a:t> </a:t>
+            </a:r>
+            <a:r>
+              <a:rPr lang="en-US" sz="1600" dirty="0" err="1"/>
               <a:t>dụng</a:t>
             </a:r>
             <a:r>
-              <a:rPr lang="en-US" sz="1600" dirty="0" smtClean="0"/>
-              <a:t> </a:t>
-            </a:r>
-            <a:r>
-              <a:rPr lang="en-US" sz="1600" dirty="0" err="1" smtClean="0"/>
+              <a:rPr lang="en-US" sz="1600" dirty="0"/>
+              <a:t> </a:t>
+            </a:r>
+            <a:r>
+              <a:rPr lang="en-US" sz="1600" dirty="0" err="1"/>
               <a:t>dự</a:t>
             </a:r>
             <a:r>
-              <a:rPr lang="en-US" sz="1600" dirty="0" smtClean="0"/>
-              <a:t> </a:t>
-            </a:r>
-            <a:r>
-              <a:rPr lang="en-US" sz="1600" dirty="0" err="1" smtClean="0"/>
+              <a:rPr lang="en-US" sz="1600" dirty="0"/>
+              <a:t> </a:t>
+            </a:r>
+            <a:r>
+              <a:rPr lang="en-US" sz="1600" dirty="0" err="1"/>
               <a:t>đoán</a:t>
             </a:r>
             <a:r>
@@ -4337,143 +4309,143 @@
               <a:t> </a:t>
             </a:r>
             <a:r>
-              <a:rPr lang="en-US" sz="1600" dirty="0" err="1" smtClean="0"/>
+              <a:rPr lang="en-US" sz="1600" dirty="0" err="1"/>
               <a:t>các</a:t>
             </a:r>
             <a:r>
-              <a:rPr lang="en-US" sz="1600" dirty="0" smtClean="0"/>
-              <a:t> </a:t>
-            </a:r>
-            <a:r>
-              <a:rPr lang="en-US" sz="1600" dirty="0" err="1" smtClean="0"/>
+              <a:rPr lang="en-US" sz="1600" dirty="0"/>
+              <a:t> </a:t>
+            </a:r>
+            <a:r>
+              <a:rPr lang="en-US" sz="1600" dirty="0" err="1"/>
               <a:t>bước</a:t>
             </a:r>
             <a:r>
-              <a:rPr lang="en-US" sz="1600" dirty="0" smtClean="0"/>
-              <a:t> </a:t>
-            </a:r>
-            <a:r>
-              <a:rPr lang="en-US" sz="1600" dirty="0" err="1" smtClean="0"/>
+              <a:rPr lang="en-US" sz="1600" dirty="0"/>
+              <a:t> </a:t>
+            </a:r>
+            <a:r>
+              <a:rPr lang="en-US" sz="1600" dirty="0" err="1"/>
               <a:t>tiếp</a:t>
             </a:r>
             <a:r>
-              <a:rPr lang="en-US" sz="1600" dirty="0" smtClean="0"/>
-              <a:t> </a:t>
-            </a:r>
-            <a:r>
-              <a:rPr lang="en-US" sz="1600" dirty="0" err="1" smtClean="0"/>
+              <a:rPr lang="en-US" sz="1600" dirty="0"/>
+              <a:t> </a:t>
+            </a:r>
+            <a:r>
+              <a:rPr lang="en-US" sz="1600" dirty="0" err="1"/>
               <a:t>theo</a:t>
             </a:r>
-            <a:endParaRPr lang="en-US" sz="1600" dirty="0" smtClean="0"/>
+            <a:endParaRPr lang="en-US" sz="1600" dirty="0"/>
           </a:p>
           <a:p>
             <a:pPr lvl="1"/>
             <a:r>
-              <a:rPr lang="en-US" sz="1600" dirty="0" err="1" smtClean="0"/>
+              <a:rPr lang="en-US" sz="1600" dirty="0" err="1"/>
               <a:t>Thời</a:t>
             </a:r>
             <a:r>
-              <a:rPr lang="en-US" sz="1600" dirty="0" smtClean="0"/>
-              <a:t> </a:t>
-            </a:r>
-            <a:r>
-              <a:rPr lang="en-US" sz="1600" dirty="0" err="1" smtClean="0"/>
+              <a:rPr lang="en-US" sz="1600" dirty="0"/>
+              <a:t> </a:t>
+            </a:r>
+            <a:r>
+              <a:rPr lang="en-US" sz="1600" dirty="0" err="1"/>
               <a:t>gian</a:t>
             </a:r>
             <a:r>
-              <a:rPr lang="en-US" sz="1600" dirty="0" smtClean="0"/>
+              <a:rPr lang="en-US" sz="1600" dirty="0"/>
               <a:t> train </a:t>
             </a:r>
             <a:r>
-              <a:rPr lang="en-US" sz="1600" dirty="0" err="1" smtClean="0"/>
+              <a:rPr lang="en-US" sz="1600" dirty="0" err="1"/>
               <a:t>lâu</a:t>
             </a:r>
-            <a:endParaRPr lang="en-US" sz="1600" dirty="0" smtClean="0"/>
+            <a:endParaRPr lang="en-US" sz="1600" dirty="0"/>
           </a:p>
           <a:p>
             <a:pPr lvl="1"/>
             <a:r>
-              <a:rPr lang="en-US" sz="1600" dirty="0" err="1" smtClean="0"/>
+              <a:rPr lang="en-US" sz="1600" dirty="0" err="1"/>
               <a:t>Ứng</a:t>
             </a:r>
             <a:r>
-              <a:rPr lang="en-US" sz="1600" dirty="0" smtClean="0"/>
-              <a:t> </a:t>
-            </a:r>
-            <a:r>
-              <a:rPr lang="en-US" sz="1600" dirty="0" err="1" smtClean="0"/>
+              <a:rPr lang="en-US" sz="1600" dirty="0"/>
+              <a:t> </a:t>
+            </a:r>
+            <a:r>
+              <a:rPr lang="en-US" sz="1600" dirty="0" err="1"/>
               <a:t>dụng</a:t>
             </a:r>
             <a:r>
-              <a:rPr lang="en-US" sz="1600" dirty="0" smtClean="0"/>
-              <a:t> </a:t>
-            </a:r>
-            <a:r>
-              <a:rPr lang="en-US" sz="1600" dirty="0" err="1" smtClean="0"/>
+              <a:rPr lang="en-US" sz="1600" dirty="0"/>
+              <a:t> </a:t>
+            </a:r>
+            <a:r>
+              <a:rPr lang="en-US" sz="1600" dirty="0" err="1"/>
               <a:t>tiêu</a:t>
             </a:r>
             <a:r>
-              <a:rPr lang="en-US" sz="1600" dirty="0" smtClean="0"/>
-              <a:t> </a:t>
-            </a:r>
-            <a:r>
-              <a:rPr lang="en-US" sz="1600" dirty="0" err="1" smtClean="0"/>
+              <a:rPr lang="en-US" sz="1600" dirty="0"/>
+              <a:t> </a:t>
+            </a:r>
+            <a:r>
+              <a:rPr lang="en-US" sz="1600" dirty="0" err="1"/>
               <a:t>biểu</a:t>
             </a:r>
             <a:r>
-              <a:rPr lang="en-US" sz="1600" dirty="0" smtClean="0"/>
+              <a:rPr lang="en-US" sz="1600" dirty="0"/>
               <a:t>: </a:t>
             </a:r>
             <a:r>
-              <a:rPr lang="en-US" sz="1600" dirty="0" err="1" smtClean="0"/>
+              <a:rPr lang="en-US" sz="1600" dirty="0" err="1"/>
               <a:t>điền</a:t>
             </a:r>
             <a:r>
-              <a:rPr lang="en-US" sz="1600" dirty="0" smtClean="0"/>
-              <a:t> </a:t>
-            </a:r>
-            <a:r>
-              <a:rPr lang="en-US" sz="1600" dirty="0" err="1" smtClean="0"/>
+              <a:rPr lang="en-US" sz="1600" dirty="0"/>
+              <a:t> </a:t>
+            </a:r>
+            <a:r>
+              <a:rPr lang="en-US" sz="1600" dirty="0" err="1"/>
               <a:t>vào</a:t>
             </a:r>
             <a:r>
-              <a:rPr lang="en-US" sz="1600" dirty="0" smtClean="0"/>
-              <a:t> </a:t>
-            </a:r>
-            <a:r>
-              <a:rPr lang="en-US" sz="1600" dirty="0" err="1" smtClean="0"/>
+              <a:rPr lang="en-US" sz="1600" dirty="0"/>
+              <a:t> </a:t>
+            </a:r>
+            <a:r>
+              <a:rPr lang="en-US" sz="1600" dirty="0" err="1"/>
               <a:t>chỗ</a:t>
             </a:r>
             <a:r>
-              <a:rPr lang="en-US" sz="1600" dirty="0" smtClean="0"/>
-              <a:t> </a:t>
-            </a:r>
-            <a:r>
-              <a:rPr lang="en-US" sz="1600" dirty="0" err="1" smtClean="0"/>
+              <a:rPr lang="en-US" sz="1600" dirty="0"/>
+              <a:t> </a:t>
+            </a:r>
+            <a:r>
+              <a:rPr lang="en-US" sz="1600" dirty="0" err="1"/>
               <a:t>trống</a:t>
             </a:r>
             <a:r>
-              <a:rPr lang="en-US" sz="1600" dirty="0" smtClean="0"/>
+              <a:rPr lang="en-US" sz="1600" dirty="0"/>
               <a:t>, encode </a:t>
             </a:r>
             <a:r>
-              <a:rPr lang="en-US" sz="1600" dirty="0" err="1" smtClean="0"/>
+              <a:rPr lang="en-US" sz="1600" dirty="0" err="1"/>
               <a:t>một</a:t>
             </a:r>
             <a:r>
-              <a:rPr lang="en-US" sz="1600" dirty="0" smtClean="0"/>
-              <a:t> </a:t>
-            </a:r>
-            <a:r>
-              <a:rPr lang="en-US" sz="1600" dirty="0" err="1" smtClean="0"/>
+              <a:rPr lang="en-US" sz="1600" dirty="0"/>
+              <a:t> </a:t>
+            </a:r>
+            <a:r>
+              <a:rPr lang="en-US" sz="1600" dirty="0" err="1"/>
               <a:t>chuỗi</a:t>
             </a:r>
             <a:r>
-              <a:rPr lang="en-US" sz="1600" dirty="0" smtClean="0"/>
+              <a:rPr lang="en-US" sz="1600" dirty="0"/>
               <a:t>, </a:t>
             </a:r>
             <a:r>
-              <a:rPr lang="en-US" sz="1600" dirty="0" err="1" smtClean="0"/>
+              <a:rPr lang="en-US" sz="1600" dirty="0" err="1"/>
               <a:t>etc</a:t>
             </a:r>
             <a:endParaRPr lang="en-US" sz="1600" dirty="0"/>
@@ -4598,22 +4570,21 @@
           <a:lstStyle/>
           <a:p>
             <a:r>
-              <a:rPr lang="en-US" dirty="0" err="1" smtClean="0"/>
+              <a:rPr lang="en-US" dirty="0" err="1"/>
               <a:t>Mô</a:t>
             </a:r>
             <a:r>
-              <a:rPr lang="en-US" dirty="0" smtClean="0"/>
-              <a:t> </a:t>
-            </a:r>
-            <a:r>
-              <a:rPr lang="en-US" dirty="0" err="1" smtClean="0"/>
+              <a:rPr lang="en-US" dirty="0"/>
+              <a:t> </a:t>
+            </a:r>
+            <a:r>
+              <a:rPr lang="en-US" dirty="0" err="1"/>
               <a:t>hình</a:t>
             </a:r>
             <a:r>
-              <a:rPr lang="en-US" dirty="0" smtClean="0"/>
+              <a:rPr lang="en-US" dirty="0"/>
               <a:t> encoder-decoder</a:t>
             </a:r>
-            <a:endParaRPr lang="en-US" dirty="0"/>
           </a:p>
         </p:txBody>
       </p:sp>
@@ -4664,300 +4635,300 @@
           <a:lstStyle/>
           <a:p>
             <a:r>
-              <a:rPr lang="en-US" sz="2000" dirty="0" err="1" smtClean="0"/>
+              <a:rPr lang="en-US" sz="2000" dirty="0" err="1"/>
               <a:t>Mô</a:t>
             </a:r>
             <a:r>
-              <a:rPr lang="en-US" sz="2000" dirty="0" smtClean="0"/>
-              <a:t> </a:t>
-            </a:r>
-            <a:r>
-              <a:rPr lang="en-US" sz="2000" dirty="0" err="1" smtClean="0"/>
+              <a:rPr lang="en-US" sz="2000" dirty="0"/>
+              <a:t> </a:t>
+            </a:r>
+            <a:r>
+              <a:rPr lang="en-US" sz="2000" dirty="0" err="1"/>
               <a:t>hình</a:t>
             </a:r>
             <a:r>
-              <a:rPr lang="en-US" sz="2000" dirty="0" smtClean="0"/>
-              <a:t> </a:t>
-            </a:r>
-            <a:r>
-              <a:rPr lang="en-US" sz="2000" dirty="0" err="1" smtClean="0"/>
+              <a:rPr lang="en-US" sz="2000" dirty="0"/>
+              <a:t> </a:t>
+            </a:r>
+            <a:r>
+              <a:rPr lang="en-US" sz="2000" dirty="0" err="1"/>
               <a:t>này</a:t>
             </a:r>
             <a:r>
-              <a:rPr lang="en-US" sz="2000" dirty="0" smtClean="0"/>
-              <a:t> </a:t>
-            </a:r>
-            <a:r>
-              <a:rPr lang="en-US" sz="2000" dirty="0" err="1" smtClean="0"/>
+              <a:rPr lang="en-US" sz="2000" dirty="0"/>
+              <a:t> </a:t>
+            </a:r>
+            <a:r>
+              <a:rPr lang="en-US" sz="2000" dirty="0" err="1"/>
               <a:t>áp</a:t>
             </a:r>
             <a:r>
-              <a:rPr lang="en-US" sz="2000" dirty="0" smtClean="0"/>
-              <a:t> </a:t>
-            </a:r>
-            <a:r>
-              <a:rPr lang="en-US" sz="2000" dirty="0" err="1" smtClean="0"/>
+              <a:rPr lang="en-US" sz="2000" dirty="0"/>
+              <a:t> </a:t>
+            </a:r>
+            <a:r>
+              <a:rPr lang="en-US" sz="2000" dirty="0" err="1"/>
               <a:t>dụng</a:t>
             </a:r>
             <a:r>
-              <a:rPr lang="en-US" sz="2000" dirty="0" smtClean="0"/>
-              <a:t> </a:t>
-            </a:r>
-            <a:r>
-              <a:rPr lang="en-US" sz="2000" dirty="0" err="1" smtClean="0"/>
+              <a:rPr lang="en-US" sz="2000" dirty="0"/>
+              <a:t> </a:t>
+            </a:r>
+            <a:r>
+              <a:rPr lang="en-US" sz="2000" dirty="0" err="1"/>
               <a:t>được</a:t>
             </a:r>
             <a:r>
-              <a:rPr lang="en-US" sz="2000" dirty="0" smtClean="0"/>
-              <a:t> </a:t>
-            </a:r>
-            <a:r>
-              <a:rPr lang="en-US" sz="2000" dirty="0" err="1" smtClean="0"/>
+              <a:rPr lang="en-US" sz="2000" dirty="0"/>
+              <a:t> </a:t>
+            </a:r>
+            <a:r>
+              <a:rPr lang="en-US" sz="2000" dirty="0" err="1"/>
               <a:t>cho</a:t>
             </a:r>
             <a:r>
-              <a:rPr lang="en-US" sz="2000" dirty="0" smtClean="0"/>
-              <a:t> </a:t>
-            </a:r>
-            <a:r>
-              <a:rPr lang="en-US" sz="2000" dirty="0" err="1" smtClean="0"/>
+              <a:rPr lang="en-US" sz="2000" dirty="0"/>
+              <a:t> </a:t>
+            </a:r>
+            <a:r>
+              <a:rPr lang="en-US" sz="2000" dirty="0" err="1"/>
               <a:t>dữ</a:t>
             </a:r>
             <a:r>
-              <a:rPr lang="en-US" sz="2000" dirty="0" smtClean="0"/>
-              <a:t> </a:t>
-            </a:r>
-            <a:r>
-              <a:rPr lang="en-US" sz="2000" dirty="0" err="1" smtClean="0"/>
+              <a:rPr lang="en-US" sz="2000" dirty="0"/>
+              <a:t> </a:t>
+            </a:r>
+            <a:r>
+              <a:rPr lang="en-US" sz="2000" dirty="0" err="1"/>
               <a:t>liệu</a:t>
             </a:r>
             <a:r>
-              <a:rPr lang="en-US" sz="2000" dirty="0" smtClean="0"/>
-              <a:t> </a:t>
-            </a:r>
-            <a:r>
-              <a:rPr lang="en-US" sz="2000" dirty="0" err="1" smtClean="0"/>
+              <a:rPr lang="en-US" sz="2000" dirty="0"/>
+              <a:t> </a:t>
+            </a:r>
+            <a:r>
+              <a:rPr lang="en-US" sz="2000" dirty="0" err="1"/>
               <a:t>có</a:t>
             </a:r>
             <a:r>
-              <a:rPr lang="en-US" sz="2000" dirty="0" smtClean="0"/>
-              <a:t> </a:t>
-            </a:r>
-            <a:r>
-              <a:rPr lang="en-US" sz="2000" dirty="0" err="1" smtClean="0"/>
+              <a:rPr lang="en-US" sz="2000" dirty="0"/>
+              <a:t> </a:t>
+            </a:r>
+            <a:r>
+              <a:rPr lang="en-US" sz="2000" dirty="0" err="1"/>
               <a:t>chiều</a:t>
             </a:r>
             <a:r>
-              <a:rPr lang="en-US" sz="2000" dirty="0" smtClean="0"/>
-              <a:t> </a:t>
-            </a:r>
-            <a:r>
-              <a:rPr lang="en-US" sz="2000" dirty="0" err="1" smtClean="0"/>
+              <a:rPr lang="en-US" sz="2000" dirty="0"/>
+              <a:t> </a:t>
+            </a:r>
+            <a:r>
+              <a:rPr lang="en-US" sz="2000" dirty="0" err="1"/>
               <a:t>dài</a:t>
             </a:r>
             <a:r>
-              <a:rPr lang="en-US" sz="2000" dirty="0" smtClean="0"/>
+              <a:rPr lang="en-US" sz="2000" dirty="0"/>
               <a:t> input </a:t>
             </a:r>
             <a:r>
-              <a:rPr lang="en-US" sz="2000" dirty="0" err="1" smtClean="0"/>
+              <a:rPr lang="en-US" sz="2000" dirty="0" err="1"/>
               <a:t>và</a:t>
             </a:r>
             <a:r>
-              <a:rPr lang="en-US" sz="2000" dirty="0" smtClean="0"/>
+              <a:rPr lang="en-US" sz="2000" dirty="0"/>
               <a:t> output </a:t>
             </a:r>
             <a:r>
-              <a:rPr lang="en-US" sz="2000" dirty="0" err="1" smtClean="0"/>
+              <a:rPr lang="en-US" sz="2000" dirty="0" err="1"/>
               <a:t>khác</a:t>
             </a:r>
             <a:r>
-              <a:rPr lang="en-US" sz="2000" dirty="0" smtClean="0"/>
-              <a:t> </a:t>
-            </a:r>
-            <a:r>
-              <a:rPr lang="en-US" sz="2000" dirty="0" err="1" smtClean="0"/>
+              <a:rPr lang="en-US" sz="2000" dirty="0"/>
+              <a:t> </a:t>
+            </a:r>
+            <a:r>
+              <a:rPr lang="en-US" sz="2000" dirty="0" err="1"/>
               <a:t>nhau</a:t>
             </a:r>
-            <a:endParaRPr lang="en-US" sz="2000" dirty="0" smtClean="0"/>
-          </a:p>
-          <a:p>
-            <a:r>
-              <a:rPr lang="en-US" sz="2000" dirty="0" smtClean="0"/>
+            <a:endParaRPr lang="en-US" sz="2000" dirty="0"/>
+          </a:p>
+          <a:p>
+            <a:r>
+              <a:rPr lang="en-US" sz="2000" dirty="0"/>
               <a:t>Encoder </a:t>
             </a:r>
             <a:r>
-              <a:rPr lang="en-US" sz="2000" dirty="0" err="1" smtClean="0"/>
+              <a:rPr lang="en-US" sz="2000" dirty="0" err="1"/>
               <a:t>chuyển</a:t>
             </a:r>
             <a:r>
-              <a:rPr lang="en-US" sz="2000" dirty="0" smtClean="0"/>
-              <a:t> </a:t>
-            </a:r>
-            <a:r>
-              <a:rPr lang="en-US" sz="2000" dirty="0" err="1" smtClean="0"/>
+              <a:rPr lang="en-US" sz="2000" dirty="0"/>
+              <a:t> </a:t>
+            </a:r>
+            <a:r>
+              <a:rPr lang="en-US" sz="2000" dirty="0" err="1"/>
               <a:t>chuỗi</a:t>
             </a:r>
             <a:r>
-              <a:rPr lang="en-US" sz="2000" dirty="0" smtClean="0"/>
+              <a:rPr lang="en-US" sz="2000" dirty="0"/>
               <a:t> input </a:t>
             </a:r>
             <a:r>
-              <a:rPr lang="en-US" sz="2000" dirty="0" err="1" smtClean="0"/>
+              <a:rPr lang="en-US" sz="2000" dirty="0" err="1"/>
               <a:t>thành</a:t>
             </a:r>
             <a:r>
-              <a:rPr lang="en-US" sz="2000" dirty="0" smtClean="0"/>
-              <a:t> </a:t>
-            </a:r>
-            <a:r>
-              <a:rPr lang="en-US" sz="2000" dirty="0" err="1" smtClean="0"/>
+              <a:rPr lang="en-US" sz="2000" dirty="0"/>
+              <a:t> </a:t>
+            </a:r>
+            <a:r>
+              <a:rPr lang="en-US" sz="2000" dirty="0" err="1"/>
               <a:t>một</a:t>
             </a:r>
             <a:r>
-              <a:rPr lang="en-US" sz="2000" dirty="0" smtClean="0"/>
-              <a:t> </a:t>
-            </a:r>
-            <a:r>
-              <a:rPr lang="en-US" sz="2000" dirty="0" err="1" smtClean="0"/>
+              <a:rPr lang="en-US" sz="2000" dirty="0"/>
+              <a:t> </a:t>
+            </a:r>
+            <a:r>
+              <a:rPr lang="en-US" sz="2000" dirty="0" err="1"/>
               <a:t>dạng</a:t>
             </a:r>
             <a:r>
-              <a:rPr lang="en-US" sz="2000" dirty="0" smtClean="0"/>
-              <a:t> </a:t>
-            </a:r>
-            <a:r>
-              <a:rPr lang="en-US" sz="2000" dirty="0" err="1" smtClean="0"/>
+              <a:rPr lang="en-US" sz="2000" dirty="0"/>
+              <a:t> </a:t>
+            </a:r>
+            <a:r>
+              <a:rPr lang="en-US" sz="2000" dirty="0" err="1"/>
               <a:t>dữ</a:t>
             </a:r>
             <a:r>
-              <a:rPr lang="en-US" sz="2000" dirty="0" smtClean="0"/>
-              <a:t> </a:t>
-            </a:r>
-            <a:r>
-              <a:rPr lang="en-US" sz="2000" dirty="0" err="1" smtClean="0"/>
+              <a:rPr lang="en-US" sz="2000" dirty="0"/>
+              <a:t> </a:t>
+            </a:r>
+            <a:r>
+              <a:rPr lang="en-US" sz="2000" dirty="0" err="1"/>
               <a:t>liệu</a:t>
             </a:r>
             <a:r>
-              <a:rPr lang="en-US" sz="2000" dirty="0" smtClean="0"/>
-              <a:t> </a:t>
-            </a:r>
-            <a:r>
-              <a:rPr lang="en-US" sz="2000" dirty="0" err="1" smtClean="0"/>
+              <a:rPr lang="en-US" sz="2000" dirty="0"/>
+              <a:t> </a:t>
+            </a:r>
+            <a:r>
+              <a:rPr lang="en-US" sz="2000" dirty="0" err="1"/>
               <a:t>nén</a:t>
             </a:r>
             <a:r>
-              <a:rPr lang="en-US" sz="2000" dirty="0" smtClean="0"/>
+              <a:rPr lang="en-US" sz="2000" dirty="0"/>
               <a:t> (state) </a:t>
             </a:r>
             <a:r>
-              <a:rPr lang="en-US" sz="2000" dirty="0" err="1" smtClean="0"/>
+              <a:rPr lang="en-US" sz="2000" dirty="0" err="1"/>
               <a:t>với</a:t>
             </a:r>
             <a:r>
-              <a:rPr lang="en-US" sz="2000" dirty="0" smtClean="0"/>
-              <a:t> </a:t>
-            </a:r>
-            <a:r>
-              <a:rPr lang="en-US" sz="2000" dirty="0" err="1" smtClean="0"/>
+              <a:rPr lang="en-US" sz="2000" dirty="0"/>
+              <a:t> </a:t>
+            </a:r>
+            <a:r>
+              <a:rPr lang="en-US" sz="2000" dirty="0" err="1"/>
               <a:t>kích</a:t>
             </a:r>
             <a:r>
-              <a:rPr lang="en-US" sz="2000" dirty="0" smtClean="0"/>
-              <a:t> </a:t>
-            </a:r>
-            <a:r>
-              <a:rPr lang="en-US" sz="2000" dirty="0" err="1" smtClean="0"/>
+              <a:rPr lang="en-US" sz="2000" dirty="0"/>
+              <a:t> </a:t>
+            </a:r>
+            <a:r>
+              <a:rPr lang="en-US" sz="2000" dirty="0" err="1"/>
               <a:t>thước</a:t>
             </a:r>
             <a:r>
-              <a:rPr lang="en-US" sz="2000" dirty="0" smtClean="0"/>
-              <a:t> </a:t>
-            </a:r>
-            <a:r>
-              <a:rPr lang="en-US" sz="2000" dirty="0" err="1" smtClean="0"/>
+              <a:rPr lang="en-US" sz="2000" dirty="0"/>
+              <a:t> </a:t>
+            </a:r>
+            <a:r>
+              <a:rPr lang="en-US" sz="2000" dirty="0" err="1"/>
               <a:t>cố</a:t>
             </a:r>
             <a:r>
-              <a:rPr lang="en-US" sz="2000" dirty="0" smtClean="0"/>
-              <a:t> </a:t>
-            </a:r>
-            <a:r>
-              <a:rPr lang="en-US" sz="2000" dirty="0" err="1" smtClean="0"/>
+              <a:rPr lang="en-US" sz="2000" dirty="0"/>
+              <a:t> </a:t>
+            </a:r>
+            <a:r>
+              <a:rPr lang="en-US" sz="2000" dirty="0" err="1"/>
               <a:t>định</a:t>
             </a:r>
-            <a:endParaRPr lang="en-US" sz="2000" dirty="0" smtClean="0"/>
-          </a:p>
-          <a:p>
-            <a:r>
-              <a:rPr lang="en-US" sz="2000" dirty="0" err="1" smtClean="0"/>
+            <a:endParaRPr lang="en-US" sz="2000" dirty="0"/>
+          </a:p>
+          <a:p>
+            <a:r>
+              <a:rPr lang="en-US" sz="2000" dirty="0" err="1"/>
               <a:t>Một</a:t>
             </a:r>
             <a:r>
-              <a:rPr lang="en-US" sz="2000" dirty="0" smtClean="0"/>
-              <a:t> </a:t>
-            </a:r>
-            <a:r>
-              <a:rPr lang="en-US" sz="2000" dirty="0" err="1" smtClean="0"/>
+              <a:rPr lang="en-US" sz="2000" dirty="0"/>
+              <a:t> </a:t>
+            </a:r>
+            <a:r>
+              <a:rPr lang="en-US" sz="2000" dirty="0" err="1"/>
               <a:t>ứng</a:t>
             </a:r>
             <a:r>
-              <a:rPr lang="en-US" sz="2000" dirty="0" smtClean="0"/>
-              <a:t> </a:t>
-            </a:r>
-            <a:r>
-              <a:rPr lang="en-US" sz="2000" dirty="0" err="1" smtClean="0"/>
+              <a:rPr lang="en-US" sz="2000" dirty="0"/>
+              <a:t> </a:t>
+            </a:r>
+            <a:r>
+              <a:rPr lang="en-US" sz="2000" dirty="0" err="1"/>
               <a:t>dụng</a:t>
             </a:r>
             <a:r>
-              <a:rPr lang="en-US" sz="2000" dirty="0" smtClean="0"/>
-              <a:t> </a:t>
-            </a:r>
-            <a:r>
-              <a:rPr lang="en-US" sz="2000" dirty="0" err="1" smtClean="0"/>
+              <a:rPr lang="en-US" sz="2000" dirty="0"/>
+              <a:t> </a:t>
+            </a:r>
+            <a:r>
+              <a:rPr lang="en-US" sz="2000" dirty="0" err="1"/>
               <a:t>phổ</a:t>
             </a:r>
             <a:r>
-              <a:rPr lang="en-US" sz="2000" dirty="0" smtClean="0"/>
-              <a:t> </a:t>
-            </a:r>
-            <a:r>
-              <a:rPr lang="en-US" sz="2000" dirty="0" err="1" smtClean="0"/>
+              <a:rPr lang="en-US" sz="2000" dirty="0"/>
+              <a:t> </a:t>
+            </a:r>
+            <a:r>
+              <a:rPr lang="en-US" sz="2000" dirty="0" err="1"/>
               <a:t>biến</a:t>
             </a:r>
             <a:r>
-              <a:rPr lang="en-US" sz="2000" dirty="0" smtClean="0"/>
-              <a:t> </a:t>
-            </a:r>
-            <a:r>
-              <a:rPr lang="en-US" sz="2000" dirty="0" err="1" smtClean="0"/>
+              <a:rPr lang="en-US" sz="2000" dirty="0"/>
+              <a:t> </a:t>
+            </a:r>
+            <a:r>
+              <a:rPr lang="en-US" sz="2000" dirty="0" err="1"/>
               <a:t>là</a:t>
             </a:r>
             <a:r>
-              <a:rPr lang="en-US" sz="2000" dirty="0" smtClean="0"/>
-              <a:t> </a:t>
-            </a:r>
-            <a:r>
-              <a:rPr lang="en-US" sz="2000" dirty="0" err="1" smtClean="0"/>
+              <a:rPr lang="en-US" sz="2000" dirty="0"/>
+              <a:t> </a:t>
+            </a:r>
+            <a:r>
+              <a:rPr lang="en-US" sz="2000" dirty="0" err="1"/>
               <a:t>dịch</a:t>
             </a:r>
             <a:r>
-              <a:rPr lang="en-US" sz="2000" dirty="0" smtClean="0"/>
-              <a:t> </a:t>
-            </a:r>
-            <a:r>
-              <a:rPr lang="en-US" sz="2000" dirty="0" err="1" smtClean="0"/>
+              <a:rPr lang="en-US" sz="2000" dirty="0"/>
+              <a:t> </a:t>
+            </a:r>
+            <a:r>
+              <a:rPr lang="en-US" sz="2000" dirty="0" err="1"/>
               <a:t>ngôn</a:t>
             </a:r>
             <a:r>
-              <a:rPr lang="en-US" sz="2000" dirty="0" smtClean="0"/>
-              <a:t> </a:t>
-            </a:r>
-            <a:r>
-              <a:rPr lang="en-US" sz="2000" dirty="0" err="1" smtClean="0"/>
+              <a:rPr lang="en-US" sz="2000" dirty="0"/>
+              <a:t> </a:t>
+            </a:r>
+            <a:r>
+              <a:rPr lang="en-US" sz="2000" dirty="0" err="1"/>
               <a:t>ngữ</a:t>
             </a:r>
-            <a:endParaRPr lang="en-US" sz="2000" dirty="0" smtClean="0"/>
+            <a:endParaRPr lang="en-US" sz="2000" dirty="0"/>
           </a:p>
           <a:p>
             <a:endParaRPr lang="en-US" sz="2000" dirty="0"/>
@@ -5034,10 +5005,9 @@
           <a:lstStyle/>
           <a:p>
             <a:r>
-              <a:rPr lang="en-US" dirty="0" smtClean="0"/>
+              <a:rPr lang="en-US" dirty="0"/>
               <a:t>Encoder</a:t>
             </a:r>
-            <a:endParaRPr lang="en-US" dirty="0"/>
           </a:p>
         </p:txBody>
       </p:sp>
@@ -5064,225 +5034,225 @@
           <a:lstStyle/>
           <a:p>
             <a:r>
-              <a:rPr lang="en-US" dirty="0" smtClean="0"/>
+              <a:rPr lang="en-US" dirty="0"/>
               <a:t>Encoder </a:t>
             </a:r>
             <a:r>
-              <a:rPr lang="en-US" dirty="0" err="1" smtClean="0"/>
+              <a:rPr lang="en-US" dirty="0" err="1"/>
               <a:t>chuyển</a:t>
             </a:r>
             <a:r>
-              <a:rPr lang="en-US" dirty="0" smtClean="0"/>
-              <a:t> </a:t>
-            </a:r>
-            <a:r>
-              <a:rPr lang="en-US" dirty="0" err="1" smtClean="0"/>
+              <a:rPr lang="en-US" dirty="0"/>
+              <a:t> </a:t>
+            </a:r>
+            <a:r>
+              <a:rPr lang="en-US" dirty="0" err="1"/>
               <a:t>đổi</a:t>
             </a:r>
             <a:r>
-              <a:rPr lang="en-US" dirty="0" smtClean="0"/>
-              <a:t> </a:t>
-            </a:r>
-            <a:r>
-              <a:rPr lang="en-US" dirty="0" err="1" smtClean="0"/>
+              <a:rPr lang="en-US" dirty="0"/>
+              <a:t> </a:t>
+            </a:r>
+            <a:r>
+              <a:rPr lang="en-US" dirty="0" err="1"/>
               <a:t>một</a:t>
             </a:r>
             <a:r>
-              <a:rPr lang="en-US" dirty="0" smtClean="0"/>
-              <a:t> </a:t>
-            </a:r>
-            <a:r>
-              <a:rPr lang="en-US" dirty="0" err="1" smtClean="0"/>
+              <a:rPr lang="en-US" dirty="0"/>
+              <a:t> </a:t>
+            </a:r>
+            <a:r>
+              <a:rPr lang="en-US" dirty="0" err="1"/>
               <a:t>chuỗi</a:t>
             </a:r>
             <a:r>
-              <a:rPr lang="en-US" dirty="0" smtClean="0"/>
-              <a:t> </a:t>
-            </a:r>
-            <a:r>
-              <a:rPr lang="en-US" dirty="0" err="1" smtClean="0"/>
+              <a:rPr lang="en-US" dirty="0"/>
+              <a:t> </a:t>
+            </a:r>
+            <a:r>
+              <a:rPr lang="en-US" dirty="0" err="1"/>
               <a:t>có</a:t>
             </a:r>
             <a:r>
-              <a:rPr lang="en-US" dirty="0" smtClean="0"/>
-              <a:t> </a:t>
-            </a:r>
-            <a:r>
-              <a:rPr lang="en-US" dirty="0" err="1" smtClean="0"/>
+              <a:rPr lang="en-US" dirty="0"/>
+              <a:t> </a:t>
+            </a:r>
+            <a:r>
+              <a:rPr lang="en-US" dirty="0" err="1"/>
               <a:t>chiều</a:t>
             </a:r>
             <a:r>
-              <a:rPr lang="en-US" dirty="0" smtClean="0"/>
-              <a:t> </a:t>
-            </a:r>
-            <a:r>
-              <a:rPr lang="en-US" dirty="0" err="1" smtClean="0"/>
+              <a:rPr lang="en-US" dirty="0"/>
+              <a:t> </a:t>
+            </a:r>
+            <a:r>
+              <a:rPr lang="en-US" dirty="0" err="1"/>
               <a:t>dài</a:t>
             </a:r>
             <a:r>
-              <a:rPr lang="en-US" dirty="0" smtClean="0"/>
-              <a:t> </a:t>
-            </a:r>
-            <a:r>
-              <a:rPr lang="en-US" dirty="0" err="1" smtClean="0"/>
+              <a:rPr lang="en-US" dirty="0"/>
+              <a:t> </a:t>
+            </a:r>
+            <a:r>
+              <a:rPr lang="en-US" dirty="0" err="1"/>
               <a:t>tuỳ</a:t>
             </a:r>
             <a:r>
-              <a:rPr lang="en-US" dirty="0" smtClean="0"/>
+              <a:rPr lang="en-US" dirty="0"/>
               <a:t> ý </a:t>
             </a:r>
             <a:r>
-              <a:rPr lang="en-US" dirty="0" err="1" smtClean="0"/>
+              <a:rPr lang="en-US" dirty="0" err="1"/>
               <a:t>thành</a:t>
             </a:r>
             <a:r>
-              <a:rPr lang="en-US" dirty="0" smtClean="0"/>
-              <a:t> </a:t>
-            </a:r>
-            <a:r>
-              <a:rPr lang="en-US" dirty="0" err="1" smtClean="0"/>
+              <a:rPr lang="en-US" dirty="0"/>
+              <a:t> </a:t>
+            </a:r>
+            <a:r>
+              <a:rPr lang="en-US" dirty="0" err="1"/>
               <a:t>một</a:t>
             </a:r>
             <a:r>
-              <a:rPr lang="en-US" dirty="0" smtClean="0"/>
+              <a:rPr lang="en-US" dirty="0"/>
               <a:t> vector context </a:t>
             </a:r>
             <a:r>
-              <a:rPr lang="en-US" dirty="0" err="1" smtClean="0"/>
+              <a:rPr lang="en-US" dirty="0" err="1"/>
               <a:t>có</a:t>
             </a:r>
             <a:r>
-              <a:rPr lang="en-US" dirty="0" smtClean="0"/>
-              <a:t> </a:t>
-            </a:r>
-            <a:r>
-              <a:rPr lang="en-US" dirty="0" err="1" smtClean="0"/>
+              <a:rPr lang="en-US" dirty="0"/>
+              <a:t> </a:t>
+            </a:r>
+            <a:r>
+              <a:rPr lang="en-US" dirty="0" err="1"/>
               <a:t>kích</a:t>
             </a:r>
             <a:r>
-              <a:rPr lang="en-US" dirty="0" smtClean="0"/>
-              <a:t> </a:t>
-            </a:r>
-            <a:r>
-              <a:rPr lang="en-US" dirty="0" err="1" smtClean="0"/>
+              <a:rPr lang="en-US" dirty="0"/>
+              <a:t> </a:t>
+            </a:r>
+            <a:r>
+              <a:rPr lang="en-US" dirty="0" err="1"/>
               <a:t>thước</a:t>
             </a:r>
             <a:r>
-              <a:rPr lang="en-US" dirty="0" smtClean="0"/>
-              <a:t> </a:t>
-            </a:r>
-            <a:r>
-              <a:rPr lang="en-US" dirty="0" err="1" smtClean="0"/>
+              <a:rPr lang="en-US" dirty="0"/>
+              <a:t> </a:t>
+            </a:r>
+            <a:r>
+              <a:rPr lang="en-US" dirty="0" err="1"/>
               <a:t>cố</a:t>
             </a:r>
             <a:r>
-              <a:rPr lang="en-US" dirty="0" smtClean="0"/>
-              <a:t> </a:t>
-            </a:r>
-            <a:r>
-              <a:rPr lang="en-US" dirty="0" err="1" smtClean="0"/>
+              <a:rPr lang="en-US" dirty="0"/>
+              <a:t> </a:t>
+            </a:r>
+            <a:r>
+              <a:rPr lang="en-US" dirty="0" err="1"/>
               <a:t>định</a:t>
             </a:r>
-            <a:endParaRPr lang="en-US" dirty="0" smtClean="0"/>
-          </a:p>
-          <a:p>
             <a:endParaRPr lang="en-US" dirty="0"/>
           </a:p>
           <a:p>
-            <a:r>
-              <a:rPr lang="en-US" dirty="0" err="1" smtClean="0"/>
+            <a:endParaRPr lang="en-US" dirty="0"/>
+          </a:p>
+          <a:p>
+            <a:r>
+              <a:rPr lang="en-US" dirty="0" err="1"/>
               <a:t>Trạng</a:t>
             </a:r>
             <a:r>
-              <a:rPr lang="en-US" dirty="0" smtClean="0"/>
-              <a:t> </a:t>
-            </a:r>
-            <a:r>
-              <a:rPr lang="en-US" dirty="0" err="1" smtClean="0"/>
+              <a:rPr lang="en-US" dirty="0"/>
+              <a:t> </a:t>
+            </a:r>
+            <a:r>
+              <a:rPr lang="en-US" dirty="0" err="1"/>
               <a:t>thái</a:t>
             </a:r>
             <a:r>
-              <a:rPr lang="en-US" dirty="0" smtClean="0"/>
-              <a:t> </a:t>
-            </a:r>
-            <a:r>
-              <a:rPr lang="en-US" dirty="0" err="1" smtClean="0"/>
+              <a:rPr lang="en-US" dirty="0"/>
+              <a:t> </a:t>
+            </a:r>
+            <a:r>
+              <a:rPr lang="en-US" dirty="0" err="1"/>
               <a:t>ẩn</a:t>
             </a:r>
             <a:r>
-              <a:rPr lang="en-US" dirty="0" smtClean="0"/>
-              <a:t> </a:t>
-            </a:r>
-            <a:r>
-              <a:rPr lang="en-US" dirty="0" err="1" smtClean="0"/>
+              <a:rPr lang="en-US" dirty="0"/>
+              <a:t> </a:t>
+            </a:r>
+            <a:r>
+              <a:rPr lang="en-US" dirty="0" err="1"/>
               <a:t>của</a:t>
             </a:r>
             <a:r>
-              <a:rPr lang="en-US" dirty="0" smtClean="0"/>
-              <a:t> </a:t>
-            </a:r>
-            <a:r>
-              <a:rPr lang="en-US" dirty="0" err="1" smtClean="0"/>
+              <a:rPr lang="en-US" dirty="0"/>
+              <a:t> </a:t>
+            </a:r>
+            <a:r>
+              <a:rPr lang="en-US" dirty="0" err="1"/>
               <a:t>từng</a:t>
             </a:r>
             <a:r>
-              <a:rPr lang="en-US" dirty="0" smtClean="0"/>
-              <a:t> </a:t>
-            </a:r>
-            <a:r>
-              <a:rPr lang="en-US" dirty="0" err="1" smtClean="0"/>
+              <a:rPr lang="en-US" dirty="0"/>
+              <a:t> </a:t>
+            </a:r>
+            <a:r>
+              <a:rPr lang="en-US" dirty="0" err="1"/>
               <a:t>thời</a:t>
             </a:r>
             <a:r>
-              <a:rPr lang="en-US" dirty="0" smtClean="0"/>
-              <a:t> </a:t>
-            </a:r>
-            <a:r>
-              <a:rPr lang="en-US" dirty="0" err="1" smtClean="0"/>
+              <a:rPr lang="en-US" dirty="0"/>
+              <a:t> </a:t>
+            </a:r>
+            <a:r>
+              <a:rPr lang="en-US" dirty="0" err="1"/>
               <a:t>điểm</a:t>
             </a:r>
             <a:r>
-              <a:rPr lang="en-US" dirty="0" smtClean="0"/>
-              <a:t> </a:t>
-            </a:r>
-            <a:r>
-              <a:rPr lang="en-US" dirty="0" err="1" smtClean="0"/>
+              <a:rPr lang="en-US" dirty="0"/>
+              <a:t> </a:t>
+            </a:r>
+            <a:r>
+              <a:rPr lang="en-US" dirty="0" err="1"/>
               <a:t>được</a:t>
             </a:r>
             <a:r>
-              <a:rPr lang="en-US" dirty="0" smtClean="0"/>
-              <a:t> </a:t>
-            </a:r>
-            <a:r>
-              <a:rPr lang="en-US" dirty="0" err="1" smtClean="0"/>
+              <a:rPr lang="en-US" dirty="0"/>
+              <a:t> </a:t>
+            </a:r>
+            <a:r>
+              <a:rPr lang="en-US" dirty="0" err="1"/>
               <a:t>tính</a:t>
             </a:r>
             <a:r>
-              <a:rPr lang="en-US" dirty="0" smtClean="0"/>
-              <a:t> </a:t>
-            </a:r>
-            <a:r>
-              <a:rPr lang="en-US" dirty="0" err="1" smtClean="0"/>
+              <a:rPr lang="en-US" dirty="0"/>
+              <a:t> </a:t>
+            </a:r>
+            <a:r>
+              <a:rPr lang="en-US" dirty="0" err="1"/>
               <a:t>theo</a:t>
             </a:r>
             <a:r>
-              <a:rPr lang="en-US" dirty="0" smtClean="0"/>
-              <a:t> </a:t>
-            </a:r>
-            <a:r>
-              <a:rPr lang="en-US" dirty="0" err="1" smtClean="0"/>
+              <a:rPr lang="en-US" dirty="0"/>
+              <a:t> </a:t>
+            </a:r>
+            <a:r>
+              <a:rPr lang="en-US" dirty="0" err="1"/>
               <a:t>công</a:t>
             </a:r>
             <a:r>
-              <a:rPr lang="en-US" dirty="0" smtClean="0"/>
-              <a:t> </a:t>
-            </a:r>
-            <a:r>
-              <a:rPr lang="en-US" dirty="0" err="1" smtClean="0"/>
+              <a:rPr lang="en-US" dirty="0"/>
+              <a:t> </a:t>
+            </a:r>
+            <a:r>
+              <a:rPr lang="en-US" dirty="0" err="1"/>
               <a:t>thức</a:t>
             </a:r>
             <a:r>
-              <a:rPr lang="en-US" dirty="0" smtClean="0"/>
+              <a:rPr lang="en-US" dirty="0"/>
               <a:t>:</a:t>
             </a:r>
           </a:p>
@@ -5290,39 +5260,39 @@
             <a:endParaRPr lang="en-US" dirty="0"/>
           </a:p>
           <a:p>
-            <a:endParaRPr lang="en-US" dirty="0" smtClean="0"/>
-          </a:p>
-          <a:p>
-            <a:r>
-              <a:rPr lang="en-US" dirty="0" err="1" smtClean="0"/>
+            <a:endParaRPr lang="en-US" dirty="0"/>
+          </a:p>
+          <a:p>
+            <a:r>
+              <a:rPr lang="en-US" dirty="0" err="1"/>
               <a:t>Với</a:t>
             </a:r>
             <a:r>
-              <a:rPr lang="en-US" dirty="0" smtClean="0"/>
+              <a:rPr lang="en-US" dirty="0"/>
               <a:t> f </a:t>
             </a:r>
             <a:r>
-              <a:rPr lang="en-US" dirty="0" err="1" smtClean="0"/>
+              <a:rPr lang="en-US" dirty="0" err="1"/>
               <a:t>có</a:t>
             </a:r>
             <a:r>
-              <a:rPr lang="en-US" dirty="0" smtClean="0"/>
-              <a:t> </a:t>
-            </a:r>
-            <a:r>
-              <a:rPr lang="en-US" dirty="0" err="1" smtClean="0"/>
+              <a:rPr lang="en-US" dirty="0"/>
+              <a:t> </a:t>
+            </a:r>
+            <a:r>
+              <a:rPr lang="en-US" dirty="0" err="1"/>
               <a:t>thể</a:t>
             </a:r>
             <a:r>
-              <a:rPr lang="en-US" dirty="0" smtClean="0"/>
-              <a:t> </a:t>
-            </a:r>
-            <a:r>
-              <a:rPr lang="en-US" dirty="0" err="1" smtClean="0"/>
+              <a:rPr lang="en-US" dirty="0"/>
+              <a:t> </a:t>
+            </a:r>
+            <a:r>
+              <a:rPr lang="en-US" dirty="0" err="1"/>
               <a:t>là</a:t>
             </a:r>
             <a:r>
-              <a:rPr lang="en-US" dirty="0" smtClean="0"/>
+              <a:rPr lang="en-US" dirty="0"/>
               <a:t> RNN, LSTM</a:t>
             </a:r>
           </a:p>
@@ -5331,83 +5301,83 @@
           </a:p>
           <a:p>
             <a:r>
-              <a:rPr lang="en-US" dirty="0" smtClean="0"/>
+              <a:rPr lang="en-US" dirty="0"/>
               <a:t>Vector </a:t>
             </a:r>
             <a:r>
-              <a:rPr lang="en-US" dirty="0" err="1" smtClean="0"/>
+              <a:rPr lang="en-US" dirty="0" err="1"/>
               <a:t>trạng</a:t>
             </a:r>
             <a:r>
-              <a:rPr lang="en-US" dirty="0" smtClean="0"/>
-              <a:t> </a:t>
-            </a:r>
-            <a:r>
-              <a:rPr lang="en-US" dirty="0" err="1" smtClean="0"/>
+              <a:rPr lang="en-US" dirty="0"/>
+              <a:t> </a:t>
+            </a:r>
+            <a:r>
+              <a:rPr lang="en-US" dirty="0" err="1"/>
               <a:t>thái</a:t>
             </a:r>
             <a:r>
-              <a:rPr lang="en-US" dirty="0" smtClean="0"/>
-              <a:t> </a:t>
-            </a:r>
-            <a:r>
-              <a:rPr lang="en-US" dirty="0" err="1" smtClean="0"/>
+              <a:rPr lang="en-US" dirty="0"/>
+              <a:t> </a:t>
+            </a:r>
+            <a:r>
+              <a:rPr lang="en-US" dirty="0" err="1"/>
               <a:t>được</a:t>
             </a:r>
             <a:r>
-              <a:rPr lang="en-US" dirty="0" smtClean="0"/>
-              <a:t> </a:t>
-            </a:r>
-            <a:r>
-              <a:rPr lang="en-US" dirty="0" err="1" smtClean="0"/>
+              <a:rPr lang="en-US" dirty="0"/>
+              <a:t> </a:t>
+            </a:r>
+            <a:r>
+              <a:rPr lang="en-US" dirty="0" err="1"/>
               <a:t>tính</a:t>
             </a:r>
             <a:r>
-              <a:rPr lang="en-US" dirty="0" smtClean="0"/>
-              <a:t> </a:t>
-            </a:r>
-            <a:r>
-              <a:rPr lang="en-US" dirty="0" err="1" smtClean="0"/>
+              <a:rPr lang="en-US" dirty="0"/>
+              <a:t> </a:t>
+            </a:r>
+            <a:r>
+              <a:rPr lang="en-US" dirty="0" err="1"/>
               <a:t>dựa</a:t>
             </a:r>
             <a:r>
-              <a:rPr lang="en-US" dirty="0" smtClean="0"/>
-              <a:t> </a:t>
-            </a:r>
-            <a:r>
-              <a:rPr lang="en-US" dirty="0" err="1" smtClean="0"/>
+              <a:rPr lang="en-US" dirty="0"/>
+              <a:t> </a:t>
+            </a:r>
+            <a:r>
+              <a:rPr lang="en-US" dirty="0" err="1"/>
               <a:t>trên</a:t>
             </a:r>
             <a:r>
-              <a:rPr lang="en-US" dirty="0" smtClean="0"/>
-              <a:t> </a:t>
-            </a:r>
-            <a:r>
-              <a:rPr lang="en-US" dirty="0" err="1" smtClean="0"/>
+              <a:rPr lang="en-US" dirty="0"/>
+              <a:t> </a:t>
+            </a:r>
+            <a:r>
+              <a:rPr lang="en-US" dirty="0" err="1"/>
               <a:t>các</a:t>
             </a:r>
             <a:r>
-              <a:rPr lang="en-US" dirty="0" smtClean="0"/>
-              <a:t> </a:t>
-            </a:r>
-            <a:r>
-              <a:rPr lang="en-US" dirty="0" err="1" smtClean="0"/>
+              <a:rPr lang="en-US" dirty="0"/>
+              <a:t> </a:t>
+            </a:r>
+            <a:r>
+              <a:rPr lang="en-US" dirty="0" err="1"/>
               <a:t>trạng</a:t>
             </a:r>
             <a:r>
-              <a:rPr lang="en-US" dirty="0" smtClean="0"/>
-              <a:t> </a:t>
-            </a:r>
-            <a:r>
-              <a:rPr lang="en-US" dirty="0" err="1" smtClean="0"/>
+              <a:rPr lang="en-US" dirty="0"/>
+              <a:t> </a:t>
+            </a:r>
+            <a:r>
+              <a:rPr lang="en-US" dirty="0" err="1"/>
               <a:t>thái</a:t>
             </a:r>
             <a:r>
-              <a:rPr lang="en-US" dirty="0" smtClean="0"/>
-              <a:t> </a:t>
-            </a:r>
-            <a:r>
-              <a:rPr lang="en-US" dirty="0" err="1" smtClean="0"/>
+              <a:rPr lang="en-US" dirty="0"/>
+              <a:t> </a:t>
+            </a:r>
+            <a:r>
+              <a:rPr lang="en-US" dirty="0" err="1"/>
               <a:t>ẩn</a:t>
             </a:r>
             <a:endParaRPr lang="en-US" dirty="0"/>
@@ -5508,10 +5478,9 @@
           <a:lstStyle/>
           <a:p>
             <a:r>
-              <a:rPr lang="en-US" dirty="0" smtClean="0"/>
+              <a:rPr lang="en-US" dirty="0"/>
               <a:t>Decoder</a:t>
             </a:r>
-            <a:endParaRPr lang="en-US" dirty="0"/>
           </a:p>
         </p:txBody>
       </p:sp>
@@ -5533,260 +5502,260 @@
           <a:lstStyle/>
           <a:p>
             <a:r>
-              <a:rPr lang="en-US" sz="1800" dirty="0" smtClean="0"/>
+              <a:rPr lang="en-US" sz="1800" dirty="0"/>
               <a:t>Decoder </a:t>
             </a:r>
             <a:r>
-              <a:rPr lang="en-US" sz="1800" dirty="0" err="1" smtClean="0"/>
+              <a:rPr lang="en-US" sz="1800" dirty="0" err="1"/>
               <a:t>chuyển</a:t>
             </a:r>
             <a:r>
-              <a:rPr lang="en-US" sz="1800" dirty="0" smtClean="0"/>
+              <a:rPr lang="en-US" sz="1800" dirty="0"/>
               <a:t> vector context </a:t>
             </a:r>
             <a:r>
-              <a:rPr lang="en-US" sz="1800" dirty="0" err="1" smtClean="0"/>
+              <a:rPr lang="en-US" sz="1800" dirty="0" err="1"/>
               <a:t>thành</a:t>
             </a:r>
             <a:r>
-              <a:rPr lang="en-US" sz="1800" dirty="0" smtClean="0"/>
-              <a:t> </a:t>
-            </a:r>
-            <a:r>
-              <a:rPr lang="en-US" sz="1800" dirty="0" err="1" smtClean="0"/>
+              <a:rPr lang="en-US" sz="1800" dirty="0"/>
+              <a:t> </a:t>
+            </a:r>
+            <a:r>
+              <a:rPr lang="en-US" sz="1800" dirty="0" err="1"/>
               <a:t>một</a:t>
             </a:r>
             <a:r>
-              <a:rPr lang="en-US" sz="1800" dirty="0" smtClean="0"/>
-              <a:t> </a:t>
-            </a:r>
-            <a:r>
-              <a:rPr lang="en-US" sz="1800" dirty="0" err="1" smtClean="0"/>
+              <a:rPr lang="en-US" sz="1800" dirty="0"/>
+              <a:t> </a:t>
+            </a:r>
+            <a:r>
+              <a:rPr lang="en-US" sz="1800" dirty="0" err="1"/>
               <a:t>chuỗi</a:t>
             </a:r>
-            <a:endParaRPr lang="en-US" sz="1800" dirty="0" smtClean="0"/>
-          </a:p>
-          <a:p>
-            <a:r>
-              <a:rPr lang="en-US" sz="1800" dirty="0" err="1" smtClean="0"/>
+            <a:endParaRPr lang="en-US" sz="1800" dirty="0"/>
+          </a:p>
+          <a:p>
+            <a:r>
+              <a:rPr lang="en-US" sz="1800" dirty="0" err="1"/>
               <a:t>Mô</a:t>
             </a:r>
             <a:r>
-              <a:rPr lang="en-US" sz="1800" dirty="0" smtClean="0"/>
-              <a:t> </a:t>
-            </a:r>
-            <a:r>
-              <a:rPr lang="en-US" sz="1800" dirty="0" err="1" smtClean="0"/>
+              <a:rPr lang="en-US" sz="1800" dirty="0"/>
+              <a:t> </a:t>
+            </a:r>
+            <a:r>
+              <a:rPr lang="en-US" sz="1800" dirty="0" err="1"/>
               <a:t>hình</a:t>
             </a:r>
             <a:r>
-              <a:rPr lang="en-US" sz="1800" dirty="0" smtClean="0"/>
-              <a:t> </a:t>
-            </a:r>
-            <a:r>
-              <a:rPr lang="en-US" sz="1800" dirty="0" err="1" smtClean="0"/>
+              <a:rPr lang="en-US" sz="1800" dirty="0"/>
+              <a:t> </a:t>
+            </a:r>
+            <a:r>
+              <a:rPr lang="en-US" sz="1800" dirty="0" err="1"/>
               <a:t>của</a:t>
             </a:r>
             <a:r>
-              <a:rPr lang="en-US" sz="1800" dirty="0" smtClean="0"/>
+              <a:rPr lang="en-US" sz="1800" dirty="0"/>
               <a:t> decoder </a:t>
             </a:r>
             <a:r>
-              <a:rPr lang="en-US" sz="1800" dirty="0" err="1" smtClean="0"/>
+              <a:rPr lang="en-US" sz="1800" dirty="0" err="1"/>
               <a:t>có</a:t>
             </a:r>
             <a:r>
-              <a:rPr lang="en-US" sz="1800" dirty="0" smtClean="0"/>
-              <a:t> </a:t>
-            </a:r>
-            <a:r>
-              <a:rPr lang="en-US" sz="1800" dirty="0" err="1" smtClean="0"/>
+              <a:rPr lang="en-US" sz="1800" dirty="0"/>
+              <a:t> </a:t>
+            </a:r>
+            <a:r>
+              <a:rPr lang="en-US" sz="1800" dirty="0" err="1"/>
               <a:t>thể</a:t>
             </a:r>
             <a:r>
-              <a:rPr lang="en-US" sz="1800" dirty="0" smtClean="0"/>
-              <a:t> </a:t>
-            </a:r>
-            <a:r>
-              <a:rPr lang="en-US" sz="1800" dirty="0" err="1" smtClean="0"/>
+              <a:rPr lang="en-US" sz="1800" dirty="0"/>
+              <a:t> </a:t>
+            </a:r>
+            <a:r>
+              <a:rPr lang="en-US" sz="1800" dirty="0" err="1"/>
               <a:t>là</a:t>
             </a:r>
             <a:r>
-              <a:rPr lang="en-US" sz="1800" dirty="0" smtClean="0"/>
-              <a:t> </a:t>
-            </a:r>
-            <a:r>
-              <a:rPr lang="en-US" sz="1800" dirty="0" err="1" smtClean="0"/>
+              <a:rPr lang="en-US" sz="1800" dirty="0"/>
+              <a:t> </a:t>
+            </a:r>
+            <a:r>
+              <a:rPr lang="en-US" sz="1800" dirty="0" err="1"/>
               <a:t>một</a:t>
             </a:r>
             <a:r>
-              <a:rPr lang="en-US" sz="1800" dirty="0" smtClean="0"/>
+              <a:rPr lang="en-US" sz="1800" dirty="0"/>
               <a:t> RNN, LSTM </a:t>
             </a:r>
           </a:p>
           <a:p>
             <a:r>
-              <a:rPr lang="en-US" sz="1800" dirty="0" err="1" smtClean="0"/>
+              <a:rPr lang="en-US" sz="1800" dirty="0" err="1"/>
               <a:t>Tại</a:t>
             </a:r>
             <a:r>
-              <a:rPr lang="en-US" sz="1800" dirty="0" smtClean="0"/>
-              <a:t> </a:t>
-            </a:r>
-            <a:r>
-              <a:rPr lang="en-US" sz="1800" dirty="0" err="1" smtClean="0"/>
+              <a:rPr lang="en-US" sz="1800" dirty="0"/>
+              <a:t> </a:t>
+            </a:r>
+            <a:r>
+              <a:rPr lang="en-US" sz="1800" dirty="0" err="1"/>
               <a:t>mỗi</a:t>
             </a:r>
             <a:r>
-              <a:rPr lang="en-US" sz="1800" dirty="0" smtClean="0"/>
-              <a:t> </a:t>
-            </a:r>
-            <a:r>
-              <a:rPr lang="en-US" sz="1800" dirty="0" err="1" smtClean="0"/>
+              <a:rPr lang="en-US" sz="1800" dirty="0"/>
+              <a:t> </a:t>
+            </a:r>
+            <a:r>
+              <a:rPr lang="en-US" sz="1800" dirty="0" err="1"/>
               <a:t>thời</a:t>
             </a:r>
             <a:r>
-              <a:rPr lang="en-US" sz="1800" dirty="0" smtClean="0"/>
-              <a:t> </a:t>
-            </a:r>
-            <a:r>
-              <a:rPr lang="en-US" sz="1800" dirty="0" err="1" smtClean="0"/>
+              <a:rPr lang="en-US" sz="1800" dirty="0"/>
+              <a:t> </a:t>
+            </a:r>
+            <a:r>
+              <a:rPr lang="en-US" sz="1800" dirty="0" err="1"/>
               <a:t>điểm</a:t>
             </a:r>
             <a:r>
-              <a:rPr lang="en-US" sz="1800" dirty="0" smtClean="0"/>
+              <a:rPr lang="en-US" sz="1800" dirty="0"/>
               <a:t>, </a:t>
             </a:r>
             <a:r>
-              <a:rPr lang="en-US" sz="1800" dirty="0" err="1" smtClean="0"/>
+              <a:rPr lang="en-US" sz="1800" dirty="0" err="1"/>
               <a:t>trạng</a:t>
             </a:r>
             <a:r>
-              <a:rPr lang="en-US" sz="1800" dirty="0" smtClean="0"/>
-              <a:t> </a:t>
-            </a:r>
-            <a:r>
-              <a:rPr lang="en-US" sz="1800" dirty="0" err="1" smtClean="0"/>
+              <a:rPr lang="en-US" sz="1800" dirty="0"/>
+              <a:t> </a:t>
+            </a:r>
+            <a:r>
+              <a:rPr lang="en-US" sz="1800" dirty="0" err="1"/>
               <a:t>thái</a:t>
             </a:r>
             <a:r>
-              <a:rPr lang="en-US" sz="1800" dirty="0" smtClean="0"/>
-              <a:t> </a:t>
-            </a:r>
-            <a:r>
-              <a:rPr lang="en-US" sz="1800" dirty="0" err="1" smtClean="0"/>
+              <a:rPr lang="en-US" sz="1800" dirty="0"/>
+              <a:t> </a:t>
+            </a:r>
+            <a:r>
+              <a:rPr lang="en-US" sz="1800" dirty="0" err="1"/>
               <a:t>ẩn</a:t>
             </a:r>
             <a:r>
-              <a:rPr lang="en-US" sz="1800" dirty="0" smtClean="0"/>
+              <a:rPr lang="en-US" sz="1800" dirty="0"/>
               <a:t> s </a:t>
             </a:r>
             <a:r>
-              <a:rPr lang="en-US" sz="1800" dirty="0" err="1" smtClean="0"/>
+              <a:rPr lang="en-US" sz="1800" dirty="0" err="1"/>
               <a:t>được</a:t>
             </a:r>
             <a:r>
-              <a:rPr lang="en-US" sz="1800" dirty="0" smtClean="0"/>
-              <a:t> </a:t>
-            </a:r>
-            <a:r>
-              <a:rPr lang="en-US" sz="1800" dirty="0" err="1" smtClean="0"/>
+              <a:rPr lang="en-US" sz="1800" dirty="0"/>
+              <a:t> </a:t>
+            </a:r>
+            <a:r>
+              <a:rPr lang="en-US" sz="1800" dirty="0" err="1"/>
               <a:t>tính</a:t>
             </a:r>
             <a:r>
-              <a:rPr lang="en-US" sz="1800" dirty="0" smtClean="0"/>
-              <a:t> </a:t>
-            </a:r>
-            <a:r>
-              <a:rPr lang="en-US" sz="1800" dirty="0" err="1" smtClean="0"/>
+              <a:rPr lang="en-US" sz="1800" dirty="0"/>
+              <a:t> </a:t>
+            </a:r>
+            <a:r>
+              <a:rPr lang="en-US" sz="1800" dirty="0" err="1"/>
               <a:t>dựa</a:t>
             </a:r>
             <a:r>
-              <a:rPr lang="en-US" sz="1800" dirty="0" smtClean="0"/>
-              <a:t> </a:t>
-            </a:r>
-            <a:r>
-              <a:rPr lang="en-US" sz="1800" dirty="0" err="1" smtClean="0"/>
+              <a:rPr lang="en-US" sz="1800" dirty="0"/>
+              <a:t> </a:t>
+            </a:r>
+            <a:r>
+              <a:rPr lang="en-US" sz="1800" dirty="0" err="1"/>
               <a:t>trên</a:t>
             </a:r>
             <a:r>
-              <a:rPr lang="en-US" sz="1800" dirty="0" smtClean="0"/>
-              <a:t> </a:t>
-            </a:r>
-            <a:r>
-              <a:rPr lang="en-US" sz="1800" dirty="0" err="1" smtClean="0"/>
+              <a:rPr lang="en-US" sz="1800" dirty="0"/>
+              <a:t> </a:t>
+            </a:r>
+            <a:r>
+              <a:rPr lang="en-US" sz="1800" dirty="0" err="1"/>
               <a:t>đầu</a:t>
             </a:r>
             <a:r>
-              <a:rPr lang="en-US" sz="1800" dirty="0" smtClean="0"/>
-              <a:t> </a:t>
-            </a:r>
-            <a:r>
-              <a:rPr lang="en-US" sz="1800" dirty="0" err="1" smtClean="0"/>
+              <a:rPr lang="en-US" sz="1800" dirty="0"/>
+              <a:t> </a:t>
+            </a:r>
+            <a:r>
+              <a:rPr lang="en-US" sz="1800" dirty="0" err="1"/>
               <a:t>ra</a:t>
             </a:r>
             <a:r>
-              <a:rPr lang="en-US" sz="1800" dirty="0" smtClean="0"/>
-              <a:t> </a:t>
-            </a:r>
-            <a:r>
-              <a:rPr lang="en-US" sz="1800" dirty="0" err="1" smtClean="0"/>
+              <a:rPr lang="en-US" sz="1800" dirty="0"/>
+              <a:t> </a:t>
+            </a:r>
+            <a:r>
+              <a:rPr lang="en-US" sz="1800" dirty="0" err="1"/>
               <a:t>và</a:t>
             </a:r>
             <a:r>
-              <a:rPr lang="en-US" sz="1800" dirty="0" smtClean="0"/>
-              <a:t> </a:t>
-            </a:r>
-            <a:r>
-              <a:rPr lang="en-US" sz="1800" dirty="0" err="1" smtClean="0"/>
+              <a:rPr lang="en-US" sz="1800" dirty="0"/>
+              <a:t> </a:t>
+            </a:r>
+            <a:r>
+              <a:rPr lang="en-US" sz="1800" dirty="0" err="1"/>
               <a:t>trạng</a:t>
             </a:r>
             <a:r>
-              <a:rPr lang="en-US" sz="1800" dirty="0" smtClean="0"/>
-              <a:t> </a:t>
-            </a:r>
-            <a:r>
-              <a:rPr lang="en-US" sz="1800" dirty="0" err="1" smtClean="0"/>
+              <a:rPr lang="en-US" sz="1800" dirty="0"/>
+              <a:t> </a:t>
+            </a:r>
+            <a:r>
+              <a:rPr lang="en-US" sz="1800" dirty="0" err="1"/>
               <a:t>thái</a:t>
             </a:r>
             <a:r>
-              <a:rPr lang="en-US" sz="1800" dirty="0" smtClean="0"/>
-              <a:t> </a:t>
-            </a:r>
-            <a:r>
-              <a:rPr lang="en-US" sz="1800" dirty="0" err="1" smtClean="0"/>
+              <a:rPr lang="en-US" sz="1800" dirty="0"/>
+              <a:t> </a:t>
+            </a:r>
+            <a:r>
+              <a:rPr lang="en-US" sz="1800" dirty="0" err="1"/>
               <a:t>ẩn</a:t>
             </a:r>
             <a:r>
-              <a:rPr lang="en-US" sz="1800" dirty="0" smtClean="0"/>
-              <a:t> </a:t>
-            </a:r>
-            <a:r>
-              <a:rPr lang="en-US" sz="1800" dirty="0" err="1" smtClean="0"/>
+              <a:rPr lang="en-US" sz="1800" dirty="0"/>
+              <a:t> </a:t>
+            </a:r>
+            <a:r>
+              <a:rPr lang="en-US" sz="1800" dirty="0" err="1"/>
               <a:t>của</a:t>
             </a:r>
             <a:r>
-              <a:rPr lang="en-US" sz="1800" dirty="0" smtClean="0"/>
-              <a:t> </a:t>
-            </a:r>
-            <a:r>
-              <a:rPr lang="en-US" sz="1800" dirty="0" err="1" smtClean="0"/>
+              <a:rPr lang="en-US" sz="1800" dirty="0"/>
+              <a:t> </a:t>
+            </a:r>
+            <a:r>
+              <a:rPr lang="en-US" sz="1800" dirty="0" err="1"/>
               <a:t>thời</a:t>
             </a:r>
             <a:r>
-              <a:rPr lang="en-US" sz="1800" dirty="0" smtClean="0"/>
-              <a:t> </a:t>
-            </a:r>
-            <a:r>
-              <a:rPr lang="en-US" sz="1800" dirty="0" err="1" smtClean="0"/>
+              <a:rPr lang="en-US" sz="1800" dirty="0"/>
+              <a:t> </a:t>
+            </a:r>
+            <a:r>
+              <a:rPr lang="en-US" sz="1800" dirty="0" err="1"/>
               <a:t>điểm</a:t>
             </a:r>
             <a:r>
-              <a:rPr lang="en-US" sz="1800" dirty="0" smtClean="0"/>
-              <a:t> </a:t>
-            </a:r>
-            <a:r>
-              <a:rPr lang="en-US" sz="1800" dirty="0" err="1" smtClean="0"/>
+              <a:rPr lang="en-US" sz="1800" dirty="0"/>
+              <a:t> </a:t>
+            </a:r>
+            <a:r>
+              <a:rPr lang="en-US" sz="1800" dirty="0" err="1"/>
               <a:t>trước</a:t>
             </a:r>
             <a:r>
@@ -5794,22 +5763,21 @@
               <a:t> </a:t>
             </a:r>
             <a:r>
-              <a:rPr lang="en-US" sz="1800" dirty="0" err="1" smtClean="0"/>
+              <a:rPr lang="en-US" sz="1800" dirty="0" err="1"/>
               <a:t>và</a:t>
             </a:r>
             <a:r>
-              <a:rPr lang="en-US" sz="1800" dirty="0" smtClean="0"/>
+              <a:rPr lang="en-US" sz="1800" dirty="0"/>
               <a:t> vector </a:t>
             </a:r>
             <a:r>
-              <a:rPr lang="en-US" sz="1800" dirty="0" err="1" smtClean="0"/>
+              <a:rPr lang="en-US" sz="1800" dirty="0" err="1"/>
               <a:t>contex</a:t>
             </a:r>
             <a:r>
-              <a:rPr lang="en-US" sz="1800" dirty="0" smtClean="0"/>
+              <a:rPr lang="en-US" sz="1800" dirty="0"/>
               <a:t>. </a:t>
             </a:r>
-            <a:endParaRPr lang="en-US" sz="1800" dirty="0"/>
           </a:p>
         </p:txBody>
       </p:sp>
@@ -5962,38 +5930,37 @@
           <a:lstStyle/>
           <a:p>
             <a:r>
-              <a:rPr lang="en-US" dirty="0" err="1" smtClean="0"/>
+              <a:rPr lang="en-US" dirty="0" err="1"/>
               <a:t>Huấn</a:t>
             </a:r>
             <a:r>
-              <a:rPr lang="en-US" dirty="0" smtClean="0"/>
-              <a:t> </a:t>
-            </a:r>
-            <a:r>
-              <a:rPr lang="en-US" dirty="0" err="1" smtClean="0"/>
+              <a:rPr lang="en-US" dirty="0"/>
+              <a:t> </a:t>
+            </a:r>
+            <a:r>
+              <a:rPr lang="en-US" dirty="0" err="1"/>
               <a:t>luyện</a:t>
             </a:r>
             <a:r>
-              <a:rPr lang="en-US" dirty="0" smtClean="0"/>
-              <a:t> </a:t>
-            </a:r>
-            <a:r>
-              <a:rPr lang="en-US" dirty="0" err="1" smtClean="0"/>
+              <a:rPr lang="en-US" dirty="0"/>
+              <a:t> </a:t>
+            </a:r>
+            <a:r>
+              <a:rPr lang="en-US" dirty="0" err="1"/>
               <a:t>mô</a:t>
             </a:r>
             <a:r>
-              <a:rPr lang="en-US" dirty="0" smtClean="0"/>
-              <a:t> </a:t>
-            </a:r>
-            <a:r>
-              <a:rPr lang="en-US" dirty="0" err="1" smtClean="0"/>
+              <a:rPr lang="en-US" dirty="0"/>
+              <a:t> </a:t>
+            </a:r>
+            <a:r>
+              <a:rPr lang="en-US" dirty="0" err="1"/>
               <a:t>hình</a:t>
             </a:r>
             <a:r>
-              <a:rPr lang="en-US" dirty="0" smtClean="0"/>
+              <a:rPr lang="en-US" dirty="0"/>
               <a:t> seq2seq</a:t>
             </a:r>
-            <a:endParaRPr lang="en-US" dirty="0"/>
           </a:p>
         </p:txBody>
       </p:sp>
@@ -6156,14 +6123,13 @@
           <a:lstStyle/>
           <a:p>
             <a:r>
-              <a:rPr lang="en-US" dirty="0" err="1" smtClean="0"/>
+              <a:rPr lang="en-US" dirty="0" err="1"/>
               <a:t>Hàm</a:t>
             </a:r>
             <a:r>
-              <a:rPr lang="en-US" dirty="0" smtClean="0"/>
+              <a:rPr lang="en-US" dirty="0"/>
               <a:t> loss</a:t>
             </a:r>
-            <a:endParaRPr lang="en-US" dirty="0"/>
           </a:p>
         </p:txBody>
       </p:sp>
@@ -6183,305 +6149,304 @@
           <a:lstStyle/>
           <a:p>
             <a:r>
-              <a:rPr lang="en-US" dirty="0" err="1" smtClean="0"/>
+              <a:rPr lang="en-US" dirty="0" err="1"/>
               <a:t>Tại</a:t>
             </a:r>
             <a:r>
-              <a:rPr lang="en-US" dirty="0" smtClean="0"/>
-              <a:t> </a:t>
-            </a:r>
-            <a:r>
-              <a:rPr lang="en-US" dirty="0" err="1" smtClean="0"/>
+              <a:rPr lang="en-US" dirty="0"/>
+              <a:t> </a:t>
+            </a:r>
+            <a:r>
+              <a:rPr lang="en-US" dirty="0" err="1"/>
               <a:t>mỗi</a:t>
             </a:r>
             <a:r>
-              <a:rPr lang="en-US" dirty="0" smtClean="0"/>
-              <a:t> </a:t>
-            </a:r>
-            <a:r>
-              <a:rPr lang="en-US" dirty="0" err="1" smtClean="0"/>
+              <a:rPr lang="en-US" dirty="0"/>
+              <a:t> </a:t>
+            </a:r>
+            <a:r>
+              <a:rPr lang="en-US" dirty="0" err="1"/>
               <a:t>thời</a:t>
             </a:r>
             <a:r>
-              <a:rPr lang="en-US" dirty="0" smtClean="0"/>
-              <a:t> </a:t>
-            </a:r>
-            <a:r>
-              <a:rPr lang="en-US" dirty="0" err="1" smtClean="0"/>
+              <a:rPr lang="en-US" dirty="0"/>
+              <a:t> </a:t>
+            </a:r>
+            <a:r>
+              <a:rPr lang="en-US" dirty="0" err="1"/>
               <a:t>điểm</a:t>
             </a:r>
             <a:r>
-              <a:rPr lang="en-US" dirty="0" smtClean="0"/>
+              <a:rPr lang="en-US" dirty="0"/>
               <a:t>, decoder </a:t>
             </a:r>
             <a:r>
-              <a:rPr lang="en-US" dirty="0" err="1" smtClean="0"/>
+              <a:rPr lang="en-US" dirty="0" err="1"/>
               <a:t>dự</a:t>
             </a:r>
             <a:r>
-              <a:rPr lang="en-US" dirty="0" smtClean="0"/>
-              <a:t> </a:t>
-            </a:r>
-            <a:r>
-              <a:rPr lang="en-US" dirty="0" err="1" smtClean="0"/>
+              <a:rPr lang="en-US" dirty="0"/>
+              <a:t> </a:t>
+            </a:r>
+            <a:r>
+              <a:rPr lang="en-US" dirty="0" err="1"/>
               <a:t>đoán</a:t>
             </a:r>
             <a:r>
-              <a:rPr lang="en-US" dirty="0" smtClean="0"/>
-              <a:t> </a:t>
-            </a:r>
-            <a:r>
-              <a:rPr lang="en-US" dirty="0" err="1" smtClean="0"/>
+              <a:rPr lang="en-US" dirty="0"/>
+              <a:t> </a:t>
+            </a:r>
+            <a:r>
+              <a:rPr lang="en-US" dirty="0" err="1"/>
               <a:t>xác</a:t>
             </a:r>
             <a:r>
-              <a:rPr lang="en-US" dirty="0" smtClean="0"/>
-              <a:t> </a:t>
-            </a:r>
-            <a:r>
-              <a:rPr lang="en-US" dirty="0" err="1" smtClean="0"/>
+              <a:rPr lang="en-US" dirty="0"/>
+              <a:t> </a:t>
+            </a:r>
+            <a:r>
+              <a:rPr lang="en-US" dirty="0" err="1"/>
               <a:t>suất</a:t>
             </a:r>
             <a:r>
-              <a:rPr lang="en-US" dirty="0" smtClean="0"/>
-              <a:t> </a:t>
-            </a:r>
-            <a:r>
-              <a:rPr lang="en-US" dirty="0" err="1" smtClean="0"/>
+              <a:rPr lang="en-US" dirty="0"/>
+              <a:t> </a:t>
+            </a:r>
+            <a:r>
+              <a:rPr lang="en-US" dirty="0" err="1"/>
               <a:t>của</a:t>
             </a:r>
             <a:r>
-              <a:rPr lang="en-US" dirty="0" smtClean="0"/>
-              <a:t> </a:t>
-            </a:r>
-            <a:r>
-              <a:rPr lang="en-US" dirty="0" err="1" smtClean="0"/>
+              <a:rPr lang="en-US" dirty="0"/>
+              <a:t> </a:t>
+            </a:r>
+            <a:r>
+              <a:rPr lang="en-US" dirty="0" err="1"/>
               <a:t>đầu</a:t>
             </a:r>
             <a:r>
-              <a:rPr lang="en-US" dirty="0" smtClean="0"/>
-              <a:t> </a:t>
-            </a:r>
-            <a:r>
-              <a:rPr lang="en-US" dirty="0" err="1" smtClean="0"/>
+              <a:rPr lang="en-US" dirty="0"/>
+              <a:t> </a:t>
+            </a:r>
+            <a:r>
+              <a:rPr lang="en-US" dirty="0" err="1"/>
               <a:t>ra.</a:t>
             </a:r>
             <a:r>
-              <a:rPr lang="en-US" dirty="0" smtClean="0"/>
+              <a:rPr lang="en-US" dirty="0"/>
               <a:t> Ta </a:t>
             </a:r>
             <a:r>
-              <a:rPr lang="en-US" dirty="0" err="1" smtClean="0"/>
+              <a:rPr lang="en-US" dirty="0" err="1"/>
               <a:t>có</a:t>
             </a:r>
             <a:r>
-              <a:rPr lang="en-US" dirty="0" smtClean="0"/>
-              <a:t> </a:t>
-            </a:r>
-            <a:r>
-              <a:rPr lang="en-US" dirty="0" err="1" smtClean="0"/>
+              <a:rPr lang="en-US" dirty="0"/>
+              <a:t> </a:t>
+            </a:r>
+            <a:r>
+              <a:rPr lang="en-US" dirty="0" err="1"/>
               <a:t>thể</a:t>
             </a:r>
             <a:r>
-              <a:rPr lang="en-US" dirty="0" smtClean="0"/>
+              <a:rPr lang="en-US" dirty="0"/>
               <a:t> dung </a:t>
             </a:r>
             <a:r>
-              <a:rPr lang="en-US" dirty="0" err="1" smtClean="0"/>
+              <a:rPr lang="en-US" dirty="0" err="1"/>
               <a:t>softmax</a:t>
             </a:r>
             <a:r>
-              <a:rPr lang="en-US" dirty="0" smtClean="0"/>
-              <a:t> </a:t>
-            </a:r>
-            <a:r>
-              <a:rPr lang="en-US" dirty="0" err="1" smtClean="0"/>
+              <a:rPr lang="en-US" dirty="0"/>
+              <a:t> </a:t>
+            </a:r>
+            <a:r>
+              <a:rPr lang="en-US" dirty="0" err="1"/>
               <a:t>để</a:t>
             </a:r>
             <a:r>
-              <a:rPr lang="en-US" dirty="0" smtClean="0"/>
-              <a:t> </a:t>
-            </a:r>
-            <a:r>
-              <a:rPr lang="en-US" dirty="0" err="1" smtClean="0"/>
+              <a:rPr lang="en-US" dirty="0"/>
+              <a:t> </a:t>
+            </a:r>
+            <a:r>
+              <a:rPr lang="en-US" dirty="0" err="1"/>
               <a:t>tính</a:t>
             </a:r>
             <a:r>
-              <a:rPr lang="en-US" dirty="0" smtClean="0"/>
-              <a:t> </a:t>
-            </a:r>
-            <a:r>
-              <a:rPr lang="en-US" dirty="0" err="1" smtClean="0"/>
+              <a:rPr lang="en-US" dirty="0"/>
+              <a:t> </a:t>
+            </a:r>
+            <a:r>
+              <a:rPr lang="en-US" dirty="0" err="1"/>
               <a:t>xác</a:t>
             </a:r>
             <a:r>
-              <a:rPr lang="en-US" dirty="0" smtClean="0"/>
-              <a:t> </a:t>
-            </a:r>
-            <a:r>
-              <a:rPr lang="en-US" dirty="0" err="1" smtClean="0"/>
+              <a:rPr lang="en-US" dirty="0"/>
+              <a:t> </a:t>
+            </a:r>
+            <a:r>
+              <a:rPr lang="en-US" dirty="0" err="1"/>
               <a:t>suất</a:t>
             </a:r>
             <a:r>
-              <a:rPr lang="en-US" dirty="0" smtClean="0"/>
-              <a:t> </a:t>
-            </a:r>
-            <a:r>
-              <a:rPr lang="en-US" dirty="0" err="1" smtClean="0"/>
+              <a:rPr lang="en-US" dirty="0"/>
+              <a:t> </a:t>
+            </a:r>
+            <a:r>
+              <a:rPr lang="en-US" dirty="0" err="1"/>
               <a:t>này</a:t>
             </a:r>
             <a:r>
-              <a:rPr lang="en-US" dirty="0" smtClean="0"/>
-              <a:t> </a:t>
-            </a:r>
-            <a:r>
-              <a:rPr lang="en-US" dirty="0" err="1" smtClean="0"/>
+              <a:rPr lang="en-US" dirty="0"/>
+              <a:t> </a:t>
+            </a:r>
+            <a:r>
+              <a:rPr lang="en-US" dirty="0" err="1"/>
               <a:t>và</a:t>
             </a:r>
             <a:r>
-              <a:rPr lang="en-US" dirty="0" smtClean="0"/>
+              <a:rPr lang="en-US" dirty="0"/>
               <a:t> dung cross entropy loss </a:t>
             </a:r>
             <a:r>
-              <a:rPr lang="en-US" dirty="0" err="1" smtClean="0"/>
+              <a:rPr lang="en-US" dirty="0" err="1"/>
               <a:t>để</a:t>
             </a:r>
             <a:r>
-              <a:rPr lang="en-US" dirty="0" smtClean="0"/>
-              <a:t> </a:t>
-            </a:r>
-            <a:r>
-              <a:rPr lang="en-US" dirty="0" err="1" smtClean="0"/>
+              <a:rPr lang="en-US" dirty="0"/>
+              <a:t> </a:t>
+            </a:r>
+            <a:r>
+              <a:rPr lang="en-US" dirty="0" err="1"/>
               <a:t>huấn</a:t>
             </a:r>
             <a:r>
-              <a:rPr lang="en-US" dirty="0" smtClean="0"/>
-              <a:t> </a:t>
-            </a:r>
-            <a:r>
-              <a:rPr lang="en-US" dirty="0" err="1" smtClean="0"/>
+              <a:rPr lang="en-US" dirty="0"/>
+              <a:t> </a:t>
+            </a:r>
+            <a:r>
+              <a:rPr lang="en-US" dirty="0" err="1"/>
               <a:t>luyện</a:t>
             </a:r>
             <a:r>
-              <a:rPr lang="en-US" dirty="0" smtClean="0"/>
-              <a:t> </a:t>
-            </a:r>
-            <a:r>
-              <a:rPr lang="en-US" dirty="0" err="1" smtClean="0"/>
+              <a:rPr lang="en-US" dirty="0"/>
+              <a:t> </a:t>
+            </a:r>
+            <a:r>
+              <a:rPr lang="en-US" dirty="0" err="1"/>
               <a:t>mô</a:t>
             </a:r>
             <a:r>
-              <a:rPr lang="en-US" dirty="0" smtClean="0"/>
-              <a:t> </a:t>
-            </a:r>
-            <a:r>
-              <a:rPr lang="en-US" dirty="0" err="1" smtClean="0"/>
+              <a:rPr lang="en-US" dirty="0"/>
+              <a:t> </a:t>
+            </a:r>
+            <a:r>
+              <a:rPr lang="en-US" dirty="0" err="1"/>
               <a:t>hình</a:t>
             </a:r>
-            <a:endParaRPr lang="en-US" dirty="0" smtClean="0"/>
-          </a:p>
-          <a:p>
-            <a:r>
-              <a:rPr lang="en-US" dirty="0" smtClean="0"/>
+            <a:endParaRPr lang="en-US" dirty="0"/>
+          </a:p>
+          <a:p>
+            <a:r>
+              <a:rPr lang="en-US" dirty="0"/>
               <a:t>Ta </a:t>
             </a:r>
             <a:r>
-              <a:rPr lang="en-US" dirty="0" err="1" smtClean="0"/>
+              <a:rPr lang="en-US" dirty="0" err="1"/>
               <a:t>cần</a:t>
             </a:r>
             <a:r>
-              <a:rPr lang="en-US" dirty="0" smtClean="0"/>
-              <a:t> </a:t>
-            </a:r>
-            <a:r>
-              <a:rPr lang="en-US" dirty="0" err="1" smtClean="0"/>
+              <a:rPr lang="en-US" dirty="0"/>
+              <a:t> </a:t>
+            </a:r>
+            <a:r>
+              <a:rPr lang="en-US" dirty="0" err="1"/>
               <a:t>phải</a:t>
             </a:r>
             <a:r>
-              <a:rPr lang="en-US" dirty="0" smtClean="0"/>
-              <a:t> </a:t>
-            </a:r>
-            <a:r>
-              <a:rPr lang="en-US" dirty="0" err="1" smtClean="0"/>
+              <a:rPr lang="en-US" dirty="0"/>
+              <a:t> </a:t>
+            </a:r>
+            <a:r>
+              <a:rPr lang="en-US" dirty="0" err="1"/>
               <a:t>che</a:t>
             </a:r>
             <a:r>
-              <a:rPr lang="en-US" dirty="0" smtClean="0"/>
+              <a:rPr lang="en-US" dirty="0"/>
               <a:t> (mask) </a:t>
             </a:r>
             <a:r>
-              <a:rPr lang="en-US" dirty="0" err="1" smtClean="0"/>
+              <a:rPr lang="en-US" dirty="0" err="1"/>
               <a:t>những</a:t>
             </a:r>
             <a:r>
-              <a:rPr lang="en-US" dirty="0" smtClean="0"/>
-              <a:t> </a:t>
-            </a:r>
-            <a:r>
-              <a:rPr lang="en-US" dirty="0" err="1" smtClean="0"/>
+              <a:rPr lang="en-US" dirty="0"/>
+              <a:t> </a:t>
+            </a:r>
+            <a:r>
+              <a:rPr lang="en-US" dirty="0" err="1"/>
               <a:t>phần</a:t>
             </a:r>
             <a:r>
-              <a:rPr lang="en-US" dirty="0" smtClean="0"/>
-              <a:t> </a:t>
-            </a:r>
-            <a:r>
-              <a:rPr lang="en-US" dirty="0" err="1" smtClean="0"/>
+              <a:rPr lang="en-US" dirty="0"/>
+              <a:t> </a:t>
+            </a:r>
+            <a:r>
+              <a:rPr lang="en-US" dirty="0" err="1"/>
               <a:t>không</a:t>
             </a:r>
             <a:r>
-              <a:rPr lang="en-US" dirty="0" smtClean="0"/>
-              <a:t> </a:t>
-            </a:r>
-            <a:r>
-              <a:rPr lang="en-US" dirty="0" err="1" smtClean="0"/>
+              <a:rPr lang="en-US" dirty="0"/>
+              <a:t> </a:t>
+            </a:r>
+            <a:r>
+              <a:rPr lang="en-US" dirty="0" err="1"/>
               <a:t>liên</a:t>
             </a:r>
             <a:r>
-              <a:rPr lang="en-US" dirty="0" smtClean="0"/>
-              <a:t> </a:t>
-            </a:r>
-            <a:r>
-              <a:rPr lang="en-US" dirty="0" err="1" smtClean="0"/>
+              <a:rPr lang="en-US" dirty="0"/>
+              <a:t> </a:t>
+            </a:r>
+            <a:r>
+              <a:rPr lang="en-US" dirty="0" err="1"/>
               <a:t>quan</a:t>
             </a:r>
             <a:r>
-              <a:rPr lang="en-US" dirty="0" smtClean="0"/>
-              <a:t> </a:t>
-            </a:r>
-            <a:r>
-              <a:rPr lang="en-US" dirty="0" err="1" smtClean="0"/>
+              <a:rPr lang="en-US" dirty="0"/>
+              <a:t> </a:t>
+            </a:r>
+            <a:r>
+              <a:rPr lang="en-US" dirty="0" err="1"/>
               <a:t>trong</a:t>
             </a:r>
             <a:r>
-              <a:rPr lang="en-US" dirty="0" smtClean="0"/>
-              <a:t> </a:t>
-            </a:r>
-            <a:r>
-              <a:rPr lang="en-US" dirty="0" err="1" smtClean="0"/>
+              <a:rPr lang="en-US" dirty="0"/>
+              <a:t> </a:t>
+            </a:r>
+            <a:r>
+              <a:rPr lang="en-US" dirty="0" err="1"/>
               <a:t>quá</a:t>
             </a:r>
             <a:r>
-              <a:rPr lang="en-US" dirty="0" smtClean="0"/>
-              <a:t> </a:t>
-            </a:r>
-            <a:r>
-              <a:rPr lang="en-US" dirty="0" err="1" smtClean="0"/>
+              <a:rPr lang="en-US" dirty="0"/>
+              <a:t> </a:t>
+            </a:r>
+            <a:r>
+              <a:rPr lang="en-US" dirty="0" err="1"/>
               <a:t>trình</a:t>
             </a:r>
             <a:r>
-              <a:rPr lang="en-US" dirty="0" smtClean="0"/>
-              <a:t> </a:t>
-            </a:r>
-            <a:r>
-              <a:rPr lang="en-US" dirty="0" err="1" smtClean="0"/>
+              <a:rPr lang="en-US" dirty="0"/>
+              <a:t> </a:t>
+            </a:r>
+            <a:r>
+              <a:rPr lang="en-US" dirty="0" err="1"/>
               <a:t>tính</a:t>
             </a:r>
             <a:r>
-              <a:rPr lang="en-US" dirty="0" smtClean="0"/>
+              <a:rPr lang="en-US" dirty="0"/>
               <a:t> loss</a:t>
             </a:r>
-            <a:endParaRPr lang="en-US" dirty="0"/>
           </a:p>
         </p:txBody>
       </p:sp>
@@ -6629,13 +6594,6 @@
   <p:clrMapOvr>
     <a:masterClrMapping/>
   </p:clrMapOvr>
-  <p:timing>
-    <p:tnLst>
-      <p:par>
-        <p:cTn id="1" dur="indefinite" restart="never" nodeType="tmRoot"/>
-      </p:par>
-    </p:tnLst>
-  </p:timing>
 </p:sld>
 </file>
 
@@ -6672,47 +6630,47 @@
           <a:lstStyle/>
           <a:p>
             <a:r>
-              <a:rPr lang="en-US" dirty="0" err="1" smtClean="0"/>
+              <a:rPr lang="en-US" dirty="0" err="1"/>
               <a:t>Cách</a:t>
             </a:r>
             <a:r>
-              <a:rPr lang="en-US" dirty="0" smtClean="0"/>
-              <a:t> </a:t>
-            </a:r>
-            <a:r>
-              <a:rPr lang="en-US" dirty="0" err="1" smtClean="0"/>
+              <a:rPr lang="en-US" dirty="0"/>
+              <a:t> </a:t>
+            </a:r>
+            <a:r>
+              <a:rPr lang="en-US" dirty="0" err="1"/>
               <a:t>tính</a:t>
             </a:r>
             <a:r>
-              <a:rPr lang="en-US" dirty="0" smtClean="0"/>
+              <a:rPr lang="en-US" dirty="0"/>
               <a:t> loss </a:t>
             </a:r>
             <a:r>
-              <a:rPr lang="en-US" dirty="0" err="1" smtClean="0"/>
+              <a:rPr lang="en-US" dirty="0" err="1"/>
               <a:t>tại</a:t>
             </a:r>
             <a:r>
-              <a:rPr lang="en-US" dirty="0" smtClean="0"/>
-              <a:t> </a:t>
-            </a:r>
-            <a:r>
-              <a:rPr lang="en-US" dirty="0" err="1" smtClean="0"/>
+              <a:rPr lang="en-US" dirty="0"/>
+              <a:t> </a:t>
+            </a:r>
+            <a:r>
+              <a:rPr lang="en-US" dirty="0" err="1"/>
               <a:t>từng</a:t>
             </a:r>
             <a:r>
-              <a:rPr lang="en-US" dirty="0" smtClean="0"/>
-              <a:t> </a:t>
-            </a:r>
-            <a:r>
-              <a:rPr lang="en-US" dirty="0" err="1" smtClean="0"/>
+              <a:rPr lang="en-US" dirty="0"/>
+              <a:t> </a:t>
+            </a:r>
+            <a:r>
+              <a:rPr lang="en-US" dirty="0" err="1"/>
               <a:t>thời</a:t>
             </a:r>
             <a:r>
-              <a:rPr lang="en-US" dirty="0" smtClean="0"/>
-              <a:t> </a:t>
-            </a:r>
-            <a:r>
-              <a:rPr lang="en-US" dirty="0" err="1" smtClean="0"/>
+              <a:rPr lang="en-US" dirty="0"/>
+              <a:t> </a:t>
+            </a:r>
+            <a:r>
+              <a:rPr lang="en-US" dirty="0" err="1"/>
               <a:t>điểm</a:t>
             </a:r>
             <a:endParaRPr lang="en-US" dirty="0"/>
@@ -6759,13 +6717,6 @@
   <p:clrMapOvr>
     <a:masterClrMapping/>
   </p:clrMapOvr>
-  <p:timing>
-    <p:tnLst>
-      <p:par>
-        <p:cTn id="1" dur="indefinite" restart="never" nodeType="tmRoot"/>
-      </p:par>
-    </p:tnLst>
-  </p:timing>
 </p:sld>
 </file>
 
@@ -6802,38 +6753,37 @@
           <a:lstStyle/>
           <a:p>
             <a:r>
-              <a:rPr lang="en-US" dirty="0" err="1" smtClean="0"/>
+              <a:rPr lang="en-US" dirty="0" err="1"/>
               <a:t>Huấn</a:t>
             </a:r>
             <a:r>
-              <a:rPr lang="en-US" dirty="0" smtClean="0"/>
-              <a:t> </a:t>
-            </a:r>
-            <a:r>
-              <a:rPr lang="en-US" dirty="0" err="1" smtClean="0"/>
+              <a:rPr lang="en-US" dirty="0"/>
+              <a:t> </a:t>
+            </a:r>
+            <a:r>
+              <a:rPr lang="en-US" dirty="0" err="1"/>
               <a:t>luyện</a:t>
             </a:r>
             <a:r>
-              <a:rPr lang="en-US" dirty="0" smtClean="0"/>
-              <a:t> </a:t>
-            </a:r>
-            <a:r>
-              <a:rPr lang="en-US" dirty="0" err="1" smtClean="0"/>
+              <a:rPr lang="en-US" dirty="0"/>
+              <a:t> </a:t>
+            </a:r>
+            <a:r>
+              <a:rPr lang="en-US" dirty="0" err="1"/>
               <a:t>mô</a:t>
             </a:r>
             <a:r>
-              <a:rPr lang="en-US" dirty="0" smtClean="0"/>
-              <a:t> </a:t>
-            </a:r>
-            <a:r>
-              <a:rPr lang="en-US" dirty="0" err="1" smtClean="0"/>
+              <a:rPr lang="en-US" dirty="0"/>
+              <a:t> </a:t>
+            </a:r>
+            <a:r>
+              <a:rPr lang="en-US" dirty="0" err="1"/>
               <a:t>hình</a:t>
             </a:r>
             <a:r>
-              <a:rPr lang="en-US" dirty="0" smtClean="0"/>
+              <a:rPr lang="en-US" dirty="0"/>
               <a:t> seq2seq</a:t>
             </a:r>
-            <a:endParaRPr lang="en-US" dirty="0"/>
           </a:p>
         </p:txBody>
       </p:sp>
@@ -7037,38 +6987,37 @@
           <a:lstStyle/>
           <a:p>
             <a:r>
-              <a:rPr lang="en-US" dirty="0" err="1" smtClean="0"/>
+              <a:rPr lang="en-US" dirty="0" err="1"/>
               <a:t>Các</a:t>
             </a:r>
             <a:r>
-              <a:rPr lang="en-US" dirty="0" smtClean="0"/>
-              <a:t> </a:t>
-            </a:r>
-            <a:r>
-              <a:rPr lang="en-US" dirty="0" err="1" smtClean="0"/>
+              <a:rPr lang="en-US" dirty="0"/>
+              <a:t> </a:t>
+            </a:r>
+            <a:r>
+              <a:rPr lang="en-US" dirty="0" err="1"/>
               <a:t>vấn</a:t>
             </a:r>
             <a:r>
-              <a:rPr lang="en-US" dirty="0" smtClean="0"/>
-              <a:t> </a:t>
-            </a:r>
-            <a:r>
-              <a:rPr lang="en-US" dirty="0" err="1" smtClean="0"/>
+              <a:rPr lang="en-US" dirty="0"/>
+              <a:t> </a:t>
+            </a:r>
+            <a:r>
+              <a:rPr lang="en-US" dirty="0" err="1"/>
               <a:t>đề</a:t>
             </a:r>
             <a:r>
-              <a:rPr lang="en-US" dirty="0" smtClean="0"/>
-              <a:t> </a:t>
-            </a:r>
-            <a:r>
-              <a:rPr lang="en-US" dirty="0" err="1" smtClean="0"/>
+              <a:rPr lang="en-US" dirty="0"/>
+              <a:t> </a:t>
+            </a:r>
+            <a:r>
+              <a:rPr lang="en-US" dirty="0" err="1"/>
               <a:t>với</a:t>
             </a:r>
             <a:r>
-              <a:rPr lang="en-US" dirty="0" smtClean="0"/>
+              <a:rPr lang="en-US" dirty="0"/>
               <a:t> RNN</a:t>
             </a:r>
-            <a:endParaRPr lang="en-US" dirty="0"/>
           </a:p>
         </p:txBody>
       </p:sp>
@@ -7088,603 +7037,603 @@
           <a:lstStyle/>
           <a:p>
             <a:r>
-              <a:rPr lang="en-US" dirty="0" err="1" smtClean="0"/>
+              <a:rPr lang="en-US" dirty="0" err="1"/>
               <a:t>Có</a:t>
             </a:r>
             <a:r>
-              <a:rPr lang="en-US" dirty="0" smtClean="0"/>
-              <a:t> </a:t>
-            </a:r>
-            <a:r>
-              <a:rPr lang="en-US" dirty="0" err="1" smtClean="0"/>
+              <a:rPr lang="en-US" dirty="0"/>
+              <a:t> </a:t>
+            </a:r>
+            <a:r>
+              <a:rPr lang="en-US" dirty="0" err="1"/>
               <a:t>những</a:t>
             </a:r>
             <a:r>
-              <a:rPr lang="en-US" dirty="0" smtClean="0"/>
-              <a:t> </a:t>
-            </a:r>
-            <a:r>
-              <a:rPr lang="en-US" dirty="0" err="1" smtClean="0"/>
+              <a:rPr lang="en-US" dirty="0"/>
+              <a:t> </a:t>
+            </a:r>
+            <a:r>
+              <a:rPr lang="en-US" dirty="0" err="1"/>
               <a:t>chuỗi</a:t>
             </a:r>
             <a:r>
-              <a:rPr lang="en-US" dirty="0" smtClean="0"/>
-              <a:t> </a:t>
-            </a:r>
-            <a:r>
-              <a:rPr lang="en-US" dirty="0" err="1" smtClean="0"/>
+              <a:rPr lang="en-US" dirty="0"/>
+              <a:t> </a:t>
+            </a:r>
+            <a:r>
+              <a:rPr lang="en-US" dirty="0" err="1"/>
               <a:t>mà</a:t>
             </a:r>
             <a:r>
-              <a:rPr lang="en-US" dirty="0" smtClean="0"/>
-              <a:t> </a:t>
-            </a:r>
-            <a:r>
-              <a:rPr lang="en-US" dirty="0" err="1" smtClean="0"/>
+              <a:rPr lang="en-US" dirty="0"/>
+              <a:t> </a:t>
+            </a:r>
+            <a:r>
+              <a:rPr lang="en-US" dirty="0" err="1"/>
               <a:t>phần</a:t>
             </a:r>
             <a:r>
-              <a:rPr lang="en-US" dirty="0" smtClean="0"/>
-              <a:t> </a:t>
-            </a:r>
-            <a:r>
-              <a:rPr lang="en-US" dirty="0" err="1" smtClean="0"/>
+              <a:rPr lang="en-US" dirty="0"/>
+              <a:t> </a:t>
+            </a:r>
+            <a:r>
+              <a:rPr lang="en-US" dirty="0" err="1"/>
               <a:t>đầu</a:t>
             </a:r>
             <a:r>
-              <a:rPr lang="en-US" dirty="0" smtClean="0"/>
-              <a:t> </a:t>
-            </a:r>
-            <a:r>
-              <a:rPr lang="en-US" dirty="0" err="1" smtClean="0"/>
+              <a:rPr lang="en-US" dirty="0"/>
+              <a:t> </a:t>
+            </a:r>
+            <a:r>
+              <a:rPr lang="en-US" dirty="0" err="1"/>
               <a:t>ảnh</a:t>
             </a:r>
             <a:r>
-              <a:rPr lang="en-US" dirty="0" smtClean="0"/>
-              <a:t> </a:t>
-            </a:r>
-            <a:r>
-              <a:rPr lang="en-US" dirty="0" err="1" smtClean="0"/>
+              <a:rPr lang="en-US" dirty="0"/>
+              <a:t> </a:t>
+            </a:r>
+            <a:r>
+              <a:rPr lang="en-US" dirty="0" err="1"/>
               <a:t>hưởng</a:t>
             </a:r>
             <a:r>
-              <a:rPr lang="en-US" dirty="0" smtClean="0"/>
-              <a:t> </a:t>
-            </a:r>
-            <a:r>
-              <a:rPr lang="en-US" dirty="0" err="1" smtClean="0"/>
+              <a:rPr lang="en-US" dirty="0"/>
+              <a:t> </a:t>
+            </a:r>
+            <a:r>
+              <a:rPr lang="en-US" dirty="0" err="1"/>
               <a:t>đến</a:t>
             </a:r>
             <a:r>
-              <a:rPr lang="en-US" dirty="0" smtClean="0"/>
-              <a:t> </a:t>
-            </a:r>
-            <a:r>
-              <a:rPr lang="en-US" dirty="0" err="1" smtClean="0"/>
+              <a:rPr lang="en-US" dirty="0"/>
+              <a:t> </a:t>
+            </a:r>
+            <a:r>
+              <a:rPr lang="en-US" dirty="0" err="1"/>
               <a:t>dự</a:t>
             </a:r>
             <a:r>
-              <a:rPr lang="en-US" dirty="0" smtClean="0"/>
-              <a:t> </a:t>
-            </a:r>
-            <a:r>
-              <a:rPr lang="en-US" dirty="0" err="1" smtClean="0"/>
+              <a:rPr lang="en-US" dirty="0"/>
+              <a:t> </a:t>
+            </a:r>
+            <a:r>
+              <a:rPr lang="en-US" dirty="0" err="1"/>
               <a:t>đoán</a:t>
             </a:r>
             <a:r>
-              <a:rPr lang="en-US" dirty="0" smtClean="0"/>
-              <a:t> </a:t>
-            </a:r>
-            <a:r>
-              <a:rPr lang="en-US" dirty="0" err="1" smtClean="0"/>
+              <a:rPr lang="en-US" dirty="0"/>
+              <a:t> </a:t>
+            </a:r>
+            <a:r>
+              <a:rPr lang="en-US" dirty="0" err="1"/>
               <a:t>cả</a:t>
             </a:r>
             <a:r>
-              <a:rPr lang="en-US" dirty="0" smtClean="0"/>
-              <a:t> </a:t>
-            </a:r>
-            <a:r>
-              <a:rPr lang="en-US" dirty="0" err="1" smtClean="0"/>
+              <a:rPr lang="en-US" dirty="0"/>
+              <a:t> </a:t>
+            </a:r>
+            <a:r>
+              <a:rPr lang="en-US" dirty="0" err="1"/>
               <a:t>chuỗi</a:t>
             </a:r>
             <a:r>
-              <a:rPr lang="en-US" dirty="0" smtClean="0"/>
+              <a:rPr lang="en-US" dirty="0"/>
               <a:t>, </a:t>
             </a:r>
             <a:r>
-              <a:rPr lang="en-US" dirty="0" err="1" smtClean="0"/>
+              <a:rPr lang="en-US" dirty="0" err="1"/>
               <a:t>dẫn</a:t>
             </a:r>
             <a:r>
-              <a:rPr lang="en-US" dirty="0" smtClean="0"/>
-              <a:t> </a:t>
-            </a:r>
-            <a:r>
-              <a:rPr lang="en-US" dirty="0" err="1" smtClean="0"/>
+              <a:rPr lang="en-US" dirty="0"/>
+              <a:t> </a:t>
+            </a:r>
+            <a:r>
+              <a:rPr lang="en-US" dirty="0" err="1"/>
               <a:t>đến</a:t>
             </a:r>
             <a:r>
-              <a:rPr lang="en-US" dirty="0" smtClean="0"/>
+              <a:rPr lang="en-US" dirty="0"/>
               <a:t> ý </a:t>
             </a:r>
             <a:r>
-              <a:rPr lang="en-US" dirty="0" err="1" smtClean="0"/>
+              <a:rPr lang="en-US" dirty="0" err="1"/>
               <a:t>tưởng</a:t>
             </a:r>
             <a:r>
-              <a:rPr lang="en-US" dirty="0" smtClean="0"/>
-              <a:t> </a:t>
-            </a:r>
-            <a:r>
-              <a:rPr lang="en-US" dirty="0" err="1" smtClean="0"/>
+              <a:rPr lang="en-US" dirty="0"/>
+              <a:t> </a:t>
+            </a:r>
+            <a:r>
+              <a:rPr lang="en-US" dirty="0" err="1"/>
               <a:t>một</a:t>
             </a:r>
             <a:r>
-              <a:rPr lang="en-US" dirty="0" smtClean="0"/>
+              <a:rPr lang="en-US" dirty="0"/>
               <a:t> memory cell </a:t>
             </a:r>
             <a:r>
-              <a:rPr lang="en-US" dirty="0" err="1" smtClean="0"/>
+              <a:rPr lang="en-US" dirty="0" err="1"/>
               <a:t>được</a:t>
             </a:r>
             <a:r>
-              <a:rPr lang="en-US" dirty="0" smtClean="0"/>
-              <a:t> </a:t>
-            </a:r>
-            <a:r>
-              <a:rPr lang="en-US" dirty="0" err="1" smtClean="0"/>
+              <a:rPr lang="en-US" dirty="0"/>
+              <a:t> </a:t>
+            </a:r>
+            <a:r>
+              <a:rPr lang="en-US" dirty="0" err="1"/>
               <a:t>áp</a:t>
             </a:r>
             <a:r>
-              <a:rPr lang="en-US" dirty="0" smtClean="0"/>
-              <a:t> </a:t>
-            </a:r>
-            <a:r>
-              <a:rPr lang="en-US" dirty="0" err="1" smtClean="0"/>
+              <a:rPr lang="en-US" dirty="0"/>
+              <a:t> </a:t>
+            </a:r>
+            <a:r>
+              <a:rPr lang="en-US" dirty="0" err="1"/>
               <a:t>dụng</a:t>
             </a:r>
             <a:r>
-              <a:rPr lang="en-US" dirty="0" smtClean="0"/>
-              <a:t> </a:t>
-            </a:r>
-            <a:r>
-              <a:rPr lang="en-US" dirty="0" err="1" smtClean="0"/>
+              <a:rPr lang="en-US" dirty="0"/>
+              <a:t> </a:t>
+            </a:r>
+            <a:r>
+              <a:rPr lang="en-US" dirty="0" err="1"/>
               <a:t>để</a:t>
             </a:r>
             <a:r>
-              <a:rPr lang="en-US" dirty="0" smtClean="0"/>
-              <a:t> </a:t>
-            </a:r>
-            <a:r>
-              <a:rPr lang="en-US" dirty="0" err="1" smtClean="0"/>
+              <a:rPr lang="en-US" dirty="0"/>
+              <a:t> </a:t>
+            </a:r>
+            <a:r>
+              <a:rPr lang="en-US" dirty="0" err="1"/>
               <a:t>ghi</a:t>
             </a:r>
             <a:r>
-              <a:rPr lang="en-US" dirty="0" smtClean="0"/>
-              <a:t> </a:t>
-            </a:r>
-            <a:r>
-              <a:rPr lang="en-US" dirty="0" err="1" smtClean="0"/>
+              <a:rPr lang="en-US" dirty="0"/>
+              <a:t> </a:t>
+            </a:r>
+            <a:r>
+              <a:rPr lang="en-US" dirty="0" err="1"/>
               <a:t>nhớ</a:t>
             </a:r>
             <a:r>
-              <a:rPr lang="en-US" dirty="0" smtClean="0"/>
-              <a:t> </a:t>
-            </a:r>
-            <a:r>
-              <a:rPr lang="en-US" dirty="0" err="1" smtClean="0"/>
+              <a:rPr lang="en-US" dirty="0"/>
+              <a:t> </a:t>
+            </a:r>
+            <a:r>
+              <a:rPr lang="en-US" dirty="0" err="1"/>
               <a:t>những</a:t>
             </a:r>
             <a:r>
-              <a:rPr lang="en-US" dirty="0" smtClean="0"/>
-              <a:t> </a:t>
-            </a:r>
-            <a:r>
-              <a:rPr lang="en-US" dirty="0" err="1" smtClean="0"/>
+              <a:rPr lang="en-US" dirty="0"/>
+              <a:t> </a:t>
+            </a:r>
+            <a:r>
+              <a:rPr lang="en-US" dirty="0" err="1"/>
               <a:t>phần</a:t>
             </a:r>
             <a:r>
-              <a:rPr lang="en-US" dirty="0" smtClean="0"/>
-              <a:t> </a:t>
-            </a:r>
-            <a:r>
-              <a:rPr lang="en-US" dirty="0" err="1" smtClean="0"/>
+              <a:rPr lang="en-US" dirty="0"/>
+              <a:t> </a:t>
+            </a:r>
+            <a:r>
+              <a:rPr lang="en-US" dirty="0" err="1"/>
               <a:t>tử</a:t>
             </a:r>
             <a:r>
-              <a:rPr lang="en-US" dirty="0" smtClean="0"/>
-              <a:t> </a:t>
-            </a:r>
-            <a:r>
-              <a:rPr lang="en-US" dirty="0" err="1" smtClean="0"/>
+              <a:rPr lang="en-US" dirty="0"/>
+              <a:t> </a:t>
+            </a:r>
+            <a:r>
+              <a:rPr lang="en-US" dirty="0" err="1"/>
               <a:t>xảy</a:t>
             </a:r>
             <a:r>
-              <a:rPr lang="en-US" dirty="0" smtClean="0"/>
-              <a:t> </a:t>
-            </a:r>
-            <a:r>
-              <a:rPr lang="en-US" dirty="0" err="1" smtClean="0"/>
+              <a:rPr lang="en-US" dirty="0"/>
+              <a:t> </a:t>
+            </a:r>
+            <a:r>
+              <a:rPr lang="en-US" dirty="0" err="1"/>
               <a:t>ra</a:t>
             </a:r>
             <a:r>
-              <a:rPr lang="en-US" dirty="0" smtClean="0"/>
-              <a:t> </a:t>
-            </a:r>
-            <a:r>
-              <a:rPr lang="en-US" dirty="0" err="1" smtClean="0"/>
+              <a:rPr lang="en-US" dirty="0"/>
+              <a:t> </a:t>
+            </a:r>
+            <a:r>
+              <a:rPr lang="en-US" dirty="0" err="1"/>
               <a:t>từ</a:t>
             </a:r>
             <a:r>
-              <a:rPr lang="en-US" dirty="0" smtClean="0"/>
-              <a:t> </a:t>
-            </a:r>
-            <a:r>
-              <a:rPr lang="en-US" dirty="0" err="1" smtClean="0"/>
+              <a:rPr lang="en-US" dirty="0"/>
+              <a:t> </a:t>
+            </a:r>
+            <a:r>
+              <a:rPr lang="en-US" dirty="0" err="1"/>
               <a:t>lâu</a:t>
             </a:r>
             <a:r>
-              <a:rPr lang="en-US" dirty="0" smtClean="0"/>
+              <a:rPr lang="en-US" dirty="0"/>
               <a:t>.</a:t>
             </a:r>
           </a:p>
           <a:p>
             <a:r>
-              <a:rPr lang="en-US" dirty="0" err="1" smtClean="0"/>
+              <a:rPr lang="en-US" dirty="0" err="1"/>
               <a:t>Có</a:t>
             </a:r>
             <a:r>
-              <a:rPr lang="en-US" dirty="0" smtClean="0"/>
-              <a:t> </a:t>
-            </a:r>
-            <a:r>
-              <a:rPr lang="en-US" dirty="0" err="1" smtClean="0"/>
+              <a:rPr lang="en-US" dirty="0"/>
+              <a:t> </a:t>
+            </a:r>
+            <a:r>
+              <a:rPr lang="en-US" dirty="0" err="1"/>
               <a:t>những</a:t>
             </a:r>
             <a:r>
-              <a:rPr lang="en-US" dirty="0" smtClean="0"/>
-              <a:t> </a:t>
-            </a:r>
-            <a:r>
-              <a:rPr lang="en-US" dirty="0" err="1" smtClean="0"/>
+              <a:rPr lang="en-US" dirty="0"/>
+              <a:t> </a:t>
+            </a:r>
+            <a:r>
+              <a:rPr lang="en-US" dirty="0" err="1"/>
               <a:t>phần</a:t>
             </a:r>
             <a:r>
-              <a:rPr lang="en-US" dirty="0" smtClean="0"/>
-              <a:t> </a:t>
-            </a:r>
-            <a:r>
-              <a:rPr lang="en-US" dirty="0" err="1" smtClean="0"/>
+              <a:rPr lang="en-US" dirty="0"/>
+              <a:t> </a:t>
+            </a:r>
+            <a:r>
+              <a:rPr lang="en-US" dirty="0" err="1"/>
               <a:t>tử</a:t>
             </a:r>
             <a:r>
-              <a:rPr lang="en-US" dirty="0" smtClean="0"/>
-              <a:t> </a:t>
-            </a:r>
-            <a:r>
-              <a:rPr lang="en-US" dirty="0" err="1" smtClean="0"/>
+              <a:rPr lang="en-US" dirty="0"/>
+              <a:t> </a:t>
+            </a:r>
+            <a:r>
+              <a:rPr lang="en-US" dirty="0" err="1"/>
               <a:t>không</a:t>
             </a:r>
             <a:r>
-              <a:rPr lang="en-US" dirty="0" smtClean="0"/>
-              <a:t> </a:t>
-            </a:r>
-            <a:r>
-              <a:rPr lang="en-US" dirty="0" err="1" smtClean="0"/>
+              <a:rPr lang="en-US" dirty="0"/>
+              <a:t> </a:t>
+            </a:r>
+            <a:r>
+              <a:rPr lang="en-US" dirty="0" err="1"/>
               <a:t>quan</a:t>
             </a:r>
             <a:r>
-              <a:rPr lang="en-US" dirty="0" smtClean="0"/>
-              <a:t> </a:t>
-            </a:r>
-            <a:r>
-              <a:rPr lang="en-US" dirty="0" err="1" smtClean="0"/>
+              <a:rPr lang="en-US" dirty="0"/>
+              <a:t> </a:t>
+            </a:r>
+            <a:r>
+              <a:rPr lang="en-US" dirty="0" err="1"/>
               <a:t>trọng</a:t>
             </a:r>
             <a:r>
-              <a:rPr lang="en-US" dirty="0" smtClean="0"/>
-              <a:t> </a:t>
-            </a:r>
-            <a:r>
-              <a:rPr lang="en-US" dirty="0" err="1" smtClean="0"/>
+              <a:rPr lang="en-US" dirty="0"/>
+              <a:t> </a:t>
+            </a:r>
+            <a:r>
+              <a:rPr lang="en-US" dirty="0" err="1"/>
               <a:t>trong</a:t>
             </a:r>
             <a:r>
-              <a:rPr lang="en-US" dirty="0" smtClean="0"/>
-              <a:t> </a:t>
-            </a:r>
-            <a:r>
-              <a:rPr lang="en-US" dirty="0" err="1" smtClean="0"/>
+              <a:rPr lang="en-US" dirty="0"/>
+              <a:t> </a:t>
+            </a:r>
+            <a:r>
+              <a:rPr lang="en-US" dirty="0" err="1"/>
               <a:t>dự</a:t>
             </a:r>
             <a:r>
-              <a:rPr lang="en-US" dirty="0" smtClean="0"/>
-              <a:t> </a:t>
-            </a:r>
-            <a:r>
-              <a:rPr lang="en-US" dirty="0" err="1" smtClean="0"/>
+              <a:rPr lang="en-US" dirty="0"/>
+              <a:t> </a:t>
+            </a:r>
+            <a:r>
+              <a:rPr lang="en-US" dirty="0" err="1"/>
               <a:t>đoán</a:t>
             </a:r>
             <a:r>
-              <a:rPr lang="en-US" dirty="0" smtClean="0"/>
-              <a:t> </a:t>
-            </a:r>
-            <a:r>
-              <a:rPr lang="en-US" dirty="0" err="1" smtClean="0"/>
+              <a:rPr lang="en-US" dirty="0"/>
+              <a:t> </a:t>
+            </a:r>
+            <a:r>
+              <a:rPr lang="en-US" dirty="0" err="1"/>
               <a:t>chuỗi</a:t>
             </a:r>
             <a:r>
-              <a:rPr lang="en-US" dirty="0" smtClean="0"/>
+              <a:rPr lang="en-US" dirty="0"/>
               <a:t>, </a:t>
             </a:r>
             <a:r>
-              <a:rPr lang="en-US" dirty="0" err="1" smtClean="0"/>
+              <a:rPr lang="en-US" dirty="0" err="1"/>
               <a:t>và</a:t>
             </a:r>
             <a:r>
-              <a:rPr lang="en-US" dirty="0" smtClean="0"/>
-              <a:t> </a:t>
-            </a:r>
-            <a:r>
-              <a:rPr lang="en-US" dirty="0" err="1" smtClean="0"/>
+              <a:rPr lang="en-US" dirty="0"/>
+              <a:t> </a:t>
+            </a:r>
+            <a:r>
+              <a:rPr lang="en-US" dirty="0" err="1"/>
               <a:t>cần</a:t>
             </a:r>
             <a:r>
-              <a:rPr lang="en-US" dirty="0" smtClean="0"/>
-              <a:t> </a:t>
-            </a:r>
-            <a:r>
-              <a:rPr lang="en-US" dirty="0" err="1" smtClean="0"/>
+              <a:rPr lang="en-US" dirty="0"/>
+              <a:t> </a:t>
+            </a:r>
+            <a:r>
+              <a:rPr lang="en-US" dirty="0" err="1"/>
               <a:t>phải</a:t>
             </a:r>
             <a:r>
-              <a:rPr lang="en-US" dirty="0" smtClean="0"/>
-              <a:t> </a:t>
-            </a:r>
-            <a:r>
-              <a:rPr lang="en-US" dirty="0" err="1" smtClean="0"/>
+              <a:rPr lang="en-US" dirty="0"/>
+              <a:t> </a:t>
+            </a:r>
+            <a:r>
+              <a:rPr lang="en-US" dirty="0" err="1"/>
               <a:t>bỏ</a:t>
             </a:r>
             <a:r>
-              <a:rPr lang="en-US" dirty="0" smtClean="0"/>
+              <a:rPr lang="en-US" dirty="0"/>
               <a:t> qua </a:t>
             </a:r>
             <a:r>
-              <a:rPr lang="en-US" dirty="0" err="1" smtClean="0"/>
+              <a:rPr lang="en-US" dirty="0" err="1"/>
               <a:t>những</a:t>
             </a:r>
             <a:r>
-              <a:rPr lang="en-US" dirty="0" smtClean="0"/>
-              <a:t> </a:t>
-            </a:r>
-            <a:r>
-              <a:rPr lang="en-US" dirty="0" err="1" smtClean="0"/>
+              <a:rPr lang="en-US" dirty="0"/>
+              <a:t> </a:t>
+            </a:r>
+            <a:r>
+              <a:rPr lang="en-US" dirty="0" err="1"/>
               <a:t>phần</a:t>
             </a:r>
             <a:r>
-              <a:rPr lang="en-US" dirty="0" smtClean="0"/>
-              <a:t> </a:t>
-            </a:r>
-            <a:r>
-              <a:rPr lang="en-US" dirty="0" err="1" smtClean="0"/>
+              <a:rPr lang="en-US" dirty="0"/>
+              <a:t> </a:t>
+            </a:r>
+            <a:r>
+              <a:rPr lang="en-US" dirty="0" err="1"/>
               <a:t>này</a:t>
             </a:r>
             <a:r>
-              <a:rPr lang="en-US" dirty="0" smtClean="0"/>
+              <a:rPr lang="en-US" dirty="0"/>
               <a:t>.</a:t>
             </a:r>
           </a:p>
           <a:p>
             <a:r>
-              <a:rPr lang="en-US" dirty="0" err="1" smtClean="0"/>
+              <a:rPr lang="en-US" dirty="0" err="1"/>
               <a:t>Khi</a:t>
             </a:r>
             <a:r>
-              <a:rPr lang="en-US" dirty="0" smtClean="0"/>
-              <a:t> </a:t>
-            </a:r>
-            <a:r>
-              <a:rPr lang="en-US" dirty="0" err="1" smtClean="0"/>
+              <a:rPr lang="en-US" dirty="0"/>
+              <a:t> </a:t>
+            </a:r>
+            <a:r>
+              <a:rPr lang="en-US" dirty="0" err="1"/>
               <a:t>chuỗi</a:t>
             </a:r>
             <a:r>
-              <a:rPr lang="en-US" dirty="0" smtClean="0"/>
-              <a:t> </a:t>
-            </a:r>
-            <a:r>
-              <a:rPr lang="en-US" dirty="0" err="1" smtClean="0"/>
+              <a:rPr lang="en-US" dirty="0"/>
+              <a:t> </a:t>
+            </a:r>
+            <a:r>
+              <a:rPr lang="en-US" dirty="0" err="1"/>
               <a:t>chuyển</a:t>
             </a:r>
             <a:r>
-              <a:rPr lang="en-US" dirty="0" smtClean="0"/>
-              <a:t> </a:t>
-            </a:r>
-            <a:r>
-              <a:rPr lang="en-US" dirty="0" err="1" smtClean="0"/>
+              <a:rPr lang="en-US" dirty="0"/>
+              <a:t> </a:t>
+            </a:r>
+            <a:r>
+              <a:rPr lang="en-US" dirty="0" err="1"/>
               <a:t>xu</a:t>
             </a:r>
             <a:r>
-              <a:rPr lang="en-US" dirty="0" smtClean="0"/>
-              <a:t> </a:t>
-            </a:r>
-            <a:r>
-              <a:rPr lang="en-US" dirty="0" err="1" smtClean="0"/>
+              <a:rPr lang="en-US" dirty="0"/>
+              <a:t> </a:t>
+            </a:r>
+            <a:r>
+              <a:rPr lang="en-US" dirty="0" err="1"/>
               <a:t>hướng</a:t>
             </a:r>
             <a:r>
-              <a:rPr lang="en-US" dirty="0" smtClean="0"/>
+              <a:rPr lang="en-US" dirty="0"/>
               <a:t>, </a:t>
             </a:r>
             <a:r>
-              <a:rPr lang="en-US" dirty="0" err="1" smtClean="0"/>
+              <a:rPr lang="en-US" dirty="0" err="1"/>
               <a:t>ví</a:t>
             </a:r>
             <a:r>
-              <a:rPr lang="en-US" dirty="0" smtClean="0"/>
-              <a:t> </a:t>
-            </a:r>
-            <a:r>
-              <a:rPr lang="en-US" dirty="0" err="1" smtClean="0"/>
+              <a:rPr lang="en-US" dirty="0"/>
+              <a:t> </a:t>
+            </a:r>
+            <a:r>
+              <a:rPr lang="en-US" dirty="0" err="1"/>
               <a:t>dụ</a:t>
             </a:r>
             <a:r>
-              <a:rPr lang="en-US" dirty="0" smtClean="0"/>
-              <a:t> </a:t>
-            </a:r>
-            <a:r>
-              <a:rPr lang="en-US" dirty="0" err="1" smtClean="0"/>
+              <a:rPr lang="en-US" dirty="0"/>
+              <a:t> </a:t>
+            </a:r>
+            <a:r>
+              <a:rPr lang="en-US" dirty="0" err="1"/>
               <a:t>như</a:t>
             </a:r>
             <a:r>
-              <a:rPr lang="en-US" dirty="0" smtClean="0"/>
-              <a:t> </a:t>
-            </a:r>
-            <a:r>
-              <a:rPr lang="en-US" dirty="0" err="1" smtClean="0"/>
+              <a:rPr lang="en-US" dirty="0"/>
+              <a:t> </a:t>
+            </a:r>
+            <a:r>
+              <a:rPr lang="en-US" dirty="0" err="1"/>
               <a:t>thị</a:t>
             </a:r>
             <a:r>
-              <a:rPr lang="en-US" dirty="0" smtClean="0"/>
-              <a:t> </a:t>
-            </a:r>
-            <a:r>
-              <a:rPr lang="en-US" dirty="0" err="1" smtClean="0"/>
+              <a:rPr lang="en-US" dirty="0"/>
+              <a:t> </a:t>
+            </a:r>
+            <a:r>
+              <a:rPr lang="en-US" dirty="0" err="1"/>
               <a:t>trường</a:t>
             </a:r>
             <a:r>
-              <a:rPr lang="en-US" dirty="0" smtClean="0"/>
-              <a:t> </a:t>
-            </a:r>
-            <a:r>
-              <a:rPr lang="en-US" dirty="0" err="1" smtClean="0"/>
+              <a:rPr lang="en-US" dirty="0"/>
+              <a:t> </a:t>
+            </a:r>
+            <a:r>
+              <a:rPr lang="en-US" dirty="0" err="1"/>
               <a:t>bò</a:t>
             </a:r>
             <a:r>
-              <a:rPr lang="en-US" dirty="0" smtClean="0"/>
-              <a:t> </a:t>
-            </a:r>
-            <a:r>
-              <a:rPr lang="en-US" dirty="0" err="1" smtClean="0"/>
+              <a:rPr lang="en-US" dirty="0"/>
+              <a:t> </a:t>
+            </a:r>
+            <a:r>
+              <a:rPr lang="en-US" dirty="0" err="1"/>
               <a:t>tót</a:t>
             </a:r>
             <a:r>
-              <a:rPr lang="en-US" dirty="0" smtClean="0"/>
-              <a:t> </a:t>
-            </a:r>
-            <a:r>
-              <a:rPr lang="en-US" dirty="0" err="1" smtClean="0"/>
+              <a:rPr lang="en-US" dirty="0"/>
+              <a:t> </a:t>
+            </a:r>
+            <a:r>
+              <a:rPr lang="en-US" dirty="0" err="1"/>
               <a:t>chuyển</a:t>
             </a:r>
             <a:r>
-              <a:rPr lang="en-US" dirty="0" smtClean="0"/>
+              <a:rPr lang="en-US" dirty="0"/>
               <a:t> sang </a:t>
             </a:r>
             <a:r>
-              <a:rPr lang="en-US" dirty="0" err="1" smtClean="0"/>
+              <a:rPr lang="en-US" dirty="0" err="1"/>
               <a:t>thị</a:t>
             </a:r>
             <a:r>
-              <a:rPr lang="en-US" dirty="0" smtClean="0"/>
-              <a:t> </a:t>
-            </a:r>
-            <a:r>
-              <a:rPr lang="en-US" dirty="0" err="1" smtClean="0"/>
+              <a:rPr lang="en-US" dirty="0"/>
+              <a:t> </a:t>
+            </a:r>
+            <a:r>
+              <a:rPr lang="en-US" dirty="0" err="1"/>
               <a:t>trường</a:t>
             </a:r>
             <a:r>
-              <a:rPr lang="en-US" dirty="0" smtClean="0"/>
-              <a:t> </a:t>
-            </a:r>
-            <a:r>
-              <a:rPr lang="en-US" dirty="0" err="1" smtClean="0"/>
+              <a:rPr lang="en-US" dirty="0"/>
+              <a:t> </a:t>
+            </a:r>
+            <a:r>
+              <a:rPr lang="en-US" dirty="0" err="1"/>
               <a:t>gấu</a:t>
             </a:r>
             <a:r>
-              <a:rPr lang="en-US" dirty="0" smtClean="0"/>
+              <a:rPr lang="en-US" dirty="0"/>
               <a:t>, </a:t>
             </a:r>
             <a:r>
-              <a:rPr lang="en-US" dirty="0" err="1" smtClean="0"/>
+              <a:rPr lang="en-US" dirty="0" err="1"/>
               <a:t>thì</a:t>
             </a:r>
             <a:r>
-              <a:rPr lang="en-US" dirty="0" smtClean="0"/>
-              <a:t> </a:t>
-            </a:r>
-            <a:r>
-              <a:rPr lang="en-US" dirty="0" err="1" smtClean="0"/>
+              <a:rPr lang="en-US" dirty="0"/>
+              <a:t> </a:t>
+            </a:r>
+            <a:r>
+              <a:rPr lang="en-US" dirty="0" err="1"/>
               <a:t>cần</a:t>
             </a:r>
             <a:r>
-              <a:rPr lang="en-US" dirty="0" smtClean="0"/>
-              <a:t> </a:t>
-            </a:r>
-            <a:r>
-              <a:rPr lang="en-US" dirty="0" err="1" smtClean="0"/>
+              <a:rPr lang="en-US" dirty="0"/>
+              <a:t> </a:t>
+            </a:r>
+            <a:r>
+              <a:rPr lang="en-US" dirty="0" err="1"/>
               <a:t>một</a:t>
             </a:r>
             <a:r>
-              <a:rPr lang="en-US" dirty="0" smtClean="0"/>
-              <a:t> </a:t>
-            </a:r>
-            <a:r>
-              <a:rPr lang="en-US" dirty="0" err="1" smtClean="0"/>
+              <a:rPr lang="en-US" dirty="0"/>
+              <a:t> </a:t>
+            </a:r>
+            <a:r>
+              <a:rPr lang="en-US" dirty="0" err="1"/>
               <a:t>dấu</a:t>
             </a:r>
             <a:r>
-              <a:rPr lang="en-US" dirty="0" smtClean="0"/>
-              <a:t> </a:t>
-            </a:r>
-            <a:r>
-              <a:rPr lang="en-US" dirty="0" err="1" smtClean="0"/>
+              <a:rPr lang="en-US" dirty="0"/>
+              <a:t> </a:t>
+            </a:r>
+            <a:r>
+              <a:rPr lang="en-US" dirty="0" err="1"/>
               <a:t>hiệu</a:t>
             </a:r>
             <a:r>
-              <a:rPr lang="en-US" dirty="0" smtClean="0"/>
-              <a:t> </a:t>
-            </a:r>
-            <a:r>
-              <a:rPr lang="en-US" dirty="0" err="1" smtClean="0"/>
+              <a:rPr lang="en-US" dirty="0"/>
+              <a:t> </a:t>
+            </a:r>
+            <a:r>
+              <a:rPr lang="en-US" dirty="0" err="1"/>
               <a:t>để</a:t>
             </a:r>
             <a:r>
-              <a:rPr lang="en-US" dirty="0" smtClean="0"/>
+              <a:rPr lang="en-US" dirty="0"/>
               <a:t> reset </a:t>
             </a:r>
             <a:r>
-              <a:rPr lang="en-US" dirty="0" err="1" smtClean="0"/>
+              <a:rPr lang="en-US" dirty="0" err="1"/>
               <a:t>trạng</a:t>
             </a:r>
             <a:r>
-              <a:rPr lang="en-US" dirty="0" smtClean="0"/>
-              <a:t> </a:t>
-            </a:r>
-            <a:r>
-              <a:rPr lang="en-US" dirty="0" err="1" smtClean="0"/>
+              <a:rPr lang="en-US" dirty="0"/>
+              <a:t> </a:t>
+            </a:r>
+            <a:r>
+              <a:rPr lang="en-US" dirty="0" err="1"/>
               <a:t>thái</a:t>
             </a:r>
             <a:r>
-              <a:rPr lang="en-US" dirty="0" smtClean="0"/>
-              <a:t> </a:t>
-            </a:r>
-            <a:r>
-              <a:rPr lang="en-US" dirty="0" err="1" smtClean="0"/>
+              <a:rPr lang="en-US" dirty="0"/>
+              <a:t> </a:t>
+            </a:r>
+            <a:r>
+              <a:rPr lang="en-US" dirty="0" err="1"/>
               <a:t>của</a:t>
             </a:r>
             <a:r>
-              <a:rPr lang="en-US" dirty="0" smtClean="0"/>
-              <a:t> </a:t>
-            </a:r>
-            <a:r>
-              <a:rPr lang="en-US" dirty="0" err="1" smtClean="0"/>
+              <a:rPr lang="en-US" dirty="0"/>
+              <a:t> </a:t>
+            </a:r>
+            <a:r>
+              <a:rPr lang="en-US" dirty="0" err="1"/>
               <a:t>mô</a:t>
             </a:r>
             <a:r>
-              <a:rPr lang="en-US" dirty="0" smtClean="0"/>
-              <a:t> </a:t>
-            </a:r>
-            <a:r>
-              <a:rPr lang="en-US" dirty="0" err="1" smtClean="0"/>
+              <a:rPr lang="en-US" dirty="0"/>
+              <a:t> </a:t>
+            </a:r>
+            <a:r>
+              <a:rPr lang="en-US" dirty="0" err="1"/>
               <a:t>hình</a:t>
             </a:r>
             <a:endParaRPr lang="en-US" dirty="0"/>
@@ -7737,38 +7686,37 @@
           <a:lstStyle/>
           <a:p>
             <a:r>
-              <a:rPr lang="en-US" dirty="0" err="1" smtClean="0"/>
+              <a:rPr lang="en-US" dirty="0" err="1"/>
               <a:t>Sử</a:t>
             </a:r>
             <a:r>
-              <a:rPr lang="en-US" dirty="0" smtClean="0"/>
-              <a:t> </a:t>
-            </a:r>
-            <a:r>
-              <a:rPr lang="en-US" dirty="0" err="1" smtClean="0"/>
+              <a:rPr lang="en-US" dirty="0"/>
+              <a:t> </a:t>
+            </a:r>
+            <a:r>
+              <a:rPr lang="en-US" dirty="0" err="1"/>
               <a:t>dụng</a:t>
             </a:r>
             <a:r>
-              <a:rPr lang="en-US" dirty="0" smtClean="0"/>
-              <a:t> </a:t>
-            </a:r>
-            <a:r>
-              <a:rPr lang="en-US" dirty="0" err="1" smtClean="0"/>
+              <a:rPr lang="en-US" dirty="0"/>
+              <a:t> </a:t>
+            </a:r>
+            <a:r>
+              <a:rPr lang="en-US" dirty="0" err="1"/>
               <a:t>mô</a:t>
             </a:r>
             <a:r>
-              <a:rPr lang="en-US" dirty="0" smtClean="0"/>
-              <a:t> </a:t>
-            </a:r>
-            <a:r>
-              <a:rPr lang="en-US" dirty="0" err="1" smtClean="0"/>
+              <a:rPr lang="en-US" dirty="0"/>
+              <a:t> </a:t>
+            </a:r>
+            <a:r>
+              <a:rPr lang="en-US" dirty="0" err="1"/>
               <a:t>hình</a:t>
             </a:r>
             <a:r>
-              <a:rPr lang="en-US" dirty="0" smtClean="0"/>
+              <a:rPr lang="en-US" dirty="0"/>
               <a:t> seq2seq</a:t>
             </a:r>
-            <a:endParaRPr lang="en-US" dirty="0"/>
           </a:p>
         </p:txBody>
       </p:sp>
@@ -7790,63 +7738,63 @@
               <a:lstStyle/>
               <a:p>
                 <a:r>
-                  <a:rPr lang="en-US" dirty="0" smtClean="0"/>
+                  <a:rPr lang="en-US" dirty="0"/>
                   <a:t>Mô </a:t>
                 </a:r>
                 <a:r>
-                  <a:rPr lang="en-US" dirty="0" err="1" smtClean="0"/>
+                  <a:rPr lang="en-US" dirty="0" err="1"/>
                   <a:t>hình</a:t>
                 </a:r>
                 <a:r>
-                  <a:rPr lang="en-US" dirty="0" smtClean="0"/>
+                  <a:rPr lang="en-US" dirty="0"/>
                   <a:t> </a:t>
                 </a:r>
                 <a:r>
-                  <a:rPr lang="en-US" dirty="0" err="1" smtClean="0"/>
+                  <a:rPr lang="en-US" dirty="0" err="1"/>
                   <a:t>toán</a:t>
                 </a:r>
                 <a:r>
-                  <a:rPr lang="en-US" dirty="0" smtClean="0"/>
+                  <a:rPr lang="en-US" dirty="0"/>
                   <a:t> </a:t>
                 </a:r>
                 <a:r>
-                  <a:rPr lang="en-US" dirty="0" err="1" smtClean="0"/>
+                  <a:rPr lang="en-US" dirty="0" err="1"/>
                   <a:t>để</a:t>
                 </a:r>
                 <a:r>
-                  <a:rPr lang="en-US" dirty="0" smtClean="0"/>
+                  <a:rPr lang="en-US" dirty="0"/>
                   <a:t> </a:t>
                 </a:r>
                 <a:r>
-                  <a:rPr lang="en-US" dirty="0" err="1" smtClean="0"/>
+                  <a:rPr lang="en-US" dirty="0" err="1"/>
                   <a:t>thực</a:t>
                 </a:r>
                 <a:r>
-                  <a:rPr lang="en-US" dirty="0" smtClean="0"/>
+                  <a:rPr lang="en-US" dirty="0"/>
                   <a:t> </a:t>
                 </a:r>
                 <a:r>
-                  <a:rPr lang="en-US" dirty="0" err="1" smtClean="0"/>
+                  <a:rPr lang="en-US" dirty="0" err="1"/>
                   <a:t>hiện</a:t>
                 </a:r>
                 <a:r>
-                  <a:rPr lang="en-US" dirty="0" smtClean="0"/>
+                  <a:rPr lang="en-US" dirty="0"/>
                   <a:t> </a:t>
                 </a:r>
                 <a:r>
-                  <a:rPr lang="en-US" dirty="0" err="1" smtClean="0"/>
+                  <a:rPr lang="en-US" dirty="0" err="1"/>
                   <a:t>dự</a:t>
                 </a:r>
                 <a:r>
-                  <a:rPr lang="en-US" dirty="0" smtClean="0"/>
+                  <a:rPr lang="en-US" dirty="0"/>
                   <a:t> </a:t>
                 </a:r>
                 <a:r>
-                  <a:rPr lang="en-US" dirty="0" err="1" smtClean="0"/>
+                  <a:rPr lang="en-US" dirty="0" err="1"/>
                   <a:t>đoán</a:t>
                 </a:r>
                 <a:r>
-                  <a:rPr lang="en-US" dirty="0" smtClean="0"/>
+                  <a:rPr lang="en-US" dirty="0"/>
                   <a:t> (inference):</a:t>
                 </a:r>
               </a:p>
@@ -7854,79 +7802,79 @@
                 <a:endParaRPr lang="en-US" dirty="0"/>
               </a:p>
               <a:p>
-                <a:endParaRPr lang="en-US" dirty="0" smtClean="0"/>
+                <a:endParaRPr lang="en-US" dirty="0"/>
               </a:p>
               <a:p>
                 <a:r>
-                  <a:rPr lang="en-US" dirty="0" err="1" smtClean="0"/>
+                  <a:rPr lang="en-US" dirty="0" err="1"/>
                   <a:t>Đáp</a:t>
                 </a:r>
                 <a:r>
-                  <a:rPr lang="en-US" dirty="0" smtClean="0"/>
+                  <a:rPr lang="en-US" dirty="0"/>
                   <a:t> </a:t>
                 </a:r>
                 <a:r>
-                  <a:rPr lang="en-US" dirty="0" err="1" smtClean="0"/>
+                  <a:rPr lang="en-US" dirty="0" err="1"/>
                   <a:t>án</a:t>
                 </a:r>
                 <a:r>
-                  <a:rPr lang="en-US" dirty="0" smtClean="0"/>
+                  <a:rPr lang="en-US" dirty="0"/>
                   <a:t> </a:t>
                 </a:r>
                 <a:r>
-                  <a:rPr lang="en-US" dirty="0" err="1" smtClean="0"/>
+                  <a:rPr lang="en-US" dirty="0" err="1"/>
                   <a:t>cuối</a:t>
                 </a:r>
                 <a:r>
-                  <a:rPr lang="en-US" dirty="0" smtClean="0"/>
+                  <a:rPr lang="en-US" dirty="0"/>
                   <a:t> </a:t>
                 </a:r>
                 <a:r>
-                  <a:rPr lang="en-US" dirty="0" err="1" smtClean="0"/>
+                  <a:rPr lang="en-US" dirty="0" err="1"/>
                   <a:t>cùng</a:t>
                 </a:r>
                 <a:r>
-                  <a:rPr lang="en-US" dirty="0" smtClean="0"/>
+                  <a:rPr lang="en-US" dirty="0"/>
                   <a:t> </a:t>
                 </a:r>
                 <a:r>
-                  <a:rPr lang="en-US" dirty="0" err="1" smtClean="0"/>
+                  <a:rPr lang="en-US" dirty="0" err="1"/>
                   <a:t>chỉ</a:t>
                 </a:r>
                 <a:r>
-                  <a:rPr lang="en-US" dirty="0" smtClean="0"/>
+                  <a:rPr lang="en-US" dirty="0"/>
                   <a:t> </a:t>
                 </a:r>
                 <a:r>
-                  <a:rPr lang="en-US" dirty="0" err="1" smtClean="0"/>
+                  <a:rPr lang="en-US" dirty="0" err="1"/>
                   <a:t>có</a:t>
                 </a:r>
                 <a:r>
-                  <a:rPr lang="en-US" dirty="0" smtClean="0"/>
+                  <a:rPr lang="en-US" dirty="0"/>
                   <a:t> 1 </a:t>
                 </a:r>
                 <a:r>
-                  <a:rPr lang="en-US" dirty="0" err="1" smtClean="0"/>
+                  <a:rPr lang="en-US" dirty="0" err="1"/>
                   <a:t>chuỗi</a:t>
                 </a:r>
                 <a:r>
-                  <a:rPr lang="en-US" dirty="0" smtClean="0"/>
+                  <a:rPr lang="en-US" dirty="0"/>
                   <a:t>, </a:t>
                 </a:r>
                 <a:r>
-                  <a:rPr lang="en-US" dirty="0" err="1" smtClean="0"/>
+                  <a:rPr lang="en-US" dirty="0" err="1"/>
                   <a:t>nhưng</a:t>
                 </a:r>
                 <a:r>
-                  <a:rPr lang="en-US" dirty="0" smtClean="0"/>
+                  <a:rPr lang="en-US" dirty="0"/>
                   <a:t> ta </a:t>
                 </a:r>
                 <a:r>
-                  <a:rPr lang="en-US" dirty="0" err="1" smtClean="0"/>
+                  <a:rPr lang="en-US" dirty="0" err="1"/>
                   <a:t>có</a:t>
                 </a:r>
                 <a:r>
-                  <a:rPr lang="en-US" dirty="0" smtClean="0"/>
+                  <a:rPr lang="en-US" dirty="0"/>
                   <a:t> </a:t>
                 </a:r>
                 <a14:m>
@@ -7959,159 +7907,158 @@
                   </m:oMath>
                 </a14:m>
                 <a:r>
-                  <a:rPr lang="en-US" dirty="0" smtClean="0"/>
+                  <a:rPr lang="en-US" dirty="0"/>
                   <a:t> </a:t>
                 </a:r>
                 <a:r>
-                  <a:rPr lang="en-US" dirty="0" err="1" smtClean="0"/>
+                  <a:rPr lang="en-US" dirty="0" err="1"/>
                   <a:t>chuỗi</a:t>
                 </a:r>
                 <a:r>
-                  <a:rPr lang="en-US" dirty="0" smtClean="0"/>
+                  <a:rPr lang="en-US" dirty="0"/>
                   <a:t> </a:t>
                 </a:r>
                 <a:r>
-                  <a:rPr lang="en-US" dirty="0" err="1" smtClean="0"/>
+                  <a:rPr lang="en-US" dirty="0" err="1"/>
                   <a:t>được</a:t>
                 </a:r>
                 <a:r>
-                  <a:rPr lang="en-US" dirty="0" smtClean="0"/>
+                  <a:rPr lang="en-US" dirty="0"/>
                   <a:t> </a:t>
                 </a:r>
                 <a:r>
-                  <a:rPr lang="en-US" dirty="0" err="1" smtClean="0"/>
+                  <a:rPr lang="en-US" dirty="0" err="1"/>
                   <a:t>đề</a:t>
                 </a:r>
                 <a:r>
-                  <a:rPr lang="en-US" dirty="0" smtClean="0"/>
+                  <a:rPr lang="en-US" dirty="0"/>
                   <a:t> </a:t>
                 </a:r>
                 <a:r>
-                  <a:rPr lang="en-US" dirty="0" err="1" smtClean="0"/>
+                  <a:rPr lang="en-US" dirty="0" err="1"/>
                   <a:t>nghị</a:t>
                 </a:r>
-                <a:endParaRPr lang="en-US" dirty="0" smtClean="0"/>
+                <a:endParaRPr lang="en-US" dirty="0"/>
               </a:p>
               <a:p>
                 <a:r>
-                  <a:rPr lang="en-US" dirty="0" err="1" smtClean="0"/>
+                  <a:rPr lang="en-US" dirty="0" err="1"/>
                   <a:t>Những</a:t>
                 </a:r>
                 <a:r>
-                  <a:rPr lang="en-US" dirty="0" smtClean="0"/>
+                  <a:rPr lang="en-US" dirty="0"/>
                   <a:t> </a:t>
                 </a:r>
                 <a:r>
-                  <a:rPr lang="en-US" dirty="0" err="1" smtClean="0"/>
+                  <a:rPr lang="en-US" dirty="0" err="1"/>
                   <a:t>thuật</a:t>
                 </a:r>
                 <a:r>
-                  <a:rPr lang="en-US" dirty="0" smtClean="0"/>
+                  <a:rPr lang="en-US" dirty="0"/>
                   <a:t> </a:t>
                 </a:r>
                 <a:r>
-                  <a:rPr lang="en-US" dirty="0" err="1" smtClean="0"/>
+                  <a:rPr lang="en-US" dirty="0" err="1"/>
                   <a:t>toán</a:t>
                 </a:r>
                 <a:r>
-                  <a:rPr lang="en-US" dirty="0" smtClean="0"/>
+                  <a:rPr lang="en-US" dirty="0"/>
                   <a:t> </a:t>
                 </a:r>
                 <a:r>
-                  <a:rPr lang="en-US" dirty="0" err="1" smtClean="0"/>
+                  <a:rPr lang="en-US" dirty="0" err="1"/>
                   <a:t>thường</a:t>
                 </a:r>
                 <a:r>
-                  <a:rPr lang="en-US" dirty="0" smtClean="0"/>
+                  <a:rPr lang="en-US" dirty="0"/>
                   <a:t> </a:t>
                 </a:r>
                 <a:r>
-                  <a:rPr lang="en-US" dirty="0" err="1" smtClean="0"/>
+                  <a:rPr lang="en-US" dirty="0" err="1"/>
                   <a:t>được</a:t>
                 </a:r>
                 <a:r>
-                  <a:rPr lang="en-US" dirty="0" smtClean="0"/>
+                  <a:rPr lang="en-US" dirty="0"/>
                   <a:t> </a:t>
                 </a:r>
                 <a:r>
-                  <a:rPr lang="en-US" dirty="0" err="1" smtClean="0"/>
+                  <a:rPr lang="en-US" dirty="0" err="1"/>
                   <a:t>sử</a:t>
                 </a:r>
                 <a:r>
-                  <a:rPr lang="en-US" dirty="0" smtClean="0"/>
+                  <a:rPr lang="en-US" dirty="0"/>
                   <a:t> </a:t>
                 </a:r>
                 <a:r>
-                  <a:rPr lang="en-US" dirty="0" err="1" smtClean="0"/>
+                  <a:rPr lang="en-US" dirty="0" err="1"/>
                   <a:t>dụng</a:t>
                 </a:r>
                 <a:r>
-                  <a:rPr lang="en-US" dirty="0" smtClean="0"/>
+                  <a:rPr lang="en-US" dirty="0"/>
                   <a:t> </a:t>
                 </a:r>
                 <a:r>
-                  <a:rPr lang="en-US" dirty="0" err="1" smtClean="0"/>
+                  <a:rPr lang="en-US" dirty="0" err="1"/>
                   <a:t>để</a:t>
                 </a:r>
                 <a:r>
-                  <a:rPr lang="en-US" dirty="0" smtClean="0"/>
+                  <a:rPr lang="en-US" dirty="0"/>
                   <a:t> </a:t>
                 </a:r>
                 <a:r>
-                  <a:rPr lang="en-US" dirty="0" err="1" smtClean="0"/>
+                  <a:rPr lang="en-US" dirty="0" err="1"/>
                   <a:t>chọn</a:t>
                 </a:r>
                 <a:r>
-                  <a:rPr lang="en-US" dirty="0" smtClean="0"/>
+                  <a:rPr lang="en-US" dirty="0"/>
                   <a:t> </a:t>
                 </a:r>
                 <a:r>
-                  <a:rPr lang="en-US" dirty="0" err="1" smtClean="0"/>
+                  <a:rPr lang="en-US" dirty="0" err="1"/>
                   <a:t>ra</a:t>
                 </a:r>
                 <a:r>
-                  <a:rPr lang="en-US" dirty="0" smtClean="0"/>
+                  <a:rPr lang="en-US" dirty="0"/>
                   <a:t> </a:t>
                 </a:r>
                 <a:r>
-                  <a:rPr lang="en-US" dirty="0" err="1" smtClean="0"/>
+                  <a:rPr lang="en-US" dirty="0" err="1"/>
                   <a:t>chuỗi</a:t>
                 </a:r>
                 <a:r>
-                  <a:rPr lang="en-US" dirty="0" smtClean="0"/>
+                  <a:rPr lang="en-US" dirty="0"/>
                   <a:t> </a:t>
                 </a:r>
                 <a:r>
-                  <a:rPr lang="en-US" dirty="0" err="1" smtClean="0"/>
+                  <a:rPr lang="en-US" dirty="0" err="1"/>
                   <a:t>dự</a:t>
                 </a:r>
                 <a:r>
-                  <a:rPr lang="en-US" dirty="0" smtClean="0"/>
+                  <a:rPr lang="en-US" dirty="0"/>
                   <a:t> </a:t>
                 </a:r>
                 <a:r>
-                  <a:rPr lang="en-US" dirty="0" err="1" smtClean="0"/>
+                  <a:rPr lang="en-US" dirty="0" err="1"/>
                   <a:t>đoán</a:t>
                 </a:r>
                 <a:r>
-                  <a:rPr lang="en-US" dirty="0" smtClean="0"/>
+                  <a:rPr lang="en-US" dirty="0"/>
                   <a:t>:</a:t>
                 </a:r>
               </a:p>
               <a:p>
                 <a:pPr lvl="1"/>
                 <a:r>
-                  <a:rPr lang="en-US" dirty="0" smtClean="0"/>
+                  <a:rPr lang="en-US" dirty="0"/>
                   <a:t>Greedy search</a:t>
                 </a:r>
               </a:p>
               <a:p>
                 <a:pPr lvl="1"/>
                 <a:r>
-                  <a:rPr lang="en-US" dirty="0" smtClean="0"/>
+                  <a:rPr lang="en-US" dirty="0"/>
                   <a:t>Beam search </a:t>
                 </a:r>
-                <a:endParaRPr lang="en-US" dirty="0"/>
               </a:p>
             </p:txBody>
           </p:sp>
@@ -8235,10 +8182,9 @@
           <a:lstStyle/>
           <a:p>
             <a:r>
-              <a:rPr lang="en-US" dirty="0" smtClean="0"/>
+              <a:rPr lang="en-US" dirty="0"/>
               <a:t>Greedy search</a:t>
             </a:r>
-            <a:endParaRPr lang="en-US" dirty="0"/>
           </a:p>
         </p:txBody>
       </p:sp>
@@ -8258,87 +8204,87 @@
           <a:lstStyle/>
           <a:p>
             <a:r>
-              <a:rPr lang="en-US" dirty="0" err="1" smtClean="0"/>
+              <a:rPr lang="en-US" dirty="0" err="1"/>
               <a:t>Chọn</a:t>
             </a:r>
             <a:r>
-              <a:rPr lang="en-US" dirty="0" smtClean="0"/>
-              <a:t> </a:t>
-            </a:r>
-            <a:r>
-              <a:rPr lang="en-US" dirty="0" err="1" smtClean="0"/>
+              <a:rPr lang="en-US" dirty="0"/>
+              <a:t> </a:t>
+            </a:r>
+            <a:r>
+              <a:rPr lang="en-US" dirty="0" err="1"/>
               <a:t>phần</a:t>
             </a:r>
             <a:r>
-              <a:rPr lang="en-US" dirty="0" smtClean="0"/>
-              <a:t> </a:t>
-            </a:r>
-            <a:r>
-              <a:rPr lang="en-US" dirty="0" err="1" smtClean="0"/>
+              <a:rPr lang="en-US" dirty="0"/>
+              <a:t> </a:t>
+            </a:r>
+            <a:r>
+              <a:rPr lang="en-US" dirty="0" err="1"/>
               <a:t>tử</a:t>
             </a:r>
             <a:r>
-              <a:rPr lang="en-US" dirty="0" smtClean="0"/>
-              <a:t> </a:t>
-            </a:r>
-            <a:r>
-              <a:rPr lang="en-US" dirty="0" err="1" smtClean="0"/>
+              <a:rPr lang="en-US" dirty="0"/>
+              <a:t> </a:t>
+            </a:r>
+            <a:r>
+              <a:rPr lang="en-US" dirty="0" err="1"/>
               <a:t>có</a:t>
             </a:r>
             <a:r>
-              <a:rPr lang="en-US" dirty="0" smtClean="0"/>
-              <a:t> </a:t>
-            </a:r>
-            <a:r>
-              <a:rPr lang="en-US" dirty="0" err="1" smtClean="0"/>
+              <a:rPr lang="en-US" dirty="0"/>
+              <a:t> </a:t>
+            </a:r>
+            <a:r>
+              <a:rPr lang="en-US" dirty="0" err="1"/>
               <a:t>xác</a:t>
             </a:r>
             <a:r>
-              <a:rPr lang="en-US" dirty="0" smtClean="0"/>
-              <a:t> </a:t>
-            </a:r>
-            <a:r>
-              <a:rPr lang="en-US" dirty="0" err="1" smtClean="0"/>
+              <a:rPr lang="en-US" dirty="0"/>
+              <a:t> </a:t>
+            </a:r>
+            <a:r>
+              <a:rPr lang="en-US" dirty="0" err="1"/>
               <a:t>suất</a:t>
             </a:r>
             <a:r>
-              <a:rPr lang="en-US" dirty="0" smtClean="0"/>
-              <a:t> </a:t>
-            </a:r>
-            <a:r>
-              <a:rPr lang="en-US" dirty="0" err="1" smtClean="0"/>
+              <a:rPr lang="en-US" dirty="0"/>
+              <a:t> </a:t>
+            </a:r>
+            <a:r>
+              <a:rPr lang="en-US" dirty="0" err="1"/>
               <a:t>lớn</a:t>
             </a:r>
             <a:r>
-              <a:rPr lang="en-US" dirty="0" smtClean="0"/>
-              <a:t> </a:t>
-            </a:r>
-            <a:r>
-              <a:rPr lang="en-US" dirty="0" err="1" smtClean="0"/>
+              <a:rPr lang="en-US" dirty="0"/>
+              <a:t> </a:t>
+            </a:r>
+            <a:r>
+              <a:rPr lang="en-US" dirty="0" err="1"/>
               <a:t>nhất</a:t>
             </a:r>
             <a:r>
-              <a:rPr lang="en-US" dirty="0" smtClean="0"/>
+              <a:rPr lang="en-US" dirty="0"/>
               <a:t> ở </a:t>
             </a:r>
             <a:r>
-              <a:rPr lang="en-US" dirty="0" err="1" smtClean="0"/>
+              <a:rPr lang="en-US" dirty="0" err="1"/>
               <a:t>mỗi</a:t>
             </a:r>
             <a:r>
-              <a:rPr lang="en-US" dirty="0" smtClean="0"/>
-              <a:t> </a:t>
-            </a:r>
-            <a:r>
-              <a:rPr lang="en-US" dirty="0" err="1" smtClean="0"/>
+              <a:rPr lang="en-US" dirty="0"/>
+              <a:t> </a:t>
+            </a:r>
+            <a:r>
+              <a:rPr lang="en-US" dirty="0" err="1"/>
               <a:t>thời</a:t>
             </a:r>
             <a:r>
-              <a:rPr lang="en-US" dirty="0" smtClean="0"/>
-              <a:t> </a:t>
-            </a:r>
-            <a:r>
-              <a:rPr lang="en-US" dirty="0" err="1" smtClean="0"/>
+              <a:rPr lang="en-US" dirty="0"/>
+              <a:t> </a:t>
+            </a:r>
+            <a:r>
+              <a:rPr lang="en-US" dirty="0" err="1"/>
               <a:t>điểm</a:t>
             </a:r>
             <a:endParaRPr lang="en-US" dirty="0"/>
@@ -8379,13 +8325,6 @@
   <p:clrMapOvr>
     <a:masterClrMapping/>
   </p:clrMapOvr>
-  <p:timing>
-    <p:tnLst>
-      <p:par>
-        <p:cTn id="1" dur="indefinite" restart="never" nodeType="tmRoot"/>
-      </p:par>
-    </p:tnLst>
-  </p:timing>
 </p:sld>
 </file>
 
@@ -8422,10 +8361,9 @@
           <a:lstStyle/>
           <a:p>
             <a:r>
-              <a:rPr lang="en-US" dirty="0" smtClean="0"/>
+              <a:rPr lang="en-US" dirty="0"/>
               <a:t>Beam search</a:t>
             </a:r>
-            <a:endParaRPr lang="en-US" dirty="0"/>
           </a:p>
         </p:txBody>
       </p:sp>
@@ -8450,98 +8388,98 @@
           <a:lstStyle/>
           <a:p>
             <a:r>
-              <a:rPr lang="en-US" dirty="0" err="1" smtClean="0"/>
+              <a:rPr lang="en-US" dirty="0" err="1"/>
               <a:t>Tại</a:t>
             </a:r>
             <a:r>
-              <a:rPr lang="en-US" dirty="0" smtClean="0"/>
-              <a:t> </a:t>
-            </a:r>
-            <a:r>
-              <a:rPr lang="en-US" dirty="0" err="1" smtClean="0"/>
+              <a:rPr lang="en-US" dirty="0"/>
+              <a:t> </a:t>
+            </a:r>
+            <a:r>
+              <a:rPr lang="en-US" dirty="0" err="1"/>
               <a:t>mỗi</a:t>
             </a:r>
             <a:r>
-              <a:rPr lang="en-US" dirty="0" smtClean="0"/>
-              <a:t> </a:t>
-            </a:r>
-            <a:r>
-              <a:rPr lang="en-US" dirty="0" err="1" smtClean="0"/>
+              <a:rPr lang="en-US" dirty="0"/>
+              <a:t> </a:t>
+            </a:r>
+            <a:r>
+              <a:rPr lang="en-US" dirty="0" err="1"/>
               <a:t>thời</a:t>
             </a:r>
             <a:r>
-              <a:rPr lang="en-US" dirty="0" smtClean="0"/>
-              <a:t> </a:t>
-            </a:r>
-            <a:r>
-              <a:rPr lang="en-US" dirty="0" err="1" smtClean="0"/>
+              <a:rPr lang="en-US" dirty="0"/>
+              <a:t> </a:t>
+            </a:r>
+            <a:r>
+              <a:rPr lang="en-US" dirty="0" err="1"/>
               <a:t>điểm</a:t>
             </a:r>
             <a:r>
-              <a:rPr lang="en-US" dirty="0" smtClean="0"/>
+              <a:rPr lang="en-US" dirty="0"/>
               <a:t>, </a:t>
             </a:r>
             <a:r>
-              <a:rPr lang="en-US" dirty="0" err="1" smtClean="0"/>
+              <a:rPr lang="en-US" dirty="0" err="1"/>
               <a:t>chọn</a:t>
             </a:r>
             <a:r>
-              <a:rPr lang="en-US" dirty="0" smtClean="0"/>
+              <a:rPr lang="en-US" dirty="0"/>
               <a:t> N </a:t>
             </a:r>
             <a:r>
-              <a:rPr lang="en-US" dirty="0" err="1" smtClean="0"/>
+              <a:rPr lang="en-US" dirty="0" err="1"/>
               <a:t>phần</a:t>
             </a:r>
             <a:r>
-              <a:rPr lang="en-US" dirty="0" smtClean="0"/>
-              <a:t> </a:t>
-            </a:r>
-            <a:r>
-              <a:rPr lang="en-US" dirty="0" err="1" smtClean="0"/>
+              <a:rPr lang="en-US" dirty="0"/>
+              <a:t> </a:t>
+            </a:r>
+            <a:r>
+              <a:rPr lang="en-US" dirty="0" err="1"/>
               <a:t>tử</a:t>
             </a:r>
             <a:r>
-              <a:rPr lang="en-US" dirty="0" smtClean="0"/>
-              <a:t> </a:t>
-            </a:r>
-            <a:r>
-              <a:rPr lang="en-US" dirty="0" err="1" smtClean="0"/>
+              <a:rPr lang="en-US" dirty="0"/>
+              <a:t> </a:t>
+            </a:r>
+            <a:r>
+              <a:rPr lang="en-US" dirty="0" err="1"/>
               <a:t>có</a:t>
             </a:r>
             <a:r>
-              <a:rPr lang="en-US" dirty="0" smtClean="0"/>
-              <a:t> </a:t>
-            </a:r>
-            <a:r>
-              <a:rPr lang="en-US" dirty="0" err="1" smtClean="0"/>
+              <a:rPr lang="en-US" dirty="0"/>
+              <a:t> </a:t>
+            </a:r>
+            <a:r>
+              <a:rPr lang="en-US" dirty="0" err="1"/>
               <a:t>xác</a:t>
             </a:r>
             <a:r>
-              <a:rPr lang="en-US" dirty="0" smtClean="0"/>
-              <a:t> </a:t>
-            </a:r>
-            <a:r>
-              <a:rPr lang="en-US" dirty="0" err="1" smtClean="0"/>
+              <a:rPr lang="en-US" dirty="0"/>
+              <a:t> </a:t>
+            </a:r>
+            <a:r>
+              <a:rPr lang="en-US" dirty="0" err="1"/>
               <a:t>suất</a:t>
             </a:r>
             <a:r>
-              <a:rPr lang="en-US" dirty="0" smtClean="0"/>
-              <a:t> </a:t>
-            </a:r>
-            <a:r>
-              <a:rPr lang="en-US" dirty="0" err="1" smtClean="0"/>
+              <a:rPr lang="en-US" dirty="0"/>
+              <a:t> </a:t>
+            </a:r>
+            <a:r>
+              <a:rPr lang="en-US" dirty="0" err="1"/>
               <a:t>cao</a:t>
             </a:r>
             <a:r>
-              <a:rPr lang="en-US" dirty="0" smtClean="0"/>
-              <a:t> </a:t>
-            </a:r>
-            <a:r>
-              <a:rPr lang="en-US" dirty="0" err="1" smtClean="0"/>
+              <a:rPr lang="en-US" dirty="0"/>
+              <a:t> </a:t>
+            </a:r>
+            <a:r>
+              <a:rPr lang="en-US" dirty="0" err="1"/>
               <a:t>nhất</a:t>
             </a:r>
-            <a:endParaRPr lang="en-US" dirty="0" smtClean="0"/>
+            <a:endParaRPr lang="en-US" dirty="0"/>
           </a:p>
           <a:p>
             <a:endParaRPr lang="en-US" dirty="0"/>
@@ -8707,10 +8645,9 @@
           <a:lstStyle/>
           <a:p>
             <a:r>
-              <a:rPr lang="en-US" dirty="0" smtClean="0"/>
+              <a:rPr lang="en-US" dirty="0"/>
               <a:t>Practice</a:t>
             </a:r>
-            <a:endParaRPr lang="en-US" dirty="0"/>
           </a:p>
         </p:txBody>
       </p:sp>
@@ -8730,11 +8667,11 @@
           <a:lstStyle/>
           <a:p>
             <a:r>
-              <a:rPr lang="fr-FR" dirty="0" err="1" smtClean="0"/>
+              <a:rPr lang="fr-FR" dirty="0" err="1"/>
               <a:t>Xây</a:t>
             </a:r>
             <a:r>
-              <a:rPr lang="fr-FR" dirty="0" smtClean="0"/>
+              <a:rPr lang="fr-FR" dirty="0"/>
               <a:t> </a:t>
             </a:r>
             <a:r>
@@ -8803,7 +8740,7 @@
             </a:r>
           </a:p>
           <a:p>
-            <a:endParaRPr lang="en-US" dirty="0" smtClean="0"/>
+            <a:endParaRPr lang="en-US" dirty="0"/>
           </a:p>
         </p:txBody>
       </p:sp>
@@ -8853,10 +8790,9 @@
           <a:lstStyle/>
           <a:p>
             <a:r>
-              <a:rPr lang="en-US" dirty="0" smtClean="0"/>
+              <a:rPr lang="en-US" dirty="0"/>
               <a:t>Gate Hidden State (GRU)</a:t>
             </a:r>
-            <a:endParaRPr lang="en-US" dirty="0"/>
           </a:p>
         </p:txBody>
       </p:sp>
@@ -8937,95 +8873,95 @@
               <a:buChar char="•"/>
             </a:pPr>
             <a:r>
-              <a:rPr lang="en-US" sz="1200" dirty="0" err="1" smtClean="0"/>
+              <a:rPr lang="en-US" sz="1200" dirty="0" err="1"/>
               <a:t>Khác</a:t>
             </a:r>
             <a:r>
-              <a:rPr lang="en-US" sz="1200" dirty="0" smtClean="0"/>
-              <a:t> </a:t>
-            </a:r>
-            <a:r>
-              <a:rPr lang="en-US" sz="1200" dirty="0" err="1" smtClean="0"/>
+              <a:rPr lang="en-US" sz="1200" dirty="0"/>
+              <a:t> </a:t>
+            </a:r>
+            <a:r>
+              <a:rPr lang="en-US" sz="1200" dirty="0" err="1"/>
               <a:t>biệt</a:t>
             </a:r>
             <a:r>
-              <a:rPr lang="en-US" sz="1200" dirty="0" smtClean="0"/>
-              <a:t> </a:t>
-            </a:r>
-            <a:r>
-              <a:rPr lang="en-US" sz="1200" dirty="0" err="1" smtClean="0"/>
+              <a:rPr lang="en-US" sz="1200" dirty="0"/>
+              <a:t> </a:t>
+            </a:r>
+            <a:r>
+              <a:rPr lang="en-US" sz="1200" dirty="0" err="1"/>
               <a:t>giữa</a:t>
             </a:r>
             <a:r>
-              <a:rPr lang="en-US" sz="1200" dirty="0" smtClean="0"/>
+              <a:rPr lang="en-US" sz="1200" dirty="0"/>
               <a:t> RNN </a:t>
             </a:r>
             <a:r>
-              <a:rPr lang="en-US" sz="1200" dirty="0" err="1" smtClean="0"/>
+              <a:rPr lang="en-US" sz="1200" dirty="0" err="1"/>
               <a:t>và</a:t>
             </a:r>
             <a:r>
-              <a:rPr lang="en-US" sz="1200" dirty="0" smtClean="0"/>
+              <a:rPr lang="en-US" sz="1200" dirty="0"/>
               <a:t> GRU </a:t>
             </a:r>
             <a:r>
-              <a:rPr lang="en-US" sz="1200" dirty="0" err="1" smtClean="0"/>
+              <a:rPr lang="en-US" sz="1200" dirty="0" err="1"/>
               <a:t>là</a:t>
             </a:r>
             <a:r>
-              <a:rPr lang="en-US" sz="1200" dirty="0" smtClean="0"/>
+              <a:rPr lang="en-US" sz="1200" dirty="0"/>
               <a:t> GRU </a:t>
             </a:r>
             <a:r>
-              <a:rPr lang="en-US" sz="1200" dirty="0" err="1" smtClean="0"/>
+              <a:rPr lang="en-US" sz="1200" dirty="0" err="1"/>
               <a:t>hỗ</a:t>
             </a:r>
             <a:r>
-              <a:rPr lang="en-US" sz="1200" dirty="0" smtClean="0"/>
-              <a:t> </a:t>
-            </a:r>
-            <a:r>
-              <a:rPr lang="en-US" sz="1200" dirty="0" err="1" smtClean="0"/>
+              <a:rPr lang="en-US" sz="1200" dirty="0"/>
+              <a:t> </a:t>
+            </a:r>
+            <a:r>
+              <a:rPr lang="en-US" sz="1200" dirty="0" err="1"/>
               <a:t>trợ</a:t>
             </a:r>
             <a:r>
-              <a:rPr lang="en-US" sz="1200" dirty="0" smtClean="0"/>
-              <a:t> </a:t>
-            </a:r>
-            <a:r>
-              <a:rPr lang="en-US" sz="1200" dirty="0" err="1" smtClean="0"/>
+              <a:rPr lang="en-US" sz="1200" dirty="0"/>
+              <a:t> </a:t>
+            </a:r>
+            <a:r>
+              <a:rPr lang="en-US" sz="1200" dirty="0" err="1"/>
               <a:t>cổng</a:t>
             </a:r>
             <a:r>
-              <a:rPr lang="en-US" sz="1200" dirty="0" smtClean="0"/>
+              <a:rPr lang="en-US" sz="1200" dirty="0"/>
               <a:t> (gate) ở </a:t>
             </a:r>
             <a:r>
-              <a:rPr lang="en-US" sz="1200" dirty="0" err="1" smtClean="0"/>
+              <a:rPr lang="en-US" sz="1200" dirty="0" err="1"/>
               <a:t>bên</a:t>
             </a:r>
             <a:r>
-              <a:rPr lang="en-US" sz="1200" dirty="0" smtClean="0"/>
-              <a:t> </a:t>
-            </a:r>
-            <a:r>
-              <a:rPr lang="en-US" sz="1200" dirty="0" err="1" smtClean="0"/>
+              <a:rPr lang="en-US" sz="1200" dirty="0"/>
+              <a:t> </a:t>
+            </a:r>
+            <a:r>
+              <a:rPr lang="en-US" sz="1200" dirty="0" err="1"/>
               <a:t>trong</a:t>
             </a:r>
             <a:r>
-              <a:rPr lang="en-US" sz="1200" dirty="0" smtClean="0"/>
-              <a:t> </a:t>
-            </a:r>
-            <a:r>
-              <a:rPr lang="en-US" sz="1200" dirty="0" err="1" smtClean="0"/>
+              <a:rPr lang="en-US" sz="1200" dirty="0"/>
+              <a:t> </a:t>
+            </a:r>
+            <a:r>
+              <a:rPr lang="en-US" sz="1200" dirty="0" err="1"/>
               <a:t>mô</a:t>
             </a:r>
             <a:r>
-              <a:rPr lang="en-US" sz="1200" dirty="0" smtClean="0"/>
-              <a:t> </a:t>
-            </a:r>
-            <a:r>
-              <a:rPr lang="en-US" sz="1200" dirty="0" err="1" smtClean="0"/>
+              <a:rPr lang="en-US" sz="1200" dirty="0"/>
+              <a:t> </a:t>
+            </a:r>
+            <a:r>
+              <a:rPr lang="en-US" sz="1200" dirty="0" err="1"/>
               <a:t>hình</a:t>
             </a:r>
             <a:endParaRPr lang="en-US" sz="1200" dirty="0"/>
@@ -9036,127 +8972,127 @@
               <a:buChar char="•"/>
             </a:pPr>
             <a:r>
-              <a:rPr lang="en-US" sz="1200" dirty="0" smtClean="0"/>
+              <a:rPr lang="en-US" sz="1200" dirty="0"/>
               <a:t>Hai </a:t>
             </a:r>
             <a:r>
-              <a:rPr lang="en-US" sz="1200" dirty="0" err="1" smtClean="0"/>
+              <a:rPr lang="en-US" sz="1200" dirty="0" err="1"/>
               <a:t>cổng</a:t>
             </a:r>
             <a:r>
-              <a:rPr lang="en-US" sz="1200" dirty="0" smtClean="0"/>
-              <a:t> </a:t>
-            </a:r>
-            <a:r>
-              <a:rPr lang="en-US" sz="1200" dirty="0" err="1" smtClean="0"/>
+              <a:rPr lang="en-US" sz="1200" dirty="0"/>
+              <a:t> </a:t>
+            </a:r>
+            <a:r>
+              <a:rPr lang="en-US" sz="1200" dirty="0" err="1"/>
               <a:t>trong</a:t>
             </a:r>
             <a:r>
-              <a:rPr lang="en-US" sz="1200" dirty="0" smtClean="0"/>
+              <a:rPr lang="en-US" sz="1200" dirty="0"/>
               <a:t> GRU </a:t>
             </a:r>
             <a:r>
-              <a:rPr lang="en-US" sz="1200" dirty="0" err="1" smtClean="0"/>
+              <a:rPr lang="en-US" sz="1200" dirty="0" err="1"/>
               <a:t>là</a:t>
             </a:r>
             <a:r>
-              <a:rPr lang="en-US" sz="1200" dirty="0" smtClean="0"/>
-              <a:t> </a:t>
-            </a:r>
-            <a:r>
-              <a:rPr lang="en-US" sz="1200" dirty="0" err="1" smtClean="0"/>
+              <a:rPr lang="en-US" sz="1200" dirty="0"/>
+              <a:t> </a:t>
+            </a:r>
+            <a:r>
+              <a:rPr lang="en-US" sz="1200" dirty="0" err="1"/>
               <a:t>cổng</a:t>
             </a:r>
             <a:r>
-              <a:rPr lang="en-US" sz="1200" dirty="0" smtClean="0"/>
+              <a:rPr lang="en-US" sz="1200" dirty="0"/>
               <a:t> reset </a:t>
             </a:r>
             <a:r>
-              <a:rPr lang="en-US" sz="1200" dirty="0" err="1" smtClean="0"/>
+              <a:rPr lang="en-US" sz="1200" dirty="0" err="1"/>
               <a:t>và</a:t>
             </a:r>
             <a:r>
-              <a:rPr lang="en-US" sz="1200" dirty="0" smtClean="0"/>
-              <a:t> </a:t>
-            </a:r>
-            <a:r>
-              <a:rPr lang="en-US" sz="1200" dirty="0" err="1" smtClean="0"/>
+              <a:rPr lang="en-US" sz="1200" dirty="0"/>
+              <a:t> </a:t>
+            </a:r>
+            <a:r>
+              <a:rPr lang="en-US" sz="1200" dirty="0" err="1"/>
               <a:t>cổng</a:t>
             </a:r>
             <a:r>
-              <a:rPr lang="en-US" sz="1200" dirty="0" smtClean="0"/>
+              <a:rPr lang="en-US" sz="1200" dirty="0"/>
               <a:t> update, </a:t>
             </a:r>
             <a:r>
-              <a:rPr lang="en-US" sz="1200" dirty="0" err="1" smtClean="0"/>
+              <a:rPr lang="en-US" sz="1200" dirty="0" err="1"/>
               <a:t>đầu</a:t>
             </a:r>
             <a:r>
-              <a:rPr lang="en-US" sz="1200" dirty="0" smtClean="0"/>
-              <a:t> </a:t>
-            </a:r>
-            <a:r>
-              <a:rPr lang="en-US" sz="1200" dirty="0" err="1" smtClean="0"/>
+              <a:rPr lang="en-US" sz="1200" dirty="0"/>
+              <a:t> </a:t>
+            </a:r>
+            <a:r>
+              <a:rPr lang="en-US" sz="1200" dirty="0" err="1"/>
               <a:t>ra</a:t>
             </a:r>
             <a:r>
-              <a:rPr lang="en-US" sz="1200" dirty="0" smtClean="0"/>
+              <a:rPr lang="en-US" sz="1200" dirty="0"/>
               <a:t> 2 </a:t>
             </a:r>
             <a:r>
-              <a:rPr lang="en-US" sz="1200" dirty="0" err="1" smtClean="0"/>
+              <a:rPr lang="en-US" sz="1200" dirty="0" err="1"/>
               <a:t>cổng</a:t>
             </a:r>
             <a:r>
-              <a:rPr lang="en-US" sz="1200" dirty="0" smtClean="0"/>
-              <a:t> </a:t>
-            </a:r>
-            <a:r>
-              <a:rPr lang="en-US" sz="1200" dirty="0" err="1" smtClean="0"/>
+              <a:rPr lang="en-US" sz="1200" dirty="0"/>
+              <a:t> </a:t>
+            </a:r>
+            <a:r>
+              <a:rPr lang="en-US" sz="1200" dirty="0" err="1"/>
               <a:t>này</a:t>
             </a:r>
             <a:r>
-              <a:rPr lang="en-US" sz="1200" dirty="0" smtClean="0"/>
-              <a:t> </a:t>
-            </a:r>
-            <a:r>
-              <a:rPr lang="en-US" sz="1200" dirty="0" err="1" smtClean="0"/>
+              <a:rPr lang="en-US" sz="1200" dirty="0"/>
+              <a:t> </a:t>
+            </a:r>
+            <a:r>
+              <a:rPr lang="en-US" sz="1200" dirty="0" err="1"/>
               <a:t>có</a:t>
             </a:r>
             <a:r>
-              <a:rPr lang="en-US" sz="1200" dirty="0" smtClean="0"/>
-              <a:t> </a:t>
-            </a:r>
-            <a:r>
-              <a:rPr lang="en-US" sz="1200" dirty="0" err="1" smtClean="0"/>
+              <a:rPr lang="en-US" sz="1200" dirty="0"/>
+              <a:t> </a:t>
+            </a:r>
+            <a:r>
+              <a:rPr lang="en-US" sz="1200" dirty="0" err="1"/>
               <a:t>giá</a:t>
             </a:r>
             <a:r>
-              <a:rPr lang="en-US" sz="1200" dirty="0" smtClean="0"/>
-              <a:t> </a:t>
-            </a:r>
-            <a:r>
-              <a:rPr lang="en-US" sz="1200" dirty="0" err="1" smtClean="0"/>
+              <a:rPr lang="en-US" sz="1200" dirty="0"/>
+              <a:t> </a:t>
+            </a:r>
+            <a:r>
+              <a:rPr lang="en-US" sz="1200" dirty="0" err="1"/>
               <a:t>trị</a:t>
             </a:r>
             <a:r>
-              <a:rPr lang="en-US" sz="1200" dirty="0" smtClean="0"/>
-              <a:t> </a:t>
-            </a:r>
-            <a:r>
-              <a:rPr lang="en-US" sz="1200" dirty="0" err="1" smtClean="0"/>
+              <a:rPr lang="en-US" sz="1200" dirty="0"/>
+              <a:t> </a:t>
+            </a:r>
+            <a:r>
+              <a:rPr lang="en-US" sz="1200" dirty="0" err="1"/>
               <a:t>trong</a:t>
             </a:r>
             <a:r>
-              <a:rPr lang="en-US" sz="1200" dirty="0" smtClean="0"/>
-              <a:t> </a:t>
-            </a:r>
-            <a:r>
-              <a:rPr lang="en-US" sz="1200" dirty="0" err="1" smtClean="0"/>
+              <a:rPr lang="en-US" sz="1200" dirty="0"/>
+              <a:t> </a:t>
+            </a:r>
+            <a:r>
+              <a:rPr lang="en-US" sz="1200" dirty="0" err="1"/>
               <a:t>khoảng</a:t>
             </a:r>
             <a:r>
-              <a:rPr lang="en-US" sz="1200" dirty="0" smtClean="0"/>
+              <a:rPr lang="en-US" sz="1200" dirty="0"/>
               <a:t> (0,1)</a:t>
             </a:r>
           </a:p>
@@ -9166,94 +9102,93 @@
               <a:buChar char="•"/>
             </a:pPr>
             <a:r>
-              <a:rPr lang="en-US" sz="1200" dirty="0" err="1" smtClean="0"/>
+              <a:rPr lang="en-US" sz="1200" dirty="0" err="1"/>
               <a:t>Cách</a:t>
             </a:r>
             <a:r>
-              <a:rPr lang="en-US" sz="1200" dirty="0" smtClean="0"/>
-              <a:t> </a:t>
-            </a:r>
-            <a:r>
-              <a:rPr lang="en-US" sz="1200" dirty="0" err="1" smtClean="0"/>
+              <a:rPr lang="en-US" sz="1200" dirty="0"/>
+              <a:t> </a:t>
+            </a:r>
+            <a:r>
+              <a:rPr lang="en-US" sz="1200" dirty="0" err="1"/>
               <a:t>tính</a:t>
             </a:r>
             <a:r>
-              <a:rPr lang="en-US" sz="1200" dirty="0" smtClean="0"/>
-              <a:t> </a:t>
-            </a:r>
-            <a:r>
-              <a:rPr lang="en-US" sz="1200" dirty="0" err="1" smtClean="0"/>
+              <a:rPr lang="en-US" sz="1200" dirty="0"/>
+              <a:t> </a:t>
+            </a:r>
+            <a:r>
+              <a:rPr lang="en-US" sz="1200" dirty="0" err="1"/>
               <a:t>đầu</a:t>
             </a:r>
             <a:r>
-              <a:rPr lang="en-US" sz="1200" dirty="0" smtClean="0"/>
-              <a:t> </a:t>
-            </a:r>
-            <a:r>
-              <a:rPr lang="en-US" sz="1200" dirty="0" err="1" smtClean="0"/>
+              <a:rPr lang="en-US" sz="1200" dirty="0"/>
+              <a:t> </a:t>
+            </a:r>
+            <a:r>
+              <a:rPr lang="en-US" sz="1200" dirty="0" err="1"/>
               <a:t>ra</a:t>
             </a:r>
             <a:r>
-              <a:rPr lang="en-US" sz="1200" dirty="0" smtClean="0"/>
-              <a:t> </a:t>
-            </a:r>
-            <a:r>
-              <a:rPr lang="en-US" sz="1200" dirty="0" err="1" smtClean="0"/>
+              <a:rPr lang="en-US" sz="1200" dirty="0"/>
+              <a:t> </a:t>
+            </a:r>
+            <a:r>
+              <a:rPr lang="en-US" sz="1200" dirty="0" err="1"/>
               <a:t>của</a:t>
             </a:r>
             <a:r>
-              <a:rPr lang="en-US" sz="1200" dirty="0" smtClean="0"/>
+              <a:rPr lang="en-US" sz="1200" dirty="0"/>
               <a:t> 2 </a:t>
             </a:r>
             <a:r>
-              <a:rPr lang="en-US" sz="1200" dirty="0" err="1" smtClean="0"/>
+              <a:rPr lang="en-US" sz="1200" dirty="0" err="1"/>
               <a:t>cổng</a:t>
             </a:r>
             <a:r>
-              <a:rPr lang="en-US" sz="1200" dirty="0" smtClean="0"/>
-              <a:t> </a:t>
-            </a:r>
-            <a:r>
-              <a:rPr lang="en-US" sz="1200" dirty="0" err="1" smtClean="0"/>
+              <a:rPr lang="en-US" sz="1200" dirty="0"/>
+              <a:t> </a:t>
+            </a:r>
+            <a:r>
+              <a:rPr lang="en-US" sz="1200" dirty="0" err="1"/>
               <a:t>được</a:t>
             </a:r>
             <a:r>
-              <a:rPr lang="en-US" sz="1200" dirty="0" smtClean="0"/>
-              <a:t> </a:t>
-            </a:r>
-            <a:r>
-              <a:rPr lang="en-US" sz="1200" dirty="0" err="1" smtClean="0"/>
+              <a:rPr lang="en-US" sz="1200" dirty="0"/>
+              <a:t> </a:t>
+            </a:r>
+            <a:r>
+              <a:rPr lang="en-US" sz="1200" dirty="0" err="1"/>
               <a:t>cho</a:t>
             </a:r>
             <a:r>
-              <a:rPr lang="en-US" sz="1200" dirty="0" smtClean="0"/>
-              <a:t> </a:t>
-            </a:r>
-            <a:r>
-              <a:rPr lang="en-US" sz="1200" dirty="0" err="1" smtClean="0"/>
+              <a:rPr lang="en-US" sz="1200" dirty="0"/>
+              <a:t> </a:t>
+            </a:r>
+            <a:r>
+              <a:rPr lang="en-US" sz="1200" dirty="0" err="1"/>
               <a:t>bởi</a:t>
             </a:r>
             <a:r>
-              <a:rPr lang="en-US" sz="1200" dirty="0" smtClean="0"/>
-              <a:t> </a:t>
-            </a:r>
-            <a:r>
-              <a:rPr lang="en-US" sz="1200" dirty="0" err="1" smtClean="0"/>
+              <a:rPr lang="en-US" sz="1200" dirty="0"/>
+              <a:t> </a:t>
+            </a:r>
+            <a:r>
+              <a:rPr lang="en-US" sz="1200" dirty="0" err="1"/>
               <a:t>công</a:t>
             </a:r>
             <a:r>
-              <a:rPr lang="en-US" sz="1200" dirty="0" smtClean="0"/>
-              <a:t> </a:t>
-            </a:r>
-            <a:r>
-              <a:rPr lang="en-US" sz="1200" dirty="0" err="1" smtClean="0"/>
+              <a:rPr lang="en-US" sz="1200" dirty="0"/>
+              <a:t> </a:t>
+            </a:r>
+            <a:r>
+              <a:rPr lang="en-US" sz="1200" dirty="0" err="1"/>
               <a:t>thức</a:t>
             </a:r>
             <a:r>
-              <a:rPr lang="en-US" sz="1200" dirty="0" smtClean="0"/>
+              <a:rPr lang="en-US" sz="1200" dirty="0"/>
               <a:t>:</a:t>
             </a:r>
-            <a:endParaRPr lang="en-US" sz="1200" dirty="0"/>
           </a:p>
         </p:txBody>
       </p:sp>
@@ -9378,51 +9313,51 @@
           <a:lstStyle/>
           <a:p>
             <a:r>
-              <a:rPr lang="en-US" dirty="0" err="1" smtClean="0"/>
+              <a:rPr lang="en-US" dirty="0" err="1"/>
               <a:t>Tính</a:t>
             </a:r>
             <a:r>
-              <a:rPr lang="en-US" dirty="0" smtClean="0"/>
-              <a:t> </a:t>
-            </a:r>
-            <a:r>
-              <a:rPr lang="en-US" dirty="0" err="1" smtClean="0"/>
+              <a:rPr lang="en-US" dirty="0"/>
+              <a:t> </a:t>
+            </a:r>
+            <a:r>
+              <a:rPr lang="en-US" dirty="0" err="1"/>
               <a:t>trạng</a:t>
             </a:r>
             <a:r>
-              <a:rPr lang="en-US" dirty="0" smtClean="0"/>
-              <a:t> </a:t>
-            </a:r>
-            <a:r>
-              <a:rPr lang="en-US" dirty="0" err="1" smtClean="0"/>
+              <a:rPr lang="en-US" dirty="0"/>
+              <a:t> </a:t>
+            </a:r>
+            <a:r>
+              <a:rPr lang="en-US" dirty="0" err="1"/>
               <a:t>thái</a:t>
             </a:r>
             <a:r>
-              <a:rPr lang="en-US" dirty="0" smtClean="0"/>
-              <a:t> </a:t>
-            </a:r>
-            <a:r>
-              <a:rPr lang="en-US" dirty="0" err="1" smtClean="0"/>
+              <a:rPr lang="en-US" dirty="0"/>
+              <a:t> </a:t>
+            </a:r>
+            <a:r>
+              <a:rPr lang="en-US" dirty="0" err="1"/>
               <a:t>ẩn</a:t>
             </a:r>
             <a:r>
-              <a:rPr lang="en-US" dirty="0" smtClean="0"/>
-              <a:t> </a:t>
-            </a:r>
-            <a:r>
-              <a:rPr lang="en-US" dirty="0" err="1" smtClean="0"/>
+              <a:rPr lang="en-US" dirty="0"/>
+              <a:t> </a:t>
+            </a:r>
+            <a:r>
+              <a:rPr lang="en-US" dirty="0" err="1"/>
               <a:t>đề</a:t>
             </a:r>
             <a:r>
-              <a:rPr lang="en-US" dirty="0" smtClean="0"/>
-              <a:t> </a:t>
-            </a:r>
-            <a:r>
-              <a:rPr lang="en-US" dirty="0" err="1" smtClean="0"/>
+              <a:rPr lang="en-US" dirty="0"/>
+              <a:t> </a:t>
+            </a:r>
+            <a:r>
+              <a:rPr lang="en-US" dirty="0" err="1"/>
               <a:t>nghị</a:t>
             </a:r>
             <a:r>
-              <a:rPr lang="en-US" dirty="0" smtClean="0"/>
+              <a:rPr lang="en-US" dirty="0"/>
               <a:t> (candidate hidden state):</a:t>
             </a:r>
           </a:p>
@@ -9430,98 +9365,97 @@
             <a:endParaRPr lang="en-US" dirty="0"/>
           </a:p>
           <a:p>
-            <a:endParaRPr lang="en-US" dirty="0" smtClean="0"/>
-          </a:p>
-          <a:p>
-            <a:r>
-              <a:rPr lang="en-US" dirty="0" err="1" smtClean="0"/>
+            <a:endParaRPr lang="en-US" dirty="0"/>
+          </a:p>
+          <a:p>
+            <a:r>
+              <a:rPr lang="en-US" dirty="0" err="1"/>
               <a:t>Hàm</a:t>
             </a:r>
             <a:r>
-              <a:rPr lang="en-US" dirty="0" smtClean="0"/>
-              <a:t> </a:t>
-            </a:r>
-            <a:r>
-              <a:rPr lang="en-US" dirty="0" err="1" smtClean="0"/>
+              <a:rPr lang="en-US" dirty="0"/>
+              <a:t> </a:t>
+            </a:r>
+            <a:r>
+              <a:rPr lang="en-US" dirty="0" err="1"/>
               <a:t>tanh</a:t>
             </a:r>
             <a:r>
-              <a:rPr lang="en-US" dirty="0" smtClean="0"/>
-              <a:t> </a:t>
-            </a:r>
-            <a:r>
-              <a:rPr lang="en-US" dirty="0" err="1" smtClean="0"/>
+              <a:rPr lang="en-US" dirty="0"/>
+              <a:t> </a:t>
+            </a:r>
+            <a:r>
+              <a:rPr lang="en-US" dirty="0" err="1"/>
               <a:t>được</a:t>
             </a:r>
             <a:r>
-              <a:rPr lang="en-US" dirty="0" smtClean="0"/>
-              <a:t> </a:t>
-            </a:r>
-            <a:r>
-              <a:rPr lang="en-US" dirty="0" err="1" smtClean="0"/>
+              <a:rPr lang="en-US" dirty="0"/>
+              <a:t> </a:t>
+            </a:r>
+            <a:r>
+              <a:rPr lang="en-US" dirty="0" err="1"/>
               <a:t>sử</a:t>
             </a:r>
             <a:r>
-              <a:rPr lang="en-US" dirty="0" smtClean="0"/>
-              <a:t> </a:t>
-            </a:r>
-            <a:r>
-              <a:rPr lang="en-US" dirty="0" err="1" smtClean="0"/>
+              <a:rPr lang="en-US" dirty="0"/>
+              <a:t> </a:t>
+            </a:r>
+            <a:r>
+              <a:rPr lang="en-US" dirty="0" err="1"/>
               <a:t>dụng</a:t>
             </a:r>
             <a:r>
-              <a:rPr lang="en-US" dirty="0" smtClean="0"/>
-              <a:t> </a:t>
-            </a:r>
-            <a:r>
-              <a:rPr lang="en-US" dirty="0" err="1" smtClean="0"/>
+              <a:rPr lang="en-US" dirty="0"/>
+              <a:t> </a:t>
+            </a:r>
+            <a:r>
+              <a:rPr lang="en-US" dirty="0" err="1"/>
               <a:t>để</a:t>
             </a:r>
             <a:r>
-              <a:rPr lang="en-US" dirty="0" smtClean="0"/>
-              <a:t> </a:t>
-            </a:r>
-            <a:r>
-              <a:rPr lang="en-US" dirty="0" err="1" smtClean="0"/>
+              <a:rPr lang="en-US" dirty="0"/>
+              <a:t> </a:t>
+            </a:r>
+            <a:r>
+              <a:rPr lang="en-US" dirty="0" err="1"/>
               <a:t>đưa</a:t>
             </a:r>
             <a:r>
-              <a:rPr lang="en-US" dirty="0" smtClean="0"/>
+              <a:rPr lang="en-US" dirty="0"/>
               <a:t> H </a:t>
             </a:r>
             <a:r>
-              <a:rPr lang="en-US" dirty="0" err="1" smtClean="0"/>
+              <a:rPr lang="en-US" dirty="0" err="1"/>
               <a:t>về</a:t>
             </a:r>
             <a:r>
-              <a:rPr lang="en-US" dirty="0" smtClean="0"/>
-              <a:t> </a:t>
-            </a:r>
-            <a:r>
-              <a:rPr lang="en-US" dirty="0" err="1" smtClean="0"/>
+              <a:rPr lang="en-US" dirty="0"/>
+              <a:t> </a:t>
+            </a:r>
+            <a:r>
+              <a:rPr lang="en-US" dirty="0" err="1"/>
               <a:t>khoảng</a:t>
             </a:r>
             <a:r>
-              <a:rPr lang="en-US" dirty="0" smtClean="0"/>
-              <a:t> </a:t>
-            </a:r>
-            <a:r>
-              <a:rPr lang="en-US" dirty="0" err="1" smtClean="0"/>
+              <a:rPr lang="en-US" dirty="0"/>
+              <a:t> </a:t>
+            </a:r>
+            <a:r>
+              <a:rPr lang="en-US" dirty="0" err="1"/>
               <a:t>giá</a:t>
             </a:r>
             <a:r>
-              <a:rPr lang="en-US" dirty="0" smtClean="0"/>
-              <a:t> </a:t>
-            </a:r>
-            <a:r>
-              <a:rPr lang="en-US" dirty="0" err="1" smtClean="0"/>
+              <a:rPr lang="en-US" dirty="0"/>
+              <a:t> </a:t>
+            </a:r>
+            <a:r>
+              <a:rPr lang="en-US" dirty="0" err="1"/>
               <a:t>trị</a:t>
             </a:r>
             <a:r>
-              <a:rPr lang="en-US" dirty="0" smtClean="0"/>
+              <a:rPr lang="en-US" dirty="0"/>
               <a:t> (-1,1)</a:t>
             </a:r>
-            <a:endParaRPr lang="en-US" dirty="0"/>
           </a:p>
         </p:txBody>
       </p:sp>
@@ -9648,51 +9582,51 @@
           <a:lstStyle/>
           <a:p>
             <a:r>
-              <a:rPr lang="en-US" sz="1800" dirty="0" err="1" smtClean="0"/>
+              <a:rPr lang="en-US" sz="1800" dirty="0" err="1"/>
               <a:t>Tính</a:t>
             </a:r>
             <a:r>
-              <a:rPr lang="en-US" sz="1800" dirty="0" smtClean="0"/>
-              <a:t> </a:t>
-            </a:r>
-            <a:r>
-              <a:rPr lang="en-US" sz="1800" dirty="0" err="1" smtClean="0"/>
+              <a:rPr lang="en-US" sz="1800" dirty="0"/>
+              <a:t> </a:t>
+            </a:r>
+            <a:r>
+              <a:rPr lang="en-US" sz="1800" dirty="0" err="1"/>
               <a:t>trạng</a:t>
             </a:r>
             <a:r>
-              <a:rPr lang="en-US" sz="1800" dirty="0" smtClean="0"/>
-              <a:t> </a:t>
-            </a:r>
-            <a:r>
-              <a:rPr lang="en-US" sz="1800" dirty="0" err="1" smtClean="0"/>
+              <a:rPr lang="en-US" sz="1800" dirty="0"/>
+              <a:t> </a:t>
+            </a:r>
+            <a:r>
+              <a:rPr lang="en-US" sz="1800" dirty="0" err="1"/>
               <a:t>thái</a:t>
             </a:r>
             <a:r>
-              <a:rPr lang="en-US" sz="1800" dirty="0" smtClean="0"/>
-              <a:t> </a:t>
-            </a:r>
-            <a:r>
-              <a:rPr lang="en-US" sz="1800" dirty="0" err="1" smtClean="0"/>
+              <a:rPr lang="en-US" sz="1800" dirty="0"/>
+              <a:t> </a:t>
+            </a:r>
+            <a:r>
+              <a:rPr lang="en-US" sz="1800" dirty="0" err="1"/>
               <a:t>ẩn</a:t>
             </a:r>
             <a:r>
-              <a:rPr lang="en-US" sz="1800" dirty="0" smtClean="0"/>
-              <a:t> </a:t>
-            </a:r>
-            <a:r>
-              <a:rPr lang="en-US" sz="1800" dirty="0" err="1" smtClean="0"/>
+              <a:rPr lang="en-US" sz="1800" dirty="0"/>
+              <a:t> </a:t>
+            </a:r>
+            <a:r>
+              <a:rPr lang="en-US" sz="1800" dirty="0" err="1"/>
               <a:t>cuối</a:t>
             </a:r>
             <a:r>
-              <a:rPr lang="en-US" sz="1800" dirty="0" smtClean="0"/>
-              <a:t> </a:t>
-            </a:r>
-            <a:r>
-              <a:rPr lang="en-US" sz="1800" dirty="0" err="1" smtClean="0"/>
+              <a:rPr lang="en-US" sz="1800" dirty="0"/>
+              <a:t> </a:t>
+            </a:r>
+            <a:r>
+              <a:rPr lang="en-US" sz="1800" dirty="0" err="1"/>
               <a:t>cùng</a:t>
             </a:r>
             <a:r>
-              <a:rPr lang="en-US" sz="1800" dirty="0" smtClean="0"/>
+              <a:rPr lang="en-US" sz="1800" dirty="0"/>
               <a:t>:</a:t>
             </a:r>
           </a:p>
@@ -9700,217 +9634,217 @@
             <a:endParaRPr lang="en-US" sz="1800" dirty="0"/>
           </a:p>
           <a:p>
-            <a:endParaRPr lang="en-US" sz="1800" dirty="0" smtClean="0"/>
-          </a:p>
-          <a:p>
-            <a:r>
-              <a:rPr lang="en-US" sz="1800" dirty="0" err="1" smtClean="0"/>
+            <a:endParaRPr lang="en-US" sz="1800" dirty="0"/>
+          </a:p>
+          <a:p>
+            <a:r>
+              <a:rPr lang="en-US" sz="1800" dirty="0" err="1"/>
               <a:t>Với</a:t>
             </a:r>
             <a:r>
-              <a:rPr lang="en-US" sz="1800" dirty="0" smtClean="0"/>
-              <a:t> </a:t>
-            </a:r>
-            <a:r>
-              <a:rPr lang="en-US" sz="1800" dirty="0" err="1" smtClean="0"/>
+              <a:rPr lang="en-US" sz="1800" dirty="0"/>
+              <a:t> </a:t>
+            </a:r>
+            <a:r>
+              <a:rPr lang="en-US" sz="1800" dirty="0" err="1"/>
               <a:t>công</a:t>
             </a:r>
             <a:r>
-              <a:rPr lang="en-US" sz="1800" dirty="0" smtClean="0"/>
-              <a:t> </a:t>
-            </a:r>
-            <a:r>
-              <a:rPr lang="en-US" sz="1800" dirty="0" err="1" smtClean="0"/>
+              <a:rPr lang="en-US" sz="1800" dirty="0"/>
+              <a:t> </a:t>
+            </a:r>
+            <a:r>
+              <a:rPr lang="en-US" sz="1800" dirty="0" err="1"/>
               <a:t>thức</a:t>
             </a:r>
             <a:r>
-              <a:rPr lang="en-US" sz="1800" dirty="0" smtClean="0"/>
-              <a:t> </a:t>
-            </a:r>
-            <a:r>
-              <a:rPr lang="en-US" sz="1800" dirty="0" err="1" smtClean="0"/>
+              <a:rPr lang="en-US" sz="1800" dirty="0"/>
+              <a:t> </a:t>
+            </a:r>
+            <a:r>
+              <a:rPr lang="en-US" sz="1800" dirty="0" err="1"/>
               <a:t>này</a:t>
             </a:r>
             <a:r>
-              <a:rPr lang="en-US" sz="1800" dirty="0" smtClean="0"/>
+              <a:rPr lang="en-US" sz="1800" dirty="0"/>
               <a:t>, ta </a:t>
             </a:r>
             <a:r>
-              <a:rPr lang="en-US" sz="1800" dirty="0" err="1" smtClean="0"/>
+              <a:rPr lang="en-US" sz="1800" dirty="0" err="1"/>
               <a:t>xác</a:t>
             </a:r>
             <a:r>
-              <a:rPr lang="en-US" sz="1800" dirty="0" smtClean="0"/>
-              <a:t> </a:t>
-            </a:r>
-            <a:r>
-              <a:rPr lang="en-US" sz="1800" dirty="0" err="1" smtClean="0"/>
+              <a:rPr lang="en-US" sz="1800" dirty="0"/>
+              <a:t> </a:t>
+            </a:r>
+            <a:r>
+              <a:rPr lang="en-US" sz="1800" dirty="0" err="1"/>
               <a:t>định</a:t>
             </a:r>
             <a:r>
-              <a:rPr lang="en-US" sz="1800" dirty="0" smtClean="0"/>
+              <a:rPr lang="en-US" sz="1800" dirty="0"/>
               <a:t>:</a:t>
             </a:r>
           </a:p>
           <a:p>
             <a:pPr lvl="1"/>
             <a:r>
-              <a:rPr lang="en-US" sz="1600" dirty="0" err="1" smtClean="0"/>
+              <a:rPr lang="en-US" sz="1600" dirty="0" err="1"/>
               <a:t>Bao</a:t>
             </a:r>
             <a:r>
-              <a:rPr lang="en-US" sz="1600" dirty="0" smtClean="0"/>
-              <a:t> </a:t>
-            </a:r>
-            <a:r>
-              <a:rPr lang="en-US" sz="1600" dirty="0" err="1" smtClean="0"/>
+              <a:rPr lang="en-US" sz="1600" dirty="0"/>
+              <a:t> </a:t>
+            </a:r>
+            <a:r>
+              <a:rPr lang="en-US" sz="1600" dirty="0" err="1"/>
               <a:t>nhiêu</a:t>
             </a:r>
             <a:r>
-              <a:rPr lang="en-US" sz="1600" dirty="0" smtClean="0"/>
-              <a:t> </a:t>
-            </a:r>
-            <a:r>
-              <a:rPr lang="en-US" sz="1600" dirty="0" err="1" smtClean="0"/>
+              <a:rPr lang="en-US" sz="1600" dirty="0"/>
+              <a:t> </a:t>
+            </a:r>
+            <a:r>
+              <a:rPr lang="en-US" sz="1600" dirty="0" err="1"/>
               <a:t>trạng</a:t>
             </a:r>
             <a:r>
-              <a:rPr lang="en-US" sz="1600" dirty="0" smtClean="0"/>
-              <a:t> </a:t>
-            </a:r>
-            <a:r>
-              <a:rPr lang="en-US" sz="1600" dirty="0" err="1" smtClean="0"/>
+              <a:rPr lang="en-US" sz="1600" dirty="0"/>
+              <a:t> </a:t>
+            </a:r>
+            <a:r>
+              <a:rPr lang="en-US" sz="1600" dirty="0" err="1"/>
               <a:t>thái</a:t>
             </a:r>
             <a:r>
-              <a:rPr lang="en-US" sz="1600" dirty="0" smtClean="0"/>
-              <a:t> </a:t>
-            </a:r>
-            <a:r>
-              <a:rPr lang="en-US" sz="1600" dirty="0" err="1" smtClean="0"/>
+              <a:rPr lang="en-US" sz="1600" dirty="0"/>
+              <a:t> </a:t>
+            </a:r>
+            <a:r>
+              <a:rPr lang="en-US" sz="1600" dirty="0" err="1"/>
               <a:t>ẩn</a:t>
             </a:r>
             <a:r>
-              <a:rPr lang="en-US" sz="1600" dirty="0" smtClean="0"/>
-              <a:t> </a:t>
-            </a:r>
-            <a:r>
-              <a:rPr lang="en-US" sz="1600" dirty="0" err="1" smtClean="0"/>
+              <a:rPr lang="en-US" sz="1600" dirty="0"/>
+              <a:t> </a:t>
+            </a:r>
+            <a:r>
+              <a:rPr lang="en-US" sz="1600" dirty="0" err="1"/>
               <a:t>của</a:t>
             </a:r>
             <a:r>
-              <a:rPr lang="en-US" sz="1600" dirty="0" smtClean="0"/>
-              <a:t> </a:t>
-            </a:r>
-            <a:r>
-              <a:rPr lang="en-US" sz="1600" dirty="0" err="1" smtClean="0"/>
+              <a:rPr lang="en-US" sz="1600" dirty="0"/>
+              <a:t> </a:t>
+            </a:r>
+            <a:r>
+              <a:rPr lang="en-US" sz="1600" dirty="0" err="1"/>
               <a:t>bước</a:t>
             </a:r>
             <a:r>
-              <a:rPr lang="en-US" sz="1600" dirty="0" smtClean="0"/>
-              <a:t> </a:t>
-            </a:r>
-            <a:r>
-              <a:rPr lang="en-US" sz="1600" dirty="0" err="1" smtClean="0"/>
+              <a:rPr lang="en-US" sz="1600" dirty="0"/>
+              <a:t> </a:t>
+            </a:r>
+            <a:r>
+              <a:rPr lang="en-US" sz="1600" dirty="0" err="1"/>
               <a:t>trước</a:t>
             </a:r>
             <a:r>
-              <a:rPr lang="en-US" sz="1600" dirty="0" smtClean="0"/>
-              <a:t> </a:t>
-            </a:r>
-            <a:r>
-              <a:rPr lang="en-US" sz="1600" dirty="0" err="1" smtClean="0"/>
+              <a:rPr lang="en-US" sz="1600" dirty="0"/>
+              <a:t> </a:t>
+            </a:r>
+            <a:r>
+              <a:rPr lang="en-US" sz="1600" dirty="0" err="1"/>
               <a:t>sẽ</a:t>
             </a:r>
             <a:r>
-              <a:rPr lang="en-US" sz="1600" dirty="0" smtClean="0"/>
-              <a:t> </a:t>
-            </a:r>
-            <a:r>
-              <a:rPr lang="en-US" sz="1600" dirty="0" err="1" smtClean="0"/>
+              <a:rPr lang="en-US" sz="1600" dirty="0"/>
+              <a:t> </a:t>
+            </a:r>
+            <a:r>
+              <a:rPr lang="en-US" sz="1600" dirty="0" err="1"/>
               <a:t>được</a:t>
             </a:r>
             <a:r>
-              <a:rPr lang="en-US" sz="1600" dirty="0" smtClean="0"/>
+              <a:rPr lang="en-US" sz="1600" dirty="0"/>
               <a:t> dung </a:t>
             </a:r>
             <a:r>
-              <a:rPr lang="en-US" sz="1600" dirty="0" err="1" smtClean="0"/>
+              <a:rPr lang="en-US" sz="1600" dirty="0" err="1"/>
               <a:t>để</a:t>
             </a:r>
             <a:r>
-              <a:rPr lang="en-US" sz="1600" dirty="0" smtClean="0"/>
-              <a:t> </a:t>
-            </a:r>
-            <a:r>
-              <a:rPr lang="en-US" sz="1600" dirty="0" err="1" smtClean="0"/>
+              <a:rPr lang="en-US" sz="1600" dirty="0"/>
+              <a:t> </a:t>
+            </a:r>
+            <a:r>
+              <a:rPr lang="en-US" sz="1600" dirty="0" err="1"/>
               <a:t>cập</a:t>
             </a:r>
             <a:r>
-              <a:rPr lang="en-US" sz="1600" dirty="0" smtClean="0"/>
-              <a:t> </a:t>
-            </a:r>
-            <a:r>
-              <a:rPr lang="en-US" sz="1600" dirty="0" err="1" smtClean="0"/>
+              <a:rPr lang="en-US" sz="1600" dirty="0"/>
+              <a:t> </a:t>
+            </a:r>
+            <a:r>
+              <a:rPr lang="en-US" sz="1600" dirty="0" err="1"/>
               <a:t>nhật</a:t>
             </a:r>
             <a:r>
-              <a:rPr lang="en-US" sz="1600" dirty="0" smtClean="0"/>
-              <a:t> </a:t>
-            </a:r>
-            <a:r>
-              <a:rPr lang="en-US" sz="1600" dirty="0" err="1" smtClean="0"/>
+              <a:rPr lang="en-US" sz="1600" dirty="0"/>
+              <a:t> </a:t>
+            </a:r>
+            <a:r>
+              <a:rPr lang="en-US" sz="1600" dirty="0" err="1"/>
               <a:t>trạng</a:t>
             </a:r>
             <a:r>
-              <a:rPr lang="en-US" sz="1600" dirty="0" smtClean="0"/>
-              <a:t> </a:t>
-            </a:r>
-            <a:r>
-              <a:rPr lang="en-US" sz="1600" dirty="0" err="1" smtClean="0"/>
+              <a:rPr lang="en-US" sz="1600" dirty="0"/>
+              <a:t> </a:t>
+            </a:r>
+            <a:r>
+              <a:rPr lang="en-US" sz="1600" dirty="0" err="1"/>
               <a:t>thái</a:t>
             </a:r>
             <a:r>
-              <a:rPr lang="en-US" sz="1600" dirty="0" smtClean="0"/>
-              <a:t> </a:t>
-            </a:r>
-            <a:r>
-              <a:rPr lang="en-US" sz="1600" dirty="0" err="1" smtClean="0"/>
+              <a:rPr lang="en-US" sz="1600" dirty="0"/>
+              <a:t> </a:t>
+            </a:r>
+            <a:r>
+              <a:rPr lang="en-US" sz="1600" dirty="0" err="1"/>
               <a:t>ẩn</a:t>
             </a:r>
             <a:r>
-              <a:rPr lang="en-US" sz="1600" dirty="0" smtClean="0"/>
-              <a:t> </a:t>
-            </a:r>
-            <a:r>
-              <a:rPr lang="en-US" sz="1600" dirty="0" err="1" smtClean="0"/>
+              <a:rPr lang="en-US" sz="1600" dirty="0"/>
+              <a:t> </a:t>
+            </a:r>
+            <a:r>
+              <a:rPr lang="en-US" sz="1600" dirty="0" err="1"/>
               <a:t>của</a:t>
             </a:r>
             <a:r>
-              <a:rPr lang="en-US" sz="1600" dirty="0" smtClean="0"/>
-              <a:t> </a:t>
-            </a:r>
-            <a:r>
-              <a:rPr lang="en-US" sz="1600" dirty="0" err="1" smtClean="0"/>
+              <a:rPr lang="en-US" sz="1600" dirty="0"/>
+              <a:t> </a:t>
+            </a:r>
+            <a:r>
+              <a:rPr lang="en-US" sz="1600" dirty="0" err="1"/>
               <a:t>bước</a:t>
             </a:r>
             <a:r>
-              <a:rPr lang="en-US" sz="1600" dirty="0" smtClean="0"/>
-              <a:t> </a:t>
-            </a:r>
-            <a:r>
-              <a:rPr lang="en-US" sz="1600" dirty="0" err="1" smtClean="0"/>
+              <a:rPr lang="en-US" sz="1600" dirty="0"/>
+              <a:t> </a:t>
+            </a:r>
+            <a:r>
+              <a:rPr lang="en-US" sz="1600" dirty="0" err="1"/>
               <a:t>hiện</a:t>
             </a:r>
             <a:r>
-              <a:rPr lang="en-US" sz="1600" dirty="0" smtClean="0"/>
-              <a:t> </a:t>
-            </a:r>
-            <a:r>
-              <a:rPr lang="en-US" sz="1600" dirty="0" err="1" smtClean="0"/>
+              <a:rPr lang="en-US" sz="1600" dirty="0"/>
+              <a:t> </a:t>
+            </a:r>
+            <a:r>
+              <a:rPr lang="en-US" sz="1600" dirty="0" err="1"/>
               <a:t>tại</a:t>
             </a:r>
-            <a:endParaRPr lang="en-US" sz="1600" dirty="0" smtClean="0"/>
+            <a:endParaRPr lang="en-US" sz="1600" dirty="0"/>
           </a:p>
           <a:p>
             <a:pPr lvl="1"/>
@@ -9918,182 +9852,178 @@
           </a:p>
           <a:p>
             <a:r>
-              <a:rPr lang="en-US" sz="2000" dirty="0" err="1" smtClean="0"/>
+              <a:rPr lang="en-US" sz="2000" dirty="0" err="1"/>
               <a:t>Trong</a:t>
             </a:r>
             <a:r>
-              <a:rPr lang="en-US" sz="2000" dirty="0" smtClean="0"/>
+              <a:rPr lang="en-US" sz="2000" dirty="0"/>
               <a:t> GRU:</a:t>
             </a:r>
           </a:p>
           <a:p>
             <a:pPr lvl="1"/>
             <a:r>
-              <a:rPr lang="en-US" sz="1600" dirty="0" err="1" smtClean="0"/>
+              <a:rPr lang="en-US" sz="1600" dirty="0" err="1"/>
               <a:t>Cổng</a:t>
             </a:r>
             <a:r>
-              <a:rPr lang="en-US" sz="1600" dirty="0" smtClean="0"/>
+              <a:rPr lang="en-US" sz="1600" dirty="0"/>
               <a:t> reset </a:t>
             </a:r>
             <a:r>
-              <a:rPr lang="en-US" sz="1600" dirty="0" err="1" smtClean="0"/>
+              <a:rPr lang="en-US" sz="1600" dirty="0" err="1"/>
               <a:t>dùng</a:t>
             </a:r>
             <a:r>
-              <a:rPr lang="en-US" sz="1600" dirty="0" smtClean="0"/>
-              <a:t> </a:t>
-            </a:r>
-            <a:r>
-              <a:rPr lang="en-US" sz="1600" dirty="0" err="1" smtClean="0"/>
+              <a:rPr lang="en-US" sz="1600" dirty="0"/>
+              <a:t> </a:t>
+            </a:r>
+            <a:r>
+              <a:rPr lang="en-US" sz="1600" dirty="0" err="1"/>
               <a:t>để</a:t>
             </a:r>
             <a:r>
-              <a:rPr lang="en-US" sz="1600" dirty="0" smtClean="0"/>
-              <a:t> </a:t>
-            </a:r>
-            <a:r>
-              <a:rPr lang="en-US" sz="1600" dirty="0" err="1" smtClean="0"/>
+              <a:rPr lang="en-US" sz="1600" dirty="0"/>
+              <a:t> </a:t>
+            </a:r>
+            <a:r>
+              <a:rPr lang="en-US" sz="1600" dirty="0" err="1"/>
               <a:t>lưu</a:t>
             </a:r>
             <a:r>
-              <a:rPr lang="en-US" sz="1600" dirty="0" smtClean="0"/>
-              <a:t> </a:t>
-            </a:r>
-            <a:r>
-              <a:rPr lang="en-US" sz="1600" dirty="0" err="1" smtClean="0"/>
+              <a:rPr lang="en-US" sz="1600" dirty="0"/>
+              <a:t> </a:t>
+            </a:r>
+            <a:r>
+              <a:rPr lang="en-US" sz="1600" dirty="0" err="1"/>
               <a:t>lại</a:t>
             </a:r>
             <a:r>
-              <a:rPr lang="en-US" sz="1600" dirty="0" smtClean="0"/>
-              <a:t> </a:t>
-            </a:r>
-            <a:r>
-              <a:rPr lang="en-US" sz="1600" dirty="0" err="1" smtClean="0"/>
+              <a:rPr lang="en-US" sz="1600" dirty="0"/>
+              <a:t> </a:t>
+            </a:r>
+            <a:r>
+              <a:rPr lang="en-US" sz="1600" dirty="0" err="1"/>
               <a:t>sự</a:t>
             </a:r>
             <a:r>
-              <a:rPr lang="en-US" sz="1600" dirty="0" smtClean="0"/>
-              <a:t> </a:t>
-            </a:r>
-            <a:r>
-              <a:rPr lang="en-US" sz="1600" dirty="0" err="1" smtClean="0"/>
+              <a:rPr lang="en-US" sz="1600" dirty="0"/>
+              <a:t> </a:t>
+            </a:r>
+            <a:r>
+              <a:rPr lang="en-US" sz="1600" dirty="0" err="1"/>
               <a:t>phụ</a:t>
             </a:r>
             <a:r>
-              <a:rPr lang="en-US" sz="1600" dirty="0" smtClean="0"/>
-              <a:t> </a:t>
-            </a:r>
-            <a:r>
-              <a:rPr lang="en-US" sz="1600" dirty="0" err="1" smtClean="0"/>
+              <a:rPr lang="en-US" sz="1600" dirty="0"/>
+              <a:t> </a:t>
+            </a:r>
+            <a:r>
+              <a:rPr lang="en-US" sz="1600" dirty="0" err="1"/>
               <a:t>thuộc</a:t>
             </a:r>
             <a:r>
-              <a:rPr lang="en-US" sz="1600" dirty="0" smtClean="0"/>
-              <a:t> </a:t>
-            </a:r>
-            <a:r>
-              <a:rPr lang="en-US" sz="1600" dirty="0" err="1" smtClean="0"/>
+              <a:rPr lang="en-US" sz="1600" dirty="0"/>
+              <a:t> </a:t>
+            </a:r>
+            <a:r>
+              <a:rPr lang="en-US" sz="1600" dirty="0" err="1"/>
               <a:t>trong</a:t>
             </a:r>
             <a:r>
-              <a:rPr lang="en-US" sz="1600" dirty="0" smtClean="0"/>
-              <a:t> </a:t>
-            </a:r>
-            <a:r>
-              <a:rPr lang="en-US" sz="1600" dirty="0" err="1" smtClean="0"/>
+              <a:rPr lang="en-US" sz="1600" dirty="0"/>
+              <a:t> </a:t>
+            </a:r>
+            <a:r>
+              <a:rPr lang="en-US" sz="1600" dirty="0" err="1"/>
               <a:t>ngắn</a:t>
             </a:r>
             <a:r>
-              <a:rPr lang="en-US" sz="1600" dirty="0" smtClean="0"/>
-              <a:t> </a:t>
-            </a:r>
-            <a:r>
-              <a:rPr lang="en-US" sz="1600" dirty="0" err="1" smtClean="0"/>
+              <a:rPr lang="en-US" sz="1600" dirty="0"/>
+              <a:t> </a:t>
+            </a:r>
+            <a:r>
+              <a:rPr lang="en-US" sz="1600" dirty="0" err="1"/>
               <a:t>hạn</a:t>
             </a:r>
-            <a:endParaRPr lang="en-US" sz="1600" dirty="0" smtClean="0"/>
+            <a:endParaRPr lang="en-US" sz="1600" dirty="0"/>
           </a:p>
           <a:p>
             <a:pPr lvl="1"/>
             <a:r>
-              <a:rPr lang="en-US" sz="1600" dirty="0" err="1" smtClean="0"/>
+              <a:rPr lang="en-US" sz="1600" dirty="0" err="1"/>
               <a:t>Cổng</a:t>
             </a:r>
             <a:r>
               <a:rPr lang="en-US" sz="1600" dirty="0"/>
-              <a:t> </a:t>
-            </a:r>
-            <a:r>
-              <a:rPr lang="en-US" sz="1600" dirty="0" smtClean="0"/>
-              <a:t>update dung </a:t>
-            </a:r>
-            <a:r>
-              <a:rPr lang="en-US" sz="1600" dirty="0" err="1" smtClean="0"/>
+              <a:t> update dung </a:t>
+            </a:r>
+            <a:r>
+              <a:rPr lang="en-US" sz="1600" dirty="0" err="1"/>
               <a:t>để</a:t>
             </a:r>
             <a:r>
-              <a:rPr lang="en-US" sz="1600" dirty="0" smtClean="0"/>
-              <a:t> </a:t>
-            </a:r>
-            <a:r>
-              <a:rPr lang="en-US" sz="1600" dirty="0" err="1" smtClean="0"/>
+              <a:rPr lang="en-US" sz="1600" dirty="0"/>
+              <a:t> </a:t>
+            </a:r>
+            <a:r>
+              <a:rPr lang="en-US" sz="1600" dirty="0" err="1"/>
               <a:t>lưu</a:t>
             </a:r>
             <a:r>
-              <a:rPr lang="en-US" sz="1600" dirty="0" smtClean="0"/>
-              <a:t> </a:t>
-            </a:r>
-            <a:r>
-              <a:rPr lang="en-US" sz="1600" dirty="0" err="1" smtClean="0"/>
+              <a:rPr lang="en-US" sz="1600" dirty="0"/>
+              <a:t> </a:t>
+            </a:r>
+            <a:r>
+              <a:rPr lang="en-US" sz="1600" dirty="0" err="1"/>
               <a:t>lại</a:t>
             </a:r>
             <a:r>
-              <a:rPr lang="en-US" sz="1600" dirty="0" smtClean="0"/>
-              <a:t> </a:t>
-            </a:r>
-            <a:r>
-              <a:rPr lang="en-US" sz="1600" dirty="0" err="1" smtClean="0"/>
+              <a:rPr lang="en-US" sz="1600" dirty="0"/>
+              <a:t> </a:t>
+            </a:r>
+            <a:r>
+              <a:rPr lang="en-US" sz="1600" dirty="0" err="1"/>
               <a:t>sự</a:t>
             </a:r>
             <a:r>
-              <a:rPr lang="en-US" sz="1600" dirty="0" smtClean="0"/>
-              <a:t> </a:t>
-            </a:r>
-            <a:r>
-              <a:rPr lang="en-US" sz="1600" dirty="0" err="1" smtClean="0"/>
+              <a:rPr lang="en-US" sz="1600" dirty="0"/>
+              <a:t> </a:t>
+            </a:r>
+            <a:r>
+              <a:rPr lang="en-US" sz="1600" dirty="0" err="1"/>
               <a:t>phụ</a:t>
             </a:r>
             <a:r>
-              <a:rPr lang="en-US" sz="1600" dirty="0" smtClean="0"/>
-              <a:t> </a:t>
-            </a:r>
-            <a:r>
-              <a:rPr lang="en-US" sz="1600" dirty="0" err="1" smtClean="0"/>
+              <a:rPr lang="en-US" sz="1600" dirty="0"/>
+              <a:t> </a:t>
+            </a:r>
+            <a:r>
+              <a:rPr lang="en-US" sz="1600" dirty="0" err="1"/>
               <a:t>thuộc</a:t>
             </a:r>
             <a:r>
-              <a:rPr lang="en-US" sz="1600" dirty="0" smtClean="0"/>
-              <a:t> </a:t>
-            </a:r>
-            <a:r>
-              <a:rPr lang="en-US" sz="1600" dirty="0" err="1" smtClean="0"/>
+              <a:rPr lang="en-US" sz="1600" dirty="0"/>
+              <a:t> </a:t>
+            </a:r>
+            <a:r>
+              <a:rPr lang="en-US" sz="1600" dirty="0" err="1"/>
               <a:t>trong</a:t>
             </a:r>
             <a:r>
-              <a:rPr lang="en-US" sz="1600" dirty="0" smtClean="0"/>
-              <a:t> </a:t>
-            </a:r>
-            <a:r>
-              <a:rPr lang="en-US" sz="1600" dirty="0" err="1" smtClean="0"/>
+              <a:rPr lang="en-US" sz="1600" dirty="0"/>
+              <a:t> </a:t>
+            </a:r>
+            <a:r>
+              <a:rPr lang="en-US" sz="1600" dirty="0" err="1"/>
               <a:t>dài</a:t>
             </a:r>
             <a:r>
-              <a:rPr lang="en-US" sz="1600" dirty="0" smtClean="0"/>
-              <a:t> </a:t>
-            </a:r>
-            <a:r>
-              <a:rPr lang="en-US" sz="1600" dirty="0" err="1" smtClean="0"/>
+              <a:rPr lang="en-US" sz="1600" dirty="0"/>
+              <a:t> </a:t>
+            </a:r>
+            <a:r>
+              <a:rPr lang="en-US" sz="1600" dirty="0" err="1"/>
               <a:t>hạn</a:t>
             </a:r>
             <a:endParaRPr lang="en-US" sz="1600" dirty="0"/>
@@ -10146,10 +10076,9 @@
           <a:lstStyle/>
           <a:p>
             <a:r>
-              <a:rPr lang="en-US" dirty="0" smtClean="0"/>
+              <a:rPr lang="en-US" dirty="0"/>
               <a:t>Long Short Term Memory (LSTM)</a:t>
             </a:r>
-            <a:endParaRPr lang="en-US" dirty="0"/>
           </a:p>
         </p:txBody>
       </p:sp>
@@ -10176,271 +10105,270 @@
           <a:lstStyle/>
           <a:p>
             <a:r>
-              <a:rPr lang="en-US" sz="2000" dirty="0" smtClean="0"/>
+              <a:rPr lang="en-US" sz="2000" dirty="0"/>
               <a:t>LSTM </a:t>
             </a:r>
             <a:r>
-              <a:rPr lang="en-US" sz="2000" dirty="0" err="1" smtClean="0"/>
+              <a:rPr lang="en-US" sz="2000" dirty="0" err="1"/>
               <a:t>sử</a:t>
             </a:r>
             <a:r>
-              <a:rPr lang="en-US" sz="2000" dirty="0" smtClean="0"/>
-              <a:t> </a:t>
-            </a:r>
-            <a:r>
-              <a:rPr lang="en-US" sz="2000" dirty="0" err="1" smtClean="0"/>
+              <a:rPr lang="en-US" sz="2000" dirty="0"/>
+              <a:t> </a:t>
+            </a:r>
+            <a:r>
+              <a:rPr lang="en-US" sz="2000" dirty="0" err="1"/>
               <a:t>dụng</a:t>
             </a:r>
             <a:r>
-              <a:rPr lang="en-US" sz="2000" dirty="0" smtClean="0"/>
+              <a:rPr lang="en-US" sz="2000" dirty="0"/>
               <a:t> 3 </a:t>
             </a:r>
             <a:r>
-              <a:rPr lang="en-US" sz="2000" dirty="0" err="1" smtClean="0"/>
+              <a:rPr lang="en-US" sz="2000" dirty="0" err="1"/>
               <a:t>cổng</a:t>
             </a:r>
             <a:r>
-              <a:rPr lang="en-US" sz="2000" dirty="0" smtClean="0"/>
+              <a:rPr lang="en-US" sz="2000" dirty="0"/>
               <a:t>:</a:t>
             </a:r>
           </a:p>
           <a:p>
             <a:pPr lvl="1"/>
             <a:r>
-              <a:rPr lang="en-US" sz="1800" dirty="0" err="1" smtClean="0"/>
+              <a:rPr lang="en-US" sz="1800" dirty="0" err="1"/>
               <a:t>Cổng</a:t>
             </a:r>
             <a:r>
-              <a:rPr lang="en-US" sz="1800" dirty="0" smtClean="0"/>
-              <a:t> </a:t>
-            </a:r>
-            <a:r>
-              <a:rPr lang="en-US" sz="1800" dirty="0" err="1" smtClean="0"/>
+              <a:rPr lang="en-US" sz="1800" dirty="0"/>
+              <a:t> </a:t>
+            </a:r>
+            <a:r>
+              <a:rPr lang="en-US" sz="1800" dirty="0" err="1"/>
               <a:t>quên</a:t>
             </a:r>
             <a:r>
-              <a:rPr lang="en-US" sz="1800" dirty="0" smtClean="0"/>
+              <a:rPr lang="en-US" sz="1800" dirty="0"/>
               <a:t>: </a:t>
             </a:r>
             <a:r>
-              <a:rPr lang="en-US" sz="1800" dirty="0" err="1" smtClean="0"/>
+              <a:rPr lang="en-US" sz="1800" dirty="0" err="1"/>
               <a:t>quyết</a:t>
             </a:r>
             <a:r>
-              <a:rPr lang="en-US" sz="1800" dirty="0" smtClean="0"/>
-              <a:t> </a:t>
-            </a:r>
-            <a:r>
-              <a:rPr lang="en-US" sz="1800" dirty="0" err="1" smtClean="0"/>
+              <a:rPr lang="en-US" sz="1800" dirty="0"/>
+              <a:t> </a:t>
+            </a:r>
+            <a:r>
+              <a:rPr lang="en-US" sz="1800" dirty="0" err="1"/>
               <a:t>định</a:t>
             </a:r>
             <a:r>
-              <a:rPr lang="en-US" sz="1800" dirty="0" smtClean="0"/>
-              <a:t> </a:t>
-            </a:r>
-            <a:r>
-              <a:rPr lang="en-US" sz="1800" dirty="0" err="1" smtClean="0"/>
+              <a:rPr lang="en-US" sz="1800" dirty="0"/>
+              <a:t> </a:t>
+            </a:r>
+            <a:r>
+              <a:rPr lang="en-US" sz="1800" dirty="0" err="1"/>
               <a:t>khi</a:t>
             </a:r>
             <a:r>
-              <a:rPr lang="en-US" sz="1800" dirty="0" smtClean="0"/>
-              <a:t> </a:t>
-            </a:r>
-            <a:r>
-              <a:rPr lang="en-US" sz="1800" dirty="0" err="1" smtClean="0"/>
+              <a:rPr lang="en-US" sz="1800" dirty="0"/>
+              <a:t> </a:t>
+            </a:r>
+            <a:r>
+              <a:rPr lang="en-US" sz="1800" dirty="0" err="1"/>
               <a:t>nào</a:t>
             </a:r>
             <a:r>
-              <a:rPr lang="en-US" sz="1800" dirty="0" smtClean="0"/>
+              <a:rPr lang="en-US" sz="1800" dirty="0"/>
               <a:t> reset </a:t>
             </a:r>
             <a:r>
-              <a:rPr lang="en-US" sz="1800" dirty="0" err="1" smtClean="0"/>
+              <a:rPr lang="en-US" sz="1800" dirty="0" err="1"/>
               <a:t>giá</a:t>
             </a:r>
             <a:r>
-              <a:rPr lang="en-US" sz="1800" dirty="0" smtClean="0"/>
-              <a:t> </a:t>
-            </a:r>
-            <a:r>
-              <a:rPr lang="en-US" sz="1800" dirty="0" err="1" smtClean="0"/>
+              <a:rPr lang="en-US" sz="1800" dirty="0"/>
+              <a:t> </a:t>
+            </a:r>
+            <a:r>
+              <a:rPr lang="en-US" sz="1800" dirty="0" err="1"/>
               <a:t>trị</a:t>
             </a:r>
             <a:r>
-              <a:rPr lang="en-US" sz="1800" dirty="0" smtClean="0"/>
-              <a:t> </a:t>
-            </a:r>
-            <a:r>
-              <a:rPr lang="en-US" sz="1800" dirty="0" err="1" smtClean="0"/>
+              <a:rPr lang="en-US" sz="1800" dirty="0"/>
+              <a:t> </a:t>
+            </a:r>
+            <a:r>
+              <a:rPr lang="en-US" sz="1800" dirty="0" err="1"/>
               <a:t>mô</a:t>
             </a:r>
             <a:r>
-              <a:rPr lang="en-US" sz="1800" dirty="0" smtClean="0"/>
-              <a:t> </a:t>
-            </a:r>
-            <a:r>
-              <a:rPr lang="en-US" sz="1800" dirty="0" err="1" smtClean="0"/>
+              <a:rPr lang="en-US" sz="1800" dirty="0"/>
+              <a:t> </a:t>
+            </a:r>
+            <a:r>
+              <a:rPr lang="en-US" sz="1800" dirty="0" err="1"/>
               <a:t>hình</a:t>
             </a:r>
-            <a:endParaRPr lang="en-US" sz="1800" dirty="0" smtClean="0"/>
+            <a:endParaRPr lang="en-US" sz="1800" dirty="0"/>
           </a:p>
           <a:p>
             <a:pPr lvl="1"/>
             <a:r>
-              <a:rPr lang="en-US" sz="1800" dirty="0" err="1" smtClean="0"/>
+              <a:rPr lang="en-US" sz="1800" dirty="0" err="1"/>
               <a:t>Cổng</a:t>
             </a:r>
             <a:r>
-              <a:rPr lang="en-US" sz="1800" dirty="0" smtClean="0"/>
+              <a:rPr lang="en-US" sz="1800" dirty="0"/>
               <a:t> input: </a:t>
             </a:r>
             <a:r>
-              <a:rPr lang="en-US" sz="1800" dirty="0" err="1" smtClean="0"/>
+              <a:rPr lang="en-US" sz="1800" dirty="0" err="1"/>
               <a:t>quyết</a:t>
             </a:r>
             <a:r>
-              <a:rPr lang="en-US" sz="1800" dirty="0" smtClean="0"/>
-              <a:t> </a:t>
-            </a:r>
-            <a:r>
-              <a:rPr lang="en-US" sz="1800" dirty="0" err="1" smtClean="0"/>
+              <a:rPr lang="en-US" sz="1800" dirty="0"/>
+              <a:t> </a:t>
+            </a:r>
+            <a:r>
+              <a:rPr lang="en-US" sz="1800" dirty="0" err="1"/>
               <a:t>định</a:t>
             </a:r>
             <a:r>
-              <a:rPr lang="en-US" sz="1800" dirty="0" smtClean="0"/>
-              <a:t> </a:t>
-            </a:r>
-            <a:r>
-              <a:rPr lang="en-US" sz="1800" dirty="0" err="1" smtClean="0"/>
+              <a:rPr lang="en-US" sz="1800" dirty="0"/>
+              <a:t> </a:t>
+            </a:r>
+            <a:r>
+              <a:rPr lang="en-US" sz="1800" dirty="0" err="1"/>
               <a:t>khi</a:t>
             </a:r>
             <a:r>
-              <a:rPr lang="en-US" sz="1800" dirty="0" smtClean="0"/>
-              <a:t> </a:t>
-            </a:r>
-            <a:r>
-              <a:rPr lang="en-US" sz="1800" dirty="0" err="1" smtClean="0"/>
+              <a:rPr lang="en-US" sz="1800" dirty="0"/>
+              <a:t> </a:t>
+            </a:r>
+            <a:r>
+              <a:rPr lang="en-US" sz="1800" dirty="0" err="1"/>
               <a:t>nào</a:t>
             </a:r>
             <a:r>
-              <a:rPr lang="en-US" sz="1800" dirty="0" smtClean="0"/>
-              <a:t> </a:t>
-            </a:r>
-            <a:r>
-              <a:rPr lang="en-US" sz="1800" dirty="0" err="1" smtClean="0"/>
+              <a:rPr lang="en-US" sz="1800" dirty="0"/>
+              <a:t> </a:t>
+            </a:r>
+            <a:r>
+              <a:rPr lang="en-US" sz="1800" dirty="0" err="1"/>
               <a:t>thì</a:t>
             </a:r>
             <a:r>
-              <a:rPr lang="en-US" sz="1800" dirty="0" smtClean="0"/>
-              <a:t> </a:t>
-            </a:r>
-            <a:r>
-              <a:rPr lang="en-US" sz="1800" dirty="0" err="1" smtClean="0"/>
+              <a:rPr lang="en-US" sz="1800" dirty="0"/>
+              <a:t> </a:t>
+            </a:r>
+            <a:r>
+              <a:rPr lang="en-US" sz="1800" dirty="0" err="1"/>
               <a:t>đọc</a:t>
             </a:r>
             <a:r>
-              <a:rPr lang="en-US" sz="1800" dirty="0" smtClean="0"/>
+              <a:rPr lang="en-US" sz="1800" dirty="0"/>
               <a:t> input</a:t>
             </a:r>
           </a:p>
           <a:p>
             <a:pPr lvl="1"/>
             <a:r>
-              <a:rPr lang="en-US" sz="1800" dirty="0" err="1" smtClean="0"/>
+              <a:rPr lang="en-US" sz="1800" dirty="0" err="1"/>
               <a:t>Cổng</a:t>
             </a:r>
             <a:r>
-              <a:rPr lang="en-US" sz="1800" dirty="0" smtClean="0"/>
+              <a:rPr lang="en-US" sz="1800" dirty="0"/>
               <a:t> output: </a:t>
             </a:r>
             <a:r>
-              <a:rPr lang="en-US" sz="1800" dirty="0" err="1" smtClean="0"/>
+              <a:rPr lang="en-US" sz="1800" dirty="0" err="1"/>
               <a:t>tính</a:t>
             </a:r>
             <a:r>
-              <a:rPr lang="en-US" sz="1800" dirty="0" smtClean="0"/>
+              <a:rPr lang="en-US" sz="1800" dirty="0"/>
               <a:t> output </a:t>
             </a:r>
             <a:r>
-              <a:rPr lang="en-US" sz="1800" dirty="0" err="1" smtClean="0"/>
+              <a:rPr lang="en-US" sz="1800" dirty="0" err="1"/>
               <a:t>từ</a:t>
             </a:r>
             <a:r>
-              <a:rPr lang="en-US" sz="1800" dirty="0" smtClean="0"/>
-              <a:t> </a:t>
-            </a:r>
-            <a:r>
-              <a:rPr lang="en-US" sz="1800" dirty="0" err="1" smtClean="0"/>
+              <a:rPr lang="en-US" sz="1800" dirty="0"/>
+              <a:t> </a:t>
+            </a:r>
+            <a:r>
+              <a:rPr lang="en-US" sz="1800" dirty="0" err="1"/>
               <a:t>mô</a:t>
             </a:r>
             <a:r>
-              <a:rPr lang="en-US" sz="1800" dirty="0" smtClean="0"/>
-              <a:t> </a:t>
-            </a:r>
-            <a:r>
-              <a:rPr lang="en-US" sz="1800" dirty="0" err="1" smtClean="0"/>
+              <a:rPr lang="en-US" sz="1800" dirty="0"/>
+              <a:t> </a:t>
+            </a:r>
+            <a:r>
+              <a:rPr lang="en-US" sz="1800" dirty="0" err="1"/>
               <a:t>hình</a:t>
             </a:r>
-            <a:endParaRPr lang="en-US" sz="1800" dirty="0" smtClean="0"/>
-          </a:p>
-          <a:p>
-            <a:r>
-              <a:rPr lang="en-US" sz="2000" dirty="0" err="1" smtClean="0"/>
+            <a:endParaRPr lang="en-US" sz="1800" dirty="0"/>
+          </a:p>
+          <a:p>
+            <a:r>
+              <a:rPr lang="en-US" sz="2000" dirty="0" err="1"/>
               <a:t>Cách</a:t>
             </a:r>
             <a:r>
-              <a:rPr lang="en-US" sz="2000" dirty="0" smtClean="0"/>
-              <a:t> </a:t>
-            </a:r>
-            <a:r>
-              <a:rPr lang="en-US" sz="2000" dirty="0" err="1" smtClean="0"/>
+              <a:rPr lang="en-US" sz="2000" dirty="0"/>
+              <a:t> </a:t>
+            </a:r>
+            <a:r>
+              <a:rPr lang="en-US" sz="2000" dirty="0" err="1"/>
               <a:t>tính</a:t>
             </a:r>
             <a:r>
-              <a:rPr lang="en-US" sz="2000" dirty="0" smtClean="0"/>
+              <a:rPr lang="en-US" sz="2000" dirty="0"/>
               <a:t> 3 </a:t>
             </a:r>
             <a:r>
-              <a:rPr lang="en-US" sz="2000" dirty="0" err="1" smtClean="0"/>
+              <a:rPr lang="en-US" sz="2000" dirty="0" err="1"/>
               <a:t>cổng</a:t>
             </a:r>
             <a:r>
-              <a:rPr lang="en-US" sz="2000" dirty="0" smtClean="0"/>
-              <a:t> </a:t>
-            </a:r>
-            <a:r>
-              <a:rPr lang="en-US" sz="2000" dirty="0" err="1" smtClean="0"/>
+              <a:rPr lang="en-US" sz="2000" dirty="0"/>
+              <a:t> </a:t>
+            </a:r>
+            <a:r>
+              <a:rPr lang="en-US" sz="2000" dirty="0" err="1"/>
               <a:t>theo</a:t>
             </a:r>
             <a:r>
-              <a:rPr lang="en-US" sz="2000" dirty="0" smtClean="0"/>
-              <a:t> </a:t>
-            </a:r>
-            <a:r>
-              <a:rPr lang="en-US" sz="2000" dirty="0" err="1" smtClean="0"/>
+              <a:rPr lang="en-US" sz="2000" dirty="0"/>
+              <a:t> </a:t>
+            </a:r>
+            <a:r>
+              <a:rPr lang="en-US" sz="2000" dirty="0" err="1"/>
               <a:t>công</a:t>
             </a:r>
             <a:r>
-              <a:rPr lang="en-US" sz="2000" dirty="0" smtClean="0"/>
-              <a:t> </a:t>
-            </a:r>
-            <a:r>
-              <a:rPr lang="en-US" sz="2000" dirty="0" err="1" smtClean="0"/>
+              <a:rPr lang="en-US" sz="2000" dirty="0"/>
+              <a:t> </a:t>
+            </a:r>
+            <a:r>
+              <a:rPr lang="en-US" sz="2000" dirty="0" err="1"/>
               <a:t>thức</a:t>
             </a:r>
             <a:r>
-              <a:rPr lang="en-US" sz="2000" dirty="0" smtClean="0"/>
-              <a:t> </a:t>
-            </a:r>
-            <a:r>
-              <a:rPr lang="en-US" sz="2000" dirty="0" err="1" smtClean="0"/>
+              <a:rPr lang="en-US" sz="2000" dirty="0"/>
+              <a:t> </a:t>
+            </a:r>
+            <a:r>
+              <a:rPr lang="en-US" sz="2000" dirty="0" err="1"/>
               <a:t>sau</a:t>
             </a:r>
             <a:r>
-              <a:rPr lang="en-US" sz="2000" dirty="0" smtClean="0"/>
+              <a:rPr lang="en-US" sz="2000" dirty="0"/>
               <a:t>:</a:t>
             </a:r>
-            <a:endParaRPr lang="en-US" sz="2000" dirty="0"/>
           </a:p>
         </p:txBody>
       </p:sp>
@@ -10567,23 +10495,23 @@
           <a:lstStyle/>
           <a:p>
             <a:r>
-              <a:rPr lang="en-US" sz="2000" dirty="0" err="1" smtClean="0"/>
+              <a:rPr lang="en-US" sz="2000" dirty="0" err="1"/>
               <a:t>Cổng</a:t>
             </a:r>
             <a:r>
-              <a:rPr lang="en-US" sz="2000" dirty="0" smtClean="0"/>
-              <a:t> </a:t>
-            </a:r>
-            <a:r>
-              <a:rPr lang="en-US" sz="2000" dirty="0" err="1" smtClean="0"/>
+              <a:rPr lang="en-US" sz="2000" dirty="0"/>
+              <a:t> </a:t>
+            </a:r>
+            <a:r>
+              <a:rPr lang="en-US" sz="2000" dirty="0" err="1"/>
               <a:t>nhớ</a:t>
             </a:r>
             <a:r>
-              <a:rPr lang="en-US" sz="2000" dirty="0" smtClean="0"/>
+              <a:rPr lang="en-US" sz="2000" dirty="0"/>
               <a:t> (memory cell)</a:t>
             </a:r>
             <a:r>
-              <a:rPr lang="vi-VN" sz="2000" dirty="0" smtClean="0"/>
+              <a:rPr lang="vi-VN" sz="2000" dirty="0"/>
               <a:t> đề nghị:</a:t>
             </a:r>
             <a:endParaRPr lang="en-US" sz="2000" dirty="0"/>
@@ -10713,7 +10641,7 @@
           <a:lstStyle/>
           <a:p>
             <a:r>
-              <a:rPr lang="vi-VN" sz="2000" dirty="0" smtClean="0"/>
+              <a:rPr lang="vi-VN" sz="2000" dirty="0"/>
               <a:t>Cổng nhớ và trạng thái ẩn:</a:t>
             </a:r>
           </a:p>
@@ -10721,35 +10649,35 @@
             <a:endParaRPr lang="vi-VN" sz="2000" dirty="0"/>
           </a:p>
           <a:p>
-            <a:endParaRPr lang="vi-VN" sz="2000" dirty="0" smtClean="0"/>
-          </a:p>
-          <a:p>
             <a:endParaRPr lang="vi-VN" sz="2000" dirty="0"/>
           </a:p>
           <a:p>
-            <a:r>
-              <a:rPr lang="vi-VN" sz="2000" dirty="0" smtClean="0"/>
+            <a:endParaRPr lang="vi-VN" sz="2000" dirty="0"/>
+          </a:p>
+          <a:p>
+            <a:r>
+              <a:rPr lang="vi-VN" sz="2000" dirty="0"/>
               <a:t>Tóm tắt:</a:t>
             </a:r>
           </a:p>
           <a:p>
             <a:pPr lvl="1"/>
             <a:r>
-              <a:rPr lang="vi-VN" sz="1600" dirty="0" smtClean="0"/>
+              <a:rPr lang="vi-VN" sz="1600" dirty="0"/>
               <a:t>Cổng input để tính sự ảnh hưởng của input tại thời điểm hiện tại thông qua phép tính C~</a:t>
             </a:r>
           </a:p>
           <a:p>
             <a:pPr lvl="1"/>
             <a:r>
-              <a:rPr lang="vi-VN" sz="1600" dirty="0" smtClean="0"/>
+              <a:rPr lang="vi-VN" sz="1600" dirty="0"/>
               <a:t>Cổng quên F quyết định nên giữ lại bao nhiêu từ cổng nhớ thời điểm trước, từ đó tính toán C của mô hình</a:t>
             </a:r>
           </a:p>
           <a:p>
             <a:pPr lvl="1"/>
             <a:r>
-              <a:rPr lang="vi-VN" sz="1600" dirty="0" smtClean="0"/>
+              <a:rPr lang="vi-VN" sz="1600" dirty="0"/>
               <a:t>H được tính bằng cổng output</a:t>
             </a:r>
           </a:p>
@@ -10876,10 +10804,9 @@
           <a:lstStyle/>
           <a:p>
             <a:r>
-              <a:rPr lang="en-US" dirty="0" smtClean="0"/>
+              <a:rPr lang="en-US" dirty="0"/>
               <a:t>Deep RNN</a:t>
             </a:r>
-            <a:endParaRPr lang="en-US" dirty="0"/>
           </a:p>
         </p:txBody>
       </p:sp>
@@ -10906,13 +10833,13 @@
           <a:lstStyle/>
           <a:p>
             <a:r>
-              <a:rPr lang="vi-VN" sz="1800" dirty="0" smtClean="0"/>
+              <a:rPr lang="vi-VN" sz="1800" dirty="0"/>
               <a:t>Ta có thể chồng nhiều lớp RNN hoặc LSTM, GRU bằng cách lấy trạng thái ẩn của lớp trước làm input cho lớp sau và input cho thời điểm sau cùng lúc</a:t>
             </a:r>
           </a:p>
           <a:p>
             <a:r>
-              <a:rPr lang="vi-VN" sz="1800" dirty="0" smtClean="0"/>
+              <a:rPr lang="vi-VN" sz="1800" dirty="0"/>
               <a:t>Cách tính toán trạng thái ẩn và out put của mô hình:</a:t>
             </a:r>
             <a:endParaRPr lang="en-US" sz="1800" dirty="0"/>
